--- a/DesigningForADWPerformance.pptx
+++ b/DesigningForADWPerformance.pptx
@@ -5,7 +5,7 @@
     <p:sldMasterId id="2147483685" r:id="rId4"/>
   </p:sldMasterIdLst>
   <p:notesMasterIdLst>
-    <p:notesMasterId r:id="rId15"/>
+    <p:notesMasterId r:id="rId17"/>
   </p:notesMasterIdLst>
   <p:sldIdLst>
     <p:sldId id="359" r:id="rId5"/>
@@ -13,11 +13,13 @@
     <p:sldId id="350" r:id="rId7"/>
     <p:sldId id="354" r:id="rId8"/>
     <p:sldId id="355" r:id="rId9"/>
-    <p:sldId id="356" r:id="rId10"/>
-    <p:sldId id="357" r:id="rId11"/>
-    <p:sldId id="278" r:id="rId12"/>
-    <p:sldId id="360" r:id="rId13"/>
-    <p:sldId id="358" r:id="rId14"/>
+    <p:sldId id="361" r:id="rId10"/>
+    <p:sldId id="362" r:id="rId11"/>
+    <p:sldId id="356" r:id="rId12"/>
+    <p:sldId id="357" r:id="rId13"/>
+    <p:sldId id="278" r:id="rId14"/>
+    <p:sldId id="360" r:id="rId15"/>
+    <p:sldId id="358" r:id="rId16"/>
   </p:sldIdLst>
   <p:sldSz cx="9144000" cy="5143500" type="screen16x9"/>
   <p:notesSz cx="6858000" cy="9144000"/>
@@ -565,6 +567,90 @@
 </p:notes>
 </file>
 
+<file path=ppt/notesSlides/notesSlide10.xml><?xml version="1.0" encoding="utf-8"?>
+<p:notes xmlns:a="http://schemas.openxmlformats.org/drawingml/2006/main" xmlns:r="http://schemas.openxmlformats.org/officeDocument/2006/relationships" xmlns:p="http://schemas.openxmlformats.org/presentationml/2006/main">
+  <p:cSld>
+    <p:spTree>
+      <p:nvGrpSpPr>
+        <p:cNvPr id="1" name=""/>
+        <p:cNvGrpSpPr/>
+        <p:nvPr/>
+      </p:nvGrpSpPr>
+      <p:grpSpPr>
+        <a:xfrm>
+          <a:off x="0" y="0"/>
+          <a:ext cx="0" cy="0"/>
+          <a:chOff x="0" y="0"/>
+          <a:chExt cx="0" cy="0"/>
+        </a:xfrm>
+      </p:grpSpPr>
+      <p:sp>
+        <p:nvSpPr>
+          <p:cNvPr id="2" name="Slide Image Placeholder 1"/>
+          <p:cNvSpPr>
+            <a:spLocks noGrp="1" noRot="1" noChangeAspect="1"/>
+          </p:cNvSpPr>
+          <p:nvPr>
+            <p:ph type="sldImg"/>
+          </p:nvPr>
+        </p:nvSpPr>
+        <p:spPr/>
+      </p:sp>
+      <p:sp>
+        <p:nvSpPr>
+          <p:cNvPr id="3" name="Notes Placeholder 2"/>
+          <p:cNvSpPr>
+            <a:spLocks noGrp="1"/>
+          </p:cNvSpPr>
+          <p:nvPr>
+            <p:ph type="body" idx="1"/>
+          </p:nvPr>
+        </p:nvSpPr>
+        <p:spPr/>
+        <p:txBody>
+          <a:bodyPr/>
+          <a:lstStyle/>
+          <a:p>
+            <a:endParaRPr lang="en-US" dirty="0"/>
+          </a:p>
+        </p:txBody>
+      </p:sp>
+      <p:sp>
+        <p:nvSpPr>
+          <p:cNvPr id="4" name="Slide Number Placeholder 3"/>
+          <p:cNvSpPr>
+            <a:spLocks noGrp="1"/>
+          </p:cNvSpPr>
+          <p:nvPr>
+            <p:ph type="sldNum" sz="quarter" idx="10"/>
+          </p:nvPr>
+        </p:nvSpPr>
+        <p:spPr/>
+        <p:txBody>
+          <a:bodyPr/>
+          <a:lstStyle/>
+          <a:p>
+            <a:fld id="{EF48CD4C-E5E2-FD4B-A013-4032F684959D}" type="slidenum">
+              <a:rPr lang="en-US" smtClean="0"/>
+              <a:t>12</a:t>
+            </a:fld>
+            <a:endParaRPr lang="en-US" dirty="0"/>
+          </a:p>
+        </p:txBody>
+      </p:sp>
+    </p:spTree>
+    <p:extLst>
+      <p:ext uri="{BB962C8B-B14F-4D97-AF65-F5344CB8AC3E}">
+        <p14:creationId xmlns:p14="http://schemas.microsoft.com/office/powerpoint/2010/main" val="1250904401"/>
+      </p:ext>
+    </p:extLst>
+  </p:cSld>
+  <p:clrMapOvr>
+    <a:masterClrMapping/>
+  </p:clrMapOvr>
+</p:notes>
+</file>
+
 <file path=ppt/notesSlides/notesSlide2.xml><?xml version="1.0" encoding="utf-8"?>
 <p:notes xmlns:a="http://schemas.openxmlformats.org/drawingml/2006/main" xmlns:r="http://schemas.openxmlformats.org/officeDocument/2006/relationships" xmlns:p="http://schemas.openxmlformats.org/presentationml/2006/main">
   <p:cSld>
@@ -906,57 +992,6 @@
           <a:bodyPr/>
           <a:lstStyle/>
           <a:p>
-            <a:pPr marL="0" marR="0" lvl="0" indent="0" algn="l" defTabSz="914400" rtl="0" eaLnBrk="1" fontAlgn="auto" latinLnBrk="0" hangingPunct="1">
-              <a:lnSpc>
-                <a:spcPct val="100000"/>
-              </a:lnSpc>
-              <a:spcBef>
-                <a:spcPts val="0"/>
-              </a:spcBef>
-              <a:spcAft>
-                <a:spcPts val="0"/>
-              </a:spcAft>
-              <a:buClrTx/>
-              <a:buSzTx/>
-              <a:buFontTx/>
-              <a:buNone/>
-              <a:tabLst/>
-              <a:defRPr/>
-            </a:pPr>
-            <a:r>
-              <a:rPr lang="en-US" dirty="0" smtClean="0"/>
-              <a:t>Original</a:t>
-            </a:r>
-            <a:r>
-              <a:rPr lang="en-US" baseline="0" dirty="0" smtClean="0"/>
-              <a:t> song: Party Rock Anthem (Everyday I’m Shuffling)</a:t>
-            </a:r>
-          </a:p>
-          <a:p>
-            <a:pPr marL="0" marR="0" lvl="0" indent="0" algn="l" defTabSz="914400" rtl="0" eaLnBrk="1" fontAlgn="auto" latinLnBrk="0" hangingPunct="1">
-              <a:lnSpc>
-                <a:spcPct val="100000"/>
-              </a:lnSpc>
-              <a:spcBef>
-                <a:spcPts val="0"/>
-              </a:spcBef>
-              <a:spcAft>
-                <a:spcPts val="0"/>
-              </a:spcAft>
-              <a:buClrTx/>
-              <a:buSzTx/>
-              <a:buFontTx/>
-              <a:buNone/>
-              <a:tabLst/>
-              <a:defRPr/>
-            </a:pPr>
-            <a:r>
-              <a:rPr lang="en-US" baseline="0" dirty="0" smtClean="0"/>
-              <a:t>Artist: LMFAO</a:t>
-            </a:r>
-            <a:endParaRPr lang="en-US" dirty="0" smtClean="0"/>
-          </a:p>
-          <a:p>
             <a:endParaRPr lang="en-US" dirty="0"/>
           </a:p>
         </p:txBody>
@@ -978,7 +1013,7 @@
           <a:p>
             <a:fld id="{EF48CD4C-E5E2-FD4B-A013-4032F684959D}" type="slidenum">
               <a:rPr lang="en-US" smtClean="0"/>
-              <a:t>6</a:t>
+              <a:t>7</a:t>
             </a:fld>
             <a:endParaRPr lang="en-US" dirty="0"/>
           </a:p>
@@ -987,7 +1022,7 @@
     </p:spTree>
     <p:extLst>
       <p:ext uri="{BB962C8B-B14F-4D97-AF65-F5344CB8AC3E}">
-        <p14:creationId xmlns:p14="http://schemas.microsoft.com/office/powerpoint/2010/main" val="590059706"/>
+        <p14:creationId xmlns:p14="http://schemas.microsoft.com/office/powerpoint/2010/main" val="3009070967"/>
       </p:ext>
     </p:extLst>
   </p:cSld>
@@ -1060,19 +1095,12 @@
             </a:pPr>
             <a:r>
               <a:rPr lang="en-US" dirty="0" smtClean="0"/>
-              <a:t>Chart</a:t>
+              <a:t>Original</a:t>
             </a:r>
             <a:r>
               <a:rPr lang="en-US" baseline="0" dirty="0" smtClean="0"/>
-              <a:t> by Robin Lester </a:t>
-            </a:r>
-            <a:r>
-              <a:rPr lang="en-US" dirty="0" smtClean="0">
-                <a:hlinkClick r:id="rId3"/>
-              </a:rPr>
-              <a:t>https://sqlbits.com/Downloads/595/Robin%20Lester_SQLAzureDataWarehouseSQLBits.pdf</a:t>
-            </a:r>
-            <a:endParaRPr lang="en-US" dirty="0" smtClean="0"/>
+              <a:t> song: Party Rock Anthem (Everyday I’m Shuffling)</a:t>
+            </a:r>
           </a:p>
           <a:p>
             <a:pPr marL="0" marR="0" lvl="0" indent="0" algn="l" defTabSz="914400" rtl="0" eaLnBrk="1" fontAlgn="auto" latinLnBrk="0" hangingPunct="1">
@@ -1092,6 +1120,10 @@
               <a:tabLst/>
               <a:defRPr/>
             </a:pPr>
+            <a:r>
+              <a:rPr lang="en-US" baseline="0" dirty="0" smtClean="0"/>
+              <a:t>Artist: LMFAO</a:t>
+            </a:r>
             <a:endParaRPr lang="en-US" dirty="0" smtClean="0"/>
           </a:p>
           <a:p>
@@ -1116,7 +1148,7 @@
           <a:p>
             <a:fld id="{EF48CD4C-E5E2-FD4B-A013-4032F684959D}" type="slidenum">
               <a:rPr lang="en-US" smtClean="0"/>
-              <a:t>7</a:t>
+              <a:t>8</a:t>
             </a:fld>
             <a:endParaRPr lang="en-US" dirty="0"/>
           </a:p>
@@ -1125,7 +1157,7 @@
     </p:spTree>
     <p:extLst>
       <p:ext uri="{BB962C8B-B14F-4D97-AF65-F5344CB8AC3E}">
-        <p14:creationId xmlns:p14="http://schemas.microsoft.com/office/powerpoint/2010/main" val="462584087"/>
+        <p14:creationId xmlns:p14="http://schemas.microsoft.com/office/powerpoint/2010/main" val="590059706"/>
       </p:ext>
     </p:extLst>
   </p:cSld>
@@ -1179,68 +1211,60 @@
           <a:bodyPr/>
           <a:lstStyle/>
           <a:p>
+            <a:pPr marL="0" marR="0" lvl="0" indent="0" algn="l" defTabSz="914400" rtl="0" eaLnBrk="1" fontAlgn="auto" latinLnBrk="0" hangingPunct="1">
+              <a:lnSpc>
+                <a:spcPct val="100000"/>
+              </a:lnSpc>
+              <a:spcBef>
+                <a:spcPts val="0"/>
+              </a:spcBef>
+              <a:spcAft>
+                <a:spcPts val="0"/>
+              </a:spcAft>
+              <a:buClrTx/>
+              <a:buSzTx/>
+              <a:buFontTx/>
+              <a:buNone/>
+              <a:tabLst/>
+              <a:defRPr/>
+            </a:pPr>
             <a:r>
               <a:rPr lang="en-US" dirty="0" smtClean="0"/>
-              <a:t>Query Improvements</a:t>
-            </a:r>
-          </a:p>
-          <a:p>
-            <a:pPr marL="171450" indent="-171450">
-              <a:buFont typeface="Arial" panose="020B0604020202020204" pitchFamily="34" charset="0"/>
-              <a:buChar char="•"/>
+              <a:t>Chart</a:t>
+            </a:r>
+            <a:r>
+              <a:rPr lang="en-US" baseline="0" dirty="0" smtClean="0"/>
+              <a:t> by Robin Lester </a:t>
+            </a:r>
+            <a:r>
+              <a:rPr lang="en-US" dirty="0" smtClean="0">
+                <a:hlinkClick r:id="rId3"/>
+              </a:rPr>
+              <a:t>https://sqlbits.com/Downloads/595/Robin%20Lester_SQLAzureDataWarehouseSQLBits.pdf</a:t>
+            </a:r>
+            <a:endParaRPr lang="en-US" dirty="0" smtClean="0"/>
+          </a:p>
+          <a:p>
+            <a:pPr marL="0" marR="0" lvl="0" indent="0" algn="l" defTabSz="914400" rtl="0" eaLnBrk="1" fontAlgn="auto" latinLnBrk="0" hangingPunct="1">
+              <a:lnSpc>
+                <a:spcPct val="100000"/>
+              </a:lnSpc>
+              <a:spcBef>
+                <a:spcPts val="0"/>
+              </a:spcBef>
+              <a:spcAft>
+                <a:spcPts val="0"/>
+              </a:spcAft>
+              <a:buClrTx/>
+              <a:buSzTx/>
+              <a:buFontTx/>
+              <a:buNone/>
+              <a:tabLst/>
+              <a:defRPr/>
             </a:pPr>
-            <a:r>
-              <a:rPr lang="en-US" dirty="0" smtClean="0"/>
-              <a:t>Including the hash key in the query is like putting a hint </a:t>
-            </a:r>
-          </a:p>
-          <a:p>
-            <a:pPr marL="171450" indent="-171450">
-              <a:buFont typeface="Arial" panose="020B0604020202020204" pitchFamily="34" charset="0"/>
-              <a:buChar char="•"/>
-            </a:pPr>
-            <a:r>
-              <a:rPr lang="en-US" dirty="0" smtClean="0"/>
-              <a:t>Views and CTEs do things</a:t>
-            </a:r>
-            <a:r>
-              <a:rPr lang="en-US" baseline="0" dirty="0" smtClean="0"/>
-              <a:t> in memory that may cause </a:t>
-            </a:r>
-            <a:r>
-              <a:rPr lang="en-US" baseline="0" dirty="0" err="1" smtClean="0"/>
-              <a:t>DataMovement</a:t>
-            </a:r>
-            <a:r>
-              <a:rPr lang="en-US" baseline="0" dirty="0" smtClean="0"/>
-              <a:t>.  Try using temporary tables that are hashed instead.</a:t>
-            </a:r>
-          </a:p>
-          <a:p>
-            <a:pPr marL="171450" indent="-171450">
-              <a:buFont typeface="Arial" panose="020B0604020202020204" pitchFamily="34" charset="0"/>
-              <a:buChar char="•"/>
-            </a:pPr>
-            <a:r>
-              <a:rPr lang="en-US" baseline="0" dirty="0" smtClean="0"/>
-              <a:t>Functions could cause the system to evaluate data row by row (min, max)</a:t>
-            </a:r>
-          </a:p>
-          <a:p>
-            <a:pPr marL="171450" indent="-171450">
-              <a:buFont typeface="Arial" panose="020B0604020202020204" pitchFamily="34" charset="0"/>
-              <a:buChar char="•"/>
-            </a:pPr>
-            <a:r>
-              <a:rPr lang="en-US" baseline="0" dirty="0" smtClean="0"/>
-              <a:t>Aggregations can cause data to be joined across nodes</a:t>
-            </a:r>
-          </a:p>
-          <a:p>
-            <a:pPr marL="457200" lvl="1" indent="0">
-              <a:buFont typeface="Arial" panose="020B0604020202020204" pitchFamily="34" charset="0"/>
-              <a:buNone/>
-            </a:pPr>
+            <a:endParaRPr lang="en-US" dirty="0" smtClean="0"/>
+          </a:p>
+          <a:p>
             <a:endParaRPr lang="en-US" dirty="0"/>
           </a:p>
         </p:txBody>
@@ -1262,16 +1286,16 @@
           <a:p>
             <a:fld id="{EF48CD4C-E5E2-FD4B-A013-4032F684959D}" type="slidenum">
               <a:rPr lang="en-US" smtClean="0"/>
-              <a:t>8</a:t>
+              <a:t>9</a:t>
             </a:fld>
-            <a:endParaRPr lang="en-US"/>
+            <a:endParaRPr lang="en-US" dirty="0"/>
           </a:p>
         </p:txBody>
       </p:sp>
     </p:spTree>
     <p:extLst>
       <p:ext uri="{BB962C8B-B14F-4D97-AF65-F5344CB8AC3E}">
-        <p14:creationId xmlns:p14="http://schemas.microsoft.com/office/powerpoint/2010/main" val="1465184703"/>
+        <p14:creationId xmlns:p14="http://schemas.microsoft.com/office/powerpoint/2010/main" val="462584087"/>
       </p:ext>
     </p:extLst>
   </p:cSld>
@@ -1327,20 +1351,7 @@
           <a:p>
             <a:r>
               <a:rPr lang="en-US" dirty="0" smtClean="0"/>
-              <a:t>SSMS – be on the latest version</a:t>
-            </a:r>
-          </a:p>
-          <a:p>
-            <a:endParaRPr lang="en-US" dirty="0" smtClean="0"/>
-          </a:p>
-          <a:p>
-            <a:r>
-              <a:rPr lang="en-US" dirty="0" err="1" smtClean="0"/>
-              <a:t>AdventureWorks</a:t>
-            </a:r>
-            <a:r>
-              <a:rPr lang="en-US" dirty="0" smtClean="0"/>
-              <a:t> DW</a:t>
+              <a:t>Query Improvements</a:t>
             </a:r>
           </a:p>
           <a:p>
@@ -1350,7 +1361,7 @@
             </a:pPr>
             <a:r>
               <a:rPr lang="en-US" dirty="0" smtClean="0"/>
-              <a:t>Product Category, Product Sub Category and Product – can be one table	</a:t>
+              <a:t>Including the hash key in the query is like putting a hint </a:t>
             </a:r>
           </a:p>
           <a:p>
@@ -1360,7 +1371,19 @@
             </a:pPr>
             <a:r>
               <a:rPr lang="en-US" dirty="0" smtClean="0"/>
-              <a:t>Reseller and Internet Sales in separate tables – should be one table</a:t>
+              <a:t>Views and CTEs do things</a:t>
+            </a:r>
+            <a:r>
+              <a:rPr lang="en-US" baseline="0" dirty="0" smtClean="0"/>
+              <a:t> in memory that may cause </a:t>
+            </a:r>
+            <a:r>
+              <a:rPr lang="en-US" baseline="0" dirty="0" err="1" smtClean="0"/>
+              <a:t>DataMovement</a:t>
+            </a:r>
+            <a:r>
+              <a:rPr lang="en-US" baseline="0" dirty="0" smtClean="0"/>
+              <a:t>.  Try using temporary tables that are hashed instead.</a:t>
             </a:r>
           </a:p>
           <a:p>
@@ -1369,9 +1392,26 @@
               <a:buChar char="•"/>
             </a:pPr>
             <a:r>
-              <a:rPr lang="en-US" dirty="0" smtClean="0"/>
-              <a:t>Customer – rapidly changing dimension.  Usually can’t be replicated.  How to hash?</a:t>
-            </a:r>
+              <a:rPr lang="en-US" baseline="0" dirty="0" smtClean="0"/>
+              <a:t>Functions could cause the system to evaluate data row by row (min, max)</a:t>
+            </a:r>
+          </a:p>
+          <a:p>
+            <a:pPr marL="171450" indent="-171450">
+              <a:buFont typeface="Arial" panose="020B0604020202020204" pitchFamily="34" charset="0"/>
+              <a:buChar char="•"/>
+            </a:pPr>
+            <a:r>
+              <a:rPr lang="en-US" baseline="0" dirty="0" smtClean="0"/>
+              <a:t>Aggregations can cause data to be joined across nodes</a:t>
+            </a:r>
+          </a:p>
+          <a:p>
+            <a:pPr marL="457200" lvl="1" indent="0">
+              <a:buFont typeface="Arial" panose="020B0604020202020204" pitchFamily="34" charset="0"/>
+              <a:buNone/>
+            </a:pPr>
+            <a:endParaRPr lang="en-US" dirty="0"/>
           </a:p>
         </p:txBody>
       </p:sp>
@@ -1392,7 +1432,7 @@
           <a:p>
             <a:fld id="{EF48CD4C-E5E2-FD4B-A013-4032F684959D}" type="slidenum">
               <a:rPr lang="en-US" smtClean="0"/>
-              <a:t>9</a:t>
+              <a:t>10</a:t>
             </a:fld>
             <a:endParaRPr lang="en-US"/>
           </a:p>
@@ -1401,7 +1441,7 @@
     </p:spTree>
     <p:extLst>
       <p:ext uri="{BB962C8B-B14F-4D97-AF65-F5344CB8AC3E}">
-        <p14:creationId xmlns:p14="http://schemas.microsoft.com/office/powerpoint/2010/main" val="950700615"/>
+        <p14:creationId xmlns:p14="http://schemas.microsoft.com/office/powerpoint/2010/main" val="1465184703"/>
       </p:ext>
     </p:extLst>
   </p:cSld>
@@ -1455,7 +1495,53 @@
           <a:bodyPr/>
           <a:lstStyle/>
           <a:p>
-            <a:endParaRPr lang="en-US" dirty="0"/>
+            <a:r>
+              <a:rPr lang="en-US" dirty="0" smtClean="0"/>
+              <a:t>SSMS – be on the latest version</a:t>
+            </a:r>
+          </a:p>
+          <a:p>
+            <a:endParaRPr lang="en-US" dirty="0" smtClean="0"/>
+          </a:p>
+          <a:p>
+            <a:r>
+              <a:rPr lang="en-US" dirty="0" err="1" smtClean="0"/>
+              <a:t>AdventureWorks</a:t>
+            </a:r>
+            <a:r>
+              <a:rPr lang="en-US" dirty="0" smtClean="0"/>
+              <a:t> DW</a:t>
+            </a:r>
+          </a:p>
+          <a:p>
+            <a:pPr marL="171450" indent="-171450">
+              <a:buFont typeface="Arial" panose="020B0604020202020204" pitchFamily="34" charset="0"/>
+              <a:buChar char="•"/>
+            </a:pPr>
+            <a:r>
+              <a:rPr lang="en-US" dirty="0" smtClean="0"/>
+              <a:t>Product Category, Product Sub Category and Product – can be one table	</a:t>
+            </a:r>
+          </a:p>
+          <a:p>
+            <a:pPr marL="171450" indent="-171450">
+              <a:buFont typeface="Arial" panose="020B0604020202020204" pitchFamily="34" charset="0"/>
+              <a:buChar char="•"/>
+            </a:pPr>
+            <a:r>
+              <a:rPr lang="en-US" dirty="0" smtClean="0"/>
+              <a:t>Reseller and Internet Sales in separate tables – should be one table</a:t>
+            </a:r>
+          </a:p>
+          <a:p>
+            <a:pPr marL="171450" indent="-171450">
+              <a:buFont typeface="Arial" panose="020B0604020202020204" pitchFamily="34" charset="0"/>
+              <a:buChar char="•"/>
+            </a:pPr>
+            <a:r>
+              <a:rPr lang="en-US" dirty="0" smtClean="0"/>
+              <a:t>Customer – rapidly changing dimension.  Usually can’t be replicated.  How to hash?</a:t>
+            </a:r>
           </a:p>
         </p:txBody>
       </p:sp>
@@ -1476,16 +1562,16 @@
           <a:p>
             <a:fld id="{EF48CD4C-E5E2-FD4B-A013-4032F684959D}" type="slidenum">
               <a:rPr lang="en-US" smtClean="0"/>
-              <a:t>10</a:t>
+              <a:t>11</a:t>
             </a:fld>
-            <a:endParaRPr lang="en-US" dirty="0"/>
+            <a:endParaRPr lang="en-US"/>
           </a:p>
         </p:txBody>
       </p:sp>
     </p:spTree>
     <p:extLst>
       <p:ext uri="{BB962C8B-B14F-4D97-AF65-F5344CB8AC3E}">
-        <p14:creationId xmlns:p14="http://schemas.microsoft.com/office/powerpoint/2010/main" val="1250904401"/>
+        <p14:creationId xmlns:p14="http://schemas.microsoft.com/office/powerpoint/2010/main" val="950700615"/>
       </p:ext>
     </p:extLst>
   </p:cSld>
@@ -4221,34 +4307,40 @@
             </a:lvl9pPr>
           </a:lstStyle>
           <a:p>
+            <a:pPr>
+              <a:lnSpc>
+                <a:spcPct val="100000"/>
+              </a:lnSpc>
+              <a:spcBef>
+                <a:spcPts val="0"/>
+              </a:spcBef>
+            </a:pPr>
             <a:r>
               <a:rPr lang="en-US" sz="1200" dirty="0" smtClean="0"/>
               <a:t>Email:	</a:t>
             </a:r>
             <a:r>
-              <a:rPr lang="en-US" sz="1200" dirty="0" smtClean="0">
-                <a:hlinkClick r:id="rId3"/>
-              </a:rPr>
-              <a:t>beth.Wolfset@insight.com</a:t>
+              <a:rPr lang="en-US" sz="1200" dirty="0" smtClean="0"/>
+              <a:t>Beth.Wolfset@insight.com</a:t>
             </a:r>
             <a:endParaRPr lang="en-US" sz="1200" dirty="0" smtClean="0"/>
           </a:p>
           <a:p>
-            <a:r>
-              <a:rPr lang="en-US" sz="1200" dirty="0">
-                <a:hlinkClick r:id="rId4"/>
-              </a:rPr>
+            <a:pPr>
+              <a:lnSpc>
+                <a:spcPct val="100000"/>
+              </a:lnSpc>
+              <a:spcBef>
+                <a:spcPts val="0"/>
+              </a:spcBef>
+            </a:pPr>
+            <a:r>
+              <a:rPr lang="en-US" sz="1200" dirty="0"/>
               <a:t>	</a:t>
             </a:r>
             <a:r>
-              <a:rPr lang="en-US" sz="1200" dirty="0" smtClean="0">
-                <a:hlinkClick r:id="rId4"/>
-              </a:rPr>
-              <a:t>bswolfset@gmail.com</a:t>
-            </a:r>
-            <a:r>
               <a:rPr lang="en-US" sz="1200" dirty="0" smtClean="0"/>
-              <a:t> </a:t>
+              <a:t>bswolfset@gmail.com </a:t>
             </a:r>
             <a:endParaRPr lang="en-US" sz="1200" dirty="0" smtClean="0"/>
           </a:p>
@@ -4275,6 +4367,446 @@
 </file>
 
 <file path=ppt/slides/slide10.xml><?xml version="1.0" encoding="utf-8"?>
+<p:sld xmlns:a="http://schemas.openxmlformats.org/drawingml/2006/main" xmlns:r="http://schemas.openxmlformats.org/officeDocument/2006/relationships" xmlns:p="http://schemas.openxmlformats.org/presentationml/2006/main">
+  <p:cSld>
+    <p:spTree>
+      <p:nvGrpSpPr>
+        <p:cNvPr id="1" name=""/>
+        <p:cNvGrpSpPr/>
+        <p:nvPr/>
+      </p:nvGrpSpPr>
+      <p:grpSpPr>
+        <a:xfrm>
+          <a:off x="0" y="0"/>
+          <a:ext cx="0" cy="0"/>
+          <a:chOff x="0" y="0"/>
+          <a:chExt cx="0" cy="0"/>
+        </a:xfrm>
+      </p:grpSpPr>
+      <p:sp>
+        <p:nvSpPr>
+          <p:cNvPr id="8" name="Title 1">
+            <a:extLst>
+              <a:ext uri="{FF2B5EF4-FFF2-40B4-BE49-F238E27FC236}">
+                <a16:creationId xmlns:a16="http://schemas.microsoft.com/office/drawing/2014/main" id="{BFD0CE70-5751-6941-BB29-C8CD16CB2F66}"/>
+              </a:ext>
+            </a:extLst>
+          </p:cNvPr>
+          <p:cNvSpPr>
+            <a:spLocks noGrp="1"/>
+          </p:cNvSpPr>
+          <p:nvPr>
+            <p:ph type="title"/>
+          </p:nvPr>
+        </p:nvSpPr>
+        <p:spPr/>
+        <p:txBody>
+          <a:bodyPr>
+            <a:noAutofit/>
+          </a:bodyPr>
+          <a:lstStyle/>
+          <a:p>
+            <a:r>
+              <a:rPr lang="en-US" dirty="0" smtClean="0"/>
+              <a:t>Considerations</a:t>
+            </a:r>
+            <a:endParaRPr lang="en-US" dirty="0"/>
+          </a:p>
+        </p:txBody>
+      </p:sp>
+      <p:sp>
+        <p:nvSpPr>
+          <p:cNvPr id="2" name="TextBox 1">
+            <a:extLst>
+              <a:ext uri="{FF2B5EF4-FFF2-40B4-BE49-F238E27FC236}">
+                <a16:creationId xmlns:a16="http://schemas.microsoft.com/office/drawing/2014/main" id="{87EFE2B1-DE8C-413C-B070-AE3B4CA65237}"/>
+              </a:ext>
+            </a:extLst>
+          </p:cNvPr>
+          <p:cNvSpPr txBox="1"/>
+          <p:nvPr/>
+        </p:nvSpPr>
+        <p:spPr>
+          <a:xfrm>
+            <a:off x="242236" y="837009"/>
+            <a:ext cx="8199620" cy="3585597"/>
+          </a:xfrm>
+          <a:prstGeom prst="rect">
+            <a:avLst/>
+          </a:prstGeom>
+          <a:noFill/>
+        </p:spPr>
+        <p:txBody>
+          <a:bodyPr wrap="square" rtlCol="0">
+            <a:spAutoFit/>
+          </a:bodyPr>
+          <a:lstStyle/>
+          <a:p>
+            <a:pPr marL="285750" indent="-285750">
+              <a:buFont typeface="Arial" panose="020B0604020202020204" pitchFamily="34" charset="0"/>
+              <a:buChar char="•"/>
+            </a:pPr>
+            <a:r>
+              <a:rPr lang="en-US" sz="2400" dirty="0" smtClean="0">
+                <a:solidFill>
+                  <a:srgbClr val="D30C55"/>
+                </a:solidFill>
+                <a:latin typeface="Verdana" panose="020B0604030504040204" pitchFamily="34" charset="0"/>
+                <a:ea typeface="Verdana" panose="020B0604030504040204" pitchFamily="34" charset="0"/>
+              </a:rPr>
+              <a:t>Design</a:t>
+            </a:r>
+          </a:p>
+          <a:p>
+            <a:pPr marL="628650" lvl="1" indent="-285750">
+              <a:buFont typeface="Arial" panose="020B0604020202020204" pitchFamily="34" charset="0"/>
+              <a:buChar char="•"/>
+            </a:pPr>
+            <a:r>
+              <a:rPr lang="en-US" sz="1400" dirty="0" smtClean="0">
+                <a:solidFill>
+                  <a:srgbClr val="554741"/>
+                </a:solidFill>
+                <a:latin typeface="Verdana" panose="020B0604030504040204" pitchFamily="34" charset="0"/>
+                <a:ea typeface="Verdana" panose="020B0604030504040204" pitchFamily="34" charset="0"/>
+              </a:rPr>
+              <a:t>Table Type</a:t>
+            </a:r>
+          </a:p>
+          <a:p>
+            <a:pPr marL="628650" lvl="1" indent="-285750">
+              <a:buFont typeface="Arial" panose="020B0604020202020204" pitchFamily="34" charset="0"/>
+              <a:buChar char="•"/>
+            </a:pPr>
+            <a:r>
+              <a:rPr lang="en-US" sz="1400" dirty="0" smtClean="0">
+                <a:solidFill>
+                  <a:srgbClr val="554741"/>
+                </a:solidFill>
+                <a:latin typeface="Verdana" panose="020B0604030504040204" pitchFamily="34" charset="0"/>
+                <a:ea typeface="Verdana" panose="020B0604030504040204" pitchFamily="34" charset="0"/>
+              </a:rPr>
+              <a:t>Distribution</a:t>
+            </a:r>
+          </a:p>
+          <a:p>
+            <a:pPr marL="628650" lvl="1" indent="-285750">
+              <a:buFont typeface="Arial" panose="020B0604020202020204" pitchFamily="34" charset="0"/>
+              <a:buChar char="•"/>
+            </a:pPr>
+            <a:r>
+              <a:rPr lang="en-US" sz="1400" dirty="0" smtClean="0">
+                <a:solidFill>
+                  <a:srgbClr val="554741"/>
+                </a:solidFill>
+                <a:latin typeface="Verdana" panose="020B0604030504040204" pitchFamily="34" charset="0"/>
+                <a:ea typeface="Verdana" panose="020B0604030504040204" pitchFamily="34" charset="0"/>
+              </a:rPr>
+              <a:t>Storage</a:t>
+            </a:r>
+          </a:p>
+          <a:p>
+            <a:pPr marL="628650" lvl="1" indent="-285750">
+              <a:buFont typeface="Arial" panose="020B0604020202020204" pitchFamily="34" charset="0"/>
+              <a:buChar char="•"/>
+            </a:pPr>
+            <a:r>
+              <a:rPr lang="en-US" sz="1400" dirty="0" smtClean="0">
+                <a:solidFill>
+                  <a:srgbClr val="554741"/>
+                </a:solidFill>
+                <a:latin typeface="Verdana" panose="020B0604030504040204" pitchFamily="34" charset="0"/>
+                <a:ea typeface="Verdana" panose="020B0604030504040204" pitchFamily="34" charset="0"/>
+              </a:rPr>
+              <a:t>Indexing</a:t>
+            </a:r>
+          </a:p>
+          <a:p>
+            <a:pPr marL="628650" lvl="1" indent="-285750">
+              <a:buFont typeface="Arial" panose="020B0604020202020204" pitchFamily="34" charset="0"/>
+              <a:buChar char="•"/>
+            </a:pPr>
+            <a:r>
+              <a:rPr lang="en-US" sz="1400" dirty="0" smtClean="0">
+                <a:solidFill>
+                  <a:srgbClr val="554741"/>
+                </a:solidFill>
+                <a:latin typeface="Verdana" panose="020B0604030504040204" pitchFamily="34" charset="0"/>
+                <a:ea typeface="Verdana" panose="020B0604030504040204" pitchFamily="34" charset="0"/>
+              </a:rPr>
+              <a:t>Partitioning</a:t>
+            </a:r>
+          </a:p>
+          <a:p>
+            <a:pPr marL="628650" lvl="1" indent="-285750">
+              <a:buFont typeface="Arial" panose="020B0604020202020204" pitchFamily="34" charset="0"/>
+              <a:buChar char="•"/>
+            </a:pPr>
+            <a:r>
+              <a:rPr lang="en-US" sz="1400" dirty="0" smtClean="0">
+                <a:solidFill>
+                  <a:srgbClr val="554741"/>
+                </a:solidFill>
+                <a:latin typeface="Verdana" panose="020B0604030504040204" pitchFamily="34" charset="0"/>
+                <a:ea typeface="Verdana" panose="020B0604030504040204" pitchFamily="34" charset="0"/>
+              </a:rPr>
+              <a:t>Skew</a:t>
+            </a:r>
+            <a:r>
+              <a:rPr lang="en-US" sz="1100" dirty="0" smtClean="0">
+                <a:latin typeface="Verdana" panose="020B0604030504040204" pitchFamily="34" charset="0"/>
+                <a:ea typeface="Verdana" panose="020B0604030504040204" pitchFamily="34" charset="0"/>
+              </a:rPr>
+              <a:t/>
+            </a:r>
+            <a:br>
+              <a:rPr lang="en-US" sz="1100" dirty="0" smtClean="0">
+                <a:latin typeface="Verdana" panose="020B0604030504040204" pitchFamily="34" charset="0"/>
+                <a:ea typeface="Verdana" panose="020B0604030504040204" pitchFamily="34" charset="0"/>
+              </a:rPr>
+            </a:br>
+            <a:endParaRPr lang="en-US" sz="1100" dirty="0" smtClean="0">
+              <a:solidFill>
+                <a:srgbClr val="D30C55"/>
+              </a:solidFill>
+              <a:latin typeface="Verdana" panose="020B0604030504040204" pitchFamily="34" charset="0"/>
+              <a:ea typeface="Verdana" panose="020B0604030504040204" pitchFamily="34" charset="0"/>
+            </a:endParaRPr>
+          </a:p>
+          <a:p>
+            <a:pPr marL="285750" indent="-285750">
+              <a:buFont typeface="Arial" panose="020B0604020202020204" pitchFamily="34" charset="0"/>
+              <a:buChar char="•"/>
+            </a:pPr>
+            <a:r>
+              <a:rPr lang="en-US" sz="2400" dirty="0" smtClean="0">
+                <a:solidFill>
+                  <a:srgbClr val="D40E8C"/>
+                </a:solidFill>
+                <a:latin typeface="Verdana" panose="020B0604030504040204" pitchFamily="34" charset="0"/>
+                <a:ea typeface="Verdana" panose="020B0604030504040204" pitchFamily="34" charset="0"/>
+              </a:rPr>
+              <a:t>Performance</a:t>
+            </a:r>
+            <a:endParaRPr lang="en-US" sz="2400" dirty="0" smtClean="0">
+              <a:solidFill>
+                <a:srgbClr val="D30C55"/>
+              </a:solidFill>
+              <a:latin typeface="Verdana" panose="020B0604030504040204" pitchFamily="34" charset="0"/>
+              <a:ea typeface="Verdana" panose="020B0604030504040204" pitchFamily="34" charset="0"/>
+            </a:endParaRPr>
+          </a:p>
+          <a:p>
+            <a:pPr marL="628650" lvl="1" indent="-285750">
+              <a:buFont typeface="Arial" panose="020B0604020202020204" pitchFamily="34" charset="0"/>
+              <a:buChar char="•"/>
+            </a:pPr>
+            <a:r>
+              <a:rPr lang="en-US" sz="1400" dirty="0" smtClean="0">
+                <a:solidFill>
+                  <a:srgbClr val="554741"/>
+                </a:solidFill>
+                <a:latin typeface="Verdana" panose="020B0604030504040204" pitchFamily="34" charset="0"/>
+                <a:ea typeface="Verdana" panose="020B0604030504040204" pitchFamily="34" charset="0"/>
+              </a:rPr>
+              <a:t>Statistics Level and Quality</a:t>
+            </a:r>
+          </a:p>
+          <a:p>
+            <a:pPr marL="628650" lvl="1" indent="-285750">
+              <a:buFont typeface="Arial" panose="020B0604020202020204" pitchFamily="34" charset="0"/>
+              <a:buChar char="•"/>
+            </a:pPr>
+            <a:r>
+              <a:rPr lang="en-US" sz="1400" dirty="0" smtClean="0">
+                <a:solidFill>
+                  <a:srgbClr val="554741"/>
+                </a:solidFill>
+                <a:latin typeface="Verdana" panose="020B0604030504040204" pitchFamily="34" charset="0"/>
+                <a:ea typeface="Verdana" panose="020B0604030504040204" pitchFamily="34" charset="0"/>
+              </a:rPr>
+              <a:t>Index Quality</a:t>
+            </a:r>
+          </a:p>
+          <a:p>
+            <a:pPr marL="628650" lvl="1" indent="-285750">
+              <a:buFont typeface="Arial" panose="020B0604020202020204" pitchFamily="34" charset="0"/>
+              <a:buChar char="•"/>
+            </a:pPr>
+            <a:r>
+              <a:rPr lang="en-US" sz="1400" dirty="0" smtClean="0">
+                <a:solidFill>
+                  <a:srgbClr val="554741"/>
+                </a:solidFill>
+                <a:latin typeface="Verdana" panose="020B0604030504040204" pitchFamily="34" charset="0"/>
+                <a:ea typeface="Verdana" panose="020B0604030504040204" pitchFamily="34" charset="0"/>
+              </a:rPr>
+              <a:t>Data Movement</a:t>
+            </a:r>
+          </a:p>
+          <a:p>
+            <a:pPr marL="628650" lvl="1" indent="-285750">
+              <a:buFont typeface="Arial" panose="020B0604020202020204" pitchFamily="34" charset="0"/>
+              <a:buChar char="•"/>
+            </a:pPr>
+            <a:r>
+              <a:rPr lang="en-US" sz="1400" dirty="0" smtClean="0">
+                <a:solidFill>
+                  <a:srgbClr val="554741"/>
+                </a:solidFill>
+                <a:latin typeface="Verdana" panose="020B0604030504040204" pitchFamily="34" charset="0"/>
+                <a:ea typeface="Verdana" panose="020B0604030504040204" pitchFamily="34" charset="0"/>
+              </a:rPr>
+              <a:t>Concurrency and Resource Group</a:t>
+            </a:r>
+          </a:p>
+          <a:p>
+            <a:pPr marL="628650" lvl="1" indent="-285750">
+              <a:buFont typeface="Arial" panose="020B0604020202020204" pitchFamily="34" charset="0"/>
+              <a:buChar char="•"/>
+            </a:pPr>
+            <a:r>
+              <a:rPr lang="en-US" sz="1400" dirty="0" smtClean="0">
+                <a:solidFill>
+                  <a:srgbClr val="554741"/>
+                </a:solidFill>
+                <a:latin typeface="Verdana" panose="020B0604030504040204" pitchFamily="34" charset="0"/>
+                <a:ea typeface="Verdana" panose="020B0604030504040204" pitchFamily="34" charset="0"/>
+              </a:rPr>
+              <a:t>Include </a:t>
+            </a:r>
+            <a:r>
+              <a:rPr lang="en-US" sz="1400" dirty="0" err="1" smtClean="0">
+                <a:solidFill>
+                  <a:srgbClr val="554741"/>
+                </a:solidFill>
+                <a:latin typeface="Verdana" panose="020B0604030504040204" pitchFamily="34" charset="0"/>
+                <a:ea typeface="Verdana" panose="020B0604030504040204" pitchFamily="34" charset="0"/>
+              </a:rPr>
+              <a:t>HashKey</a:t>
+            </a:r>
+            <a:r>
+              <a:rPr lang="en-US" sz="1400" dirty="0" smtClean="0">
+                <a:solidFill>
+                  <a:srgbClr val="554741"/>
+                </a:solidFill>
+                <a:latin typeface="Verdana" panose="020B0604030504040204" pitchFamily="34" charset="0"/>
+                <a:ea typeface="Verdana" panose="020B0604030504040204" pitchFamily="34" charset="0"/>
+              </a:rPr>
+              <a:t> in Query</a:t>
+            </a:r>
+          </a:p>
+          <a:p>
+            <a:pPr marL="628650" lvl="1" indent="-285750">
+              <a:buFont typeface="Arial" panose="020B0604020202020204" pitchFamily="34" charset="0"/>
+              <a:buChar char="•"/>
+            </a:pPr>
+            <a:r>
+              <a:rPr lang="en-US" sz="1400" dirty="0" smtClean="0">
+                <a:solidFill>
+                  <a:srgbClr val="554741"/>
+                </a:solidFill>
+                <a:latin typeface="Verdana" panose="020B0604030504040204" pitchFamily="34" charset="0"/>
+                <a:ea typeface="Verdana" panose="020B0604030504040204" pitchFamily="34" charset="0"/>
+              </a:rPr>
+              <a:t>Stored Procedures (careful of views, CTEs, functions)</a:t>
+            </a:r>
+          </a:p>
+        </p:txBody>
+      </p:sp>
+    </p:spTree>
+    <p:extLst>
+      <p:ext uri="{BB962C8B-B14F-4D97-AF65-F5344CB8AC3E}">
+        <p14:creationId xmlns:p14="http://schemas.microsoft.com/office/powerpoint/2010/main" val="3920470867"/>
+      </p:ext>
+    </p:extLst>
+  </p:cSld>
+  <p:clrMapOvr>
+    <a:masterClrMapping/>
+  </p:clrMapOvr>
+  <mc:AlternateContent xmlns:mc="http://schemas.openxmlformats.org/markup-compatibility/2006" xmlns:p14="http://schemas.microsoft.com/office/powerpoint/2010/main">
+    <mc:Choice Requires="p14">
+      <p:transition spd="med" p14:dur="700">
+        <p:fade/>
+      </p:transition>
+    </mc:Choice>
+    <mc:Fallback xmlns="">
+      <p:transition spd="med">
+        <p:fade/>
+      </p:transition>
+    </mc:Fallback>
+  </mc:AlternateContent>
+  <p:timing>
+    <p:tnLst>
+      <p:par>
+        <p:cTn id="1" dur="indefinite" restart="never" nodeType="tmRoot"/>
+      </p:par>
+    </p:tnLst>
+  </p:timing>
+</p:sld>
+</file>
+
+<file path=ppt/slides/slide11.xml><?xml version="1.0" encoding="utf-8"?>
+<p:sld xmlns:a="http://schemas.openxmlformats.org/drawingml/2006/main" xmlns:r="http://schemas.openxmlformats.org/officeDocument/2006/relationships" xmlns:p="http://schemas.openxmlformats.org/presentationml/2006/main">
+  <p:cSld>
+    <p:spTree>
+      <p:nvGrpSpPr>
+        <p:cNvPr id="1" name=""/>
+        <p:cNvGrpSpPr/>
+        <p:nvPr/>
+      </p:nvGrpSpPr>
+      <p:grpSpPr>
+        <a:xfrm>
+          <a:off x="0" y="0"/>
+          <a:ext cx="0" cy="0"/>
+          <a:chOff x="0" y="0"/>
+          <a:chExt cx="0" cy="0"/>
+        </a:xfrm>
+      </p:grpSpPr>
+      <p:sp>
+        <p:nvSpPr>
+          <p:cNvPr id="3" name="Title 2"/>
+          <p:cNvSpPr>
+            <a:spLocks noGrp="1"/>
+          </p:cNvSpPr>
+          <p:nvPr>
+            <p:ph type="ctrTitle"/>
+          </p:nvPr>
+        </p:nvSpPr>
+        <p:spPr/>
+        <p:txBody>
+          <a:bodyPr/>
+          <a:lstStyle/>
+          <a:p>
+            <a:r>
+              <a:rPr lang="en-US" dirty="0" smtClean="0"/>
+              <a:t>Let’s Look at the Tables</a:t>
+            </a:r>
+            <a:endParaRPr lang="en-US" dirty="0"/>
+          </a:p>
+        </p:txBody>
+      </p:sp>
+    </p:spTree>
+    <p:extLst>
+      <p:ext uri="{BB962C8B-B14F-4D97-AF65-F5344CB8AC3E}">
+        <p14:creationId xmlns:p14="http://schemas.microsoft.com/office/powerpoint/2010/main" val="2071903037"/>
+      </p:ext>
+    </p:extLst>
+  </p:cSld>
+  <p:clrMapOvr>
+    <a:masterClrMapping/>
+  </p:clrMapOvr>
+  <p:timing>
+    <p:tnLst>
+      <p:par>
+        <p:cTn id="1" dur="indefinite" restart="never" nodeType="tmRoot"/>
+      </p:par>
+    </p:tnLst>
+  </p:timing>
+</p:sld>
+</file>
+
+<file path=ppt/slides/slide12.xml><?xml version="1.0" encoding="utf-8"?>
 <p:sld xmlns:a="http://schemas.openxmlformats.org/drawingml/2006/main" xmlns:r="http://schemas.openxmlformats.org/officeDocument/2006/relationships" xmlns:p="http://schemas.openxmlformats.org/presentationml/2006/main">
   <p:cSld>
     <p:spTree>
@@ -4670,55 +5202,6 @@
           </a:p>
         </p:txBody>
       </p:sp>
-      <p:sp>
-        <p:nvSpPr>
-          <p:cNvPr id="8" name="Rectangle 7"/>
-          <p:cNvSpPr/>
-          <p:nvPr/>
-        </p:nvSpPr>
-        <p:spPr>
-          <a:xfrm>
-            <a:off x="2013614" y="4697224"/>
-            <a:ext cx="7131504" cy="400110"/>
-          </a:xfrm>
-          <a:prstGeom prst="rect">
-            <a:avLst/>
-          </a:prstGeom>
-        </p:spPr>
-        <p:txBody>
-          <a:bodyPr wrap="none">
-            <a:spAutoFit/>
-          </a:bodyPr>
-          <a:lstStyle/>
-          <a:p>
-            <a:pPr algn="ctr"/>
-            <a:r>
-              <a:rPr lang="en-US" sz="2000" dirty="0">
-                <a:solidFill>
-                  <a:schemeClr val="accent5">
-                    <a:lumMod val="50000"/>
-                  </a:schemeClr>
-                </a:solidFill>
-                <a:latin typeface="Verdana" panose="020B0604030504040204" pitchFamily="34" charset="0"/>
-                <a:ea typeface="Verdana" panose="020B0604030504040204" pitchFamily="34" charset="0"/>
-                <a:cs typeface="Verdana" panose="020B0604030504040204" pitchFamily="34" charset="0"/>
-                <a:hlinkClick r:id="rId5"/>
-              </a:rPr>
-              <a:t>https://github.com/BSWolfset/PresentationSlidedecks</a:t>
-            </a:r>
-            <a:endParaRPr lang="en-US" sz="2000" dirty="0">
-              <a:solidFill>
-                <a:schemeClr val="accent5">
-                  <a:lumMod val="50000"/>
-                </a:schemeClr>
-              </a:solidFill>
-              <a:latin typeface="Verdana" panose="020B0604030504040204" pitchFamily="34" charset="0"/>
-              <a:ea typeface="Verdana" panose="020B0604030504040204" pitchFamily="34" charset="0"/>
-              <a:cs typeface="Verdana" panose="020B0604030504040204" pitchFamily="34" charset="0"/>
-            </a:endParaRPr>
-          </a:p>
-        </p:txBody>
-      </p:sp>
     </p:spTree>
     <p:extLst>
       <p:ext uri="{BB962C8B-B14F-4D97-AF65-F5344CB8AC3E}">
@@ -5359,12 +5842,12 @@
           <a:p>
             <a:pPr algn="ctr"/>
             <a:r>
-              <a:rPr lang="en-US" dirty="0" err="1" smtClean="0"/>
-              <a:t>Azue</a:t>
-            </a:r>
-            <a:r>
               <a:rPr lang="en-US" dirty="0" smtClean="0"/>
-              <a:t> Data Warehouse</a:t>
+              <a:t>Azure </a:t>
+            </a:r>
+            <a:r>
+              <a:rPr lang="en-US" dirty="0" smtClean="0"/>
+              <a:t>Data Warehouse</a:t>
             </a:r>
             <a:endParaRPr lang="en-US" dirty="0"/>
           </a:p>
@@ -6190,7 +6673,6 @@
               <a:rPr lang="en-US" sz="900" dirty="0" smtClean="0"/>
               <a:t>docs.microsoft.com/en-us/sql/relational-databases/linked-servers/linked-servers-database-engine?view=sql-server-20177</a:t>
             </a:r>
-            <a:endParaRPr lang="en-US" sz="900" dirty="0" smtClean="0"/>
           </a:p>
           <a:p>
             <a:r>
@@ -6254,7 +6736,7 @@
         </p:nvSpPr>
         <p:spPr>
           <a:xfrm>
-            <a:off x="743778" y="724248"/>
+            <a:off x="1386958" y="724248"/>
             <a:ext cx="2642455" cy="369332"/>
           </a:xfrm>
           <a:prstGeom prst="rect">
@@ -6599,11 +7081,7 @@
           <a:p>
             <a:r>
               <a:rPr lang="en-US" dirty="0" smtClean="0"/>
-              <a:t>ADW Tables: </a:t>
-            </a:r>
-            <a:r>
-              <a:rPr lang="en-US" dirty="0" smtClean="0"/>
-              <a:t>Distribution</a:t>
+              <a:t>ADW Tables: Distribution</a:t>
             </a:r>
             <a:endParaRPr lang="en-US" dirty="0"/>
           </a:p>
@@ -6938,6 +7416,2234 @@
           </a:graphicData>
         </a:graphic>
       </p:graphicFrame>
+      <p:sp>
+        <p:nvSpPr>
+          <p:cNvPr id="6" name="TextBox 5"/>
+          <p:cNvSpPr txBox="1"/>
+          <p:nvPr/>
+        </p:nvSpPr>
+        <p:spPr>
+          <a:xfrm>
+            <a:off x="7880470" y="1779119"/>
+            <a:ext cx="1146873" cy="1962076"/>
+          </a:xfrm>
+          <a:prstGeom prst="rect">
+            <a:avLst/>
+          </a:prstGeom>
+          <a:noFill/>
+        </p:spPr>
+        <p:txBody>
+          <a:bodyPr wrap="square" rtlCol="0">
+            <a:spAutoFit/>
+          </a:bodyPr>
+          <a:lstStyle/>
+          <a:p>
+            <a:r>
+              <a:rPr lang="en-US" b="1" u="sng" dirty="0" smtClean="0">
+                <a:solidFill>
+                  <a:schemeClr val="accent5">
+                    <a:lumMod val="50000"/>
+                  </a:schemeClr>
+                </a:solidFill>
+              </a:rPr>
+              <a:t>Table Types</a:t>
+            </a:r>
+          </a:p>
+          <a:p>
+            <a:r>
+              <a:rPr lang="en-US" dirty="0" smtClean="0">
+                <a:solidFill>
+                  <a:schemeClr val="accent5">
+                    <a:lumMod val="75000"/>
+                  </a:schemeClr>
+                </a:solidFill>
+              </a:rPr>
+              <a:t>Fact</a:t>
+            </a:r>
+          </a:p>
+          <a:p>
+            <a:r>
+              <a:rPr lang="en-US" dirty="0" smtClean="0">
+                <a:solidFill>
+                  <a:schemeClr val="accent5">
+                    <a:lumMod val="75000"/>
+                  </a:schemeClr>
+                </a:solidFill>
+              </a:rPr>
+              <a:t>Dimension</a:t>
+            </a:r>
+          </a:p>
+          <a:p>
+            <a:r>
+              <a:rPr lang="en-US" dirty="0" smtClean="0">
+                <a:solidFill>
+                  <a:schemeClr val="accent5">
+                    <a:lumMod val="75000"/>
+                  </a:schemeClr>
+                </a:solidFill>
+              </a:rPr>
+              <a:t>RCD</a:t>
+            </a:r>
+          </a:p>
+          <a:p>
+            <a:r>
+              <a:rPr lang="en-US" dirty="0" smtClean="0">
+                <a:solidFill>
+                  <a:schemeClr val="accent5">
+                    <a:lumMod val="75000"/>
+                  </a:schemeClr>
+                </a:solidFill>
+              </a:rPr>
+              <a:t>Bridge</a:t>
+            </a:r>
+          </a:p>
+          <a:p>
+            <a:endParaRPr lang="en-US" dirty="0" smtClean="0">
+              <a:solidFill>
+                <a:schemeClr val="accent5">
+                  <a:lumMod val="75000"/>
+                </a:schemeClr>
+              </a:solidFill>
+            </a:endParaRPr>
+          </a:p>
+          <a:p>
+            <a:r>
+              <a:rPr lang="en-US" dirty="0" smtClean="0">
+                <a:solidFill>
+                  <a:schemeClr val="accent5">
+                    <a:lumMod val="75000"/>
+                  </a:schemeClr>
+                </a:solidFill>
+              </a:rPr>
+              <a:t>Stage</a:t>
+            </a:r>
+          </a:p>
+          <a:p>
+            <a:r>
+              <a:rPr lang="en-US" dirty="0" smtClean="0">
+                <a:solidFill>
+                  <a:schemeClr val="accent5">
+                    <a:lumMod val="75000"/>
+                  </a:schemeClr>
+                </a:solidFill>
+              </a:rPr>
+              <a:t>External</a:t>
+            </a:r>
+          </a:p>
+          <a:p>
+            <a:r>
+              <a:rPr lang="en-US" dirty="0" smtClean="0">
+                <a:solidFill>
+                  <a:schemeClr val="accent5">
+                    <a:lumMod val="75000"/>
+                  </a:schemeClr>
+                </a:solidFill>
+              </a:rPr>
+              <a:t>Temporary</a:t>
+            </a:r>
+            <a:endParaRPr lang="en-US" dirty="0">
+              <a:solidFill>
+                <a:schemeClr val="accent5">
+                  <a:lumMod val="75000"/>
+                </a:schemeClr>
+              </a:solidFill>
+            </a:endParaRPr>
+          </a:p>
+        </p:txBody>
+      </p:sp>
+      <p:sp>
+        <p:nvSpPr>
+          <p:cNvPr id="7" name="Title 1"/>
+          <p:cNvSpPr txBox="1">
+            <a:spLocks/>
+          </p:cNvSpPr>
+          <p:nvPr/>
+        </p:nvSpPr>
+        <p:spPr>
+          <a:xfrm>
+            <a:off x="59898" y="3764"/>
+            <a:ext cx="8714943" cy="682400"/>
+          </a:xfrm>
+          <a:prstGeom prst="rect">
+            <a:avLst/>
+          </a:prstGeom>
+        </p:spPr>
+        <p:txBody>
+          <a:bodyPr vert="horz" lIns="91440" tIns="45720" rIns="91440" bIns="45720" rtlCol="0" anchor="ctr">
+            <a:normAutofit/>
+          </a:bodyPr>
+          <a:lstStyle>
+            <a:lvl1pPr algn="l" defTabSz="685800" rtl="0" eaLnBrk="1" latinLnBrk="0" hangingPunct="1">
+              <a:lnSpc>
+                <a:spcPct val="90000"/>
+              </a:lnSpc>
+              <a:spcBef>
+                <a:spcPct val="0"/>
+              </a:spcBef>
+              <a:buNone/>
+              <a:defRPr sz="2800" b="0" kern="1200">
+                <a:solidFill>
+                  <a:srgbClr val="726963"/>
+                </a:solidFill>
+                <a:latin typeface="Verdana" panose="020B0604030504040204" pitchFamily="34" charset="0"/>
+                <a:ea typeface="Verdana" panose="020B0604030504040204" pitchFamily="34" charset="0"/>
+                <a:cs typeface="Verdana" panose="020B0604030504040204" pitchFamily="34" charset="0"/>
+              </a:defRPr>
+            </a:lvl1pPr>
+          </a:lstStyle>
+          <a:p>
+            <a:r>
+              <a:rPr lang="en-US" dirty="0" smtClean="0"/>
+              <a:t>						</a:t>
+            </a:r>
+            <a:endParaRPr lang="en-US" dirty="0"/>
+          </a:p>
+        </p:txBody>
+      </p:sp>
+    </p:spTree>
+    <p:extLst>
+      <p:ext uri="{BB962C8B-B14F-4D97-AF65-F5344CB8AC3E}">
+        <p14:creationId xmlns:p14="http://schemas.microsoft.com/office/powerpoint/2010/main" val="2402916128"/>
+      </p:ext>
+    </p:extLst>
+  </p:cSld>
+  <p:clrMapOvr>
+    <a:masterClrMapping/>
+  </p:clrMapOvr>
+  <p:timing>
+    <p:tnLst>
+      <p:par>
+        <p:cTn id="1" dur="indefinite" restart="never" nodeType="tmRoot"/>
+      </p:par>
+    </p:tnLst>
+  </p:timing>
+</p:sld>
+</file>
+
+<file path=ppt/slides/slide6.xml><?xml version="1.0" encoding="utf-8"?>
+<p:sld xmlns:a="http://schemas.openxmlformats.org/drawingml/2006/main" xmlns:r="http://schemas.openxmlformats.org/officeDocument/2006/relationships" xmlns:p="http://schemas.openxmlformats.org/presentationml/2006/main">
+  <p:cSld>
+    <p:spTree>
+      <p:nvGrpSpPr>
+        <p:cNvPr id="1" name=""/>
+        <p:cNvGrpSpPr/>
+        <p:nvPr/>
+      </p:nvGrpSpPr>
+      <p:grpSpPr>
+        <a:xfrm>
+          <a:off x="0" y="0"/>
+          <a:ext cx="0" cy="0"/>
+          <a:chOff x="0" y="0"/>
+          <a:chExt cx="0" cy="0"/>
+        </a:xfrm>
+      </p:grpSpPr>
+      <p:sp>
+        <p:nvSpPr>
+          <p:cNvPr id="2" name="Title 1"/>
+          <p:cNvSpPr>
+            <a:spLocks noGrp="1"/>
+          </p:cNvSpPr>
+          <p:nvPr>
+            <p:ph type="title"/>
+          </p:nvPr>
+        </p:nvSpPr>
+        <p:spPr/>
+        <p:txBody>
+          <a:bodyPr/>
+          <a:lstStyle/>
+          <a:p>
+            <a:r>
+              <a:rPr lang="en-US" dirty="0" smtClean="0"/>
+              <a:t>Hash Distribution vs Partitioning</a:t>
+            </a:r>
+            <a:endParaRPr lang="en-US" dirty="0"/>
+          </a:p>
+        </p:txBody>
+      </p:sp>
+      <p:grpSp>
+        <p:nvGrpSpPr>
+          <p:cNvPr id="43" name="Group 42"/>
+          <p:cNvGrpSpPr/>
+          <p:nvPr/>
+        </p:nvGrpSpPr>
+        <p:grpSpPr>
+          <a:xfrm>
+            <a:off x="3128543" y="1136254"/>
+            <a:ext cx="5992600" cy="3077155"/>
+            <a:chOff x="3128543" y="1136254"/>
+            <a:chExt cx="5992600" cy="3077155"/>
+          </a:xfrm>
+        </p:grpSpPr>
+        <p:sp>
+          <p:nvSpPr>
+            <p:cNvPr id="4" name="Rectangle 3"/>
+            <p:cNvSpPr/>
+            <p:nvPr/>
+          </p:nvSpPr>
+          <p:spPr>
+            <a:xfrm>
+              <a:off x="3128543" y="1136254"/>
+              <a:ext cx="5992600" cy="3077155"/>
+            </a:xfrm>
+            <a:prstGeom prst="rect">
+              <a:avLst/>
+            </a:prstGeom>
+            <a:solidFill>
+              <a:schemeClr val="bg1">
+                <a:lumMod val="95000"/>
+              </a:schemeClr>
+            </a:solidFill>
+            <a:ln>
+              <a:solidFill>
+                <a:srgbClr val="C13089"/>
+              </a:solidFill>
+            </a:ln>
+          </p:spPr>
+          <p:style>
+            <a:lnRef idx="2">
+              <a:schemeClr val="accent1">
+                <a:shade val="50000"/>
+              </a:schemeClr>
+            </a:lnRef>
+            <a:fillRef idx="1">
+              <a:schemeClr val="accent1"/>
+            </a:fillRef>
+            <a:effectRef idx="0">
+              <a:schemeClr val="accent1"/>
+            </a:effectRef>
+            <a:fontRef idx="minor">
+              <a:schemeClr val="lt1"/>
+            </a:fontRef>
+          </p:style>
+          <p:txBody>
+            <a:bodyPr rtlCol="0" anchor="ctr"/>
+            <a:lstStyle/>
+            <a:p>
+              <a:pPr algn="ctr"/>
+              <a:endParaRPr lang="en-US"/>
+            </a:p>
+          </p:txBody>
+        </p:sp>
+        <p:sp>
+          <p:nvSpPr>
+            <p:cNvPr id="5" name="Rounded Rectangle 4"/>
+            <p:cNvSpPr/>
+            <p:nvPr/>
+          </p:nvSpPr>
+          <p:spPr>
+            <a:xfrm>
+              <a:off x="6998516" y="1451451"/>
+              <a:ext cx="999641" cy="565688"/>
+            </a:xfrm>
+            <a:prstGeom prst="roundRect">
+              <a:avLst/>
+            </a:prstGeom>
+            <a:solidFill>
+              <a:srgbClr val="E490C4"/>
+            </a:solidFill>
+            <a:ln>
+              <a:solidFill>
+                <a:srgbClr val="C13089"/>
+              </a:solidFill>
+            </a:ln>
+          </p:spPr>
+          <p:style>
+            <a:lnRef idx="2">
+              <a:schemeClr val="accent1">
+                <a:shade val="50000"/>
+              </a:schemeClr>
+            </a:lnRef>
+            <a:fillRef idx="1">
+              <a:schemeClr val="accent1"/>
+            </a:fillRef>
+            <a:effectRef idx="0">
+              <a:schemeClr val="accent1"/>
+            </a:effectRef>
+            <a:fontRef idx="minor">
+              <a:schemeClr val="lt1"/>
+            </a:fontRef>
+          </p:style>
+          <p:txBody>
+            <a:bodyPr rtlCol="0" anchor="ctr"/>
+            <a:lstStyle/>
+            <a:p>
+              <a:pPr algn="ctr"/>
+              <a:r>
+                <a:rPr lang="en-US" dirty="0" smtClean="0"/>
+                <a:t>Compute Node B</a:t>
+              </a:r>
+              <a:endParaRPr lang="en-US" dirty="0"/>
+            </a:p>
+          </p:txBody>
+        </p:sp>
+        <p:sp>
+          <p:nvSpPr>
+            <p:cNvPr id="6" name="Rounded Rectangle 5"/>
+            <p:cNvSpPr/>
+            <p:nvPr/>
+          </p:nvSpPr>
+          <p:spPr>
+            <a:xfrm>
+              <a:off x="3221275" y="2535593"/>
+              <a:ext cx="1271016" cy="565688"/>
+            </a:xfrm>
+            <a:prstGeom prst="roundRect">
+              <a:avLst/>
+            </a:prstGeom>
+            <a:solidFill>
+              <a:srgbClr val="F1C5E0"/>
+            </a:solidFill>
+            <a:ln>
+              <a:solidFill>
+                <a:srgbClr val="C13089"/>
+              </a:solidFill>
+            </a:ln>
+          </p:spPr>
+          <p:style>
+            <a:lnRef idx="2">
+              <a:schemeClr val="accent1">
+                <a:shade val="50000"/>
+              </a:schemeClr>
+            </a:lnRef>
+            <a:fillRef idx="1">
+              <a:schemeClr val="accent1"/>
+            </a:fillRef>
+            <a:effectRef idx="0">
+              <a:schemeClr val="accent1"/>
+            </a:effectRef>
+            <a:fontRef idx="minor">
+              <a:schemeClr val="lt1"/>
+            </a:fontRef>
+          </p:style>
+          <p:txBody>
+            <a:bodyPr rtlCol="0" anchor="ctr"/>
+            <a:lstStyle/>
+            <a:p>
+              <a:pPr algn="ctr"/>
+              <a:r>
+                <a:rPr lang="en-US" dirty="0" smtClean="0">
+                  <a:solidFill>
+                    <a:srgbClr val="C13089"/>
+                  </a:solidFill>
+                </a:rPr>
+                <a:t>1</a:t>
+              </a:r>
+              <a:endParaRPr lang="en-US" dirty="0">
+                <a:solidFill>
+                  <a:srgbClr val="C13089"/>
+                </a:solidFill>
+              </a:endParaRPr>
+            </a:p>
+          </p:txBody>
+        </p:sp>
+        <p:sp>
+          <p:nvSpPr>
+            <p:cNvPr id="7" name="Rounded Rectangle 6"/>
+            <p:cNvSpPr/>
+            <p:nvPr/>
+          </p:nvSpPr>
+          <p:spPr>
+            <a:xfrm>
+              <a:off x="4903982" y="2535593"/>
+              <a:ext cx="1271016" cy="565688"/>
+            </a:xfrm>
+            <a:prstGeom prst="roundRect">
+              <a:avLst/>
+            </a:prstGeom>
+            <a:solidFill>
+              <a:srgbClr val="F1C5E0"/>
+            </a:solidFill>
+            <a:ln>
+              <a:solidFill>
+                <a:srgbClr val="C13089"/>
+              </a:solidFill>
+            </a:ln>
+          </p:spPr>
+          <p:style>
+            <a:lnRef idx="2">
+              <a:schemeClr val="accent1">
+                <a:shade val="50000"/>
+              </a:schemeClr>
+            </a:lnRef>
+            <a:fillRef idx="1">
+              <a:schemeClr val="accent1"/>
+            </a:fillRef>
+            <a:effectRef idx="0">
+              <a:schemeClr val="accent1"/>
+            </a:effectRef>
+            <a:fontRef idx="minor">
+              <a:schemeClr val="lt1"/>
+            </a:fontRef>
+          </p:style>
+          <p:txBody>
+            <a:bodyPr rtlCol="0" anchor="ctr"/>
+            <a:lstStyle/>
+            <a:p>
+              <a:pPr algn="ctr"/>
+              <a:r>
+                <a:rPr lang="en-US" dirty="0" smtClean="0">
+                  <a:solidFill>
+                    <a:srgbClr val="C13089"/>
+                  </a:solidFill>
+                </a:rPr>
+                <a:t>2</a:t>
+              </a:r>
+              <a:endParaRPr lang="en-US" dirty="0">
+                <a:solidFill>
+                  <a:srgbClr val="C13089"/>
+                </a:solidFill>
+              </a:endParaRPr>
+            </a:p>
+          </p:txBody>
+        </p:sp>
+        <p:sp>
+          <p:nvSpPr>
+            <p:cNvPr id="8" name="Rounded Rectangle 7"/>
+            <p:cNvSpPr/>
+            <p:nvPr/>
+          </p:nvSpPr>
+          <p:spPr>
+            <a:xfrm>
+              <a:off x="6276759" y="2535593"/>
+              <a:ext cx="1271016" cy="565688"/>
+            </a:xfrm>
+            <a:prstGeom prst="roundRect">
+              <a:avLst/>
+            </a:prstGeom>
+            <a:solidFill>
+              <a:srgbClr val="F1C5E0"/>
+            </a:solidFill>
+            <a:ln>
+              <a:solidFill>
+                <a:srgbClr val="C13089"/>
+              </a:solidFill>
+            </a:ln>
+          </p:spPr>
+          <p:style>
+            <a:lnRef idx="2">
+              <a:schemeClr val="accent1">
+                <a:shade val="50000"/>
+              </a:schemeClr>
+            </a:lnRef>
+            <a:fillRef idx="1">
+              <a:schemeClr val="accent1"/>
+            </a:fillRef>
+            <a:effectRef idx="0">
+              <a:schemeClr val="accent1"/>
+            </a:effectRef>
+            <a:fontRef idx="minor">
+              <a:schemeClr val="lt1"/>
+            </a:fontRef>
+          </p:style>
+          <p:txBody>
+            <a:bodyPr rtlCol="0" anchor="ctr"/>
+            <a:lstStyle/>
+            <a:p>
+              <a:pPr algn="ctr"/>
+              <a:r>
+                <a:rPr lang="en-US" dirty="0" smtClean="0">
+                  <a:solidFill>
+                    <a:srgbClr val="C13089"/>
+                  </a:solidFill>
+                </a:rPr>
+                <a:t>3</a:t>
+              </a:r>
+              <a:endParaRPr lang="en-US" dirty="0">
+                <a:solidFill>
+                  <a:srgbClr val="C13089"/>
+                </a:solidFill>
+              </a:endParaRPr>
+            </a:p>
+          </p:txBody>
+        </p:sp>
+        <p:sp>
+          <p:nvSpPr>
+            <p:cNvPr id="9" name="Rounded Rectangle 8"/>
+            <p:cNvSpPr/>
+            <p:nvPr/>
+          </p:nvSpPr>
+          <p:spPr>
+            <a:xfrm>
+              <a:off x="4080143" y="3357794"/>
+              <a:ext cx="1271016" cy="565688"/>
+            </a:xfrm>
+            <a:prstGeom prst="roundRect">
+              <a:avLst/>
+            </a:prstGeom>
+            <a:solidFill>
+              <a:srgbClr val="F1C5E0"/>
+            </a:solidFill>
+            <a:ln>
+              <a:solidFill>
+                <a:srgbClr val="C13089"/>
+              </a:solidFill>
+            </a:ln>
+          </p:spPr>
+          <p:style>
+            <a:lnRef idx="2">
+              <a:schemeClr val="accent1">
+                <a:shade val="50000"/>
+              </a:schemeClr>
+            </a:lnRef>
+            <a:fillRef idx="1">
+              <a:schemeClr val="accent1"/>
+            </a:fillRef>
+            <a:effectRef idx="0">
+              <a:schemeClr val="accent1"/>
+            </a:effectRef>
+            <a:fontRef idx="minor">
+              <a:schemeClr val="lt1"/>
+            </a:fontRef>
+          </p:style>
+          <p:txBody>
+            <a:bodyPr rtlCol="0" anchor="ctr"/>
+            <a:lstStyle/>
+            <a:p>
+              <a:pPr algn="ctr"/>
+              <a:r>
+                <a:rPr lang="en-US" dirty="0" smtClean="0">
+                  <a:solidFill>
+                    <a:srgbClr val="C13089"/>
+                  </a:solidFill>
+                </a:rPr>
+                <a:t>5</a:t>
+              </a:r>
+              <a:endParaRPr lang="en-US" dirty="0">
+                <a:solidFill>
+                  <a:srgbClr val="C13089"/>
+                </a:solidFill>
+              </a:endParaRPr>
+            </a:p>
+          </p:txBody>
+        </p:sp>
+        <p:sp>
+          <p:nvSpPr>
+            <p:cNvPr id="10" name="Rounded Rectangle 9"/>
+            <p:cNvSpPr/>
+            <p:nvPr/>
+          </p:nvSpPr>
+          <p:spPr>
+            <a:xfrm>
+              <a:off x="7702376" y="2535593"/>
+              <a:ext cx="1266836" cy="565688"/>
+            </a:xfrm>
+            <a:prstGeom prst="roundRect">
+              <a:avLst/>
+            </a:prstGeom>
+            <a:solidFill>
+              <a:srgbClr val="F1C5E0"/>
+            </a:solidFill>
+            <a:ln>
+              <a:solidFill>
+                <a:srgbClr val="C13089"/>
+              </a:solidFill>
+            </a:ln>
+          </p:spPr>
+          <p:style>
+            <a:lnRef idx="2">
+              <a:schemeClr val="accent1">
+                <a:shade val="50000"/>
+              </a:schemeClr>
+            </a:lnRef>
+            <a:fillRef idx="1">
+              <a:schemeClr val="accent1"/>
+            </a:fillRef>
+            <a:effectRef idx="0">
+              <a:schemeClr val="accent1"/>
+            </a:effectRef>
+            <a:fontRef idx="minor">
+              <a:schemeClr val="lt1"/>
+            </a:fontRef>
+          </p:style>
+          <p:txBody>
+            <a:bodyPr rtlCol="0" anchor="ctr"/>
+            <a:lstStyle/>
+            <a:p>
+              <a:pPr algn="ctr"/>
+              <a:r>
+                <a:rPr lang="en-US" dirty="0" smtClean="0">
+                  <a:solidFill>
+                    <a:srgbClr val="C13089"/>
+                  </a:solidFill>
+                </a:rPr>
+                <a:t>4</a:t>
+              </a:r>
+              <a:endParaRPr lang="en-US" dirty="0">
+                <a:solidFill>
+                  <a:srgbClr val="C13089"/>
+                </a:solidFill>
+              </a:endParaRPr>
+            </a:p>
+          </p:txBody>
+        </p:sp>
+        <p:sp>
+          <p:nvSpPr>
+            <p:cNvPr id="11" name="Rounded Rectangle 10"/>
+            <p:cNvSpPr/>
+            <p:nvPr/>
+          </p:nvSpPr>
+          <p:spPr>
+            <a:xfrm>
+              <a:off x="7016543" y="3357794"/>
+              <a:ext cx="1271016" cy="565688"/>
+            </a:xfrm>
+            <a:prstGeom prst="roundRect">
+              <a:avLst/>
+            </a:prstGeom>
+            <a:solidFill>
+              <a:srgbClr val="F1C5E0"/>
+            </a:solidFill>
+            <a:ln>
+              <a:solidFill>
+                <a:srgbClr val="C13089"/>
+              </a:solidFill>
+            </a:ln>
+          </p:spPr>
+          <p:style>
+            <a:lnRef idx="2">
+              <a:schemeClr val="accent1">
+                <a:shade val="50000"/>
+              </a:schemeClr>
+            </a:lnRef>
+            <a:fillRef idx="1">
+              <a:schemeClr val="accent1"/>
+            </a:fillRef>
+            <a:effectRef idx="0">
+              <a:schemeClr val="accent1"/>
+            </a:effectRef>
+            <a:fontRef idx="minor">
+              <a:schemeClr val="lt1"/>
+            </a:fontRef>
+          </p:style>
+          <p:txBody>
+            <a:bodyPr rtlCol="0" anchor="ctr"/>
+            <a:lstStyle/>
+            <a:p>
+              <a:pPr algn="ctr"/>
+              <a:r>
+                <a:rPr lang="en-US" dirty="0" smtClean="0">
+                  <a:solidFill>
+                    <a:srgbClr val="C13089"/>
+                  </a:solidFill>
+                </a:rPr>
+                <a:t>6</a:t>
+              </a:r>
+              <a:endParaRPr lang="en-US" dirty="0">
+                <a:solidFill>
+                  <a:srgbClr val="C13089"/>
+                </a:solidFill>
+              </a:endParaRPr>
+            </a:p>
+          </p:txBody>
+        </p:sp>
+        <p:cxnSp>
+          <p:nvCxnSpPr>
+            <p:cNvPr id="12" name="Straight Connector 11"/>
+            <p:cNvCxnSpPr>
+              <a:stCxn id="6" idx="0"/>
+              <a:endCxn id="18" idx="2"/>
+            </p:cNvCxnSpPr>
+            <p:nvPr/>
+          </p:nvCxnSpPr>
+          <p:spPr>
+            <a:xfrm flipV="1">
+              <a:off x="3856783" y="2017139"/>
+              <a:ext cx="893642" cy="518454"/>
+            </a:xfrm>
+            <a:prstGeom prst="line">
+              <a:avLst/>
+            </a:prstGeom>
+            <a:ln w="12700">
+              <a:solidFill>
+                <a:schemeClr val="accent6"/>
+              </a:solidFill>
+            </a:ln>
+          </p:spPr>
+          <p:style>
+            <a:lnRef idx="1">
+              <a:schemeClr val="accent1"/>
+            </a:lnRef>
+            <a:fillRef idx="0">
+              <a:schemeClr val="accent1"/>
+            </a:fillRef>
+            <a:effectRef idx="0">
+              <a:schemeClr val="accent1"/>
+            </a:effectRef>
+            <a:fontRef idx="minor">
+              <a:schemeClr val="tx1"/>
+            </a:fontRef>
+          </p:style>
+        </p:cxnSp>
+        <p:cxnSp>
+          <p:nvCxnSpPr>
+            <p:cNvPr id="13" name="Straight Connector 12"/>
+            <p:cNvCxnSpPr/>
+            <p:nvPr/>
+          </p:nvCxnSpPr>
+          <p:spPr>
+            <a:xfrm flipV="1">
+              <a:off x="6899862" y="2017139"/>
+              <a:ext cx="632292" cy="518454"/>
+            </a:xfrm>
+            <a:prstGeom prst="line">
+              <a:avLst/>
+            </a:prstGeom>
+            <a:ln w="12700">
+              <a:solidFill>
+                <a:schemeClr val="accent6"/>
+              </a:solidFill>
+            </a:ln>
+          </p:spPr>
+          <p:style>
+            <a:lnRef idx="1">
+              <a:schemeClr val="accent1"/>
+            </a:lnRef>
+            <a:fillRef idx="0">
+              <a:schemeClr val="accent1"/>
+            </a:fillRef>
+            <a:effectRef idx="0">
+              <a:schemeClr val="accent1"/>
+            </a:effectRef>
+            <a:fontRef idx="minor">
+              <a:schemeClr val="tx1"/>
+            </a:fontRef>
+          </p:style>
+        </p:cxnSp>
+        <p:cxnSp>
+          <p:nvCxnSpPr>
+            <p:cNvPr id="14" name="Straight Connector 13"/>
+            <p:cNvCxnSpPr>
+              <a:stCxn id="9" idx="0"/>
+              <a:endCxn id="18" idx="2"/>
+            </p:cNvCxnSpPr>
+            <p:nvPr/>
+          </p:nvCxnSpPr>
+          <p:spPr>
+            <a:xfrm flipV="1">
+              <a:off x="4715651" y="2017139"/>
+              <a:ext cx="34774" cy="1340655"/>
+            </a:xfrm>
+            <a:prstGeom prst="line">
+              <a:avLst/>
+            </a:prstGeom>
+            <a:ln w="12700">
+              <a:solidFill>
+                <a:schemeClr val="accent6"/>
+              </a:solidFill>
+            </a:ln>
+          </p:spPr>
+          <p:style>
+            <a:lnRef idx="1">
+              <a:schemeClr val="accent1"/>
+            </a:lnRef>
+            <a:fillRef idx="0">
+              <a:schemeClr val="accent1"/>
+            </a:fillRef>
+            <a:effectRef idx="0">
+              <a:schemeClr val="accent1"/>
+            </a:effectRef>
+            <a:fontRef idx="minor">
+              <a:schemeClr val="tx1"/>
+            </a:fontRef>
+          </p:style>
+        </p:cxnSp>
+        <p:cxnSp>
+          <p:nvCxnSpPr>
+            <p:cNvPr id="15" name="Straight Connector 14"/>
+            <p:cNvCxnSpPr>
+              <a:stCxn id="7" idx="0"/>
+              <a:endCxn id="18" idx="2"/>
+            </p:cNvCxnSpPr>
+            <p:nvPr/>
+          </p:nvCxnSpPr>
+          <p:spPr>
+            <a:xfrm flipH="1" flipV="1">
+              <a:off x="4750425" y="2017139"/>
+              <a:ext cx="789065" cy="518454"/>
+            </a:xfrm>
+            <a:prstGeom prst="line">
+              <a:avLst/>
+            </a:prstGeom>
+            <a:ln w="12700">
+              <a:solidFill>
+                <a:schemeClr val="accent6"/>
+              </a:solidFill>
+            </a:ln>
+          </p:spPr>
+          <p:style>
+            <a:lnRef idx="1">
+              <a:schemeClr val="accent1"/>
+            </a:lnRef>
+            <a:fillRef idx="0">
+              <a:schemeClr val="accent1"/>
+            </a:fillRef>
+            <a:effectRef idx="0">
+              <a:schemeClr val="accent1"/>
+            </a:effectRef>
+            <a:fontRef idx="minor">
+              <a:schemeClr val="tx1"/>
+            </a:fontRef>
+          </p:style>
+        </p:cxnSp>
+        <p:cxnSp>
+          <p:nvCxnSpPr>
+            <p:cNvPr id="16" name="Straight Connector 15"/>
+            <p:cNvCxnSpPr>
+              <a:stCxn id="11" idx="0"/>
+            </p:cNvCxnSpPr>
+            <p:nvPr/>
+          </p:nvCxnSpPr>
+          <p:spPr>
+            <a:xfrm flipH="1" flipV="1">
+              <a:off x="7559285" y="1991870"/>
+              <a:ext cx="92766" cy="1365924"/>
+            </a:xfrm>
+            <a:prstGeom prst="line">
+              <a:avLst/>
+            </a:prstGeom>
+            <a:ln w="12700">
+              <a:solidFill>
+                <a:schemeClr val="accent6"/>
+              </a:solidFill>
+            </a:ln>
+          </p:spPr>
+          <p:style>
+            <a:lnRef idx="1">
+              <a:schemeClr val="accent1"/>
+            </a:lnRef>
+            <a:fillRef idx="0">
+              <a:schemeClr val="accent1"/>
+            </a:fillRef>
+            <a:effectRef idx="0">
+              <a:schemeClr val="accent1"/>
+            </a:effectRef>
+            <a:fontRef idx="minor">
+              <a:schemeClr val="tx1"/>
+            </a:fontRef>
+          </p:style>
+        </p:cxnSp>
+        <p:cxnSp>
+          <p:nvCxnSpPr>
+            <p:cNvPr id="17" name="Straight Connector 16"/>
+            <p:cNvCxnSpPr>
+              <a:stCxn id="10" idx="0"/>
+            </p:cNvCxnSpPr>
+            <p:nvPr/>
+          </p:nvCxnSpPr>
+          <p:spPr>
+            <a:xfrm flipH="1" flipV="1">
+              <a:off x="7572699" y="2028947"/>
+              <a:ext cx="763095" cy="506646"/>
+            </a:xfrm>
+            <a:prstGeom prst="line">
+              <a:avLst/>
+            </a:prstGeom>
+            <a:ln w="12700">
+              <a:solidFill>
+                <a:schemeClr val="accent6"/>
+              </a:solidFill>
+            </a:ln>
+          </p:spPr>
+          <p:style>
+            <a:lnRef idx="1">
+              <a:schemeClr val="accent1"/>
+            </a:lnRef>
+            <a:fillRef idx="0">
+              <a:schemeClr val="accent1"/>
+            </a:fillRef>
+            <a:effectRef idx="0">
+              <a:schemeClr val="accent1"/>
+            </a:effectRef>
+            <a:fontRef idx="minor">
+              <a:schemeClr val="tx1"/>
+            </a:fontRef>
+          </p:style>
+        </p:cxnSp>
+        <p:sp>
+          <p:nvSpPr>
+            <p:cNvPr id="18" name="Rounded Rectangle 17"/>
+            <p:cNvSpPr/>
+            <p:nvPr/>
+          </p:nvSpPr>
+          <p:spPr>
+            <a:xfrm>
+              <a:off x="4250604" y="1451451"/>
+              <a:ext cx="999641" cy="565688"/>
+            </a:xfrm>
+            <a:prstGeom prst="roundRect">
+              <a:avLst/>
+            </a:prstGeom>
+            <a:solidFill>
+              <a:srgbClr val="E490C4"/>
+            </a:solidFill>
+            <a:ln>
+              <a:solidFill>
+                <a:srgbClr val="C13089"/>
+              </a:solidFill>
+              <a:miter lim="800000"/>
+            </a:ln>
+          </p:spPr>
+          <p:style>
+            <a:lnRef idx="2">
+              <a:schemeClr val="accent1">
+                <a:shade val="50000"/>
+              </a:schemeClr>
+            </a:lnRef>
+            <a:fillRef idx="1">
+              <a:schemeClr val="accent1"/>
+            </a:fillRef>
+            <a:effectRef idx="0">
+              <a:schemeClr val="accent1"/>
+            </a:effectRef>
+            <a:fontRef idx="minor">
+              <a:schemeClr val="lt1"/>
+            </a:fontRef>
+          </p:style>
+          <p:txBody>
+            <a:bodyPr rtlCol="0" anchor="ctr"/>
+            <a:lstStyle/>
+            <a:p>
+              <a:pPr algn="ctr"/>
+              <a:r>
+                <a:rPr lang="en-US" dirty="0" smtClean="0"/>
+                <a:t>Compute Node A</a:t>
+              </a:r>
+              <a:endParaRPr lang="en-US" dirty="0"/>
+            </a:p>
+          </p:txBody>
+        </p:sp>
+      </p:grpSp>
+      <p:sp>
+        <p:nvSpPr>
+          <p:cNvPr id="29" name="TextBox 28"/>
+          <p:cNvSpPr txBox="1"/>
+          <p:nvPr/>
+        </p:nvSpPr>
+        <p:spPr>
+          <a:xfrm>
+            <a:off x="301812" y="1193301"/>
+            <a:ext cx="1759286" cy="3000821"/>
+          </a:xfrm>
+          <a:prstGeom prst="rect">
+            <a:avLst/>
+          </a:prstGeom>
+          <a:noFill/>
+        </p:spPr>
+        <p:txBody>
+          <a:bodyPr wrap="square" rtlCol="0">
+            <a:spAutoFit/>
+          </a:bodyPr>
+          <a:lstStyle/>
+          <a:p>
+            <a:r>
+              <a:rPr lang="en-US" dirty="0" err="1" smtClean="0"/>
+              <a:t>OrderId</a:t>
+            </a:r>
+            <a:r>
+              <a:rPr lang="en-US" dirty="0" smtClean="0"/>
+              <a:t>	</a:t>
+            </a:r>
+            <a:r>
+              <a:rPr lang="en-US" dirty="0" err="1" smtClean="0"/>
+              <a:t>MonthYear</a:t>
+            </a:r>
+            <a:endParaRPr lang="en-US" dirty="0" smtClean="0"/>
+          </a:p>
+          <a:p>
+            <a:r>
+              <a:rPr lang="en-US" dirty="0" smtClean="0"/>
+              <a:t>11011</a:t>
+            </a:r>
+            <a:r>
+              <a:rPr lang="en-US" dirty="0"/>
+              <a:t>	</a:t>
+            </a:r>
+            <a:r>
+              <a:rPr lang="en-US" dirty="0" smtClean="0"/>
+              <a:t>032018</a:t>
+            </a:r>
+          </a:p>
+          <a:p>
+            <a:r>
+              <a:rPr lang="en-US" dirty="0" smtClean="0"/>
+              <a:t>11012	032018</a:t>
+            </a:r>
+          </a:p>
+          <a:p>
+            <a:r>
+              <a:rPr lang="en-US" dirty="0" smtClean="0"/>
+              <a:t>11013</a:t>
+            </a:r>
+            <a:r>
+              <a:rPr lang="en-US" dirty="0"/>
+              <a:t>	032018</a:t>
+            </a:r>
+            <a:endParaRPr lang="en-US" dirty="0" smtClean="0"/>
+          </a:p>
+          <a:p>
+            <a:r>
+              <a:rPr lang="en-US" dirty="0" smtClean="0"/>
+              <a:t>11014</a:t>
+            </a:r>
+            <a:r>
+              <a:rPr lang="en-US" dirty="0"/>
+              <a:t>	032018</a:t>
+            </a:r>
+            <a:endParaRPr lang="en-US" dirty="0" smtClean="0"/>
+          </a:p>
+          <a:p>
+            <a:r>
+              <a:rPr lang="en-US" dirty="0" smtClean="0"/>
+              <a:t>11015</a:t>
+            </a:r>
+            <a:r>
+              <a:rPr lang="en-US" dirty="0"/>
+              <a:t>	032018</a:t>
+            </a:r>
+            <a:endParaRPr lang="en-US" dirty="0" smtClean="0"/>
+          </a:p>
+          <a:p>
+            <a:r>
+              <a:rPr lang="en-US" dirty="0" smtClean="0"/>
+              <a:t>11016</a:t>
+            </a:r>
+            <a:r>
+              <a:rPr lang="en-US" dirty="0"/>
+              <a:t>	032018</a:t>
+            </a:r>
+            <a:endParaRPr lang="en-US" dirty="0" smtClean="0"/>
+          </a:p>
+          <a:p>
+            <a:r>
+              <a:rPr lang="en-US" dirty="0" smtClean="0"/>
+              <a:t>22101</a:t>
+            </a:r>
+            <a:r>
+              <a:rPr lang="en-US" dirty="0"/>
+              <a:t>	</a:t>
+            </a:r>
+            <a:r>
+              <a:rPr lang="en-US" dirty="0" smtClean="0"/>
+              <a:t>042018</a:t>
+            </a:r>
+          </a:p>
+          <a:p>
+            <a:r>
+              <a:rPr lang="en-US" dirty="0" smtClean="0"/>
+              <a:t>22102</a:t>
+            </a:r>
+            <a:r>
+              <a:rPr lang="en-US" dirty="0"/>
+              <a:t>	</a:t>
+            </a:r>
+            <a:r>
+              <a:rPr lang="en-US" dirty="0" smtClean="0"/>
+              <a:t>042018</a:t>
+            </a:r>
+          </a:p>
+          <a:p>
+            <a:r>
+              <a:rPr lang="en-US" dirty="0" smtClean="0"/>
+              <a:t>22103</a:t>
+            </a:r>
+            <a:r>
+              <a:rPr lang="en-US" dirty="0"/>
+              <a:t>	042018</a:t>
+            </a:r>
+            <a:endParaRPr lang="en-US" dirty="0" smtClean="0"/>
+          </a:p>
+          <a:p>
+            <a:r>
+              <a:rPr lang="en-US" dirty="0" smtClean="0"/>
+              <a:t>22104</a:t>
+            </a:r>
+            <a:r>
+              <a:rPr lang="en-US" dirty="0"/>
+              <a:t>	042018</a:t>
+            </a:r>
+            <a:endParaRPr lang="en-US" dirty="0" smtClean="0"/>
+          </a:p>
+          <a:p>
+            <a:r>
+              <a:rPr lang="en-US" dirty="0" smtClean="0"/>
+              <a:t>22105</a:t>
+            </a:r>
+            <a:r>
+              <a:rPr lang="en-US" dirty="0"/>
+              <a:t>	042018</a:t>
+            </a:r>
+            <a:endParaRPr lang="en-US" dirty="0" smtClean="0"/>
+          </a:p>
+          <a:p>
+            <a:pPr marL="342900" indent="-342900">
+              <a:buAutoNum type="arabicPlain" startAt="22106"/>
+            </a:pPr>
+            <a:r>
+              <a:rPr lang="en-US" dirty="0"/>
+              <a:t> </a:t>
+            </a:r>
+            <a:r>
+              <a:rPr lang="en-US" dirty="0" smtClean="0"/>
+              <a:t>	042018</a:t>
+            </a:r>
+          </a:p>
+          <a:p>
+            <a:pPr marL="342900" indent="-342900">
+              <a:buAutoNum type="arabicPlain" startAt="22106"/>
+            </a:pPr>
+            <a:r>
+              <a:rPr lang="en-US" dirty="0"/>
+              <a:t> </a:t>
+            </a:r>
+            <a:r>
+              <a:rPr lang="en-US" dirty="0" smtClean="0"/>
+              <a:t>	042018</a:t>
+            </a:r>
+          </a:p>
+        </p:txBody>
+      </p:sp>
+      <p:grpSp>
+        <p:nvGrpSpPr>
+          <p:cNvPr id="44" name="Group 43"/>
+          <p:cNvGrpSpPr/>
+          <p:nvPr/>
+        </p:nvGrpSpPr>
+        <p:grpSpPr>
+          <a:xfrm>
+            <a:off x="3202987" y="2589837"/>
+            <a:ext cx="5786603" cy="1413798"/>
+            <a:chOff x="3202987" y="2589837"/>
+            <a:chExt cx="5786603" cy="1413798"/>
+          </a:xfrm>
+        </p:grpSpPr>
+        <p:sp>
+          <p:nvSpPr>
+            <p:cNvPr id="30" name="TextBox 29"/>
+            <p:cNvSpPr txBox="1"/>
+            <p:nvPr/>
+          </p:nvSpPr>
+          <p:spPr>
+            <a:xfrm>
+              <a:off x="3202987" y="2589837"/>
+              <a:ext cx="1307592" cy="457200"/>
+            </a:xfrm>
+            <a:prstGeom prst="rect">
+              <a:avLst/>
+            </a:prstGeom>
+            <a:noFill/>
+          </p:spPr>
+          <p:txBody>
+            <a:bodyPr wrap="square" lIns="45720" rIns="45720" rtlCol="0">
+              <a:spAutoFit/>
+            </a:bodyPr>
+            <a:lstStyle/>
+            <a:p>
+              <a:r>
+                <a:rPr lang="en-US" dirty="0" smtClean="0"/>
+                <a:t>11011</a:t>
+              </a:r>
+              <a:r>
+                <a:rPr lang="en-US" dirty="0"/>
+                <a:t>	</a:t>
+              </a:r>
+              <a:r>
+                <a:rPr lang="en-US" dirty="0" smtClean="0"/>
+                <a:t>032018</a:t>
+              </a:r>
+            </a:p>
+            <a:p>
+              <a:r>
+                <a:rPr lang="en-US" dirty="0" smtClean="0"/>
+                <a:t>22101</a:t>
+              </a:r>
+              <a:r>
+                <a:rPr lang="en-US" dirty="0"/>
+                <a:t>	</a:t>
+              </a:r>
+              <a:r>
+                <a:rPr lang="en-US" dirty="0" smtClean="0"/>
+                <a:t>042018</a:t>
+              </a:r>
+            </a:p>
+          </p:txBody>
+        </p:sp>
+        <p:sp>
+          <p:nvSpPr>
+            <p:cNvPr id="31" name="TextBox 30"/>
+            <p:cNvSpPr txBox="1"/>
+            <p:nvPr/>
+          </p:nvSpPr>
+          <p:spPr>
+            <a:xfrm>
+              <a:off x="4885694" y="2589837"/>
+              <a:ext cx="1307592" cy="457200"/>
+            </a:xfrm>
+            <a:prstGeom prst="rect">
+              <a:avLst/>
+            </a:prstGeom>
+            <a:noFill/>
+          </p:spPr>
+          <p:txBody>
+            <a:bodyPr wrap="square" lIns="45720" rIns="45720" rtlCol="0">
+              <a:spAutoFit/>
+            </a:bodyPr>
+            <a:lstStyle/>
+            <a:p>
+              <a:r>
+                <a:rPr lang="en-US" dirty="0"/>
+                <a:t>11012</a:t>
+              </a:r>
+              <a:r>
+                <a:rPr lang="en-US" dirty="0"/>
+                <a:t>	</a:t>
+              </a:r>
+              <a:r>
+                <a:rPr lang="en-US" dirty="0" smtClean="0"/>
+                <a:t>032018</a:t>
+              </a:r>
+            </a:p>
+            <a:p>
+              <a:r>
+                <a:rPr lang="en-US" dirty="0" smtClean="0"/>
+                <a:t>22102</a:t>
+              </a:r>
+              <a:r>
+                <a:rPr lang="en-US" dirty="0"/>
+                <a:t>	</a:t>
+              </a:r>
+              <a:r>
+                <a:rPr lang="en-US" dirty="0" smtClean="0"/>
+                <a:t>042018</a:t>
+              </a:r>
+            </a:p>
+          </p:txBody>
+        </p:sp>
+        <p:sp>
+          <p:nvSpPr>
+            <p:cNvPr id="32" name="TextBox 31"/>
+            <p:cNvSpPr txBox="1"/>
+            <p:nvPr/>
+          </p:nvSpPr>
+          <p:spPr>
+            <a:xfrm>
+              <a:off x="4061855" y="3288054"/>
+              <a:ext cx="1307592" cy="715581"/>
+            </a:xfrm>
+            <a:prstGeom prst="rect">
+              <a:avLst/>
+            </a:prstGeom>
+            <a:noFill/>
+          </p:spPr>
+          <p:txBody>
+            <a:bodyPr wrap="square" lIns="45720" rIns="45720" rtlCol="0">
+              <a:spAutoFit/>
+            </a:bodyPr>
+            <a:lstStyle/>
+            <a:p>
+              <a:r>
+                <a:rPr lang="en-US" dirty="0" smtClean="0"/>
+                <a:t>11013</a:t>
+              </a:r>
+              <a:r>
+                <a:rPr lang="en-US" dirty="0"/>
+                <a:t>	</a:t>
+              </a:r>
+              <a:r>
+                <a:rPr lang="en-US" dirty="0" smtClean="0"/>
+                <a:t>032018</a:t>
+              </a:r>
+            </a:p>
+            <a:p>
+              <a:pPr marL="342900" indent="-342900">
+                <a:buAutoNum type="arabicPlain" startAt="22103"/>
+              </a:pPr>
+              <a:r>
+                <a:rPr lang="en-US" dirty="0" smtClean="0"/>
+                <a:t> 	042018</a:t>
+              </a:r>
+            </a:p>
+            <a:p>
+              <a:r>
+                <a:rPr lang="en-US" dirty="0" smtClean="0"/>
+                <a:t>22107 	042018</a:t>
+              </a:r>
+            </a:p>
+          </p:txBody>
+        </p:sp>
+        <p:sp>
+          <p:nvSpPr>
+            <p:cNvPr id="33" name="TextBox 32"/>
+            <p:cNvSpPr txBox="1"/>
+            <p:nvPr/>
+          </p:nvSpPr>
+          <p:spPr>
+            <a:xfrm>
+              <a:off x="6998255" y="3412038"/>
+              <a:ext cx="1307592" cy="457200"/>
+            </a:xfrm>
+            <a:prstGeom prst="rect">
+              <a:avLst/>
+            </a:prstGeom>
+            <a:noFill/>
+          </p:spPr>
+          <p:txBody>
+            <a:bodyPr wrap="square" lIns="45720" rIns="45720" rtlCol="0">
+              <a:spAutoFit/>
+            </a:bodyPr>
+            <a:lstStyle>
+              <a:defPPr>
+                <a:defRPr lang="en-US"/>
+              </a:defPPr>
+            </a:lstStyle>
+            <a:p>
+              <a:r>
+                <a:rPr lang="en-US" dirty="0"/>
+                <a:t>11014	032018</a:t>
+              </a:r>
+            </a:p>
+            <a:p>
+              <a:r>
+                <a:rPr lang="en-US" dirty="0"/>
+                <a:t>22104	042018</a:t>
+              </a:r>
+            </a:p>
+          </p:txBody>
+        </p:sp>
+        <p:sp>
+          <p:nvSpPr>
+            <p:cNvPr id="34" name="TextBox 33"/>
+            <p:cNvSpPr txBox="1"/>
+            <p:nvPr/>
+          </p:nvSpPr>
+          <p:spPr>
+            <a:xfrm>
+              <a:off x="6258471" y="2589837"/>
+              <a:ext cx="1307592" cy="457200"/>
+            </a:xfrm>
+            <a:prstGeom prst="rect">
+              <a:avLst/>
+            </a:prstGeom>
+            <a:noFill/>
+          </p:spPr>
+          <p:txBody>
+            <a:bodyPr wrap="square" lIns="45720" rIns="45720" rtlCol="0">
+              <a:spAutoFit/>
+            </a:bodyPr>
+            <a:lstStyle>
+              <a:defPPr>
+                <a:defRPr lang="en-US"/>
+              </a:defPPr>
+            </a:lstStyle>
+            <a:p>
+              <a:r>
+                <a:rPr lang="en-US" dirty="0"/>
+                <a:t>11015	032018</a:t>
+              </a:r>
+            </a:p>
+            <a:p>
+              <a:r>
+                <a:rPr lang="en-US" dirty="0"/>
+                <a:t>22105	042018</a:t>
+              </a:r>
+            </a:p>
+          </p:txBody>
+        </p:sp>
+        <p:sp>
+          <p:nvSpPr>
+            <p:cNvPr id="35" name="TextBox 34"/>
+            <p:cNvSpPr txBox="1"/>
+            <p:nvPr/>
+          </p:nvSpPr>
+          <p:spPr>
+            <a:xfrm>
+              <a:off x="7681998" y="2589837"/>
+              <a:ext cx="1307592" cy="457200"/>
+            </a:xfrm>
+            <a:prstGeom prst="rect">
+              <a:avLst/>
+            </a:prstGeom>
+            <a:noFill/>
+          </p:spPr>
+          <p:txBody>
+            <a:bodyPr wrap="square" lIns="45720" rIns="45720" rtlCol="0">
+              <a:spAutoFit/>
+            </a:bodyPr>
+            <a:lstStyle>
+              <a:defPPr>
+                <a:defRPr lang="en-US"/>
+              </a:defPPr>
+            </a:lstStyle>
+            <a:p>
+              <a:r>
+                <a:rPr lang="en-US" dirty="0"/>
+                <a:t>11016	032018</a:t>
+              </a:r>
+            </a:p>
+            <a:p>
+              <a:r>
+                <a:rPr lang="en-US" dirty="0"/>
+                <a:t>22106	042018</a:t>
+              </a:r>
+            </a:p>
+          </p:txBody>
+        </p:sp>
+      </p:grpSp>
+      <p:grpSp>
+        <p:nvGrpSpPr>
+          <p:cNvPr id="53" name="Group 52"/>
+          <p:cNvGrpSpPr/>
+          <p:nvPr/>
+        </p:nvGrpSpPr>
+        <p:grpSpPr>
+          <a:xfrm>
+            <a:off x="3212112" y="2832019"/>
+            <a:ext cx="5757486" cy="824198"/>
+            <a:chOff x="3212112" y="2832019"/>
+            <a:chExt cx="5757486" cy="824198"/>
+          </a:xfrm>
+        </p:grpSpPr>
+        <p:cxnSp>
+          <p:nvCxnSpPr>
+            <p:cNvPr id="46" name="Straight Connector 45"/>
+            <p:cNvCxnSpPr/>
+            <p:nvPr/>
+          </p:nvCxnSpPr>
+          <p:spPr>
+            <a:xfrm>
+              <a:off x="3212112" y="2839430"/>
+              <a:ext cx="1271016" cy="2255"/>
+            </a:xfrm>
+            <a:prstGeom prst="line">
+              <a:avLst/>
+            </a:prstGeom>
+            <a:ln w="25400"/>
+          </p:spPr>
+          <p:style>
+            <a:lnRef idx="1">
+              <a:schemeClr val="accent1"/>
+            </a:lnRef>
+            <a:fillRef idx="0">
+              <a:schemeClr val="accent1"/>
+            </a:fillRef>
+            <a:effectRef idx="0">
+              <a:schemeClr val="accent1"/>
+            </a:effectRef>
+            <a:fontRef idx="minor">
+              <a:schemeClr val="tx1"/>
+            </a:fontRef>
+          </p:style>
+        </p:cxnSp>
+        <p:cxnSp>
+          <p:nvCxnSpPr>
+            <p:cNvPr id="48" name="Straight Connector 47"/>
+            <p:cNvCxnSpPr/>
+            <p:nvPr/>
+          </p:nvCxnSpPr>
+          <p:spPr>
+            <a:xfrm>
+              <a:off x="4892472" y="2836529"/>
+              <a:ext cx="1271016" cy="2255"/>
+            </a:xfrm>
+            <a:prstGeom prst="line">
+              <a:avLst/>
+            </a:prstGeom>
+            <a:ln w="25400"/>
+          </p:spPr>
+          <p:style>
+            <a:lnRef idx="1">
+              <a:schemeClr val="accent1"/>
+            </a:lnRef>
+            <a:fillRef idx="0">
+              <a:schemeClr val="accent1"/>
+            </a:fillRef>
+            <a:effectRef idx="0">
+              <a:schemeClr val="accent1"/>
+            </a:effectRef>
+            <a:fontRef idx="minor">
+              <a:schemeClr val="tx1"/>
+            </a:fontRef>
+          </p:style>
+        </p:cxnSp>
+        <p:cxnSp>
+          <p:nvCxnSpPr>
+            <p:cNvPr id="49" name="Straight Connector 48"/>
+            <p:cNvCxnSpPr/>
+            <p:nvPr/>
+          </p:nvCxnSpPr>
+          <p:spPr>
+            <a:xfrm>
+              <a:off x="6267891" y="2834274"/>
+              <a:ext cx="1271016" cy="2255"/>
+            </a:xfrm>
+            <a:prstGeom prst="line">
+              <a:avLst/>
+            </a:prstGeom>
+            <a:ln w="25400"/>
+          </p:spPr>
+          <p:style>
+            <a:lnRef idx="1">
+              <a:schemeClr val="accent1"/>
+            </a:lnRef>
+            <a:fillRef idx="0">
+              <a:schemeClr val="accent1"/>
+            </a:fillRef>
+            <a:effectRef idx="0">
+              <a:schemeClr val="accent1"/>
+            </a:effectRef>
+            <a:fontRef idx="minor">
+              <a:schemeClr val="tx1"/>
+            </a:fontRef>
+          </p:style>
+        </p:cxnSp>
+        <p:cxnSp>
+          <p:nvCxnSpPr>
+            <p:cNvPr id="50" name="Straight Connector 49"/>
+            <p:cNvCxnSpPr/>
+            <p:nvPr/>
+          </p:nvCxnSpPr>
+          <p:spPr>
+            <a:xfrm>
+              <a:off x="7698582" y="2832019"/>
+              <a:ext cx="1271016" cy="2255"/>
+            </a:xfrm>
+            <a:prstGeom prst="line">
+              <a:avLst/>
+            </a:prstGeom>
+            <a:ln w="25400"/>
+          </p:spPr>
+          <p:style>
+            <a:lnRef idx="1">
+              <a:schemeClr val="accent1"/>
+            </a:lnRef>
+            <a:fillRef idx="0">
+              <a:schemeClr val="accent1"/>
+            </a:fillRef>
+            <a:effectRef idx="0">
+              <a:schemeClr val="accent1"/>
+            </a:effectRef>
+            <a:fontRef idx="minor">
+              <a:schemeClr val="tx1"/>
+            </a:fontRef>
+          </p:style>
+        </p:cxnSp>
+        <p:cxnSp>
+          <p:nvCxnSpPr>
+            <p:cNvPr id="51" name="Straight Connector 50"/>
+            <p:cNvCxnSpPr/>
+            <p:nvPr/>
+          </p:nvCxnSpPr>
+          <p:spPr>
+            <a:xfrm>
+              <a:off x="4079626" y="3547651"/>
+              <a:ext cx="1271016" cy="2255"/>
+            </a:xfrm>
+            <a:prstGeom prst="line">
+              <a:avLst/>
+            </a:prstGeom>
+            <a:ln w="25400"/>
+          </p:spPr>
+          <p:style>
+            <a:lnRef idx="1">
+              <a:schemeClr val="accent1"/>
+            </a:lnRef>
+            <a:fillRef idx="0">
+              <a:schemeClr val="accent1"/>
+            </a:fillRef>
+            <a:effectRef idx="0">
+              <a:schemeClr val="accent1"/>
+            </a:effectRef>
+            <a:fontRef idx="minor">
+              <a:schemeClr val="tx1"/>
+            </a:fontRef>
+          </p:style>
+        </p:cxnSp>
+        <p:cxnSp>
+          <p:nvCxnSpPr>
+            <p:cNvPr id="52" name="Straight Connector 51"/>
+            <p:cNvCxnSpPr/>
+            <p:nvPr/>
+          </p:nvCxnSpPr>
+          <p:spPr>
+            <a:xfrm>
+              <a:off x="6998255" y="3653962"/>
+              <a:ext cx="1271016" cy="2255"/>
+            </a:xfrm>
+            <a:prstGeom prst="line">
+              <a:avLst/>
+            </a:prstGeom>
+            <a:ln w="25400"/>
+          </p:spPr>
+          <p:style>
+            <a:lnRef idx="1">
+              <a:schemeClr val="accent1"/>
+            </a:lnRef>
+            <a:fillRef idx="0">
+              <a:schemeClr val="accent1"/>
+            </a:fillRef>
+            <a:effectRef idx="0">
+              <a:schemeClr val="accent1"/>
+            </a:effectRef>
+            <a:fontRef idx="minor">
+              <a:schemeClr val="tx1"/>
+            </a:fontRef>
+          </p:style>
+        </p:cxnSp>
+      </p:grpSp>
+    </p:spTree>
+    <p:extLst>
+      <p:ext uri="{BB962C8B-B14F-4D97-AF65-F5344CB8AC3E}">
+        <p14:creationId xmlns:p14="http://schemas.microsoft.com/office/powerpoint/2010/main" val="1634987798"/>
+      </p:ext>
+    </p:extLst>
+  </p:cSld>
+  <p:clrMapOvr>
+    <a:masterClrMapping/>
+  </p:clrMapOvr>
+  <p:timing>
+    <p:tnLst>
+      <p:par>
+        <p:cTn id="1" dur="indefinite" restart="never" nodeType="tmRoot">
+          <p:childTnLst>
+            <p:seq concurrent="1" nextAc="seek">
+              <p:cTn id="2" dur="indefinite" nodeType="mainSeq">
+                <p:childTnLst>
+                  <p:par>
+                    <p:cTn id="3" fill="hold">
+                      <p:stCondLst>
+                        <p:cond delay="indefinite"/>
+                      </p:stCondLst>
+                      <p:childTnLst>
+                        <p:par>
+                          <p:cTn id="4" fill="hold">
+                            <p:stCondLst>
+                              <p:cond delay="0"/>
+                            </p:stCondLst>
+                            <p:childTnLst>
+                              <p:par>
+                                <p:cTn id="5" presetID="1" presetClass="entr" presetSubtype="0" fill="hold" grpId="0" nodeType="clickEffect">
+                                  <p:stCondLst>
+                                    <p:cond delay="0"/>
+                                  </p:stCondLst>
+                                  <p:childTnLst>
+                                    <p:set>
+                                      <p:cBhvr>
+                                        <p:cTn id="6" dur="1" fill="hold">
+                                          <p:stCondLst>
+                                            <p:cond delay="0"/>
+                                          </p:stCondLst>
+                                        </p:cTn>
+                                        <p:tgtEl>
+                                          <p:spTgt spid="29"/>
+                                        </p:tgtEl>
+                                        <p:attrNameLst>
+                                          <p:attrName>style.visibility</p:attrName>
+                                        </p:attrNameLst>
+                                      </p:cBhvr>
+                                      <p:to>
+                                        <p:strVal val="visible"/>
+                                      </p:to>
+                                    </p:set>
+                                  </p:childTnLst>
+                                </p:cTn>
+                              </p:par>
+                            </p:childTnLst>
+                          </p:cTn>
+                        </p:par>
+                      </p:childTnLst>
+                    </p:cTn>
+                  </p:par>
+                  <p:par>
+                    <p:cTn id="7" fill="hold">
+                      <p:stCondLst>
+                        <p:cond delay="indefinite"/>
+                      </p:stCondLst>
+                      <p:childTnLst>
+                        <p:par>
+                          <p:cTn id="8" fill="hold">
+                            <p:stCondLst>
+                              <p:cond delay="0"/>
+                            </p:stCondLst>
+                            <p:childTnLst>
+                              <p:par>
+                                <p:cTn id="9" presetID="1" presetClass="entr" presetSubtype="0" fill="hold" nodeType="clickEffect">
+                                  <p:stCondLst>
+                                    <p:cond delay="0"/>
+                                  </p:stCondLst>
+                                  <p:childTnLst>
+                                    <p:set>
+                                      <p:cBhvr>
+                                        <p:cTn id="10" dur="1" fill="hold">
+                                          <p:stCondLst>
+                                            <p:cond delay="0"/>
+                                          </p:stCondLst>
+                                        </p:cTn>
+                                        <p:tgtEl>
+                                          <p:spTgt spid="44"/>
+                                        </p:tgtEl>
+                                        <p:attrNameLst>
+                                          <p:attrName>style.visibility</p:attrName>
+                                        </p:attrNameLst>
+                                      </p:cBhvr>
+                                      <p:to>
+                                        <p:strVal val="visible"/>
+                                      </p:to>
+                                    </p:set>
+                                  </p:childTnLst>
+                                </p:cTn>
+                              </p:par>
+                            </p:childTnLst>
+                          </p:cTn>
+                        </p:par>
+                      </p:childTnLst>
+                    </p:cTn>
+                  </p:par>
+                  <p:par>
+                    <p:cTn id="11" fill="hold">
+                      <p:stCondLst>
+                        <p:cond delay="indefinite"/>
+                      </p:stCondLst>
+                      <p:childTnLst>
+                        <p:par>
+                          <p:cTn id="12" fill="hold">
+                            <p:stCondLst>
+                              <p:cond delay="0"/>
+                            </p:stCondLst>
+                            <p:childTnLst>
+                              <p:par>
+                                <p:cTn id="13" presetID="1" presetClass="entr" presetSubtype="0" fill="hold" nodeType="clickEffect">
+                                  <p:stCondLst>
+                                    <p:cond delay="0"/>
+                                  </p:stCondLst>
+                                  <p:childTnLst>
+                                    <p:set>
+                                      <p:cBhvr>
+                                        <p:cTn id="14" dur="1" fill="hold">
+                                          <p:stCondLst>
+                                            <p:cond delay="0"/>
+                                          </p:stCondLst>
+                                        </p:cTn>
+                                        <p:tgtEl>
+                                          <p:spTgt spid="53"/>
+                                        </p:tgtEl>
+                                        <p:attrNameLst>
+                                          <p:attrName>style.visibility</p:attrName>
+                                        </p:attrNameLst>
+                                      </p:cBhvr>
+                                      <p:to>
+                                        <p:strVal val="visible"/>
+                                      </p:to>
+                                    </p:set>
+                                  </p:childTnLst>
+                                </p:cTn>
+                              </p:par>
+                            </p:childTnLst>
+                          </p:cTn>
+                        </p:par>
+                      </p:childTnLst>
+                    </p:cTn>
+                  </p:par>
+                </p:childTnLst>
+              </p:cTn>
+              <p:prevCondLst>
+                <p:cond evt="onPrev" delay="0">
+                  <p:tgtEl>
+                    <p:sldTgt/>
+                  </p:tgtEl>
+                </p:cond>
+              </p:prevCondLst>
+              <p:nextCondLst>
+                <p:cond evt="onNext" delay="0">
+                  <p:tgtEl>
+                    <p:sldTgt/>
+                  </p:tgtEl>
+                </p:cond>
+              </p:nextCondLst>
+            </p:seq>
+          </p:childTnLst>
+        </p:cTn>
+      </p:par>
+    </p:tnLst>
+    <p:bldLst>
+      <p:bldP spid="29" grpId="0"/>
+    </p:bldLst>
+  </p:timing>
+</p:sld>
+</file>
+
+<file path=ppt/slides/slide7.xml><?xml version="1.0" encoding="utf-8"?>
+<p:sld xmlns:a="http://schemas.openxmlformats.org/drawingml/2006/main" xmlns:r="http://schemas.openxmlformats.org/officeDocument/2006/relationships" xmlns:p="http://schemas.openxmlformats.org/presentationml/2006/main">
+  <p:cSld>
+    <p:spTree>
+      <p:nvGrpSpPr>
+        <p:cNvPr id="1" name=""/>
+        <p:cNvGrpSpPr/>
+        <p:nvPr/>
+      </p:nvGrpSpPr>
+      <p:grpSpPr>
+        <a:xfrm>
+          <a:off x="0" y="0"/>
+          <a:ext cx="0" cy="0"/>
+          <a:chOff x="0" y="0"/>
+          <a:chExt cx="0" cy="0"/>
+        </a:xfrm>
+      </p:grpSpPr>
+      <p:sp>
+        <p:nvSpPr>
+          <p:cNvPr id="2" name="Title 1"/>
+          <p:cNvSpPr>
+            <a:spLocks noGrp="1"/>
+          </p:cNvSpPr>
+          <p:nvPr>
+            <p:ph type="title"/>
+          </p:nvPr>
+        </p:nvSpPr>
+        <p:spPr>
+          <a:xfrm>
+            <a:off x="242236" y="6480"/>
+            <a:ext cx="8714943" cy="682400"/>
+          </a:xfrm>
+        </p:spPr>
+        <p:txBody>
+          <a:bodyPr/>
+          <a:lstStyle/>
+          <a:p>
+            <a:r>
+              <a:rPr lang="en-US" dirty="0" smtClean="0"/>
+              <a:t>ADW Tables: </a:t>
+            </a:r>
+            <a:r>
+              <a:rPr lang="en-US" dirty="0" smtClean="0"/>
+              <a:t>Distribution &amp; Storage</a:t>
+            </a:r>
+            <a:endParaRPr lang="en-US" dirty="0"/>
+          </a:p>
+        </p:txBody>
+      </p:sp>
+      <p:graphicFrame>
+        <p:nvGraphicFramePr>
+          <p:cNvPr id="3" name="Table 2"/>
+          <p:cNvGraphicFramePr>
+            <a:graphicFrameLocks noGrp="1"/>
+          </p:cNvGraphicFramePr>
+          <p:nvPr>
+            <p:extLst/>
+          </p:nvPr>
+        </p:nvGraphicFramePr>
+        <p:xfrm>
+          <a:off x="237225" y="679276"/>
+          <a:ext cx="7643245" cy="1825611"/>
+        </p:xfrm>
+        <a:graphic>
+          <a:graphicData uri="http://schemas.openxmlformats.org/drawingml/2006/table">
+            <a:tbl>
+              <a:tblPr firstRow="1" bandRow="1">
+                <a:tableStyleId>{5C22544A-7EE6-4342-B048-85BDC9FD1C3A}</a:tableStyleId>
+              </a:tblPr>
+              <a:tblGrid>
+                <a:gridCol w="2547748">
+                  <a:extLst>
+                    <a:ext uri="{9D8B030D-6E8A-4147-A177-3AD203B41FA5}">
+                      <a16:colId xmlns:a16="http://schemas.microsoft.com/office/drawing/2014/main" val="1043162021"/>
+                    </a:ext>
+                  </a:extLst>
+                </a:gridCol>
+                <a:gridCol w="2424140">
+                  <a:extLst>
+                    <a:ext uri="{9D8B030D-6E8A-4147-A177-3AD203B41FA5}">
+                      <a16:colId xmlns:a16="http://schemas.microsoft.com/office/drawing/2014/main" val="2377056014"/>
+                    </a:ext>
+                  </a:extLst>
+                </a:gridCol>
+                <a:gridCol w="2671357">
+                  <a:extLst>
+                    <a:ext uri="{9D8B030D-6E8A-4147-A177-3AD203B41FA5}">
+                      <a16:colId xmlns:a16="http://schemas.microsoft.com/office/drawing/2014/main" val="2756769494"/>
+                    </a:ext>
+                  </a:extLst>
+                </a:gridCol>
+              </a:tblGrid>
+              <a:tr h="418451">
+                <a:tc gridSpan="2">
+                  <a:txBody>
+                    <a:bodyPr/>
+                    <a:lstStyle/>
+                    <a:p>
+                      <a:pPr algn="ctr"/>
+                      <a:r>
+                        <a:rPr lang="en-US" sz="1400" dirty="0" smtClean="0"/>
+                        <a:t>Distributed</a:t>
+                      </a:r>
+                      <a:endParaRPr lang="en-US" sz="1400" dirty="0"/>
+                    </a:p>
+                  </a:txBody>
+                  <a:tcPr>
+                    <a:solidFill>
+                      <a:srgbClr val="802A7A"/>
+                    </a:solidFill>
+                  </a:tcPr>
+                </a:tc>
+                <a:tc hMerge="1">
+                  <a:txBody>
+                    <a:bodyPr/>
+                    <a:lstStyle/>
+                    <a:p>
+                      <a:endParaRPr lang="en-US" dirty="0"/>
+                    </a:p>
+                  </a:txBody>
+                  <a:tcPr>
+                    <a:solidFill>
+                      <a:srgbClr val="802A7A"/>
+                    </a:solidFill>
+                  </a:tcPr>
+                </a:tc>
+                <a:tc>
+                  <a:txBody>
+                    <a:bodyPr/>
+                    <a:lstStyle/>
+                    <a:p>
+                      <a:pPr algn="ctr"/>
+                      <a:r>
+                        <a:rPr lang="en-US" sz="1400" dirty="0" smtClean="0"/>
+                        <a:t>Replicated</a:t>
+                      </a:r>
+                      <a:endParaRPr lang="en-US" sz="1400" dirty="0"/>
+                    </a:p>
+                  </a:txBody>
+                  <a:tcPr>
+                    <a:solidFill>
+                      <a:srgbClr val="802A7A"/>
+                    </a:solidFill>
+                  </a:tcPr>
+                </a:tc>
+                <a:extLst>
+                  <a:ext uri="{0D108BD9-81ED-4DB2-BD59-A6C34878D82A}">
+                    <a16:rowId xmlns:a16="http://schemas.microsoft.com/office/drawing/2014/main" val="692749374"/>
+                  </a:ext>
+                </a:extLst>
+              </a:tr>
+              <a:tr h="370840">
+                <a:tc>
+                  <a:txBody>
+                    <a:bodyPr/>
+                    <a:lstStyle/>
+                    <a:p>
+                      <a:pPr algn="ctr"/>
+                      <a:r>
+                        <a:rPr lang="en-US" sz="1400" dirty="0" smtClean="0">
+                          <a:solidFill>
+                            <a:schemeClr val="bg1"/>
+                          </a:solidFill>
+                        </a:rPr>
+                        <a:t>Hash</a:t>
+                      </a:r>
+                      <a:endParaRPr lang="en-US" sz="1400" dirty="0">
+                        <a:solidFill>
+                          <a:schemeClr val="bg1"/>
+                        </a:solidFill>
+                      </a:endParaRPr>
+                    </a:p>
+                  </a:txBody>
+                  <a:tcPr>
+                    <a:solidFill>
+                      <a:srgbClr val="C13089"/>
+                    </a:solidFill>
+                  </a:tcPr>
+                </a:tc>
+                <a:tc>
+                  <a:txBody>
+                    <a:bodyPr/>
+                    <a:lstStyle/>
+                    <a:p>
+                      <a:pPr algn="ctr"/>
+                      <a:r>
+                        <a:rPr lang="en-US" sz="1400" dirty="0" smtClean="0">
+                          <a:solidFill>
+                            <a:schemeClr val="bg1"/>
+                          </a:solidFill>
+                        </a:rPr>
+                        <a:t>Round Robin</a:t>
+                      </a:r>
+                      <a:endParaRPr lang="en-US" sz="1400" dirty="0">
+                        <a:solidFill>
+                          <a:schemeClr val="bg1"/>
+                        </a:solidFill>
+                      </a:endParaRPr>
+                    </a:p>
+                  </a:txBody>
+                  <a:tcPr>
+                    <a:solidFill>
+                      <a:srgbClr val="C13089"/>
+                    </a:solidFill>
+                  </a:tcPr>
+                </a:tc>
+                <a:tc>
+                  <a:txBody>
+                    <a:bodyPr/>
+                    <a:lstStyle/>
+                    <a:p>
+                      <a:pPr algn="ctr"/>
+                      <a:r>
+                        <a:rPr lang="en-US" sz="1400" dirty="0" smtClean="0">
+                          <a:solidFill>
+                            <a:schemeClr val="bg1"/>
+                          </a:solidFill>
+                        </a:rPr>
+                        <a:t>Replicated</a:t>
+                      </a:r>
+                      <a:endParaRPr lang="en-US" sz="1400" dirty="0">
+                        <a:solidFill>
+                          <a:schemeClr val="bg1"/>
+                        </a:solidFill>
+                      </a:endParaRPr>
+                    </a:p>
+                  </a:txBody>
+                  <a:tcPr>
+                    <a:solidFill>
+                      <a:srgbClr val="C13089"/>
+                    </a:solidFill>
+                  </a:tcPr>
+                </a:tc>
+                <a:extLst>
+                  <a:ext uri="{0D108BD9-81ED-4DB2-BD59-A6C34878D82A}">
+                    <a16:rowId xmlns:a16="http://schemas.microsoft.com/office/drawing/2014/main" val="2544754972"/>
+                  </a:ext>
+                </a:extLst>
+              </a:tr>
+              <a:tr h="370840">
+                <a:tc>
+                  <a:txBody>
+                    <a:bodyPr/>
+                    <a:lstStyle/>
+                    <a:p>
+                      <a:r>
+                        <a:rPr lang="en-US" sz="1400" dirty="0" smtClean="0"/>
+                        <a:t>Distributed on Hash Key across the 60 nodes</a:t>
+                      </a:r>
+                      <a:endParaRPr lang="en-US" sz="1400" dirty="0"/>
+                    </a:p>
+                  </a:txBody>
+                  <a:tcPr>
+                    <a:solidFill>
+                      <a:srgbClr val="F1C5E0"/>
+                    </a:solidFill>
+                  </a:tcPr>
+                </a:tc>
+                <a:tc>
+                  <a:txBody>
+                    <a:bodyPr/>
+                    <a:lstStyle/>
+                    <a:p>
+                      <a:r>
+                        <a:rPr lang="en-US" sz="1400" dirty="0" smtClean="0"/>
+                        <a:t>Randomly distributed across the 60 nodes</a:t>
+                      </a:r>
+                      <a:endParaRPr lang="en-US" sz="1400" dirty="0"/>
+                    </a:p>
+                  </a:txBody>
+                  <a:tcPr>
+                    <a:solidFill>
+                      <a:srgbClr val="F1C5E0"/>
+                    </a:solidFill>
+                  </a:tcPr>
+                </a:tc>
+                <a:tc>
+                  <a:txBody>
+                    <a:bodyPr/>
+                    <a:lstStyle/>
+                    <a:p>
+                      <a:r>
+                        <a:rPr lang="en-US" sz="1400" dirty="0" smtClean="0"/>
+                        <a:t>Each</a:t>
+                      </a:r>
+                      <a:r>
+                        <a:rPr lang="en-US" sz="1400" baseline="0" dirty="0" smtClean="0"/>
+                        <a:t> compute node has a copy of the entire table</a:t>
+                      </a:r>
+                      <a:endParaRPr lang="en-US" sz="1400" dirty="0"/>
+                    </a:p>
+                  </a:txBody>
+                  <a:tcPr>
+                    <a:solidFill>
+                      <a:srgbClr val="F1C5E0"/>
+                    </a:solidFill>
+                  </a:tcPr>
+                </a:tc>
+                <a:extLst>
+                  <a:ext uri="{0D108BD9-81ED-4DB2-BD59-A6C34878D82A}">
+                    <a16:rowId xmlns:a16="http://schemas.microsoft.com/office/drawing/2014/main" val="2724479515"/>
+                  </a:ext>
+                </a:extLst>
+              </a:tr>
+              <a:tr h="370840">
+                <a:tc>
+                  <a:txBody>
+                    <a:bodyPr/>
+                    <a:lstStyle/>
+                    <a:p>
+                      <a:r>
+                        <a:rPr lang="en-US" sz="1400" dirty="0" smtClean="0"/>
+                        <a:t>Fact Tables</a:t>
+                      </a:r>
+                    </a:p>
+                    <a:p>
+                      <a:r>
+                        <a:rPr lang="en-US" sz="1400" dirty="0" smtClean="0"/>
+                        <a:t>RCD</a:t>
+                      </a:r>
+                    </a:p>
+                  </a:txBody>
+                  <a:tcPr>
+                    <a:solidFill>
+                      <a:srgbClr val="E490C4"/>
+                    </a:solidFill>
+                  </a:tcPr>
+                </a:tc>
+                <a:tc>
+                  <a:txBody>
+                    <a:bodyPr/>
+                    <a:lstStyle/>
+                    <a:p>
+                      <a:r>
+                        <a:rPr lang="en-US" sz="1400" dirty="0" smtClean="0"/>
+                        <a:t>External Tables</a:t>
+                      </a:r>
+                      <a:endParaRPr lang="en-US" sz="1400" dirty="0"/>
+                    </a:p>
+                  </a:txBody>
+                  <a:tcPr>
+                    <a:solidFill>
+                      <a:srgbClr val="E490C4"/>
+                    </a:solidFill>
+                  </a:tcPr>
+                </a:tc>
+                <a:tc>
+                  <a:txBody>
+                    <a:bodyPr/>
+                    <a:lstStyle/>
+                    <a:p>
+                      <a:r>
+                        <a:rPr lang="en-US" sz="1400" dirty="0" smtClean="0"/>
+                        <a:t>Dimensions &lt; 2G</a:t>
+                      </a:r>
+                      <a:endParaRPr lang="en-US" sz="1400" dirty="0"/>
+                    </a:p>
+                  </a:txBody>
+                  <a:tcPr>
+                    <a:solidFill>
+                      <a:srgbClr val="E490C4"/>
+                    </a:solidFill>
+                  </a:tcPr>
+                </a:tc>
+                <a:extLst>
+                  <a:ext uri="{0D108BD9-81ED-4DB2-BD59-A6C34878D82A}">
+                    <a16:rowId xmlns:a16="http://schemas.microsoft.com/office/drawing/2014/main" val="3081826168"/>
+                  </a:ext>
+                </a:extLst>
+              </a:tr>
+            </a:tbl>
+          </a:graphicData>
+        </a:graphic>
+      </p:graphicFrame>
       <p:graphicFrame>
         <p:nvGraphicFramePr>
           <p:cNvPr id="5" name="Table 4"/>
@@ -6947,7 +9653,7 @@
           <p:nvPr>
             <p:extLst>
               <p:ext uri="{D42A27DB-BD31-4B8C-83A1-F6EECF244321}">
-                <p14:modId xmlns:p14="http://schemas.microsoft.com/office/powerpoint/2010/main" val="1834302275"/>
+                <p14:modId xmlns:p14="http://schemas.microsoft.com/office/powerpoint/2010/main" val="2580722611"/>
               </p:ext>
             </p:extLst>
           </p:nvPr>
@@ -7225,7 +9931,15 @@
                       </a:r>
                       <a:r>
                         <a:rPr lang="en-US" sz="1400" baseline="0" dirty="0" smtClean="0"/>
-                        <a:t> based on quality and health.  Rebuild CCI with large resource class</a:t>
+                        <a:t> based on quality and health.  Rebuild CCI </a:t>
+                      </a:r>
+                      <a:r>
+                        <a:rPr lang="en-US" sz="1400" baseline="0" dirty="0" smtClean="0"/>
+                        <a:t>with extra </a:t>
+                      </a:r>
+                      <a:r>
+                        <a:rPr lang="en-US" sz="1400" baseline="0" dirty="0" smtClean="0"/>
+                        <a:t>large resource class</a:t>
                       </a:r>
                     </a:p>
                     <a:p>
@@ -7415,59 +10129,10 @@
           </a:p>
         </p:txBody>
       </p:sp>
-      <p:sp>
-        <p:nvSpPr>
-          <p:cNvPr id="7" name="Title 1"/>
-          <p:cNvSpPr txBox="1">
-            <a:spLocks/>
-          </p:cNvSpPr>
-          <p:nvPr/>
-        </p:nvSpPr>
-        <p:spPr>
-          <a:xfrm>
-            <a:off x="59898" y="3764"/>
-            <a:ext cx="8714943" cy="682400"/>
-          </a:xfrm>
-          <a:prstGeom prst="rect">
-            <a:avLst/>
-          </a:prstGeom>
-        </p:spPr>
-        <p:txBody>
-          <a:bodyPr vert="horz" lIns="91440" tIns="45720" rIns="91440" bIns="45720" rtlCol="0" anchor="ctr">
-            <a:normAutofit/>
-          </a:bodyPr>
-          <a:lstStyle>
-            <a:lvl1pPr algn="l" defTabSz="685800" rtl="0" eaLnBrk="1" latinLnBrk="0" hangingPunct="1">
-              <a:lnSpc>
-                <a:spcPct val="90000"/>
-              </a:lnSpc>
-              <a:spcBef>
-                <a:spcPct val="0"/>
-              </a:spcBef>
-              <a:buNone/>
-              <a:defRPr sz="2800" b="0" kern="1200">
-                <a:solidFill>
-                  <a:srgbClr val="726963"/>
-                </a:solidFill>
-                <a:latin typeface="Verdana" panose="020B0604030504040204" pitchFamily="34" charset="0"/>
-                <a:ea typeface="Verdana" panose="020B0604030504040204" pitchFamily="34" charset="0"/>
-                <a:cs typeface="Verdana" panose="020B0604030504040204" pitchFamily="34" charset="0"/>
-              </a:defRPr>
-            </a:lvl1pPr>
-          </a:lstStyle>
-          <a:p>
-            <a:r>
-              <a:rPr lang="en-US" dirty="0" smtClean="0"/>
-              <a:t>							&amp; Storage</a:t>
-            </a:r>
-            <a:endParaRPr lang="en-US" dirty="0"/>
-          </a:p>
-        </p:txBody>
-      </p:sp>
     </p:spTree>
     <p:extLst>
       <p:ext uri="{BB962C8B-B14F-4D97-AF65-F5344CB8AC3E}">
-        <p14:creationId xmlns:p14="http://schemas.microsoft.com/office/powerpoint/2010/main" val="2402916128"/>
+        <p14:creationId xmlns:p14="http://schemas.microsoft.com/office/powerpoint/2010/main" val="2280870462"/>
       </p:ext>
     </p:extLst>
   </p:cSld>
@@ -7477,112 +10142,14 @@
   <p:timing>
     <p:tnLst>
       <p:par>
-        <p:cTn id="1" dur="indefinite" restart="never" nodeType="tmRoot">
-          <p:childTnLst>
-            <p:seq concurrent="1" nextAc="seek">
-              <p:cTn id="2" dur="indefinite" nodeType="mainSeq">
-                <p:childTnLst>
-                  <p:par>
-                    <p:cTn id="3" fill="hold">
-                      <p:stCondLst>
-                        <p:cond delay="indefinite"/>
-                      </p:stCondLst>
-                      <p:childTnLst>
-                        <p:par>
-                          <p:cTn id="4" fill="hold">
-                            <p:stCondLst>
-                              <p:cond delay="0"/>
-                            </p:stCondLst>
-                            <p:childTnLst>
-                              <p:par>
-                                <p:cTn id="5" presetID="1" presetClass="entr" presetSubtype="0" fill="hold" grpId="0" nodeType="clickEffect">
-                                  <p:stCondLst>
-                                    <p:cond delay="0"/>
-                                  </p:stCondLst>
-                                  <p:childTnLst>
-                                    <p:set>
-                                      <p:cBhvr>
-                                        <p:cTn id="6" dur="1" fill="hold">
-                                          <p:stCondLst>
-                                            <p:cond delay="0"/>
-                                          </p:stCondLst>
-                                        </p:cTn>
-                                        <p:tgtEl>
-                                          <p:spTgt spid="7"/>
-                                        </p:tgtEl>
-                                        <p:attrNameLst>
-                                          <p:attrName>style.visibility</p:attrName>
-                                        </p:attrNameLst>
-                                      </p:cBhvr>
-                                      <p:to>
-                                        <p:strVal val="visible"/>
-                                      </p:to>
-                                    </p:set>
-                                  </p:childTnLst>
-                                </p:cTn>
-                              </p:par>
-                              <p:par>
-                                <p:cTn id="7" presetID="1" presetClass="entr" presetSubtype="0" fill="hold" nodeType="withEffect">
-                                  <p:stCondLst>
-                                    <p:cond delay="0"/>
-                                  </p:stCondLst>
-                                  <p:childTnLst>
-                                    <p:set>
-                                      <p:cBhvr>
-                                        <p:cTn id="8" dur="1" fill="hold">
-                                          <p:stCondLst>
-                                            <p:cond delay="0"/>
-                                          </p:stCondLst>
-                                        </p:cTn>
-                                        <p:tgtEl>
-                                          <p:spTgt spid="5"/>
-                                        </p:tgtEl>
-                                        <p:attrNameLst>
-                                          <p:attrName>style.visibility</p:attrName>
-                                        </p:attrNameLst>
-                                      </p:cBhvr>
-                                      <p:to>
-                                        <p:strVal val="visible"/>
-                                      </p:to>
-                                    </p:set>
-                                  </p:childTnLst>
-                                </p:cTn>
-                              </p:par>
-                            </p:childTnLst>
-                          </p:cTn>
-                        </p:par>
-                      </p:childTnLst>
-                    </p:cTn>
-                  </p:par>
-                </p:childTnLst>
-              </p:cTn>
-              <p:prevCondLst>
-                <p:cond evt="onPrev" delay="0">
-                  <p:tgtEl>
-                    <p:sldTgt/>
-                  </p:tgtEl>
-                </p:cond>
-              </p:prevCondLst>
-              <p:nextCondLst>
-                <p:cond evt="onNext" delay="0">
-                  <p:tgtEl>
-                    <p:sldTgt/>
-                  </p:tgtEl>
-                </p:cond>
-              </p:nextCondLst>
-            </p:seq>
-          </p:childTnLst>
-        </p:cTn>
+        <p:cTn id="1" dur="indefinite" restart="never" nodeType="tmRoot"/>
       </p:par>
     </p:tnLst>
-    <p:bldLst>
-      <p:bldP spid="7" grpId="0"/>
-    </p:bldLst>
   </p:timing>
 </p:sld>
 </file>
 
-<file path=ppt/slides/slide6.xml><?xml version="1.0" encoding="utf-8"?>
+<file path=ppt/slides/slide8.xml><?xml version="1.0" encoding="utf-8"?>
 <p:sld xmlns:a="http://schemas.openxmlformats.org/drawingml/2006/main" xmlns:r="http://schemas.openxmlformats.org/officeDocument/2006/relationships" xmlns:p="http://schemas.openxmlformats.org/presentationml/2006/main">
   <p:cSld>
     <p:spTree>
@@ -7800,7 +10367,7 @@
 </p:sld>
 </file>
 
-<file path=ppt/slides/slide7.xml><?xml version="1.0" encoding="utf-8"?>
+<file path=ppt/slides/slide9.xml><?xml version="1.0" encoding="utf-8"?>
 <p:sld xmlns:a="http://schemas.openxmlformats.org/drawingml/2006/main" xmlns:r="http://schemas.openxmlformats.org/officeDocument/2006/relationships" xmlns:p="http://schemas.openxmlformats.org/presentationml/2006/main">
   <p:cSld>
     <p:spTree>
@@ -7826,7 +10393,7 @@
           <p:nvPr>
             <p:extLst>
               <p:ext uri="{D42A27DB-BD31-4B8C-83A1-F6EECF244321}">
-                <p14:modId xmlns:p14="http://schemas.microsoft.com/office/powerpoint/2010/main" val="4120387675"/>
+                <p14:modId xmlns:p14="http://schemas.microsoft.com/office/powerpoint/2010/main" val="1985961502"/>
               </p:ext>
             </p:extLst>
           </p:nvPr>
@@ -7930,7 +10497,35 @@
                       </a:r>
                       <a:r>
                         <a:rPr lang="en-US" sz="1400" baseline="0" dirty="0" smtClean="0"/>
-                        <a:t> -&gt; Hash Algorithm -&gt; New Distribution</a:t>
+                        <a:t> </a:t>
+                      </a:r>
+                      <a:r>
+                        <a:rPr lang="en-US" sz="1400" baseline="0" dirty="0" smtClean="0">
+                          <a:sym typeface="Wingdings" panose="05000000000000000000" pitchFamily="2" charset="2"/>
+                        </a:rPr>
+                        <a:t></a:t>
+                      </a:r>
+                      <a:r>
+                        <a:rPr lang="en-US" sz="1400" baseline="0" dirty="0" smtClean="0"/>
+                        <a:t> </a:t>
+                      </a:r>
+                      <a:r>
+                        <a:rPr lang="en-US" sz="1400" baseline="0" dirty="0" smtClean="0"/>
+                        <a:t>Hash Algorithm </a:t>
+                      </a:r>
+                      <a:r>
+                        <a:rPr lang="en-US" sz="1400" baseline="0" dirty="0" smtClean="0">
+                          <a:sym typeface="Wingdings" panose="05000000000000000000" pitchFamily="2" charset="2"/>
+                        </a:rPr>
+                        <a:t></a:t>
+                      </a:r>
+                      <a:r>
+                        <a:rPr lang="en-US" sz="1400" baseline="0" dirty="0" smtClean="0"/>
+                        <a:t> </a:t>
+                      </a:r>
+                      <a:r>
+                        <a:rPr lang="en-US" sz="1400" baseline="0" dirty="0" smtClean="0"/>
+                        <a:t>New Distribution</a:t>
                       </a:r>
                     </a:p>
                     <a:p>
@@ -7983,7 +10578,21 @@
                       </a:r>
                       <a:r>
                         <a:rPr lang="en-US" sz="1400" baseline="0" dirty="0" smtClean="0"/>
-                        <a:t> -&gt; Replicated (copy to all compute nodes)</a:t>
+                        <a:t> </a:t>
+                      </a:r>
+                      <a:r>
+                        <a:rPr lang="en-US" sz="1400" baseline="0" dirty="0" smtClean="0">
+                          <a:sym typeface="Wingdings" panose="05000000000000000000" pitchFamily="2" charset="2"/>
+                        </a:rPr>
+                        <a:t></a:t>
+                      </a:r>
+                      <a:r>
+                        <a:rPr lang="en-US" sz="1400" baseline="0" dirty="0" smtClean="0"/>
+                        <a:t> </a:t>
+                      </a:r>
+                      <a:r>
+                        <a:rPr lang="en-US" sz="1400" baseline="0" dirty="0" smtClean="0"/>
+                        <a:t>Replicated (copy to all compute nodes)</a:t>
                       </a:r>
                       <a:endParaRPr lang="en-US" sz="1400" dirty="0"/>
                     </a:p>
@@ -8026,7 +10635,21 @@
                     <a:p>
                       <a:r>
                         <a:rPr lang="en-US" sz="1400" dirty="0" smtClean="0"/>
-                        <a:t>Distribution -&gt; Control Node</a:t>
+                        <a:t>Distribution </a:t>
+                      </a:r>
+                      <a:r>
+                        <a:rPr lang="en-US" sz="1400" dirty="0" smtClean="0">
+                          <a:sym typeface="Wingdings" panose="05000000000000000000" pitchFamily="2" charset="2"/>
+                        </a:rPr>
+                        <a:t></a:t>
+                      </a:r>
+                      <a:r>
+                        <a:rPr lang="en-US" sz="1400" dirty="0" smtClean="0"/>
+                        <a:t> </a:t>
+                      </a:r>
+                      <a:r>
+                        <a:rPr lang="en-US" sz="1400" dirty="0" smtClean="0"/>
+                        <a:t>Control Node</a:t>
                       </a:r>
                     </a:p>
                     <a:p>
@@ -8083,7 +10706,35 @@
                       </a:r>
                       <a:r>
                         <a:rPr lang="en-US" sz="1400" baseline="0" dirty="0" smtClean="0"/>
-                        <a:t> -&gt; Hash Algorithm -&gt; New Distribution</a:t>
+                        <a:t> </a:t>
+                      </a:r>
+                      <a:r>
+                        <a:rPr lang="en-US" sz="1400" baseline="0" dirty="0" smtClean="0">
+                          <a:sym typeface="Wingdings" panose="05000000000000000000" pitchFamily="2" charset="2"/>
+                        </a:rPr>
+                        <a:t></a:t>
+                      </a:r>
+                      <a:r>
+                        <a:rPr lang="en-US" sz="1400" baseline="0" dirty="0" smtClean="0"/>
+                        <a:t> </a:t>
+                      </a:r>
+                      <a:r>
+                        <a:rPr lang="en-US" sz="1400" baseline="0" dirty="0" smtClean="0"/>
+                        <a:t>Hash Algorithm </a:t>
+                      </a:r>
+                      <a:r>
+                        <a:rPr lang="en-US" sz="1400" baseline="0" dirty="0" smtClean="0">
+                          <a:sym typeface="Wingdings" panose="05000000000000000000" pitchFamily="2" charset="2"/>
+                        </a:rPr>
+                        <a:t></a:t>
+                      </a:r>
+                      <a:r>
+                        <a:rPr lang="en-US" sz="1400" baseline="0" dirty="0" smtClean="0"/>
+                        <a:t> </a:t>
+                      </a:r>
+                      <a:r>
+                        <a:rPr lang="en-US" sz="1400" baseline="0" dirty="0" smtClean="0"/>
+                        <a:t>New Distribution</a:t>
                       </a:r>
                     </a:p>
                     <a:p>
@@ -8131,7 +10782,35 @@
                     <a:p>
                       <a:r>
                         <a:rPr lang="en-US" sz="1400" dirty="0" smtClean="0"/>
-                        <a:t>Source -&gt; Round Robin Algorithm -&gt; Round Robin</a:t>
+                        <a:t>Source </a:t>
+                      </a:r>
+                      <a:r>
+                        <a:rPr lang="en-US" sz="1400" dirty="0" smtClean="0">
+                          <a:sym typeface="Wingdings" panose="05000000000000000000" pitchFamily="2" charset="2"/>
+                        </a:rPr>
+                        <a:t></a:t>
+                      </a:r>
+                      <a:r>
+                        <a:rPr lang="en-US" sz="1400" dirty="0" smtClean="0"/>
+                        <a:t> </a:t>
+                      </a:r>
+                      <a:r>
+                        <a:rPr lang="en-US" sz="1400" dirty="0" smtClean="0"/>
+                        <a:t>Round Robin Algorithm </a:t>
+                      </a:r>
+                      <a:r>
+                        <a:rPr lang="en-US" sz="1400" dirty="0" smtClean="0">
+                          <a:sym typeface="Wingdings" panose="05000000000000000000" pitchFamily="2" charset="2"/>
+                        </a:rPr>
+                        <a:t></a:t>
+                      </a:r>
+                      <a:r>
+                        <a:rPr lang="en-US" sz="1400" dirty="0" smtClean="0"/>
+                        <a:t> </a:t>
+                      </a:r>
+                      <a:r>
+                        <a:rPr lang="en-US" sz="1400" dirty="0" smtClean="0"/>
+                        <a:t>Round Robin</a:t>
                       </a:r>
                       <a:r>
                         <a:rPr lang="en-US" sz="1400" baseline="0" dirty="0" smtClean="0"/>
@@ -8182,7 +10861,21 @@
                       </a:r>
                       <a:r>
                         <a:rPr lang="en-US" sz="1400" baseline="0" dirty="0" smtClean="0"/>
-                        <a:t> Node -&gt; Replicated</a:t>
+                        <a:t> Node </a:t>
+                      </a:r>
+                      <a:r>
+                        <a:rPr lang="en-US" sz="1400" baseline="0" dirty="0" smtClean="0">
+                          <a:sym typeface="Wingdings" panose="05000000000000000000" pitchFamily="2" charset="2"/>
+                        </a:rPr>
+                        <a:t></a:t>
+                      </a:r>
+                      <a:r>
+                        <a:rPr lang="en-US" sz="1400" baseline="0" dirty="0" smtClean="0"/>
+                        <a:t> </a:t>
+                      </a:r>
+                      <a:r>
+                        <a:rPr lang="en-US" sz="1400" baseline="0" dirty="0" smtClean="0"/>
+                        <a:t>Replicated</a:t>
                       </a:r>
                     </a:p>
                     <a:p>
@@ -8283,7 +10976,7 @@
         </p:nvGrpSpPr>
         <p:grpSpPr>
           <a:xfrm>
-            <a:off x="3817447" y="1653892"/>
+            <a:off x="3937211" y="1610177"/>
             <a:ext cx="5088834" cy="3077155"/>
             <a:chOff x="3868345" y="1825430"/>
             <a:chExt cx="5088834" cy="3077155"/>
@@ -9033,9 +11726,9 @@
         </p:nvGrpSpPr>
         <p:grpSpPr>
           <a:xfrm>
-            <a:off x="4742773" y="2557693"/>
+            <a:off x="4819522" y="2515866"/>
             <a:ext cx="3006776" cy="518454"/>
-            <a:chOff x="4750656" y="2731119"/>
+            <a:chOff x="4827405" y="2689292"/>
             <a:chExt cx="3006776" cy="518454"/>
           </a:xfrm>
         </p:grpSpPr>
@@ -9050,7 +11743,7 @@
           </p:nvCxnSpPr>
           <p:spPr>
             <a:xfrm flipV="1">
-              <a:off x="4750656" y="2731119"/>
+              <a:off x="4827405" y="2689292"/>
               <a:ext cx="3006776" cy="518454"/>
             </a:xfrm>
             <a:prstGeom prst="line">
@@ -9087,7 +11780,7 @@
           </p:nvCxnSpPr>
           <p:spPr>
             <a:xfrm flipH="1" flipV="1">
-              <a:off x="5406402" y="2742927"/>
+              <a:off x="5526166" y="2699212"/>
               <a:ext cx="1755934" cy="506646"/>
             </a:xfrm>
             <a:prstGeom prst="line">
@@ -9322,460 +12015,6 @@
     <p:bldLst>
       <p:bldP spid="39" grpId="0"/>
     </p:bldLst>
-  </p:timing>
-</p:sld>
-</file>
-
-<file path=ppt/slides/slide8.xml><?xml version="1.0" encoding="utf-8"?>
-<p:sld xmlns:a="http://schemas.openxmlformats.org/drawingml/2006/main" xmlns:r="http://schemas.openxmlformats.org/officeDocument/2006/relationships" xmlns:p="http://schemas.openxmlformats.org/presentationml/2006/main">
-  <p:cSld>
-    <p:spTree>
-      <p:nvGrpSpPr>
-        <p:cNvPr id="1" name=""/>
-        <p:cNvGrpSpPr/>
-        <p:nvPr/>
-      </p:nvGrpSpPr>
-      <p:grpSpPr>
-        <a:xfrm>
-          <a:off x="0" y="0"/>
-          <a:ext cx="0" cy="0"/>
-          <a:chOff x="0" y="0"/>
-          <a:chExt cx="0" cy="0"/>
-        </a:xfrm>
-      </p:grpSpPr>
-      <p:sp>
-        <p:nvSpPr>
-          <p:cNvPr id="8" name="Title 1">
-            <a:extLst>
-              <a:ext uri="{FF2B5EF4-FFF2-40B4-BE49-F238E27FC236}">
-                <a16:creationId xmlns:a16="http://schemas.microsoft.com/office/drawing/2014/main" id="{BFD0CE70-5751-6941-BB29-C8CD16CB2F66}"/>
-              </a:ext>
-            </a:extLst>
-          </p:cNvPr>
-          <p:cNvSpPr>
-            <a:spLocks noGrp="1"/>
-          </p:cNvSpPr>
-          <p:nvPr>
-            <p:ph type="title"/>
-          </p:nvPr>
-        </p:nvSpPr>
-        <p:spPr/>
-        <p:txBody>
-          <a:bodyPr>
-            <a:noAutofit/>
-          </a:bodyPr>
-          <a:lstStyle/>
-          <a:p>
-            <a:r>
-              <a:rPr lang="en-US" dirty="0" smtClean="0"/>
-              <a:t>Considerations</a:t>
-            </a:r>
-            <a:endParaRPr lang="en-US" dirty="0"/>
-          </a:p>
-        </p:txBody>
-      </p:sp>
-      <p:sp>
-        <p:nvSpPr>
-          <p:cNvPr id="2" name="TextBox 1">
-            <a:extLst>
-              <a:ext uri="{FF2B5EF4-FFF2-40B4-BE49-F238E27FC236}">
-                <a16:creationId xmlns:a16="http://schemas.microsoft.com/office/drawing/2014/main" id="{87EFE2B1-DE8C-413C-B070-AE3B4CA65237}"/>
-              </a:ext>
-            </a:extLst>
-          </p:cNvPr>
-          <p:cNvSpPr txBox="1"/>
-          <p:nvPr/>
-        </p:nvSpPr>
-        <p:spPr>
-          <a:xfrm>
-            <a:off x="242236" y="837009"/>
-            <a:ext cx="8199620" cy="3585597"/>
-          </a:xfrm>
-          <a:prstGeom prst="rect">
-            <a:avLst/>
-          </a:prstGeom>
-          <a:noFill/>
-        </p:spPr>
-        <p:txBody>
-          <a:bodyPr wrap="square" rtlCol="0">
-            <a:spAutoFit/>
-          </a:bodyPr>
-          <a:lstStyle/>
-          <a:p>
-            <a:pPr marL="285750" indent="-285750">
-              <a:buFont typeface="Arial" panose="020B0604020202020204" pitchFamily="34" charset="0"/>
-              <a:buChar char="•"/>
-            </a:pPr>
-            <a:r>
-              <a:rPr lang="en-US" sz="2400" dirty="0" smtClean="0">
-                <a:solidFill>
-                  <a:srgbClr val="D30C55"/>
-                </a:solidFill>
-                <a:latin typeface="Verdana" panose="020B0604030504040204" pitchFamily="34" charset="0"/>
-                <a:ea typeface="Verdana" panose="020B0604030504040204" pitchFamily="34" charset="0"/>
-              </a:rPr>
-              <a:t>Design</a:t>
-            </a:r>
-          </a:p>
-          <a:p>
-            <a:pPr marL="628650" lvl="1" indent="-285750">
-              <a:buFont typeface="Arial" panose="020B0604020202020204" pitchFamily="34" charset="0"/>
-              <a:buChar char="•"/>
-            </a:pPr>
-            <a:r>
-              <a:rPr lang="en-US" sz="1400" dirty="0" smtClean="0">
-                <a:solidFill>
-                  <a:srgbClr val="554741"/>
-                </a:solidFill>
-                <a:latin typeface="Verdana" panose="020B0604030504040204" pitchFamily="34" charset="0"/>
-                <a:ea typeface="Verdana" panose="020B0604030504040204" pitchFamily="34" charset="0"/>
-              </a:rPr>
-              <a:t>Table Type</a:t>
-            </a:r>
-          </a:p>
-          <a:p>
-            <a:pPr marL="628650" lvl="1" indent="-285750">
-              <a:buFont typeface="Arial" panose="020B0604020202020204" pitchFamily="34" charset="0"/>
-              <a:buChar char="•"/>
-            </a:pPr>
-            <a:r>
-              <a:rPr lang="en-US" sz="1400" dirty="0" smtClean="0">
-                <a:solidFill>
-                  <a:srgbClr val="554741"/>
-                </a:solidFill>
-                <a:latin typeface="Verdana" panose="020B0604030504040204" pitchFamily="34" charset="0"/>
-                <a:ea typeface="Verdana" panose="020B0604030504040204" pitchFamily="34" charset="0"/>
-              </a:rPr>
-              <a:t>Distribution</a:t>
-            </a:r>
-          </a:p>
-          <a:p>
-            <a:pPr marL="628650" lvl="1" indent="-285750">
-              <a:buFont typeface="Arial" panose="020B0604020202020204" pitchFamily="34" charset="0"/>
-              <a:buChar char="•"/>
-            </a:pPr>
-            <a:r>
-              <a:rPr lang="en-US" sz="1400" dirty="0" smtClean="0">
-                <a:solidFill>
-                  <a:srgbClr val="554741"/>
-                </a:solidFill>
-                <a:latin typeface="Verdana" panose="020B0604030504040204" pitchFamily="34" charset="0"/>
-                <a:ea typeface="Verdana" panose="020B0604030504040204" pitchFamily="34" charset="0"/>
-              </a:rPr>
-              <a:t>Storage</a:t>
-            </a:r>
-          </a:p>
-          <a:p>
-            <a:pPr marL="628650" lvl="1" indent="-285750">
-              <a:buFont typeface="Arial" panose="020B0604020202020204" pitchFamily="34" charset="0"/>
-              <a:buChar char="•"/>
-            </a:pPr>
-            <a:r>
-              <a:rPr lang="en-US" sz="1400" dirty="0" smtClean="0">
-                <a:solidFill>
-                  <a:srgbClr val="554741"/>
-                </a:solidFill>
-                <a:latin typeface="Verdana" panose="020B0604030504040204" pitchFamily="34" charset="0"/>
-                <a:ea typeface="Verdana" panose="020B0604030504040204" pitchFamily="34" charset="0"/>
-              </a:rPr>
-              <a:t>Indexing</a:t>
-            </a:r>
-          </a:p>
-          <a:p>
-            <a:pPr marL="628650" lvl="1" indent="-285750">
-              <a:buFont typeface="Arial" panose="020B0604020202020204" pitchFamily="34" charset="0"/>
-              <a:buChar char="•"/>
-            </a:pPr>
-            <a:r>
-              <a:rPr lang="en-US" sz="1400" dirty="0" smtClean="0">
-                <a:solidFill>
-                  <a:srgbClr val="554741"/>
-                </a:solidFill>
-                <a:latin typeface="Verdana" panose="020B0604030504040204" pitchFamily="34" charset="0"/>
-                <a:ea typeface="Verdana" panose="020B0604030504040204" pitchFamily="34" charset="0"/>
-              </a:rPr>
-              <a:t>Partitioning</a:t>
-            </a:r>
-          </a:p>
-          <a:p>
-            <a:pPr marL="628650" lvl="1" indent="-285750">
-              <a:buFont typeface="Arial" panose="020B0604020202020204" pitchFamily="34" charset="0"/>
-              <a:buChar char="•"/>
-            </a:pPr>
-            <a:r>
-              <a:rPr lang="en-US" sz="1400" dirty="0" smtClean="0">
-                <a:solidFill>
-                  <a:srgbClr val="554741"/>
-                </a:solidFill>
-                <a:latin typeface="Verdana" panose="020B0604030504040204" pitchFamily="34" charset="0"/>
-                <a:ea typeface="Verdana" panose="020B0604030504040204" pitchFamily="34" charset="0"/>
-              </a:rPr>
-              <a:t>Skew</a:t>
-            </a:r>
-            <a:r>
-              <a:rPr lang="en-US" sz="1100" dirty="0" smtClean="0">
-                <a:latin typeface="Verdana" panose="020B0604030504040204" pitchFamily="34" charset="0"/>
-                <a:ea typeface="Verdana" panose="020B0604030504040204" pitchFamily="34" charset="0"/>
-              </a:rPr>
-              <a:t/>
-            </a:r>
-            <a:br>
-              <a:rPr lang="en-US" sz="1100" dirty="0" smtClean="0">
-                <a:latin typeface="Verdana" panose="020B0604030504040204" pitchFamily="34" charset="0"/>
-                <a:ea typeface="Verdana" panose="020B0604030504040204" pitchFamily="34" charset="0"/>
-              </a:rPr>
-            </a:br>
-            <a:endParaRPr lang="en-US" sz="1100" dirty="0" smtClean="0">
-              <a:solidFill>
-                <a:srgbClr val="D30C55"/>
-              </a:solidFill>
-              <a:latin typeface="Verdana" panose="020B0604030504040204" pitchFamily="34" charset="0"/>
-              <a:ea typeface="Verdana" panose="020B0604030504040204" pitchFamily="34" charset="0"/>
-            </a:endParaRPr>
-          </a:p>
-          <a:p>
-            <a:pPr marL="285750" indent="-285750">
-              <a:buFont typeface="Arial" panose="020B0604020202020204" pitchFamily="34" charset="0"/>
-              <a:buChar char="•"/>
-            </a:pPr>
-            <a:r>
-              <a:rPr lang="en-US" sz="2400" dirty="0" smtClean="0">
-                <a:solidFill>
-                  <a:srgbClr val="D40E8C"/>
-                </a:solidFill>
-                <a:latin typeface="Verdana" panose="020B0604030504040204" pitchFamily="34" charset="0"/>
-                <a:ea typeface="Verdana" panose="020B0604030504040204" pitchFamily="34" charset="0"/>
-              </a:rPr>
-              <a:t>Performance</a:t>
-            </a:r>
-            <a:endParaRPr lang="en-US" sz="2400" dirty="0" smtClean="0">
-              <a:solidFill>
-                <a:srgbClr val="D30C55"/>
-              </a:solidFill>
-              <a:latin typeface="Verdana" panose="020B0604030504040204" pitchFamily="34" charset="0"/>
-              <a:ea typeface="Verdana" panose="020B0604030504040204" pitchFamily="34" charset="0"/>
-            </a:endParaRPr>
-          </a:p>
-          <a:p>
-            <a:pPr marL="628650" lvl="1" indent="-285750">
-              <a:buFont typeface="Arial" panose="020B0604020202020204" pitchFamily="34" charset="0"/>
-              <a:buChar char="•"/>
-            </a:pPr>
-            <a:r>
-              <a:rPr lang="en-US" sz="1400" dirty="0" smtClean="0">
-                <a:solidFill>
-                  <a:srgbClr val="554741"/>
-                </a:solidFill>
-                <a:latin typeface="Verdana" panose="020B0604030504040204" pitchFamily="34" charset="0"/>
-                <a:ea typeface="Verdana" panose="020B0604030504040204" pitchFamily="34" charset="0"/>
-              </a:rPr>
-              <a:t>Statistics Level and Quality</a:t>
-            </a:r>
-          </a:p>
-          <a:p>
-            <a:pPr marL="628650" lvl="1" indent="-285750">
-              <a:buFont typeface="Arial" panose="020B0604020202020204" pitchFamily="34" charset="0"/>
-              <a:buChar char="•"/>
-            </a:pPr>
-            <a:r>
-              <a:rPr lang="en-US" sz="1400" dirty="0" smtClean="0">
-                <a:solidFill>
-                  <a:srgbClr val="554741"/>
-                </a:solidFill>
-                <a:latin typeface="Verdana" panose="020B0604030504040204" pitchFamily="34" charset="0"/>
-                <a:ea typeface="Verdana" panose="020B0604030504040204" pitchFamily="34" charset="0"/>
-              </a:rPr>
-              <a:t>Index Quality</a:t>
-            </a:r>
-            <a:endParaRPr lang="en-US" sz="1400" dirty="0" smtClean="0">
-              <a:solidFill>
-                <a:srgbClr val="554741"/>
-              </a:solidFill>
-              <a:latin typeface="Verdana" panose="020B0604030504040204" pitchFamily="34" charset="0"/>
-              <a:ea typeface="Verdana" panose="020B0604030504040204" pitchFamily="34" charset="0"/>
-            </a:endParaRPr>
-          </a:p>
-          <a:p>
-            <a:pPr marL="628650" lvl="1" indent="-285750">
-              <a:buFont typeface="Arial" panose="020B0604020202020204" pitchFamily="34" charset="0"/>
-              <a:buChar char="•"/>
-            </a:pPr>
-            <a:r>
-              <a:rPr lang="en-US" sz="1400" dirty="0" smtClean="0">
-                <a:solidFill>
-                  <a:srgbClr val="554741"/>
-                </a:solidFill>
-                <a:latin typeface="Verdana" panose="020B0604030504040204" pitchFamily="34" charset="0"/>
-                <a:ea typeface="Verdana" panose="020B0604030504040204" pitchFamily="34" charset="0"/>
-              </a:rPr>
-              <a:t>Data Movement</a:t>
-            </a:r>
-          </a:p>
-          <a:p>
-            <a:pPr marL="628650" lvl="1" indent="-285750">
-              <a:buFont typeface="Arial" panose="020B0604020202020204" pitchFamily="34" charset="0"/>
-              <a:buChar char="•"/>
-            </a:pPr>
-            <a:r>
-              <a:rPr lang="en-US" sz="1400" dirty="0" smtClean="0">
-                <a:solidFill>
-                  <a:srgbClr val="554741"/>
-                </a:solidFill>
-                <a:latin typeface="Verdana" panose="020B0604030504040204" pitchFamily="34" charset="0"/>
-                <a:ea typeface="Verdana" panose="020B0604030504040204" pitchFamily="34" charset="0"/>
-              </a:rPr>
-              <a:t>Concurrency and Resource Group</a:t>
-            </a:r>
-          </a:p>
-          <a:p>
-            <a:pPr marL="628650" lvl="1" indent="-285750">
-              <a:buFont typeface="Arial" panose="020B0604020202020204" pitchFamily="34" charset="0"/>
-              <a:buChar char="•"/>
-            </a:pPr>
-            <a:r>
-              <a:rPr lang="en-US" sz="1400" dirty="0" smtClean="0">
-                <a:solidFill>
-                  <a:srgbClr val="554741"/>
-                </a:solidFill>
-                <a:latin typeface="Verdana" panose="020B0604030504040204" pitchFamily="34" charset="0"/>
-                <a:ea typeface="Verdana" panose="020B0604030504040204" pitchFamily="34" charset="0"/>
-              </a:rPr>
-              <a:t>Include </a:t>
-            </a:r>
-            <a:r>
-              <a:rPr lang="en-US" sz="1400" dirty="0" err="1" smtClean="0">
-                <a:solidFill>
-                  <a:srgbClr val="554741"/>
-                </a:solidFill>
-                <a:latin typeface="Verdana" panose="020B0604030504040204" pitchFamily="34" charset="0"/>
-                <a:ea typeface="Verdana" panose="020B0604030504040204" pitchFamily="34" charset="0"/>
-              </a:rPr>
-              <a:t>HashKey</a:t>
-            </a:r>
-            <a:r>
-              <a:rPr lang="en-US" sz="1400" dirty="0" smtClean="0">
-                <a:solidFill>
-                  <a:srgbClr val="554741"/>
-                </a:solidFill>
-                <a:latin typeface="Verdana" panose="020B0604030504040204" pitchFamily="34" charset="0"/>
-                <a:ea typeface="Verdana" panose="020B0604030504040204" pitchFamily="34" charset="0"/>
-              </a:rPr>
-              <a:t> in Query</a:t>
-            </a:r>
-          </a:p>
-          <a:p>
-            <a:pPr marL="628650" lvl="1" indent="-285750">
-              <a:buFont typeface="Arial" panose="020B0604020202020204" pitchFamily="34" charset="0"/>
-              <a:buChar char="•"/>
-            </a:pPr>
-            <a:r>
-              <a:rPr lang="en-US" sz="1400" dirty="0" smtClean="0">
-                <a:solidFill>
-                  <a:srgbClr val="554741"/>
-                </a:solidFill>
-                <a:latin typeface="Verdana" panose="020B0604030504040204" pitchFamily="34" charset="0"/>
-                <a:ea typeface="Verdana" panose="020B0604030504040204" pitchFamily="34" charset="0"/>
-              </a:rPr>
-              <a:t>Stored Procedures (careful of views, CTEs, functions)</a:t>
-            </a:r>
-            <a:endParaRPr lang="en-US" sz="1400" dirty="0" smtClean="0">
-              <a:solidFill>
-                <a:srgbClr val="554741"/>
-              </a:solidFill>
-              <a:latin typeface="Verdana" panose="020B0604030504040204" pitchFamily="34" charset="0"/>
-              <a:ea typeface="Verdana" panose="020B0604030504040204" pitchFamily="34" charset="0"/>
-            </a:endParaRPr>
-          </a:p>
-        </p:txBody>
-      </p:sp>
-    </p:spTree>
-    <p:extLst>
-      <p:ext uri="{BB962C8B-B14F-4D97-AF65-F5344CB8AC3E}">
-        <p14:creationId xmlns:p14="http://schemas.microsoft.com/office/powerpoint/2010/main" val="3920470867"/>
-      </p:ext>
-    </p:extLst>
-  </p:cSld>
-  <p:clrMapOvr>
-    <a:masterClrMapping/>
-  </p:clrMapOvr>
-  <mc:AlternateContent xmlns:mc="http://schemas.openxmlformats.org/markup-compatibility/2006" xmlns:p14="http://schemas.microsoft.com/office/powerpoint/2010/main">
-    <mc:Choice Requires="p14">
-      <p:transition spd="med" p14:dur="700">
-        <p:fade/>
-      </p:transition>
-    </mc:Choice>
-    <mc:Fallback xmlns="">
-      <p:transition spd="med">
-        <p:fade/>
-      </p:transition>
-    </mc:Fallback>
-  </mc:AlternateContent>
-  <p:timing>
-    <p:tnLst>
-      <p:par>
-        <p:cTn id="1" dur="indefinite" restart="never" nodeType="tmRoot"/>
-      </p:par>
-    </p:tnLst>
-  </p:timing>
-</p:sld>
-</file>
-
-<file path=ppt/slides/slide9.xml><?xml version="1.0" encoding="utf-8"?>
-<p:sld xmlns:a="http://schemas.openxmlformats.org/drawingml/2006/main" xmlns:r="http://schemas.openxmlformats.org/officeDocument/2006/relationships" xmlns:p="http://schemas.openxmlformats.org/presentationml/2006/main">
-  <p:cSld>
-    <p:spTree>
-      <p:nvGrpSpPr>
-        <p:cNvPr id="1" name=""/>
-        <p:cNvGrpSpPr/>
-        <p:nvPr/>
-      </p:nvGrpSpPr>
-      <p:grpSpPr>
-        <a:xfrm>
-          <a:off x="0" y="0"/>
-          <a:ext cx="0" cy="0"/>
-          <a:chOff x="0" y="0"/>
-          <a:chExt cx="0" cy="0"/>
-        </a:xfrm>
-      </p:grpSpPr>
-      <p:sp>
-        <p:nvSpPr>
-          <p:cNvPr id="3" name="Title 2"/>
-          <p:cNvSpPr>
-            <a:spLocks noGrp="1"/>
-          </p:cNvSpPr>
-          <p:nvPr>
-            <p:ph type="ctrTitle"/>
-          </p:nvPr>
-        </p:nvSpPr>
-        <p:spPr/>
-        <p:txBody>
-          <a:bodyPr/>
-          <a:lstStyle/>
-          <a:p>
-            <a:r>
-              <a:rPr lang="en-US" dirty="0" smtClean="0"/>
-              <a:t>Let’s Look at the Tables</a:t>
-            </a:r>
-            <a:endParaRPr lang="en-US" dirty="0"/>
-          </a:p>
-        </p:txBody>
-      </p:sp>
-    </p:spTree>
-    <p:extLst>
-      <p:ext uri="{BB962C8B-B14F-4D97-AF65-F5344CB8AC3E}">
-        <p14:creationId xmlns:p14="http://schemas.microsoft.com/office/powerpoint/2010/main" val="2071903037"/>
-      </p:ext>
-    </p:extLst>
-  </p:cSld>
-  <p:clrMapOvr>
-    <a:masterClrMapping/>
-  </p:clrMapOvr>
-  <p:timing>
-    <p:tnLst>
-      <p:par>
-        <p:cTn id="1" dur="indefinite" restart="never" nodeType="tmRoot"/>
-      </p:par>
-    </p:tnLst>
   </p:timing>
 </p:sld>
 </file>
@@ -10303,12 +12542,9 @@
 </file>
 
 <file path=customXml/item1.xml><?xml version="1.0" encoding="utf-8"?>
-<?mso-contentType ?>
-<FormTemplates xmlns="http://schemas.microsoft.com/sharepoint/v3/contenttype/forms">
-  <Display>DocumentLibraryForm</Display>
-  <Edit>DocumentLibraryForm</Edit>
-  <New>DocumentLibraryForm</New>
-</FormTemplates>
+<p:properties xmlns:p="http://schemas.microsoft.com/office/2006/metadata/properties" xmlns:xsi="http://www.w3.org/2001/XMLSchema-instance" xmlns:pc="http://schemas.microsoft.com/office/infopath/2007/PartnerControls">
+  <documentManagement/>
+</p:properties>
 </file>
 
 <file path=customXml/item2.xml><?xml version="1.0" encoding="utf-8"?>
@@ -10511,15 +12747,27 @@
 </file>
 
 <file path=customXml/item3.xml><?xml version="1.0" encoding="utf-8"?>
-<p:properties xmlns:p="http://schemas.microsoft.com/office/2006/metadata/properties" xmlns:xsi="http://www.w3.org/2001/XMLSchema-instance" xmlns:pc="http://schemas.microsoft.com/office/infopath/2007/PartnerControls">
-  <documentManagement/>
-</p:properties>
+<?mso-contentType ?>
+<FormTemplates xmlns="http://schemas.microsoft.com/sharepoint/v3/contenttype/forms">
+  <Display>DocumentLibraryForm</Display>
+  <Edit>DocumentLibraryForm</Edit>
+  <New>DocumentLibraryForm</New>
+</FormTemplates>
 </file>
 
 <file path=customXml/itemProps1.xml><?xml version="1.0" encoding="utf-8"?>
-<ds:datastoreItem xmlns:ds="http://schemas.openxmlformats.org/officeDocument/2006/customXml" ds:itemID="{3A734002-4F6D-49CF-AA2C-43521C1FC708}">
+<ds:datastoreItem xmlns:ds="http://schemas.openxmlformats.org/officeDocument/2006/customXml" ds:itemID="{E714266F-2521-4BD1-B40E-70FEF353EEC2}">
   <ds:schemaRefs>
-    <ds:schemaRef ds:uri="http://schemas.microsoft.com/sharepoint/v3/contenttype/forms"/>
+    <ds:schemaRef ds:uri="http://purl.org/dc/elements/1.1/"/>
+    <ds:schemaRef ds:uri="http://schemas.microsoft.com/office/2006/metadata/properties"/>
+    <ds:schemaRef ds:uri="68201248-332f-4b19-a564-5b53df1aa731"/>
+    <ds:schemaRef ds:uri="http://purl.org/dc/terms/"/>
+    <ds:schemaRef ds:uri="http://schemas.openxmlformats.org/package/2006/metadata/core-properties"/>
+    <ds:schemaRef ds:uri="http://schemas.microsoft.com/office/2006/documentManagement/types"/>
+    <ds:schemaRef ds:uri="http://schemas.microsoft.com/office/infopath/2007/PartnerControls"/>
+    <ds:schemaRef ds:uri="2c4b7055-2425-4510-9a7f-db214c51849b"/>
+    <ds:schemaRef ds:uri="http://www.w3.org/XML/1998/namespace"/>
+    <ds:schemaRef ds:uri="http://purl.org/dc/dcmitype/"/>
   </ds:schemaRefs>
 </ds:datastoreItem>
 </file>
@@ -10544,18 +12792,9 @@
 </file>
 
 <file path=customXml/itemProps3.xml><?xml version="1.0" encoding="utf-8"?>
-<ds:datastoreItem xmlns:ds="http://schemas.openxmlformats.org/officeDocument/2006/customXml" ds:itemID="{E714266F-2521-4BD1-B40E-70FEF353EEC2}">
+<ds:datastoreItem xmlns:ds="http://schemas.openxmlformats.org/officeDocument/2006/customXml" ds:itemID="{3A734002-4F6D-49CF-AA2C-43521C1FC708}">
   <ds:schemaRefs>
-    <ds:schemaRef ds:uri="http://purl.org/dc/elements/1.1/"/>
-    <ds:schemaRef ds:uri="http://schemas.microsoft.com/office/2006/metadata/properties"/>
-    <ds:schemaRef ds:uri="68201248-332f-4b19-a564-5b53df1aa731"/>
-    <ds:schemaRef ds:uri="http://purl.org/dc/terms/"/>
-    <ds:schemaRef ds:uri="http://schemas.openxmlformats.org/package/2006/metadata/core-properties"/>
-    <ds:schemaRef ds:uri="http://schemas.microsoft.com/office/2006/documentManagement/types"/>
-    <ds:schemaRef ds:uri="http://schemas.microsoft.com/office/infopath/2007/PartnerControls"/>
-    <ds:schemaRef ds:uri="2c4b7055-2425-4510-9a7f-db214c51849b"/>
-    <ds:schemaRef ds:uri="http://www.w3.org/XML/1998/namespace"/>
-    <ds:schemaRef ds:uri="http://purl.org/dc/dcmitype/"/>
+    <ds:schemaRef ds:uri="http://schemas.microsoft.com/sharepoint/v3/contenttype/forms"/>
   </ds:schemaRefs>
 </ds:datastoreItem>
 </file>
--- a/DesigningForADWPerformance.pptx
+++ b/DesigningForADWPerformance.pptx
@@ -208,7 +208,7 @@
           <a:p>
             <a:fld id="{C32C5C26-E110-0243-8E14-F778A7F15B4B}" type="datetimeFigureOut">
               <a:rPr lang="en-US" smtClean="0"/>
-              <a:t>1/8/2019</a:t>
+              <a:t>1/13/2019</a:t>
             </a:fld>
             <a:endParaRPr lang="en-US"/>
           </a:p>
@@ -1540,8 +1540,2920 @@
             </a:pPr>
             <a:r>
               <a:rPr lang="en-US" dirty="0" smtClean="0"/>
-              <a:t>Customer – rapidly changing dimension.  Usually can’t be replicated.  How to hash?</a:t>
-            </a:r>
+              <a:t>Customer – rapidly changing dimension.  Usually can’t be replicated.  How to hash</a:t>
+            </a:r>
+            <a:r>
+              <a:rPr lang="en-US" dirty="0" smtClean="0"/>
+              <a:t>?</a:t>
+            </a:r>
+          </a:p>
+          <a:p>
+            <a:pPr marL="171450" indent="-171450">
+              <a:buFont typeface="Arial" panose="020B0604020202020204" pitchFamily="34" charset="0"/>
+              <a:buChar char="•"/>
+            </a:pPr>
+            <a:endParaRPr lang="en-US" dirty="0" smtClean="0"/>
+          </a:p>
+          <a:p>
+            <a:pPr marL="0" indent="0">
+              <a:buFont typeface="Arial" panose="020B0604020202020204" pitchFamily="34" charset="0"/>
+              <a:buNone/>
+            </a:pPr>
+            <a:r>
+              <a:rPr lang="en-US" dirty="0" smtClean="0"/>
+              <a:t>Some Queries</a:t>
+            </a:r>
+          </a:p>
+          <a:p>
+            <a:r>
+              <a:rPr lang="en-US" sz="1200" kern="1200" dirty="0" smtClean="0">
+                <a:solidFill>
+                  <a:schemeClr val="tx1"/>
+                </a:solidFill>
+                <a:latin typeface="Courier New" panose="02070309020205020404" pitchFamily="49" charset="0"/>
+                <a:ea typeface="+mn-ea"/>
+                <a:cs typeface="Courier New" panose="02070309020205020404" pitchFamily="49" charset="0"/>
+              </a:rPr>
+              <a:t>-- Getting lists of tables</a:t>
+            </a:r>
+          </a:p>
+          <a:p>
+            <a:r>
+              <a:rPr lang="en-US" sz="1200" kern="1200" dirty="0" smtClean="0">
+                <a:solidFill>
+                  <a:schemeClr val="tx1"/>
+                </a:solidFill>
+                <a:latin typeface="Courier New" panose="02070309020205020404" pitchFamily="49" charset="0"/>
+                <a:ea typeface="+mn-ea"/>
+                <a:cs typeface="Courier New" panose="02070309020205020404" pitchFamily="49" charset="0"/>
+              </a:rPr>
+              <a:t>select schemas.name, tables.name</a:t>
+            </a:r>
+          </a:p>
+          <a:p>
+            <a:r>
+              <a:rPr lang="en-US" sz="1200" kern="1200" dirty="0" smtClean="0">
+                <a:solidFill>
+                  <a:schemeClr val="tx1"/>
+                </a:solidFill>
+                <a:latin typeface="Courier New" panose="02070309020205020404" pitchFamily="49" charset="0"/>
+                <a:ea typeface="+mn-ea"/>
+                <a:cs typeface="Courier New" panose="02070309020205020404" pitchFamily="49" charset="0"/>
+              </a:rPr>
+              <a:t>  from AdventureWorks2014.sys.tables</a:t>
+            </a:r>
+          </a:p>
+          <a:p>
+            <a:r>
+              <a:rPr lang="en-US" sz="1200" kern="1200" dirty="0" smtClean="0">
+                <a:solidFill>
+                  <a:schemeClr val="tx1"/>
+                </a:solidFill>
+                <a:latin typeface="Courier New" panose="02070309020205020404" pitchFamily="49" charset="0"/>
+                <a:ea typeface="+mn-ea"/>
+                <a:cs typeface="Courier New" panose="02070309020205020404" pitchFamily="49" charset="0"/>
+              </a:rPr>
+              <a:t>  join AdventureWorks2014.sys.schemas on </a:t>
+            </a:r>
+            <a:r>
+              <a:rPr lang="en-US" sz="1200" kern="1200" dirty="0" err="1" smtClean="0">
+                <a:solidFill>
+                  <a:schemeClr val="tx1"/>
+                </a:solidFill>
+                <a:latin typeface="Courier New" panose="02070309020205020404" pitchFamily="49" charset="0"/>
+                <a:ea typeface="+mn-ea"/>
+                <a:cs typeface="Courier New" panose="02070309020205020404" pitchFamily="49" charset="0"/>
+              </a:rPr>
+              <a:t>schemas.schema_id</a:t>
+            </a:r>
+            <a:r>
+              <a:rPr lang="en-US" sz="1200" kern="1200" dirty="0" smtClean="0">
+                <a:solidFill>
+                  <a:schemeClr val="tx1"/>
+                </a:solidFill>
+                <a:latin typeface="Courier New" panose="02070309020205020404" pitchFamily="49" charset="0"/>
+                <a:ea typeface="+mn-ea"/>
+                <a:cs typeface="Courier New" panose="02070309020205020404" pitchFamily="49" charset="0"/>
+              </a:rPr>
+              <a:t>=</a:t>
+            </a:r>
+            <a:r>
+              <a:rPr lang="en-US" sz="1200" kern="1200" dirty="0" err="1" smtClean="0">
+                <a:solidFill>
+                  <a:schemeClr val="tx1"/>
+                </a:solidFill>
+                <a:latin typeface="Courier New" panose="02070309020205020404" pitchFamily="49" charset="0"/>
+                <a:ea typeface="+mn-ea"/>
+                <a:cs typeface="Courier New" panose="02070309020205020404" pitchFamily="49" charset="0"/>
+              </a:rPr>
+              <a:t>tables.schema_id</a:t>
+            </a:r>
+            <a:endParaRPr lang="en-US" sz="1200" kern="1200" dirty="0" smtClean="0">
+              <a:solidFill>
+                <a:schemeClr val="tx1"/>
+              </a:solidFill>
+              <a:latin typeface="Courier New" panose="02070309020205020404" pitchFamily="49" charset="0"/>
+              <a:ea typeface="+mn-ea"/>
+              <a:cs typeface="Courier New" panose="02070309020205020404" pitchFamily="49" charset="0"/>
+            </a:endParaRPr>
+          </a:p>
+          <a:p>
+            <a:r>
+              <a:rPr lang="en-US" sz="1200" kern="1200" dirty="0" smtClean="0">
+                <a:solidFill>
+                  <a:schemeClr val="tx1"/>
+                </a:solidFill>
+                <a:latin typeface="Courier New" panose="02070309020205020404" pitchFamily="49" charset="0"/>
+                <a:ea typeface="+mn-ea"/>
+                <a:cs typeface="Courier New" panose="02070309020205020404" pitchFamily="49" charset="0"/>
+              </a:rPr>
+              <a:t> where </a:t>
+            </a:r>
+            <a:r>
+              <a:rPr lang="en-US" sz="1200" kern="1200" dirty="0" err="1" smtClean="0">
+                <a:solidFill>
+                  <a:schemeClr val="tx1"/>
+                </a:solidFill>
+                <a:latin typeface="Courier New" panose="02070309020205020404" pitchFamily="49" charset="0"/>
+                <a:ea typeface="+mn-ea"/>
+                <a:cs typeface="Courier New" panose="02070309020205020404" pitchFamily="49" charset="0"/>
+              </a:rPr>
+              <a:t>tables.schema_id</a:t>
+            </a:r>
+            <a:r>
+              <a:rPr lang="en-US" sz="1200" kern="1200" dirty="0" smtClean="0">
+                <a:solidFill>
+                  <a:schemeClr val="tx1"/>
+                </a:solidFill>
+                <a:latin typeface="Courier New" panose="02070309020205020404" pitchFamily="49" charset="0"/>
+                <a:ea typeface="+mn-ea"/>
+                <a:cs typeface="Courier New" panose="02070309020205020404" pitchFamily="49" charset="0"/>
+              </a:rPr>
+              <a:t> &gt; 1</a:t>
+            </a:r>
+          </a:p>
+          <a:p>
+            <a:r>
+              <a:rPr lang="en-US" sz="1200" kern="1200" dirty="0" smtClean="0">
+                <a:solidFill>
+                  <a:schemeClr val="tx1"/>
+                </a:solidFill>
+                <a:latin typeface="Courier New" panose="02070309020205020404" pitchFamily="49" charset="0"/>
+                <a:ea typeface="+mn-ea"/>
+                <a:cs typeface="Courier New" panose="02070309020205020404" pitchFamily="49" charset="0"/>
+              </a:rPr>
+              <a:t> order by schemas.name, tables.name</a:t>
+            </a:r>
+          </a:p>
+          <a:p>
+            <a:endParaRPr lang="en-US" sz="1200" kern="1200" dirty="0" smtClean="0">
+              <a:solidFill>
+                <a:schemeClr val="tx1"/>
+              </a:solidFill>
+              <a:latin typeface="Courier New" panose="02070309020205020404" pitchFamily="49" charset="0"/>
+              <a:ea typeface="+mn-ea"/>
+              <a:cs typeface="Courier New" panose="02070309020205020404" pitchFamily="49" charset="0"/>
+            </a:endParaRPr>
+          </a:p>
+          <a:p>
+            <a:r>
+              <a:rPr lang="en-US" sz="1200" kern="1200" dirty="0" smtClean="0">
+                <a:solidFill>
+                  <a:schemeClr val="tx1"/>
+                </a:solidFill>
+                <a:latin typeface="Courier New" panose="02070309020205020404" pitchFamily="49" charset="0"/>
+                <a:ea typeface="+mn-ea"/>
+                <a:cs typeface="Courier New" panose="02070309020205020404" pitchFamily="49" charset="0"/>
+              </a:rPr>
+              <a:t>select schemas.name, tables.name</a:t>
+            </a:r>
+          </a:p>
+          <a:p>
+            <a:r>
+              <a:rPr lang="en-US" sz="1200" kern="1200" dirty="0" smtClean="0">
+                <a:solidFill>
+                  <a:schemeClr val="tx1"/>
+                </a:solidFill>
+                <a:latin typeface="Courier New" panose="02070309020205020404" pitchFamily="49" charset="0"/>
+                <a:ea typeface="+mn-ea"/>
+                <a:cs typeface="Courier New" panose="02070309020205020404" pitchFamily="49" charset="0"/>
+              </a:rPr>
+              <a:t>  from </a:t>
+            </a:r>
+            <a:r>
+              <a:rPr lang="en-US" sz="1200" kern="1200" dirty="0" err="1" smtClean="0">
+                <a:solidFill>
+                  <a:schemeClr val="tx1"/>
+                </a:solidFill>
+                <a:latin typeface="Courier New" panose="02070309020205020404" pitchFamily="49" charset="0"/>
+                <a:ea typeface="+mn-ea"/>
+                <a:cs typeface="Courier New" panose="02070309020205020404" pitchFamily="49" charset="0"/>
+              </a:rPr>
+              <a:t>AdventureWorksDW.sys.tables</a:t>
+            </a:r>
+            <a:endParaRPr lang="en-US" sz="1200" kern="1200" dirty="0" smtClean="0">
+              <a:solidFill>
+                <a:schemeClr val="tx1"/>
+              </a:solidFill>
+              <a:latin typeface="Courier New" panose="02070309020205020404" pitchFamily="49" charset="0"/>
+              <a:ea typeface="+mn-ea"/>
+              <a:cs typeface="Courier New" panose="02070309020205020404" pitchFamily="49" charset="0"/>
+            </a:endParaRPr>
+          </a:p>
+          <a:p>
+            <a:r>
+              <a:rPr lang="en-US" sz="1200" kern="1200" dirty="0" smtClean="0">
+                <a:solidFill>
+                  <a:schemeClr val="tx1"/>
+                </a:solidFill>
+                <a:latin typeface="Courier New" panose="02070309020205020404" pitchFamily="49" charset="0"/>
+                <a:ea typeface="+mn-ea"/>
+                <a:cs typeface="Courier New" panose="02070309020205020404" pitchFamily="49" charset="0"/>
+              </a:rPr>
+              <a:t>  join </a:t>
+            </a:r>
+            <a:r>
+              <a:rPr lang="en-US" sz="1200" kern="1200" dirty="0" err="1" smtClean="0">
+                <a:solidFill>
+                  <a:schemeClr val="tx1"/>
+                </a:solidFill>
+                <a:latin typeface="Courier New" panose="02070309020205020404" pitchFamily="49" charset="0"/>
+                <a:ea typeface="+mn-ea"/>
+                <a:cs typeface="Courier New" panose="02070309020205020404" pitchFamily="49" charset="0"/>
+              </a:rPr>
+              <a:t>AdventureWorksDW.sys.schemas</a:t>
+            </a:r>
+            <a:r>
+              <a:rPr lang="en-US" sz="1200" kern="1200" dirty="0" smtClean="0">
+                <a:solidFill>
+                  <a:schemeClr val="tx1"/>
+                </a:solidFill>
+                <a:latin typeface="Courier New" panose="02070309020205020404" pitchFamily="49" charset="0"/>
+                <a:ea typeface="+mn-ea"/>
+                <a:cs typeface="Courier New" panose="02070309020205020404" pitchFamily="49" charset="0"/>
+              </a:rPr>
+              <a:t> on </a:t>
+            </a:r>
+            <a:r>
+              <a:rPr lang="en-US" sz="1200" kern="1200" dirty="0" err="1" smtClean="0">
+                <a:solidFill>
+                  <a:schemeClr val="tx1"/>
+                </a:solidFill>
+                <a:latin typeface="Courier New" panose="02070309020205020404" pitchFamily="49" charset="0"/>
+                <a:ea typeface="+mn-ea"/>
+                <a:cs typeface="Courier New" panose="02070309020205020404" pitchFamily="49" charset="0"/>
+              </a:rPr>
+              <a:t>schemas.schema_id</a:t>
+            </a:r>
+            <a:r>
+              <a:rPr lang="en-US" sz="1200" kern="1200" dirty="0" smtClean="0">
+                <a:solidFill>
+                  <a:schemeClr val="tx1"/>
+                </a:solidFill>
+                <a:latin typeface="Courier New" panose="02070309020205020404" pitchFamily="49" charset="0"/>
+                <a:ea typeface="+mn-ea"/>
+                <a:cs typeface="Courier New" panose="02070309020205020404" pitchFamily="49" charset="0"/>
+              </a:rPr>
+              <a:t>=</a:t>
+            </a:r>
+            <a:r>
+              <a:rPr lang="en-US" sz="1200" kern="1200" dirty="0" err="1" smtClean="0">
+                <a:solidFill>
+                  <a:schemeClr val="tx1"/>
+                </a:solidFill>
+                <a:latin typeface="Courier New" panose="02070309020205020404" pitchFamily="49" charset="0"/>
+                <a:ea typeface="+mn-ea"/>
+                <a:cs typeface="Courier New" panose="02070309020205020404" pitchFamily="49" charset="0"/>
+              </a:rPr>
+              <a:t>tables.schema_id</a:t>
+            </a:r>
+            <a:endParaRPr lang="en-US" sz="1200" kern="1200" dirty="0" smtClean="0">
+              <a:solidFill>
+                <a:schemeClr val="tx1"/>
+              </a:solidFill>
+              <a:latin typeface="Courier New" panose="02070309020205020404" pitchFamily="49" charset="0"/>
+              <a:ea typeface="+mn-ea"/>
+              <a:cs typeface="Courier New" panose="02070309020205020404" pitchFamily="49" charset="0"/>
+            </a:endParaRPr>
+          </a:p>
+          <a:p>
+            <a:r>
+              <a:rPr lang="en-US" sz="1200" kern="1200" dirty="0" smtClean="0">
+                <a:solidFill>
+                  <a:schemeClr val="tx1"/>
+                </a:solidFill>
+                <a:latin typeface="Courier New" panose="02070309020205020404" pitchFamily="49" charset="0"/>
+                <a:ea typeface="+mn-ea"/>
+                <a:cs typeface="Courier New" panose="02070309020205020404" pitchFamily="49" charset="0"/>
+              </a:rPr>
+              <a:t> order by schemas.name, tables.name</a:t>
+            </a:r>
+          </a:p>
+          <a:p>
+            <a:endParaRPr lang="en-US" sz="1200" kern="1200" dirty="0" smtClean="0">
+              <a:solidFill>
+                <a:schemeClr val="tx1"/>
+              </a:solidFill>
+              <a:latin typeface="Courier New" panose="02070309020205020404" pitchFamily="49" charset="0"/>
+              <a:ea typeface="+mn-ea"/>
+              <a:cs typeface="Courier New" panose="02070309020205020404" pitchFamily="49" charset="0"/>
+            </a:endParaRPr>
+          </a:p>
+          <a:p>
+            <a:r>
+              <a:rPr lang="en-US" sz="1200" kern="1200" dirty="0" smtClean="0">
+                <a:solidFill>
+                  <a:schemeClr val="tx1"/>
+                </a:solidFill>
+                <a:latin typeface="Courier New" panose="02070309020205020404" pitchFamily="49" charset="0"/>
+                <a:ea typeface="+mn-ea"/>
+                <a:cs typeface="Courier New" panose="02070309020205020404" pitchFamily="49" charset="0"/>
+              </a:rPr>
+              <a:t>-- Analyze table designs - start with Dim tables</a:t>
+            </a:r>
+          </a:p>
+          <a:p>
+            <a:r>
+              <a:rPr lang="en-US" sz="1200" kern="1200" dirty="0" smtClean="0">
+                <a:solidFill>
+                  <a:schemeClr val="tx1"/>
+                </a:solidFill>
+                <a:latin typeface="Courier New" panose="02070309020205020404" pitchFamily="49" charset="0"/>
+                <a:ea typeface="+mn-ea"/>
+                <a:cs typeface="Courier New" panose="02070309020205020404" pitchFamily="49" charset="0"/>
+              </a:rPr>
+              <a:t>SELECT *</a:t>
+            </a:r>
+          </a:p>
+          <a:p>
+            <a:r>
+              <a:rPr lang="en-US" sz="1200" kern="1200" dirty="0" smtClean="0">
+                <a:solidFill>
+                  <a:schemeClr val="tx1"/>
+                </a:solidFill>
+                <a:latin typeface="Courier New" panose="02070309020205020404" pitchFamily="49" charset="0"/>
+                <a:ea typeface="+mn-ea"/>
+                <a:cs typeface="Courier New" panose="02070309020205020404" pitchFamily="49" charset="0"/>
+              </a:rPr>
+              <a:t>FROM [</a:t>
+            </a:r>
+            <a:r>
+              <a:rPr lang="en-US" sz="1200" kern="1200" dirty="0" err="1" smtClean="0">
+                <a:solidFill>
+                  <a:schemeClr val="tx1"/>
+                </a:solidFill>
+                <a:latin typeface="Courier New" panose="02070309020205020404" pitchFamily="49" charset="0"/>
+                <a:ea typeface="+mn-ea"/>
+                <a:cs typeface="Courier New" panose="02070309020205020404" pitchFamily="49" charset="0"/>
+              </a:rPr>
+              <a:t>dbo</a:t>
+            </a:r>
+            <a:r>
+              <a:rPr lang="en-US" sz="1200" kern="1200" dirty="0" smtClean="0">
+                <a:solidFill>
+                  <a:schemeClr val="tx1"/>
+                </a:solidFill>
+                <a:latin typeface="Courier New" panose="02070309020205020404" pitchFamily="49" charset="0"/>
+                <a:ea typeface="+mn-ea"/>
+                <a:cs typeface="Courier New" panose="02070309020205020404" pitchFamily="49" charset="0"/>
+              </a:rPr>
+              <a:t>].[</a:t>
+            </a:r>
+            <a:r>
+              <a:rPr lang="en-US" sz="1200" kern="1200" dirty="0" err="1" smtClean="0">
+                <a:solidFill>
+                  <a:schemeClr val="tx1"/>
+                </a:solidFill>
+                <a:latin typeface="Courier New" panose="02070309020205020404" pitchFamily="49" charset="0"/>
+                <a:ea typeface="+mn-ea"/>
+                <a:cs typeface="Courier New" panose="02070309020205020404" pitchFamily="49" charset="0"/>
+              </a:rPr>
+              <a:t>DimProductCategory</a:t>
+            </a:r>
+            <a:r>
+              <a:rPr lang="en-US" sz="1200" kern="1200" dirty="0" smtClean="0">
+                <a:solidFill>
+                  <a:schemeClr val="tx1"/>
+                </a:solidFill>
+                <a:latin typeface="Courier New" panose="02070309020205020404" pitchFamily="49" charset="0"/>
+                <a:ea typeface="+mn-ea"/>
+                <a:cs typeface="Courier New" panose="02070309020205020404" pitchFamily="49" charset="0"/>
+              </a:rPr>
+              <a:t>]</a:t>
+            </a:r>
+          </a:p>
+          <a:p>
+            <a:r>
+              <a:rPr lang="en-US" sz="1200" kern="1200" dirty="0" smtClean="0">
+                <a:solidFill>
+                  <a:schemeClr val="tx1"/>
+                </a:solidFill>
+                <a:latin typeface="Courier New" panose="02070309020205020404" pitchFamily="49" charset="0"/>
+                <a:ea typeface="+mn-ea"/>
+                <a:cs typeface="Courier New" panose="02070309020205020404" pitchFamily="49" charset="0"/>
+              </a:rPr>
+              <a:t>OPTION (LABEL = 'BSW </a:t>
+            </a:r>
+            <a:r>
+              <a:rPr lang="en-US" sz="1200" kern="1200" dirty="0" err="1" smtClean="0">
+                <a:solidFill>
+                  <a:schemeClr val="tx1"/>
+                </a:solidFill>
+                <a:latin typeface="Courier New" panose="02070309020205020404" pitchFamily="49" charset="0"/>
+                <a:ea typeface="+mn-ea"/>
+                <a:cs typeface="Courier New" panose="02070309020205020404" pitchFamily="49" charset="0"/>
+              </a:rPr>
+              <a:t>Qry</a:t>
+            </a:r>
+            <a:r>
+              <a:rPr lang="en-US" sz="1200" kern="1200" dirty="0" smtClean="0">
+                <a:solidFill>
+                  <a:schemeClr val="tx1"/>
+                </a:solidFill>
+                <a:latin typeface="Courier New" panose="02070309020205020404" pitchFamily="49" charset="0"/>
+                <a:ea typeface="+mn-ea"/>
+                <a:cs typeface="Courier New" panose="02070309020205020404" pitchFamily="49" charset="0"/>
+              </a:rPr>
+              <a:t> </a:t>
+            </a:r>
+            <a:r>
+              <a:rPr lang="en-US" sz="1200" kern="1200" dirty="0" err="1" smtClean="0">
+                <a:solidFill>
+                  <a:schemeClr val="tx1"/>
+                </a:solidFill>
+                <a:latin typeface="Courier New" panose="02070309020205020404" pitchFamily="49" charset="0"/>
+                <a:ea typeface="+mn-ea"/>
+                <a:cs typeface="Courier New" panose="02070309020205020404" pitchFamily="49" charset="0"/>
+              </a:rPr>
+              <a:t>ProductCategory</a:t>
+            </a:r>
+            <a:r>
+              <a:rPr lang="en-US" sz="1200" kern="1200" dirty="0" smtClean="0">
+                <a:solidFill>
+                  <a:schemeClr val="tx1"/>
+                </a:solidFill>
+                <a:latin typeface="Courier New" panose="02070309020205020404" pitchFamily="49" charset="0"/>
+                <a:ea typeface="+mn-ea"/>
+                <a:cs typeface="Courier New" panose="02070309020205020404" pitchFamily="49" charset="0"/>
+              </a:rPr>
+              <a:t>')</a:t>
+            </a:r>
+          </a:p>
+          <a:p>
+            <a:endParaRPr lang="en-US" sz="1200" kern="1200" dirty="0" smtClean="0">
+              <a:solidFill>
+                <a:schemeClr val="tx1"/>
+              </a:solidFill>
+              <a:latin typeface="Courier New" panose="02070309020205020404" pitchFamily="49" charset="0"/>
+              <a:ea typeface="+mn-ea"/>
+              <a:cs typeface="Courier New" panose="02070309020205020404" pitchFamily="49" charset="0"/>
+            </a:endParaRPr>
+          </a:p>
+          <a:p>
+            <a:r>
+              <a:rPr lang="en-US" sz="1200" kern="1200" dirty="0" smtClean="0">
+                <a:solidFill>
+                  <a:schemeClr val="tx1"/>
+                </a:solidFill>
+                <a:latin typeface="Courier New" panose="02070309020205020404" pitchFamily="49" charset="0"/>
+                <a:ea typeface="+mn-ea"/>
+                <a:cs typeface="Courier New" panose="02070309020205020404" pitchFamily="49" charset="0"/>
+              </a:rPr>
+              <a:t>SELECT *</a:t>
+            </a:r>
+          </a:p>
+          <a:p>
+            <a:r>
+              <a:rPr lang="en-US" sz="1200" kern="1200" dirty="0" smtClean="0">
+                <a:solidFill>
+                  <a:schemeClr val="tx1"/>
+                </a:solidFill>
+                <a:latin typeface="Courier New" panose="02070309020205020404" pitchFamily="49" charset="0"/>
+                <a:ea typeface="+mn-ea"/>
+                <a:cs typeface="Courier New" panose="02070309020205020404" pitchFamily="49" charset="0"/>
+              </a:rPr>
+              <a:t>FROM [</a:t>
+            </a:r>
+            <a:r>
+              <a:rPr lang="en-US" sz="1200" kern="1200" dirty="0" err="1" smtClean="0">
+                <a:solidFill>
+                  <a:schemeClr val="tx1"/>
+                </a:solidFill>
+                <a:latin typeface="Courier New" panose="02070309020205020404" pitchFamily="49" charset="0"/>
+                <a:ea typeface="+mn-ea"/>
+                <a:cs typeface="Courier New" panose="02070309020205020404" pitchFamily="49" charset="0"/>
+              </a:rPr>
+              <a:t>dbo</a:t>
+            </a:r>
+            <a:r>
+              <a:rPr lang="en-US" sz="1200" kern="1200" dirty="0" smtClean="0">
+                <a:solidFill>
+                  <a:schemeClr val="tx1"/>
+                </a:solidFill>
+                <a:latin typeface="Courier New" panose="02070309020205020404" pitchFamily="49" charset="0"/>
+                <a:ea typeface="+mn-ea"/>
+                <a:cs typeface="Courier New" panose="02070309020205020404" pitchFamily="49" charset="0"/>
+              </a:rPr>
+              <a:t>].[</a:t>
+            </a:r>
+            <a:r>
+              <a:rPr lang="en-US" sz="1200" kern="1200" dirty="0" err="1" smtClean="0">
+                <a:solidFill>
+                  <a:schemeClr val="tx1"/>
+                </a:solidFill>
+                <a:latin typeface="Courier New" panose="02070309020205020404" pitchFamily="49" charset="0"/>
+                <a:ea typeface="+mn-ea"/>
+                <a:cs typeface="Courier New" panose="02070309020205020404" pitchFamily="49" charset="0"/>
+              </a:rPr>
+              <a:t>DimProductSubCategory</a:t>
+            </a:r>
+            <a:r>
+              <a:rPr lang="en-US" sz="1200" kern="1200" dirty="0" smtClean="0">
+                <a:solidFill>
+                  <a:schemeClr val="tx1"/>
+                </a:solidFill>
+                <a:latin typeface="Courier New" panose="02070309020205020404" pitchFamily="49" charset="0"/>
+                <a:ea typeface="+mn-ea"/>
+                <a:cs typeface="Courier New" panose="02070309020205020404" pitchFamily="49" charset="0"/>
+              </a:rPr>
+              <a:t>]</a:t>
+            </a:r>
+          </a:p>
+          <a:p>
+            <a:r>
+              <a:rPr lang="en-US" sz="1200" kern="1200" dirty="0" smtClean="0">
+                <a:solidFill>
+                  <a:schemeClr val="tx1"/>
+                </a:solidFill>
+                <a:latin typeface="Courier New" panose="02070309020205020404" pitchFamily="49" charset="0"/>
+                <a:ea typeface="+mn-ea"/>
+                <a:cs typeface="Courier New" panose="02070309020205020404" pitchFamily="49" charset="0"/>
+              </a:rPr>
+              <a:t>OPTION (LABEL = 'BSW </a:t>
+            </a:r>
+            <a:r>
+              <a:rPr lang="en-US" sz="1200" kern="1200" dirty="0" err="1" smtClean="0">
+                <a:solidFill>
+                  <a:schemeClr val="tx1"/>
+                </a:solidFill>
+                <a:latin typeface="Courier New" panose="02070309020205020404" pitchFamily="49" charset="0"/>
+                <a:ea typeface="+mn-ea"/>
+                <a:cs typeface="Courier New" panose="02070309020205020404" pitchFamily="49" charset="0"/>
+              </a:rPr>
+              <a:t>Qry</a:t>
+            </a:r>
+            <a:r>
+              <a:rPr lang="en-US" sz="1200" kern="1200" dirty="0" smtClean="0">
+                <a:solidFill>
+                  <a:schemeClr val="tx1"/>
+                </a:solidFill>
+                <a:latin typeface="Courier New" panose="02070309020205020404" pitchFamily="49" charset="0"/>
+                <a:ea typeface="+mn-ea"/>
+                <a:cs typeface="Courier New" panose="02070309020205020404" pitchFamily="49" charset="0"/>
+              </a:rPr>
+              <a:t> </a:t>
+            </a:r>
+            <a:r>
+              <a:rPr lang="en-US" sz="1200" kern="1200" dirty="0" err="1" smtClean="0">
+                <a:solidFill>
+                  <a:schemeClr val="tx1"/>
+                </a:solidFill>
+                <a:latin typeface="Courier New" panose="02070309020205020404" pitchFamily="49" charset="0"/>
+                <a:ea typeface="+mn-ea"/>
+                <a:cs typeface="Courier New" panose="02070309020205020404" pitchFamily="49" charset="0"/>
+              </a:rPr>
+              <a:t>ProductSubCategory</a:t>
+            </a:r>
+            <a:r>
+              <a:rPr lang="en-US" sz="1200" kern="1200" dirty="0" smtClean="0">
+                <a:solidFill>
+                  <a:schemeClr val="tx1"/>
+                </a:solidFill>
+                <a:latin typeface="Courier New" panose="02070309020205020404" pitchFamily="49" charset="0"/>
+                <a:ea typeface="+mn-ea"/>
+                <a:cs typeface="Courier New" panose="02070309020205020404" pitchFamily="49" charset="0"/>
+              </a:rPr>
+              <a:t>')</a:t>
+            </a:r>
+          </a:p>
+          <a:p>
+            <a:endParaRPr lang="en-US" sz="1200" kern="1200" dirty="0" smtClean="0">
+              <a:solidFill>
+                <a:schemeClr val="tx1"/>
+              </a:solidFill>
+              <a:latin typeface="Courier New" panose="02070309020205020404" pitchFamily="49" charset="0"/>
+              <a:ea typeface="+mn-ea"/>
+              <a:cs typeface="Courier New" panose="02070309020205020404" pitchFamily="49" charset="0"/>
+            </a:endParaRPr>
+          </a:p>
+          <a:p>
+            <a:r>
+              <a:rPr lang="en-US" sz="1200" kern="1200" dirty="0" smtClean="0">
+                <a:solidFill>
+                  <a:schemeClr val="tx1"/>
+                </a:solidFill>
+                <a:latin typeface="Courier New" panose="02070309020205020404" pitchFamily="49" charset="0"/>
+                <a:ea typeface="+mn-ea"/>
+                <a:cs typeface="Courier New" panose="02070309020205020404" pitchFamily="49" charset="0"/>
+              </a:rPr>
+              <a:t>SELECT *</a:t>
+            </a:r>
+          </a:p>
+          <a:p>
+            <a:r>
+              <a:rPr lang="en-US" sz="1200" kern="1200" dirty="0" smtClean="0">
+                <a:solidFill>
+                  <a:schemeClr val="tx1"/>
+                </a:solidFill>
+                <a:latin typeface="Courier New" panose="02070309020205020404" pitchFamily="49" charset="0"/>
+                <a:ea typeface="+mn-ea"/>
+                <a:cs typeface="Courier New" panose="02070309020205020404" pitchFamily="49" charset="0"/>
+              </a:rPr>
+              <a:t>FROM [</a:t>
+            </a:r>
+            <a:r>
+              <a:rPr lang="en-US" sz="1200" kern="1200" dirty="0" err="1" smtClean="0">
+                <a:solidFill>
+                  <a:schemeClr val="tx1"/>
+                </a:solidFill>
+                <a:latin typeface="Courier New" panose="02070309020205020404" pitchFamily="49" charset="0"/>
+                <a:ea typeface="+mn-ea"/>
+                <a:cs typeface="Courier New" panose="02070309020205020404" pitchFamily="49" charset="0"/>
+              </a:rPr>
+              <a:t>dbo</a:t>
+            </a:r>
+            <a:r>
+              <a:rPr lang="en-US" sz="1200" kern="1200" dirty="0" smtClean="0">
+                <a:solidFill>
+                  <a:schemeClr val="tx1"/>
+                </a:solidFill>
+                <a:latin typeface="Courier New" panose="02070309020205020404" pitchFamily="49" charset="0"/>
+                <a:ea typeface="+mn-ea"/>
+                <a:cs typeface="Courier New" panose="02070309020205020404" pitchFamily="49" charset="0"/>
+              </a:rPr>
+              <a:t>].[</a:t>
+            </a:r>
+            <a:r>
+              <a:rPr lang="en-US" sz="1200" kern="1200" dirty="0" err="1" smtClean="0">
+                <a:solidFill>
+                  <a:schemeClr val="tx1"/>
+                </a:solidFill>
+                <a:latin typeface="Courier New" panose="02070309020205020404" pitchFamily="49" charset="0"/>
+                <a:ea typeface="+mn-ea"/>
+                <a:cs typeface="Courier New" panose="02070309020205020404" pitchFamily="49" charset="0"/>
+              </a:rPr>
+              <a:t>DimProduct</a:t>
+            </a:r>
+            <a:r>
+              <a:rPr lang="en-US" sz="1200" kern="1200" dirty="0" smtClean="0">
+                <a:solidFill>
+                  <a:schemeClr val="tx1"/>
+                </a:solidFill>
+                <a:latin typeface="Courier New" panose="02070309020205020404" pitchFamily="49" charset="0"/>
+                <a:ea typeface="+mn-ea"/>
+                <a:cs typeface="Courier New" panose="02070309020205020404" pitchFamily="49" charset="0"/>
+              </a:rPr>
+              <a:t>]</a:t>
+            </a:r>
+          </a:p>
+          <a:p>
+            <a:r>
+              <a:rPr lang="en-US" sz="1200" kern="1200" dirty="0" smtClean="0">
+                <a:solidFill>
+                  <a:schemeClr val="tx1"/>
+                </a:solidFill>
+                <a:latin typeface="Courier New" panose="02070309020205020404" pitchFamily="49" charset="0"/>
+                <a:ea typeface="+mn-ea"/>
+                <a:cs typeface="Courier New" panose="02070309020205020404" pitchFamily="49" charset="0"/>
+              </a:rPr>
+              <a:t>OPTION (LABEL = 'BSW </a:t>
+            </a:r>
+            <a:r>
+              <a:rPr lang="en-US" sz="1200" kern="1200" dirty="0" err="1" smtClean="0">
+                <a:solidFill>
+                  <a:schemeClr val="tx1"/>
+                </a:solidFill>
+                <a:latin typeface="Courier New" panose="02070309020205020404" pitchFamily="49" charset="0"/>
+                <a:ea typeface="+mn-ea"/>
+                <a:cs typeface="Courier New" panose="02070309020205020404" pitchFamily="49" charset="0"/>
+              </a:rPr>
+              <a:t>Qry</a:t>
+            </a:r>
+            <a:r>
+              <a:rPr lang="en-US" sz="1200" kern="1200" dirty="0" smtClean="0">
+                <a:solidFill>
+                  <a:schemeClr val="tx1"/>
+                </a:solidFill>
+                <a:latin typeface="Courier New" panose="02070309020205020404" pitchFamily="49" charset="0"/>
+                <a:ea typeface="+mn-ea"/>
+                <a:cs typeface="Courier New" panose="02070309020205020404" pitchFamily="49" charset="0"/>
+              </a:rPr>
+              <a:t> Product')</a:t>
+            </a:r>
+          </a:p>
+          <a:p>
+            <a:endParaRPr lang="en-US" sz="1200" kern="1200" dirty="0" smtClean="0">
+              <a:solidFill>
+                <a:schemeClr val="tx1"/>
+              </a:solidFill>
+              <a:latin typeface="Courier New" panose="02070309020205020404" pitchFamily="49" charset="0"/>
+              <a:ea typeface="+mn-ea"/>
+              <a:cs typeface="Courier New" panose="02070309020205020404" pitchFamily="49" charset="0"/>
+            </a:endParaRPr>
+          </a:p>
+          <a:p>
+            <a:r>
+              <a:rPr lang="en-US" sz="1200" kern="1200" dirty="0" smtClean="0">
+                <a:solidFill>
+                  <a:schemeClr val="tx1"/>
+                </a:solidFill>
+                <a:latin typeface="Courier New" panose="02070309020205020404" pitchFamily="49" charset="0"/>
+                <a:ea typeface="+mn-ea"/>
+                <a:cs typeface="Courier New" panose="02070309020205020404" pitchFamily="49" charset="0"/>
+              </a:rPr>
+              <a:t>-- Fact tables</a:t>
+            </a:r>
+          </a:p>
+          <a:p>
+            <a:r>
+              <a:rPr lang="en-US" sz="1200" kern="1200" dirty="0" smtClean="0">
+                <a:solidFill>
+                  <a:schemeClr val="tx1"/>
+                </a:solidFill>
+                <a:latin typeface="Courier New" panose="02070309020205020404" pitchFamily="49" charset="0"/>
+                <a:ea typeface="+mn-ea"/>
+                <a:cs typeface="Courier New" panose="02070309020205020404" pitchFamily="49" charset="0"/>
+              </a:rPr>
+              <a:t>SELECT  *</a:t>
+            </a:r>
+          </a:p>
+          <a:p>
+            <a:r>
+              <a:rPr lang="en-US" sz="1200" kern="1200" dirty="0" smtClean="0">
+                <a:solidFill>
+                  <a:schemeClr val="tx1"/>
+                </a:solidFill>
+                <a:latin typeface="Courier New" panose="02070309020205020404" pitchFamily="49" charset="0"/>
+                <a:ea typeface="+mn-ea"/>
+                <a:cs typeface="Courier New" panose="02070309020205020404" pitchFamily="49" charset="0"/>
+              </a:rPr>
+              <a:t>FROM [</a:t>
+            </a:r>
+            <a:r>
+              <a:rPr lang="en-US" sz="1200" kern="1200" dirty="0" err="1" smtClean="0">
+                <a:solidFill>
+                  <a:schemeClr val="tx1"/>
+                </a:solidFill>
+                <a:latin typeface="Courier New" panose="02070309020205020404" pitchFamily="49" charset="0"/>
+                <a:ea typeface="+mn-ea"/>
+                <a:cs typeface="Courier New" panose="02070309020205020404" pitchFamily="49" charset="0"/>
+              </a:rPr>
+              <a:t>dbo</a:t>
+            </a:r>
+            <a:r>
+              <a:rPr lang="en-US" sz="1200" kern="1200" dirty="0" smtClean="0">
+                <a:solidFill>
+                  <a:schemeClr val="tx1"/>
+                </a:solidFill>
+                <a:latin typeface="Courier New" panose="02070309020205020404" pitchFamily="49" charset="0"/>
+                <a:ea typeface="+mn-ea"/>
+                <a:cs typeface="Courier New" panose="02070309020205020404" pitchFamily="49" charset="0"/>
+              </a:rPr>
+              <a:t>].[</a:t>
+            </a:r>
+            <a:r>
+              <a:rPr lang="en-US" sz="1200" kern="1200" dirty="0" err="1" smtClean="0">
+                <a:solidFill>
+                  <a:schemeClr val="tx1"/>
+                </a:solidFill>
+                <a:latin typeface="Courier New" panose="02070309020205020404" pitchFamily="49" charset="0"/>
+                <a:ea typeface="+mn-ea"/>
+                <a:cs typeface="Courier New" panose="02070309020205020404" pitchFamily="49" charset="0"/>
+              </a:rPr>
+              <a:t>FactInternetSales</a:t>
+            </a:r>
+            <a:r>
+              <a:rPr lang="en-US" sz="1200" kern="1200" dirty="0" smtClean="0">
+                <a:solidFill>
+                  <a:schemeClr val="tx1"/>
+                </a:solidFill>
+                <a:latin typeface="Courier New" panose="02070309020205020404" pitchFamily="49" charset="0"/>
+                <a:ea typeface="+mn-ea"/>
+                <a:cs typeface="Courier New" panose="02070309020205020404" pitchFamily="49" charset="0"/>
+              </a:rPr>
+              <a:t>]</a:t>
+            </a:r>
+          </a:p>
+          <a:p>
+            <a:r>
+              <a:rPr lang="en-US" sz="1200" kern="1200" dirty="0" smtClean="0">
+                <a:solidFill>
+                  <a:schemeClr val="tx1"/>
+                </a:solidFill>
+                <a:latin typeface="Courier New" panose="02070309020205020404" pitchFamily="49" charset="0"/>
+                <a:ea typeface="+mn-ea"/>
+                <a:cs typeface="Courier New" panose="02070309020205020404" pitchFamily="49" charset="0"/>
+              </a:rPr>
+              <a:t>WHERE </a:t>
+            </a:r>
+            <a:r>
+              <a:rPr lang="en-US" sz="1200" kern="1200" dirty="0" err="1" smtClean="0">
+                <a:solidFill>
+                  <a:schemeClr val="tx1"/>
+                </a:solidFill>
+                <a:latin typeface="Courier New" panose="02070309020205020404" pitchFamily="49" charset="0"/>
+                <a:ea typeface="+mn-ea"/>
+                <a:cs typeface="Courier New" panose="02070309020205020404" pitchFamily="49" charset="0"/>
+              </a:rPr>
+              <a:t>SalesOrderNumber</a:t>
+            </a:r>
+            <a:r>
+              <a:rPr lang="en-US" sz="1200" kern="1200" dirty="0" smtClean="0">
+                <a:solidFill>
+                  <a:schemeClr val="tx1"/>
+                </a:solidFill>
+                <a:latin typeface="Courier New" panose="02070309020205020404" pitchFamily="49" charset="0"/>
+                <a:ea typeface="+mn-ea"/>
+                <a:cs typeface="Courier New" panose="02070309020205020404" pitchFamily="49" charset="0"/>
+              </a:rPr>
+              <a:t> IN ('SO43662','SO51212')</a:t>
+            </a:r>
+          </a:p>
+          <a:p>
+            <a:r>
+              <a:rPr lang="en-US" sz="1200" kern="1200" dirty="0" smtClean="0">
+                <a:solidFill>
+                  <a:schemeClr val="tx1"/>
+                </a:solidFill>
+                <a:latin typeface="Courier New" panose="02070309020205020404" pitchFamily="49" charset="0"/>
+                <a:ea typeface="+mn-ea"/>
+                <a:cs typeface="Courier New" panose="02070309020205020404" pitchFamily="49" charset="0"/>
+              </a:rPr>
+              <a:t>OPTION (LABEL = 'BSW </a:t>
+            </a:r>
+            <a:r>
+              <a:rPr lang="en-US" sz="1200" kern="1200" dirty="0" err="1" smtClean="0">
+                <a:solidFill>
+                  <a:schemeClr val="tx1"/>
+                </a:solidFill>
+                <a:latin typeface="Courier New" panose="02070309020205020404" pitchFamily="49" charset="0"/>
+                <a:ea typeface="+mn-ea"/>
+                <a:cs typeface="Courier New" panose="02070309020205020404" pitchFamily="49" charset="0"/>
+              </a:rPr>
+              <a:t>Qry</a:t>
+            </a:r>
+            <a:r>
+              <a:rPr lang="en-US" sz="1200" kern="1200" dirty="0" smtClean="0">
+                <a:solidFill>
+                  <a:schemeClr val="tx1"/>
+                </a:solidFill>
+                <a:latin typeface="Courier New" panose="02070309020205020404" pitchFamily="49" charset="0"/>
+                <a:ea typeface="+mn-ea"/>
+                <a:cs typeface="Courier New" panose="02070309020205020404" pitchFamily="49" charset="0"/>
+              </a:rPr>
+              <a:t> </a:t>
+            </a:r>
+            <a:r>
+              <a:rPr lang="en-US" sz="1200" kern="1200" dirty="0" err="1" smtClean="0">
+                <a:solidFill>
+                  <a:schemeClr val="tx1"/>
+                </a:solidFill>
+                <a:latin typeface="Courier New" panose="02070309020205020404" pitchFamily="49" charset="0"/>
+                <a:ea typeface="+mn-ea"/>
+                <a:cs typeface="Courier New" panose="02070309020205020404" pitchFamily="49" charset="0"/>
+              </a:rPr>
+              <a:t>InternetSales</a:t>
+            </a:r>
+            <a:r>
+              <a:rPr lang="en-US" sz="1200" kern="1200" dirty="0" smtClean="0">
+                <a:solidFill>
+                  <a:schemeClr val="tx1"/>
+                </a:solidFill>
+                <a:latin typeface="Courier New" panose="02070309020205020404" pitchFamily="49" charset="0"/>
+                <a:ea typeface="+mn-ea"/>
+                <a:cs typeface="Courier New" panose="02070309020205020404" pitchFamily="49" charset="0"/>
+              </a:rPr>
+              <a:t>')</a:t>
+            </a:r>
+          </a:p>
+          <a:p>
+            <a:endParaRPr lang="en-US" sz="1200" kern="1200" dirty="0" smtClean="0">
+              <a:solidFill>
+                <a:schemeClr val="tx1"/>
+              </a:solidFill>
+              <a:latin typeface="Courier New" panose="02070309020205020404" pitchFamily="49" charset="0"/>
+              <a:ea typeface="+mn-ea"/>
+              <a:cs typeface="Courier New" panose="02070309020205020404" pitchFamily="49" charset="0"/>
+            </a:endParaRPr>
+          </a:p>
+          <a:p>
+            <a:r>
+              <a:rPr lang="en-US" sz="1200" kern="1200" dirty="0" smtClean="0">
+                <a:solidFill>
+                  <a:schemeClr val="tx1"/>
+                </a:solidFill>
+                <a:latin typeface="Courier New" panose="02070309020205020404" pitchFamily="49" charset="0"/>
+                <a:ea typeface="+mn-ea"/>
+                <a:cs typeface="Courier New" panose="02070309020205020404" pitchFamily="49" charset="0"/>
+              </a:rPr>
+              <a:t>SELECT TOP 100 *</a:t>
+            </a:r>
+          </a:p>
+          <a:p>
+            <a:r>
+              <a:rPr lang="en-US" sz="1200" kern="1200" dirty="0" smtClean="0">
+                <a:solidFill>
+                  <a:schemeClr val="tx1"/>
+                </a:solidFill>
+                <a:latin typeface="Courier New" panose="02070309020205020404" pitchFamily="49" charset="0"/>
+                <a:ea typeface="+mn-ea"/>
+                <a:cs typeface="Courier New" panose="02070309020205020404" pitchFamily="49" charset="0"/>
+              </a:rPr>
+              <a:t>FROM [</a:t>
+            </a:r>
+            <a:r>
+              <a:rPr lang="en-US" sz="1200" kern="1200" dirty="0" err="1" smtClean="0">
+                <a:solidFill>
+                  <a:schemeClr val="tx1"/>
+                </a:solidFill>
+                <a:latin typeface="Courier New" panose="02070309020205020404" pitchFamily="49" charset="0"/>
+                <a:ea typeface="+mn-ea"/>
+                <a:cs typeface="Courier New" panose="02070309020205020404" pitchFamily="49" charset="0"/>
+              </a:rPr>
+              <a:t>dbo</a:t>
+            </a:r>
+            <a:r>
+              <a:rPr lang="en-US" sz="1200" kern="1200" dirty="0" smtClean="0">
+                <a:solidFill>
+                  <a:schemeClr val="tx1"/>
+                </a:solidFill>
+                <a:latin typeface="Courier New" panose="02070309020205020404" pitchFamily="49" charset="0"/>
+                <a:ea typeface="+mn-ea"/>
+                <a:cs typeface="Courier New" panose="02070309020205020404" pitchFamily="49" charset="0"/>
+              </a:rPr>
+              <a:t>].[</a:t>
+            </a:r>
+            <a:r>
+              <a:rPr lang="en-US" sz="1200" kern="1200" dirty="0" err="1" smtClean="0">
+                <a:solidFill>
+                  <a:schemeClr val="tx1"/>
+                </a:solidFill>
+                <a:latin typeface="Courier New" panose="02070309020205020404" pitchFamily="49" charset="0"/>
+                <a:ea typeface="+mn-ea"/>
+                <a:cs typeface="Courier New" panose="02070309020205020404" pitchFamily="49" charset="0"/>
+              </a:rPr>
+              <a:t>FactResellerSales</a:t>
+            </a:r>
+            <a:r>
+              <a:rPr lang="en-US" sz="1200" kern="1200" dirty="0" smtClean="0">
+                <a:solidFill>
+                  <a:schemeClr val="tx1"/>
+                </a:solidFill>
+                <a:latin typeface="Courier New" panose="02070309020205020404" pitchFamily="49" charset="0"/>
+                <a:ea typeface="+mn-ea"/>
+                <a:cs typeface="Courier New" panose="02070309020205020404" pitchFamily="49" charset="0"/>
+              </a:rPr>
+              <a:t>]</a:t>
+            </a:r>
+          </a:p>
+          <a:p>
+            <a:r>
+              <a:rPr lang="en-US" sz="1200" kern="1200" dirty="0" smtClean="0">
+                <a:solidFill>
+                  <a:schemeClr val="tx1"/>
+                </a:solidFill>
+                <a:latin typeface="Courier New" panose="02070309020205020404" pitchFamily="49" charset="0"/>
+                <a:ea typeface="+mn-ea"/>
+                <a:cs typeface="Courier New" panose="02070309020205020404" pitchFamily="49" charset="0"/>
+              </a:rPr>
+              <a:t>WHERE </a:t>
+            </a:r>
+            <a:r>
+              <a:rPr lang="en-US" sz="1200" kern="1200" dirty="0" err="1" smtClean="0">
+                <a:solidFill>
+                  <a:schemeClr val="tx1"/>
+                </a:solidFill>
+                <a:latin typeface="Courier New" panose="02070309020205020404" pitchFamily="49" charset="0"/>
+                <a:ea typeface="+mn-ea"/>
+                <a:cs typeface="Courier New" panose="02070309020205020404" pitchFamily="49" charset="0"/>
+              </a:rPr>
+              <a:t>SalesOrderNumber</a:t>
+            </a:r>
+            <a:r>
+              <a:rPr lang="en-US" sz="1200" kern="1200" dirty="0" smtClean="0">
+                <a:solidFill>
+                  <a:schemeClr val="tx1"/>
+                </a:solidFill>
+                <a:latin typeface="Courier New" panose="02070309020205020404" pitchFamily="49" charset="0"/>
+                <a:ea typeface="+mn-ea"/>
+                <a:cs typeface="Courier New" panose="02070309020205020404" pitchFamily="49" charset="0"/>
+              </a:rPr>
+              <a:t> IN ('SO43662','SO51212')</a:t>
+            </a:r>
+          </a:p>
+          <a:p>
+            <a:r>
+              <a:rPr lang="en-US" sz="1200" kern="1200" dirty="0" smtClean="0">
+                <a:solidFill>
+                  <a:schemeClr val="tx1"/>
+                </a:solidFill>
+                <a:latin typeface="Courier New" panose="02070309020205020404" pitchFamily="49" charset="0"/>
+                <a:ea typeface="+mn-ea"/>
+                <a:cs typeface="Courier New" panose="02070309020205020404" pitchFamily="49" charset="0"/>
+              </a:rPr>
+              <a:t>OPTION (LABEL = 'BSW </a:t>
+            </a:r>
+            <a:r>
+              <a:rPr lang="en-US" sz="1200" kern="1200" dirty="0" err="1" smtClean="0">
+                <a:solidFill>
+                  <a:schemeClr val="tx1"/>
+                </a:solidFill>
+                <a:latin typeface="Courier New" panose="02070309020205020404" pitchFamily="49" charset="0"/>
+                <a:ea typeface="+mn-ea"/>
+                <a:cs typeface="Courier New" panose="02070309020205020404" pitchFamily="49" charset="0"/>
+              </a:rPr>
+              <a:t>Qry</a:t>
+            </a:r>
+            <a:r>
+              <a:rPr lang="en-US" sz="1200" kern="1200" dirty="0" smtClean="0">
+                <a:solidFill>
+                  <a:schemeClr val="tx1"/>
+                </a:solidFill>
+                <a:latin typeface="Courier New" panose="02070309020205020404" pitchFamily="49" charset="0"/>
+                <a:ea typeface="+mn-ea"/>
+                <a:cs typeface="Courier New" panose="02070309020205020404" pitchFamily="49" charset="0"/>
+              </a:rPr>
+              <a:t> </a:t>
+            </a:r>
+            <a:r>
+              <a:rPr lang="en-US" sz="1200" kern="1200" dirty="0" err="1" smtClean="0">
+                <a:solidFill>
+                  <a:schemeClr val="tx1"/>
+                </a:solidFill>
+                <a:latin typeface="Courier New" panose="02070309020205020404" pitchFamily="49" charset="0"/>
+                <a:ea typeface="+mn-ea"/>
+                <a:cs typeface="Courier New" panose="02070309020205020404" pitchFamily="49" charset="0"/>
+              </a:rPr>
+              <a:t>ResellerSales</a:t>
+            </a:r>
+            <a:r>
+              <a:rPr lang="en-US" sz="1200" kern="1200" dirty="0" smtClean="0">
+                <a:solidFill>
+                  <a:schemeClr val="tx1"/>
+                </a:solidFill>
+                <a:latin typeface="Courier New" panose="02070309020205020404" pitchFamily="49" charset="0"/>
+                <a:ea typeface="+mn-ea"/>
+                <a:cs typeface="Courier New" panose="02070309020205020404" pitchFamily="49" charset="0"/>
+              </a:rPr>
+              <a:t>')</a:t>
+            </a:r>
+          </a:p>
+          <a:p>
+            <a:endParaRPr lang="en-US" sz="1200" kern="1200" dirty="0" smtClean="0">
+              <a:solidFill>
+                <a:schemeClr val="tx1"/>
+              </a:solidFill>
+              <a:latin typeface="Courier New" panose="02070309020205020404" pitchFamily="49" charset="0"/>
+              <a:ea typeface="+mn-ea"/>
+              <a:cs typeface="Courier New" panose="02070309020205020404" pitchFamily="49" charset="0"/>
+            </a:endParaRPr>
+          </a:p>
+          <a:p>
+            <a:r>
+              <a:rPr lang="en-US" sz="1200" kern="1200" dirty="0" smtClean="0">
+                <a:solidFill>
+                  <a:schemeClr val="tx1"/>
+                </a:solidFill>
+                <a:latin typeface="Courier New" panose="02070309020205020404" pitchFamily="49" charset="0"/>
+                <a:ea typeface="+mn-ea"/>
+                <a:cs typeface="Courier New" panose="02070309020205020404" pitchFamily="49" charset="0"/>
+              </a:rPr>
+              <a:t>SELECT TOP 100 *</a:t>
+            </a:r>
+          </a:p>
+          <a:p>
+            <a:r>
+              <a:rPr lang="en-US" sz="1200" kern="1200" dirty="0" smtClean="0">
+                <a:solidFill>
+                  <a:schemeClr val="tx1"/>
+                </a:solidFill>
+                <a:latin typeface="Courier New" panose="02070309020205020404" pitchFamily="49" charset="0"/>
+                <a:ea typeface="+mn-ea"/>
+                <a:cs typeface="Courier New" panose="02070309020205020404" pitchFamily="49" charset="0"/>
+              </a:rPr>
+              <a:t>FROM [</a:t>
+            </a:r>
+            <a:r>
+              <a:rPr lang="en-US" sz="1200" kern="1200" dirty="0" err="1" smtClean="0">
+                <a:solidFill>
+                  <a:schemeClr val="tx1"/>
+                </a:solidFill>
+                <a:latin typeface="Courier New" panose="02070309020205020404" pitchFamily="49" charset="0"/>
+                <a:ea typeface="+mn-ea"/>
+                <a:cs typeface="Courier New" panose="02070309020205020404" pitchFamily="49" charset="0"/>
+              </a:rPr>
+              <a:t>dbo</a:t>
+            </a:r>
+            <a:r>
+              <a:rPr lang="en-US" sz="1200" kern="1200" dirty="0" smtClean="0">
+                <a:solidFill>
+                  <a:schemeClr val="tx1"/>
+                </a:solidFill>
+                <a:latin typeface="Courier New" panose="02070309020205020404" pitchFamily="49" charset="0"/>
+                <a:ea typeface="+mn-ea"/>
+                <a:cs typeface="Courier New" panose="02070309020205020404" pitchFamily="49" charset="0"/>
+              </a:rPr>
+              <a:t>].[</a:t>
+            </a:r>
+            <a:r>
+              <a:rPr lang="en-US" sz="1200" kern="1200" dirty="0" err="1" smtClean="0">
+                <a:solidFill>
+                  <a:schemeClr val="tx1"/>
+                </a:solidFill>
+                <a:latin typeface="Courier New" panose="02070309020205020404" pitchFamily="49" charset="0"/>
+                <a:ea typeface="+mn-ea"/>
+                <a:cs typeface="Courier New" panose="02070309020205020404" pitchFamily="49" charset="0"/>
+              </a:rPr>
+              <a:t>FactInternetSalesReason</a:t>
+            </a:r>
+            <a:r>
+              <a:rPr lang="en-US" sz="1200" kern="1200" dirty="0" smtClean="0">
+                <a:solidFill>
+                  <a:schemeClr val="tx1"/>
+                </a:solidFill>
+                <a:latin typeface="Courier New" panose="02070309020205020404" pitchFamily="49" charset="0"/>
+                <a:ea typeface="+mn-ea"/>
+                <a:cs typeface="Courier New" panose="02070309020205020404" pitchFamily="49" charset="0"/>
+              </a:rPr>
+              <a:t>]</a:t>
+            </a:r>
+          </a:p>
+          <a:p>
+            <a:r>
+              <a:rPr lang="en-US" sz="1200" kern="1200" dirty="0" smtClean="0">
+                <a:solidFill>
+                  <a:schemeClr val="tx1"/>
+                </a:solidFill>
+                <a:latin typeface="Courier New" panose="02070309020205020404" pitchFamily="49" charset="0"/>
+                <a:ea typeface="+mn-ea"/>
+                <a:cs typeface="Courier New" panose="02070309020205020404" pitchFamily="49" charset="0"/>
+              </a:rPr>
+              <a:t>WHERE </a:t>
+            </a:r>
+            <a:r>
+              <a:rPr lang="en-US" sz="1200" kern="1200" dirty="0" err="1" smtClean="0">
+                <a:solidFill>
+                  <a:schemeClr val="tx1"/>
+                </a:solidFill>
+                <a:latin typeface="Courier New" panose="02070309020205020404" pitchFamily="49" charset="0"/>
+                <a:ea typeface="+mn-ea"/>
+                <a:cs typeface="Courier New" panose="02070309020205020404" pitchFamily="49" charset="0"/>
+              </a:rPr>
+              <a:t>SalesOrderNumber</a:t>
+            </a:r>
+            <a:r>
+              <a:rPr lang="en-US" sz="1200" kern="1200" dirty="0" smtClean="0">
+                <a:solidFill>
+                  <a:schemeClr val="tx1"/>
+                </a:solidFill>
+                <a:latin typeface="Courier New" panose="02070309020205020404" pitchFamily="49" charset="0"/>
+                <a:ea typeface="+mn-ea"/>
+                <a:cs typeface="Courier New" panose="02070309020205020404" pitchFamily="49" charset="0"/>
+              </a:rPr>
+              <a:t> IN ('SO43662','SO51212')</a:t>
+            </a:r>
+          </a:p>
+          <a:p>
+            <a:r>
+              <a:rPr lang="en-US" sz="1200" kern="1200" dirty="0" smtClean="0">
+                <a:solidFill>
+                  <a:schemeClr val="tx1"/>
+                </a:solidFill>
+                <a:latin typeface="Courier New" panose="02070309020205020404" pitchFamily="49" charset="0"/>
+                <a:ea typeface="+mn-ea"/>
+                <a:cs typeface="Courier New" panose="02070309020205020404" pitchFamily="49" charset="0"/>
+              </a:rPr>
+              <a:t>OPTION (LABEL = 'BSW </a:t>
+            </a:r>
+            <a:r>
+              <a:rPr lang="en-US" sz="1200" kern="1200" dirty="0" err="1" smtClean="0">
+                <a:solidFill>
+                  <a:schemeClr val="tx1"/>
+                </a:solidFill>
+                <a:latin typeface="Courier New" panose="02070309020205020404" pitchFamily="49" charset="0"/>
+                <a:ea typeface="+mn-ea"/>
+                <a:cs typeface="Courier New" panose="02070309020205020404" pitchFamily="49" charset="0"/>
+              </a:rPr>
+              <a:t>Qry</a:t>
+            </a:r>
+            <a:r>
+              <a:rPr lang="en-US" sz="1200" kern="1200" dirty="0" smtClean="0">
+                <a:solidFill>
+                  <a:schemeClr val="tx1"/>
+                </a:solidFill>
+                <a:latin typeface="Courier New" panose="02070309020205020404" pitchFamily="49" charset="0"/>
+                <a:ea typeface="+mn-ea"/>
+                <a:cs typeface="Courier New" panose="02070309020205020404" pitchFamily="49" charset="0"/>
+              </a:rPr>
+              <a:t> </a:t>
+            </a:r>
+            <a:r>
+              <a:rPr lang="en-US" sz="1200" kern="1200" dirty="0" err="1" smtClean="0">
+                <a:solidFill>
+                  <a:schemeClr val="tx1"/>
+                </a:solidFill>
+                <a:latin typeface="Courier New" panose="02070309020205020404" pitchFamily="49" charset="0"/>
+                <a:ea typeface="+mn-ea"/>
+                <a:cs typeface="Courier New" panose="02070309020205020404" pitchFamily="49" charset="0"/>
+              </a:rPr>
+              <a:t>InternetSalesReason</a:t>
+            </a:r>
+            <a:r>
+              <a:rPr lang="en-US" sz="1200" kern="1200" dirty="0" smtClean="0">
+                <a:solidFill>
+                  <a:schemeClr val="tx1"/>
+                </a:solidFill>
+                <a:latin typeface="Courier New" panose="02070309020205020404" pitchFamily="49" charset="0"/>
+                <a:ea typeface="+mn-ea"/>
+                <a:cs typeface="Courier New" panose="02070309020205020404" pitchFamily="49" charset="0"/>
+              </a:rPr>
+              <a:t>')</a:t>
+            </a:r>
+          </a:p>
+          <a:p>
+            <a:endParaRPr lang="en-US" sz="1200" kern="1200" dirty="0" smtClean="0">
+              <a:solidFill>
+                <a:schemeClr val="tx1"/>
+              </a:solidFill>
+              <a:latin typeface="Courier New" panose="02070309020205020404" pitchFamily="49" charset="0"/>
+              <a:ea typeface="+mn-ea"/>
+              <a:cs typeface="Courier New" panose="02070309020205020404" pitchFamily="49" charset="0"/>
+            </a:endParaRPr>
+          </a:p>
+          <a:p>
+            <a:r>
+              <a:rPr lang="en-US" sz="1200" kern="1200" dirty="0" smtClean="0">
+                <a:solidFill>
+                  <a:schemeClr val="tx1"/>
+                </a:solidFill>
+                <a:latin typeface="Courier New" panose="02070309020205020404" pitchFamily="49" charset="0"/>
+                <a:ea typeface="+mn-ea"/>
+                <a:cs typeface="Courier New" panose="02070309020205020404" pitchFamily="49" charset="0"/>
+              </a:rPr>
+              <a:t>SELECT TOP 100 *</a:t>
+            </a:r>
+          </a:p>
+          <a:p>
+            <a:r>
+              <a:rPr lang="en-US" sz="1200" kern="1200" dirty="0" smtClean="0">
+                <a:solidFill>
+                  <a:schemeClr val="tx1"/>
+                </a:solidFill>
+                <a:latin typeface="Courier New" panose="02070309020205020404" pitchFamily="49" charset="0"/>
+                <a:ea typeface="+mn-ea"/>
+                <a:cs typeface="Courier New" panose="02070309020205020404" pitchFamily="49" charset="0"/>
+              </a:rPr>
+              <a:t>FROM [</a:t>
+            </a:r>
+            <a:r>
+              <a:rPr lang="en-US" sz="1200" kern="1200" dirty="0" err="1" smtClean="0">
+                <a:solidFill>
+                  <a:schemeClr val="tx1"/>
+                </a:solidFill>
+                <a:latin typeface="Courier New" panose="02070309020205020404" pitchFamily="49" charset="0"/>
+                <a:ea typeface="+mn-ea"/>
+                <a:cs typeface="Courier New" panose="02070309020205020404" pitchFamily="49" charset="0"/>
+              </a:rPr>
+              <a:t>dbo</a:t>
+            </a:r>
+            <a:r>
+              <a:rPr lang="en-US" sz="1200" kern="1200" dirty="0" smtClean="0">
+                <a:solidFill>
+                  <a:schemeClr val="tx1"/>
+                </a:solidFill>
+                <a:latin typeface="Courier New" panose="02070309020205020404" pitchFamily="49" charset="0"/>
+                <a:ea typeface="+mn-ea"/>
+                <a:cs typeface="Courier New" panose="02070309020205020404" pitchFamily="49" charset="0"/>
+              </a:rPr>
+              <a:t>].[</a:t>
+            </a:r>
+            <a:r>
+              <a:rPr lang="en-US" sz="1200" kern="1200" dirty="0" err="1" smtClean="0">
+                <a:solidFill>
+                  <a:schemeClr val="tx1"/>
+                </a:solidFill>
+                <a:latin typeface="Courier New" panose="02070309020205020404" pitchFamily="49" charset="0"/>
+                <a:ea typeface="+mn-ea"/>
+                <a:cs typeface="Courier New" panose="02070309020205020404" pitchFamily="49" charset="0"/>
+              </a:rPr>
+              <a:t>FactSalesQuota</a:t>
+            </a:r>
+            <a:r>
+              <a:rPr lang="en-US" sz="1200" kern="1200" dirty="0" smtClean="0">
+                <a:solidFill>
+                  <a:schemeClr val="tx1"/>
+                </a:solidFill>
+                <a:latin typeface="Courier New" panose="02070309020205020404" pitchFamily="49" charset="0"/>
+                <a:ea typeface="+mn-ea"/>
+                <a:cs typeface="Courier New" panose="02070309020205020404" pitchFamily="49" charset="0"/>
+              </a:rPr>
+              <a:t>]</a:t>
+            </a:r>
+          </a:p>
+          <a:p>
+            <a:r>
+              <a:rPr lang="en-US" sz="1200" kern="1200" dirty="0" smtClean="0">
+                <a:solidFill>
+                  <a:schemeClr val="tx1"/>
+                </a:solidFill>
+                <a:latin typeface="Courier New" panose="02070309020205020404" pitchFamily="49" charset="0"/>
+                <a:ea typeface="+mn-ea"/>
+                <a:cs typeface="Courier New" panose="02070309020205020404" pitchFamily="49" charset="0"/>
+              </a:rPr>
+              <a:t>OPTION (LABEL = 'BSW </a:t>
+            </a:r>
+            <a:r>
+              <a:rPr lang="en-US" sz="1200" kern="1200" dirty="0" err="1" smtClean="0">
+                <a:solidFill>
+                  <a:schemeClr val="tx1"/>
+                </a:solidFill>
+                <a:latin typeface="Courier New" panose="02070309020205020404" pitchFamily="49" charset="0"/>
+                <a:ea typeface="+mn-ea"/>
+                <a:cs typeface="Courier New" panose="02070309020205020404" pitchFamily="49" charset="0"/>
+              </a:rPr>
+              <a:t>Qry</a:t>
+            </a:r>
+            <a:r>
+              <a:rPr lang="en-US" sz="1200" kern="1200" dirty="0" smtClean="0">
+                <a:solidFill>
+                  <a:schemeClr val="tx1"/>
+                </a:solidFill>
+                <a:latin typeface="Courier New" panose="02070309020205020404" pitchFamily="49" charset="0"/>
+                <a:ea typeface="+mn-ea"/>
+                <a:cs typeface="Courier New" panose="02070309020205020404" pitchFamily="49" charset="0"/>
+              </a:rPr>
+              <a:t> </a:t>
+            </a:r>
+            <a:r>
+              <a:rPr lang="en-US" sz="1200" kern="1200" dirty="0" err="1" smtClean="0">
+                <a:solidFill>
+                  <a:schemeClr val="tx1"/>
+                </a:solidFill>
+                <a:latin typeface="Courier New" panose="02070309020205020404" pitchFamily="49" charset="0"/>
+                <a:ea typeface="+mn-ea"/>
+                <a:cs typeface="Courier New" panose="02070309020205020404" pitchFamily="49" charset="0"/>
+              </a:rPr>
+              <a:t>SalesQuota</a:t>
+            </a:r>
+            <a:r>
+              <a:rPr lang="en-US" sz="1200" kern="1200" dirty="0" smtClean="0">
+                <a:solidFill>
+                  <a:schemeClr val="tx1"/>
+                </a:solidFill>
+                <a:latin typeface="Courier New" panose="02070309020205020404" pitchFamily="49" charset="0"/>
+                <a:ea typeface="+mn-ea"/>
+                <a:cs typeface="Courier New" panose="02070309020205020404" pitchFamily="49" charset="0"/>
+              </a:rPr>
+              <a:t>')</a:t>
+            </a:r>
+          </a:p>
+          <a:p>
+            <a:endParaRPr lang="en-US" sz="1200" kern="1200" dirty="0" smtClean="0">
+              <a:solidFill>
+                <a:schemeClr val="tx1"/>
+              </a:solidFill>
+              <a:latin typeface="Courier New" panose="02070309020205020404" pitchFamily="49" charset="0"/>
+              <a:ea typeface="+mn-ea"/>
+              <a:cs typeface="Courier New" panose="02070309020205020404" pitchFamily="49" charset="0"/>
+            </a:endParaRPr>
+          </a:p>
+          <a:p>
+            <a:r>
+              <a:rPr lang="en-US" sz="1200" kern="1200" dirty="0" smtClean="0">
+                <a:solidFill>
+                  <a:schemeClr val="tx1"/>
+                </a:solidFill>
+                <a:latin typeface="Courier New" panose="02070309020205020404" pitchFamily="49" charset="0"/>
+                <a:ea typeface="+mn-ea"/>
+                <a:cs typeface="Courier New" panose="02070309020205020404" pitchFamily="49" charset="0"/>
+              </a:rPr>
+              <a:t>SELECT TOP 100 *</a:t>
+            </a:r>
+          </a:p>
+          <a:p>
+            <a:r>
+              <a:rPr lang="en-US" sz="1200" kern="1200" dirty="0" smtClean="0">
+                <a:solidFill>
+                  <a:schemeClr val="tx1"/>
+                </a:solidFill>
+                <a:latin typeface="Courier New" panose="02070309020205020404" pitchFamily="49" charset="0"/>
+                <a:ea typeface="+mn-ea"/>
+                <a:cs typeface="Courier New" panose="02070309020205020404" pitchFamily="49" charset="0"/>
+              </a:rPr>
+              <a:t>FROM [</a:t>
+            </a:r>
+            <a:r>
+              <a:rPr lang="en-US" sz="1200" kern="1200" dirty="0" err="1" smtClean="0">
+                <a:solidFill>
+                  <a:schemeClr val="tx1"/>
+                </a:solidFill>
+                <a:latin typeface="Courier New" panose="02070309020205020404" pitchFamily="49" charset="0"/>
+                <a:ea typeface="+mn-ea"/>
+                <a:cs typeface="Courier New" panose="02070309020205020404" pitchFamily="49" charset="0"/>
+              </a:rPr>
+              <a:t>dbo</a:t>
+            </a:r>
+            <a:r>
+              <a:rPr lang="en-US" sz="1200" kern="1200" dirty="0" smtClean="0">
+                <a:solidFill>
+                  <a:schemeClr val="tx1"/>
+                </a:solidFill>
+                <a:latin typeface="Courier New" panose="02070309020205020404" pitchFamily="49" charset="0"/>
+                <a:ea typeface="+mn-ea"/>
+                <a:cs typeface="Courier New" panose="02070309020205020404" pitchFamily="49" charset="0"/>
+              </a:rPr>
+              <a:t>].[</a:t>
+            </a:r>
+            <a:r>
+              <a:rPr lang="en-US" sz="1200" kern="1200" dirty="0" err="1" smtClean="0">
+                <a:solidFill>
+                  <a:schemeClr val="tx1"/>
+                </a:solidFill>
+                <a:latin typeface="Courier New" panose="02070309020205020404" pitchFamily="49" charset="0"/>
+                <a:ea typeface="+mn-ea"/>
+                <a:cs typeface="Courier New" panose="02070309020205020404" pitchFamily="49" charset="0"/>
+              </a:rPr>
+              <a:t>FactSurveyResponse</a:t>
+            </a:r>
+            <a:r>
+              <a:rPr lang="en-US" sz="1200" kern="1200" dirty="0" smtClean="0">
+                <a:solidFill>
+                  <a:schemeClr val="tx1"/>
+                </a:solidFill>
+                <a:latin typeface="Courier New" panose="02070309020205020404" pitchFamily="49" charset="0"/>
+                <a:ea typeface="+mn-ea"/>
+                <a:cs typeface="Courier New" panose="02070309020205020404" pitchFamily="49" charset="0"/>
+              </a:rPr>
+              <a:t>]</a:t>
+            </a:r>
+          </a:p>
+          <a:p>
+            <a:endParaRPr lang="en-US" sz="1200" kern="1200" dirty="0" smtClean="0">
+              <a:solidFill>
+                <a:schemeClr val="tx1"/>
+              </a:solidFill>
+              <a:latin typeface="Courier New" panose="02070309020205020404" pitchFamily="49" charset="0"/>
+              <a:ea typeface="+mn-ea"/>
+              <a:cs typeface="Courier New" panose="02070309020205020404" pitchFamily="49" charset="0"/>
+            </a:endParaRPr>
+          </a:p>
+          <a:p>
+            <a:r>
+              <a:rPr lang="en-US" sz="1200" kern="1200" dirty="0" smtClean="0">
+                <a:solidFill>
+                  <a:schemeClr val="tx1"/>
+                </a:solidFill>
+                <a:latin typeface="Courier New" panose="02070309020205020404" pitchFamily="49" charset="0"/>
+                <a:ea typeface="+mn-ea"/>
+                <a:cs typeface="Courier New" panose="02070309020205020404" pitchFamily="49" charset="0"/>
+              </a:rPr>
+              <a:t>-- What about Large or Rapidly Changing Dim tables</a:t>
+            </a:r>
+          </a:p>
+          <a:p>
+            <a:r>
+              <a:rPr lang="en-US" sz="1200" kern="1200" dirty="0" smtClean="0">
+                <a:solidFill>
+                  <a:schemeClr val="tx1"/>
+                </a:solidFill>
+                <a:latin typeface="Courier New" panose="02070309020205020404" pitchFamily="49" charset="0"/>
+                <a:ea typeface="+mn-ea"/>
+                <a:cs typeface="Courier New" panose="02070309020205020404" pitchFamily="49" charset="0"/>
+              </a:rPr>
+              <a:t>SELECT *</a:t>
+            </a:r>
+          </a:p>
+          <a:p>
+            <a:r>
+              <a:rPr lang="en-US" sz="1200" kern="1200" dirty="0" smtClean="0">
+                <a:solidFill>
+                  <a:schemeClr val="tx1"/>
+                </a:solidFill>
+                <a:latin typeface="Courier New" panose="02070309020205020404" pitchFamily="49" charset="0"/>
+                <a:ea typeface="+mn-ea"/>
+                <a:cs typeface="Courier New" panose="02070309020205020404" pitchFamily="49" charset="0"/>
+              </a:rPr>
+              <a:t>FROM [</a:t>
+            </a:r>
+            <a:r>
+              <a:rPr lang="en-US" sz="1200" kern="1200" dirty="0" err="1" smtClean="0">
+                <a:solidFill>
+                  <a:schemeClr val="tx1"/>
+                </a:solidFill>
+                <a:latin typeface="Courier New" panose="02070309020205020404" pitchFamily="49" charset="0"/>
+                <a:ea typeface="+mn-ea"/>
+                <a:cs typeface="Courier New" panose="02070309020205020404" pitchFamily="49" charset="0"/>
+              </a:rPr>
+              <a:t>dbo</a:t>
+            </a:r>
+            <a:r>
+              <a:rPr lang="en-US" sz="1200" kern="1200" dirty="0" smtClean="0">
+                <a:solidFill>
+                  <a:schemeClr val="tx1"/>
+                </a:solidFill>
+                <a:latin typeface="Courier New" panose="02070309020205020404" pitchFamily="49" charset="0"/>
+                <a:ea typeface="+mn-ea"/>
+                <a:cs typeface="Courier New" panose="02070309020205020404" pitchFamily="49" charset="0"/>
+              </a:rPr>
+              <a:t>].[</a:t>
+            </a:r>
+            <a:r>
+              <a:rPr lang="en-US" sz="1200" kern="1200" dirty="0" err="1" smtClean="0">
+                <a:solidFill>
+                  <a:schemeClr val="tx1"/>
+                </a:solidFill>
+                <a:latin typeface="Courier New" panose="02070309020205020404" pitchFamily="49" charset="0"/>
+                <a:ea typeface="+mn-ea"/>
+                <a:cs typeface="Courier New" panose="02070309020205020404" pitchFamily="49" charset="0"/>
+              </a:rPr>
+              <a:t>DimReseller</a:t>
+            </a:r>
+            <a:r>
+              <a:rPr lang="en-US" sz="1200" kern="1200" dirty="0" smtClean="0">
+                <a:solidFill>
+                  <a:schemeClr val="tx1"/>
+                </a:solidFill>
+                <a:latin typeface="Courier New" panose="02070309020205020404" pitchFamily="49" charset="0"/>
+                <a:ea typeface="+mn-ea"/>
+                <a:cs typeface="Courier New" panose="02070309020205020404" pitchFamily="49" charset="0"/>
+              </a:rPr>
+              <a:t>]</a:t>
+            </a:r>
+          </a:p>
+          <a:p>
+            <a:r>
+              <a:rPr lang="en-US" sz="1200" kern="1200" dirty="0" smtClean="0">
+                <a:solidFill>
+                  <a:schemeClr val="tx1"/>
+                </a:solidFill>
+                <a:latin typeface="Courier New" panose="02070309020205020404" pitchFamily="49" charset="0"/>
+                <a:ea typeface="+mn-ea"/>
+                <a:cs typeface="Courier New" panose="02070309020205020404" pitchFamily="49" charset="0"/>
+              </a:rPr>
+              <a:t>OPTION (LABEL = 'BSW </a:t>
+            </a:r>
+            <a:r>
+              <a:rPr lang="en-US" sz="1200" kern="1200" dirty="0" err="1" smtClean="0">
+                <a:solidFill>
+                  <a:schemeClr val="tx1"/>
+                </a:solidFill>
+                <a:latin typeface="Courier New" panose="02070309020205020404" pitchFamily="49" charset="0"/>
+                <a:ea typeface="+mn-ea"/>
+                <a:cs typeface="Courier New" panose="02070309020205020404" pitchFamily="49" charset="0"/>
+              </a:rPr>
+              <a:t>Qry</a:t>
+            </a:r>
+            <a:r>
+              <a:rPr lang="en-US" sz="1200" kern="1200" dirty="0" smtClean="0">
+                <a:solidFill>
+                  <a:schemeClr val="tx1"/>
+                </a:solidFill>
+                <a:latin typeface="Courier New" panose="02070309020205020404" pitchFamily="49" charset="0"/>
+                <a:ea typeface="+mn-ea"/>
+                <a:cs typeface="Courier New" panose="02070309020205020404" pitchFamily="49" charset="0"/>
+              </a:rPr>
+              <a:t> </a:t>
+            </a:r>
+            <a:r>
+              <a:rPr lang="en-US" sz="1200" kern="1200" dirty="0" err="1" smtClean="0">
+                <a:solidFill>
+                  <a:schemeClr val="tx1"/>
+                </a:solidFill>
+                <a:latin typeface="Courier New" panose="02070309020205020404" pitchFamily="49" charset="0"/>
+                <a:ea typeface="+mn-ea"/>
+                <a:cs typeface="Courier New" panose="02070309020205020404" pitchFamily="49" charset="0"/>
+              </a:rPr>
+              <a:t>Store_Reseller</a:t>
+            </a:r>
+            <a:r>
+              <a:rPr lang="en-US" sz="1200" kern="1200" dirty="0" smtClean="0">
+                <a:solidFill>
+                  <a:schemeClr val="tx1"/>
+                </a:solidFill>
+                <a:latin typeface="Courier New" panose="02070309020205020404" pitchFamily="49" charset="0"/>
+                <a:ea typeface="+mn-ea"/>
+                <a:cs typeface="Courier New" panose="02070309020205020404" pitchFamily="49" charset="0"/>
+              </a:rPr>
+              <a:t>')</a:t>
+            </a:r>
+          </a:p>
+          <a:p>
+            <a:endParaRPr lang="en-US" sz="1200" kern="1200" dirty="0" smtClean="0">
+              <a:solidFill>
+                <a:schemeClr val="tx1"/>
+              </a:solidFill>
+              <a:latin typeface="Courier New" panose="02070309020205020404" pitchFamily="49" charset="0"/>
+              <a:ea typeface="+mn-ea"/>
+              <a:cs typeface="Courier New" panose="02070309020205020404" pitchFamily="49" charset="0"/>
+            </a:endParaRPr>
+          </a:p>
+          <a:p>
+            <a:r>
+              <a:rPr lang="en-US" sz="1200" kern="1200" dirty="0" smtClean="0">
+                <a:solidFill>
+                  <a:schemeClr val="tx1"/>
+                </a:solidFill>
+                <a:latin typeface="Courier New" panose="02070309020205020404" pitchFamily="49" charset="0"/>
+                <a:ea typeface="+mn-ea"/>
+                <a:cs typeface="Courier New" panose="02070309020205020404" pitchFamily="49" charset="0"/>
+              </a:rPr>
+              <a:t>SELECT *</a:t>
+            </a:r>
+          </a:p>
+          <a:p>
+            <a:r>
+              <a:rPr lang="en-US" sz="1200" kern="1200" dirty="0" smtClean="0">
+                <a:solidFill>
+                  <a:schemeClr val="tx1"/>
+                </a:solidFill>
+                <a:latin typeface="Courier New" panose="02070309020205020404" pitchFamily="49" charset="0"/>
+                <a:ea typeface="+mn-ea"/>
+                <a:cs typeface="Courier New" panose="02070309020205020404" pitchFamily="49" charset="0"/>
+              </a:rPr>
+              <a:t>FROM [</a:t>
+            </a:r>
+            <a:r>
+              <a:rPr lang="en-US" sz="1200" kern="1200" dirty="0" err="1" smtClean="0">
+                <a:solidFill>
+                  <a:schemeClr val="tx1"/>
+                </a:solidFill>
+                <a:latin typeface="Courier New" panose="02070309020205020404" pitchFamily="49" charset="0"/>
+                <a:ea typeface="+mn-ea"/>
+                <a:cs typeface="Courier New" panose="02070309020205020404" pitchFamily="49" charset="0"/>
+              </a:rPr>
+              <a:t>dbo</a:t>
+            </a:r>
+            <a:r>
+              <a:rPr lang="en-US" sz="1200" kern="1200" dirty="0" smtClean="0">
+                <a:solidFill>
+                  <a:schemeClr val="tx1"/>
+                </a:solidFill>
+                <a:latin typeface="Courier New" panose="02070309020205020404" pitchFamily="49" charset="0"/>
+                <a:ea typeface="+mn-ea"/>
+                <a:cs typeface="Courier New" panose="02070309020205020404" pitchFamily="49" charset="0"/>
+              </a:rPr>
+              <a:t>].[</a:t>
+            </a:r>
+            <a:r>
+              <a:rPr lang="en-US" sz="1200" kern="1200" dirty="0" err="1" smtClean="0">
+                <a:solidFill>
+                  <a:schemeClr val="tx1"/>
+                </a:solidFill>
+                <a:latin typeface="Courier New" panose="02070309020205020404" pitchFamily="49" charset="0"/>
+                <a:ea typeface="+mn-ea"/>
+                <a:cs typeface="Courier New" panose="02070309020205020404" pitchFamily="49" charset="0"/>
+              </a:rPr>
+              <a:t>DimCustomer</a:t>
+            </a:r>
+            <a:r>
+              <a:rPr lang="en-US" sz="1200" kern="1200" dirty="0" smtClean="0">
+                <a:solidFill>
+                  <a:schemeClr val="tx1"/>
+                </a:solidFill>
+                <a:latin typeface="Courier New" panose="02070309020205020404" pitchFamily="49" charset="0"/>
+                <a:ea typeface="+mn-ea"/>
+                <a:cs typeface="Courier New" panose="02070309020205020404" pitchFamily="49" charset="0"/>
+              </a:rPr>
+              <a:t>]</a:t>
+            </a:r>
+          </a:p>
+          <a:p>
+            <a:r>
+              <a:rPr lang="en-US" sz="1200" kern="1200" dirty="0" smtClean="0">
+                <a:solidFill>
+                  <a:schemeClr val="tx1"/>
+                </a:solidFill>
+                <a:latin typeface="Courier New" panose="02070309020205020404" pitchFamily="49" charset="0"/>
+                <a:ea typeface="+mn-ea"/>
+                <a:cs typeface="Courier New" panose="02070309020205020404" pitchFamily="49" charset="0"/>
+              </a:rPr>
+              <a:t>OPTION (LABEL = 'BSW </a:t>
+            </a:r>
+            <a:r>
+              <a:rPr lang="en-US" sz="1200" kern="1200" dirty="0" err="1" smtClean="0">
+                <a:solidFill>
+                  <a:schemeClr val="tx1"/>
+                </a:solidFill>
+                <a:latin typeface="Courier New" panose="02070309020205020404" pitchFamily="49" charset="0"/>
+                <a:ea typeface="+mn-ea"/>
+                <a:cs typeface="Courier New" panose="02070309020205020404" pitchFamily="49" charset="0"/>
+              </a:rPr>
+              <a:t>Qry</a:t>
+            </a:r>
+            <a:r>
+              <a:rPr lang="en-US" sz="1200" kern="1200" dirty="0" smtClean="0">
+                <a:solidFill>
+                  <a:schemeClr val="tx1"/>
+                </a:solidFill>
+                <a:latin typeface="Courier New" panose="02070309020205020404" pitchFamily="49" charset="0"/>
+                <a:ea typeface="+mn-ea"/>
+                <a:cs typeface="Courier New" panose="02070309020205020404" pitchFamily="49" charset="0"/>
+              </a:rPr>
+              <a:t> Customer')</a:t>
+            </a:r>
+          </a:p>
+          <a:p>
+            <a:endParaRPr lang="en-US" sz="1200" kern="1200" dirty="0" smtClean="0">
+              <a:solidFill>
+                <a:schemeClr val="tx1"/>
+              </a:solidFill>
+              <a:latin typeface="Courier New" panose="02070309020205020404" pitchFamily="49" charset="0"/>
+              <a:ea typeface="+mn-ea"/>
+              <a:cs typeface="Courier New" panose="02070309020205020404" pitchFamily="49" charset="0"/>
+            </a:endParaRPr>
+          </a:p>
+          <a:p>
+            <a:r>
+              <a:rPr lang="en-US" sz="1200" kern="1200" dirty="0" smtClean="0">
+                <a:solidFill>
+                  <a:schemeClr val="tx1"/>
+                </a:solidFill>
+                <a:latin typeface="Courier New" panose="02070309020205020404" pitchFamily="49" charset="0"/>
+                <a:ea typeface="+mn-ea"/>
+                <a:cs typeface="Courier New" panose="02070309020205020404" pitchFamily="49" charset="0"/>
+              </a:rPr>
+              <a:t>-- Fact Tables where hash may not be obvious or may need to push down hash key from parent table</a:t>
+            </a:r>
+          </a:p>
+          <a:p>
+            <a:r>
+              <a:rPr lang="en-US" sz="1200" kern="1200" dirty="0" smtClean="0">
+                <a:solidFill>
+                  <a:schemeClr val="tx1"/>
+                </a:solidFill>
+                <a:latin typeface="Courier New" panose="02070309020205020404" pitchFamily="49" charset="0"/>
+                <a:ea typeface="+mn-ea"/>
+                <a:cs typeface="Courier New" panose="02070309020205020404" pitchFamily="49" charset="0"/>
+              </a:rPr>
+              <a:t>SELECT TOP 100 *</a:t>
+            </a:r>
+          </a:p>
+          <a:p>
+            <a:r>
+              <a:rPr lang="en-US" sz="1200" kern="1200" dirty="0" smtClean="0">
+                <a:solidFill>
+                  <a:schemeClr val="tx1"/>
+                </a:solidFill>
+                <a:latin typeface="Courier New" panose="02070309020205020404" pitchFamily="49" charset="0"/>
+                <a:ea typeface="+mn-ea"/>
+                <a:cs typeface="Courier New" panose="02070309020205020404" pitchFamily="49" charset="0"/>
+              </a:rPr>
+              <a:t>FROM [</a:t>
+            </a:r>
+            <a:r>
+              <a:rPr lang="en-US" sz="1200" kern="1200" dirty="0" err="1" smtClean="0">
+                <a:solidFill>
+                  <a:schemeClr val="tx1"/>
+                </a:solidFill>
+                <a:latin typeface="Courier New" panose="02070309020205020404" pitchFamily="49" charset="0"/>
+                <a:ea typeface="+mn-ea"/>
+                <a:cs typeface="Courier New" panose="02070309020205020404" pitchFamily="49" charset="0"/>
+              </a:rPr>
+              <a:t>dbo</a:t>
+            </a:r>
+            <a:r>
+              <a:rPr lang="en-US" sz="1200" kern="1200" dirty="0" smtClean="0">
+                <a:solidFill>
+                  <a:schemeClr val="tx1"/>
+                </a:solidFill>
+                <a:latin typeface="Courier New" panose="02070309020205020404" pitchFamily="49" charset="0"/>
+                <a:ea typeface="+mn-ea"/>
+                <a:cs typeface="Courier New" panose="02070309020205020404" pitchFamily="49" charset="0"/>
+              </a:rPr>
+              <a:t>].[</a:t>
+            </a:r>
+            <a:r>
+              <a:rPr lang="en-US" sz="1200" kern="1200" dirty="0" err="1" smtClean="0">
+                <a:solidFill>
+                  <a:schemeClr val="tx1"/>
+                </a:solidFill>
+                <a:latin typeface="Courier New" panose="02070309020205020404" pitchFamily="49" charset="0"/>
+                <a:ea typeface="+mn-ea"/>
+                <a:cs typeface="Courier New" panose="02070309020205020404" pitchFamily="49" charset="0"/>
+              </a:rPr>
+              <a:t>FactCallCenter</a:t>
+            </a:r>
+            <a:r>
+              <a:rPr lang="en-US" sz="1200" kern="1200" dirty="0" smtClean="0">
+                <a:solidFill>
+                  <a:schemeClr val="tx1"/>
+                </a:solidFill>
+                <a:latin typeface="Courier New" panose="02070309020205020404" pitchFamily="49" charset="0"/>
+                <a:ea typeface="+mn-ea"/>
+                <a:cs typeface="Courier New" panose="02070309020205020404" pitchFamily="49" charset="0"/>
+              </a:rPr>
+              <a:t>]</a:t>
+            </a:r>
+          </a:p>
+          <a:p>
+            <a:endParaRPr lang="en-US" sz="1200" kern="1200" dirty="0" smtClean="0">
+              <a:solidFill>
+                <a:schemeClr val="tx1"/>
+              </a:solidFill>
+              <a:latin typeface="Courier New" panose="02070309020205020404" pitchFamily="49" charset="0"/>
+              <a:ea typeface="+mn-ea"/>
+              <a:cs typeface="Courier New" panose="02070309020205020404" pitchFamily="49" charset="0"/>
+            </a:endParaRPr>
+          </a:p>
+          <a:p>
+            <a:r>
+              <a:rPr lang="en-US" sz="1200" kern="1200" dirty="0" smtClean="0">
+                <a:solidFill>
+                  <a:schemeClr val="tx1"/>
+                </a:solidFill>
+                <a:latin typeface="Courier New" panose="02070309020205020404" pitchFamily="49" charset="0"/>
+                <a:ea typeface="+mn-ea"/>
+                <a:cs typeface="Courier New" panose="02070309020205020404" pitchFamily="49" charset="0"/>
+              </a:rPr>
+              <a:t>SELECT TOP 100 *</a:t>
+            </a:r>
+          </a:p>
+          <a:p>
+            <a:r>
+              <a:rPr lang="en-US" sz="1200" kern="1200" dirty="0" smtClean="0">
+                <a:solidFill>
+                  <a:schemeClr val="tx1"/>
+                </a:solidFill>
+                <a:latin typeface="Courier New" panose="02070309020205020404" pitchFamily="49" charset="0"/>
+                <a:ea typeface="+mn-ea"/>
+                <a:cs typeface="Courier New" panose="02070309020205020404" pitchFamily="49" charset="0"/>
+              </a:rPr>
+              <a:t>FROM [</a:t>
+            </a:r>
+            <a:r>
+              <a:rPr lang="en-US" sz="1200" kern="1200" dirty="0" err="1" smtClean="0">
+                <a:solidFill>
+                  <a:schemeClr val="tx1"/>
+                </a:solidFill>
+                <a:latin typeface="Courier New" panose="02070309020205020404" pitchFamily="49" charset="0"/>
+                <a:ea typeface="+mn-ea"/>
+                <a:cs typeface="Courier New" panose="02070309020205020404" pitchFamily="49" charset="0"/>
+              </a:rPr>
+              <a:t>dbo</a:t>
+            </a:r>
+            <a:r>
+              <a:rPr lang="en-US" sz="1200" kern="1200" dirty="0" smtClean="0">
+                <a:solidFill>
+                  <a:schemeClr val="tx1"/>
+                </a:solidFill>
+                <a:latin typeface="Courier New" panose="02070309020205020404" pitchFamily="49" charset="0"/>
+                <a:ea typeface="+mn-ea"/>
+                <a:cs typeface="Courier New" panose="02070309020205020404" pitchFamily="49" charset="0"/>
+              </a:rPr>
+              <a:t>].[</a:t>
+            </a:r>
+            <a:r>
+              <a:rPr lang="en-US" sz="1200" kern="1200" dirty="0" err="1" smtClean="0">
+                <a:solidFill>
+                  <a:schemeClr val="tx1"/>
+                </a:solidFill>
+                <a:latin typeface="Courier New" panose="02070309020205020404" pitchFamily="49" charset="0"/>
+                <a:ea typeface="+mn-ea"/>
+                <a:cs typeface="Courier New" panose="02070309020205020404" pitchFamily="49" charset="0"/>
+              </a:rPr>
+              <a:t>FactCurrencyRate</a:t>
+            </a:r>
+            <a:r>
+              <a:rPr lang="en-US" sz="1200" kern="1200" dirty="0" smtClean="0">
+                <a:solidFill>
+                  <a:schemeClr val="tx1"/>
+                </a:solidFill>
+                <a:latin typeface="Courier New" panose="02070309020205020404" pitchFamily="49" charset="0"/>
+                <a:ea typeface="+mn-ea"/>
+                <a:cs typeface="Courier New" panose="02070309020205020404" pitchFamily="49" charset="0"/>
+              </a:rPr>
+              <a:t>]</a:t>
+            </a:r>
+          </a:p>
+          <a:p>
+            <a:endParaRPr lang="en-US" sz="1200" kern="1200" dirty="0" smtClean="0">
+              <a:solidFill>
+                <a:schemeClr val="tx1"/>
+              </a:solidFill>
+              <a:latin typeface="Courier New" panose="02070309020205020404" pitchFamily="49" charset="0"/>
+              <a:ea typeface="+mn-ea"/>
+              <a:cs typeface="Courier New" panose="02070309020205020404" pitchFamily="49" charset="0"/>
+            </a:endParaRPr>
+          </a:p>
+          <a:p>
+            <a:r>
+              <a:rPr lang="en-US" sz="1200" kern="1200" dirty="0" smtClean="0">
+                <a:solidFill>
+                  <a:schemeClr val="tx1"/>
+                </a:solidFill>
+                <a:latin typeface="Courier New" panose="02070309020205020404" pitchFamily="49" charset="0"/>
+                <a:ea typeface="+mn-ea"/>
+                <a:cs typeface="Courier New" panose="02070309020205020404" pitchFamily="49" charset="0"/>
+              </a:rPr>
+              <a:t>-- Monitor active requests</a:t>
+            </a:r>
+          </a:p>
+          <a:p>
+            <a:r>
+              <a:rPr lang="en-US" sz="1200" kern="1200" dirty="0" smtClean="0">
+                <a:solidFill>
+                  <a:schemeClr val="tx1"/>
+                </a:solidFill>
+                <a:latin typeface="Courier New" panose="02070309020205020404" pitchFamily="49" charset="0"/>
+                <a:ea typeface="+mn-ea"/>
+                <a:cs typeface="Courier New" panose="02070309020205020404" pitchFamily="49" charset="0"/>
+              </a:rPr>
+              <a:t>SELECT </a:t>
+            </a:r>
+            <a:r>
+              <a:rPr lang="en-US" sz="1200" kern="1200" dirty="0" err="1" smtClean="0">
+                <a:solidFill>
+                  <a:schemeClr val="tx1"/>
+                </a:solidFill>
+                <a:latin typeface="Courier New" panose="02070309020205020404" pitchFamily="49" charset="0"/>
+                <a:ea typeface="+mn-ea"/>
+                <a:cs typeface="Courier New" panose="02070309020205020404" pitchFamily="49" charset="0"/>
+              </a:rPr>
+              <a:t>requests.request_id</a:t>
+            </a:r>
+            <a:r>
+              <a:rPr lang="en-US" sz="1200" kern="1200" dirty="0" smtClean="0">
+                <a:solidFill>
+                  <a:schemeClr val="tx1"/>
+                </a:solidFill>
+                <a:latin typeface="Courier New" panose="02070309020205020404" pitchFamily="49" charset="0"/>
+                <a:ea typeface="+mn-ea"/>
+                <a:cs typeface="Courier New" panose="02070309020205020404" pitchFamily="49" charset="0"/>
+              </a:rPr>
+              <a:t> </a:t>
+            </a:r>
+            <a:r>
+              <a:rPr lang="en-US" sz="1200" kern="1200" dirty="0" err="1" smtClean="0">
+                <a:solidFill>
+                  <a:schemeClr val="tx1"/>
+                </a:solidFill>
+                <a:latin typeface="Courier New" panose="02070309020205020404" pitchFamily="49" charset="0"/>
+                <a:ea typeface="+mn-ea"/>
+                <a:cs typeface="Courier New" panose="02070309020205020404" pitchFamily="49" charset="0"/>
+              </a:rPr>
+              <a:t>req_request_id</a:t>
+            </a:r>
+            <a:r>
+              <a:rPr lang="en-US" sz="1200" kern="1200" dirty="0" smtClean="0">
+                <a:solidFill>
+                  <a:schemeClr val="tx1"/>
+                </a:solidFill>
+                <a:latin typeface="Courier New" panose="02070309020205020404" pitchFamily="49" charset="0"/>
+                <a:ea typeface="+mn-ea"/>
+                <a:cs typeface="Courier New" panose="02070309020205020404" pitchFamily="49" charset="0"/>
+              </a:rPr>
+              <a:t>, </a:t>
+            </a:r>
+            <a:r>
+              <a:rPr lang="en-US" sz="1200" kern="1200" dirty="0" err="1" smtClean="0">
+                <a:solidFill>
+                  <a:schemeClr val="tx1"/>
+                </a:solidFill>
+                <a:latin typeface="Courier New" panose="02070309020205020404" pitchFamily="49" charset="0"/>
+                <a:ea typeface="+mn-ea"/>
+                <a:cs typeface="Courier New" panose="02070309020205020404" pitchFamily="49" charset="0"/>
+              </a:rPr>
+              <a:t>jsessions.request_id</a:t>
+            </a:r>
+            <a:r>
+              <a:rPr lang="en-US" sz="1200" kern="1200" dirty="0" smtClean="0">
+                <a:solidFill>
+                  <a:schemeClr val="tx1"/>
+                </a:solidFill>
+                <a:latin typeface="Courier New" panose="02070309020205020404" pitchFamily="49" charset="0"/>
+                <a:ea typeface="+mn-ea"/>
+                <a:cs typeface="Courier New" panose="02070309020205020404" pitchFamily="49" charset="0"/>
+              </a:rPr>
+              <a:t> </a:t>
+            </a:r>
+            <a:r>
+              <a:rPr lang="en-US" sz="1200" kern="1200" dirty="0" err="1" smtClean="0">
+                <a:solidFill>
+                  <a:schemeClr val="tx1"/>
+                </a:solidFill>
+                <a:latin typeface="Courier New" panose="02070309020205020404" pitchFamily="49" charset="0"/>
+                <a:ea typeface="+mn-ea"/>
+                <a:cs typeface="Courier New" panose="02070309020205020404" pitchFamily="49" charset="0"/>
+              </a:rPr>
+              <a:t>sess_request_id</a:t>
+            </a:r>
+            <a:r>
+              <a:rPr lang="en-US" sz="1200" kern="1200" dirty="0" smtClean="0">
+                <a:solidFill>
+                  <a:schemeClr val="tx1"/>
+                </a:solidFill>
+                <a:latin typeface="Courier New" panose="02070309020205020404" pitchFamily="49" charset="0"/>
+                <a:ea typeface="+mn-ea"/>
+                <a:cs typeface="Courier New" panose="02070309020205020404" pitchFamily="49" charset="0"/>
+              </a:rPr>
+              <a:t>, </a:t>
+            </a:r>
+            <a:r>
+              <a:rPr lang="en-US" sz="1200" kern="1200" dirty="0" err="1" smtClean="0">
+                <a:solidFill>
+                  <a:schemeClr val="tx1"/>
+                </a:solidFill>
+                <a:latin typeface="Courier New" panose="02070309020205020404" pitchFamily="49" charset="0"/>
+                <a:ea typeface="+mn-ea"/>
+                <a:cs typeface="Courier New" panose="02070309020205020404" pitchFamily="49" charset="0"/>
+              </a:rPr>
+              <a:t>requests.session_id</a:t>
+            </a:r>
+            <a:r>
+              <a:rPr lang="en-US" sz="1200" kern="1200" dirty="0" smtClean="0">
+                <a:solidFill>
+                  <a:schemeClr val="tx1"/>
+                </a:solidFill>
+                <a:latin typeface="Courier New" panose="02070309020205020404" pitchFamily="49" charset="0"/>
+                <a:ea typeface="+mn-ea"/>
+                <a:cs typeface="Courier New" panose="02070309020205020404" pitchFamily="49" charset="0"/>
+              </a:rPr>
+              <a:t>, requests.[status] </a:t>
+            </a:r>
+            <a:r>
+              <a:rPr lang="en-US" sz="1200" kern="1200" dirty="0" err="1" smtClean="0">
+                <a:solidFill>
+                  <a:schemeClr val="tx1"/>
+                </a:solidFill>
+                <a:latin typeface="Courier New" panose="02070309020205020404" pitchFamily="49" charset="0"/>
+                <a:ea typeface="+mn-ea"/>
+                <a:cs typeface="Courier New" panose="02070309020205020404" pitchFamily="49" charset="0"/>
+              </a:rPr>
+              <a:t>req_status</a:t>
+            </a:r>
+            <a:endParaRPr lang="en-US" sz="1200" kern="1200" dirty="0" smtClean="0">
+              <a:solidFill>
+                <a:schemeClr val="tx1"/>
+              </a:solidFill>
+              <a:latin typeface="Courier New" panose="02070309020205020404" pitchFamily="49" charset="0"/>
+              <a:ea typeface="+mn-ea"/>
+              <a:cs typeface="Courier New" panose="02070309020205020404" pitchFamily="49" charset="0"/>
+            </a:endParaRPr>
+          </a:p>
+          <a:p>
+            <a:r>
+              <a:rPr lang="en-US" sz="1200" kern="1200" dirty="0" smtClean="0">
+                <a:solidFill>
+                  <a:schemeClr val="tx1"/>
+                </a:solidFill>
+                <a:latin typeface="Courier New" panose="02070309020205020404" pitchFamily="49" charset="0"/>
+                <a:ea typeface="+mn-ea"/>
+                <a:cs typeface="Courier New" panose="02070309020205020404" pitchFamily="49" charset="0"/>
+              </a:rPr>
+              <a:t>      ,requests.[</a:t>
+            </a:r>
+            <a:r>
+              <a:rPr lang="en-US" sz="1200" kern="1200" dirty="0" err="1" smtClean="0">
+                <a:solidFill>
+                  <a:schemeClr val="tx1"/>
+                </a:solidFill>
+                <a:latin typeface="Courier New" panose="02070309020205020404" pitchFamily="49" charset="0"/>
+                <a:ea typeface="+mn-ea"/>
+                <a:cs typeface="Courier New" panose="02070309020205020404" pitchFamily="49" charset="0"/>
+              </a:rPr>
+              <a:t>submit_time</a:t>
+            </a:r>
+            <a:r>
+              <a:rPr lang="en-US" sz="1200" kern="1200" dirty="0" smtClean="0">
+                <a:solidFill>
+                  <a:schemeClr val="tx1"/>
+                </a:solidFill>
+                <a:latin typeface="Courier New" panose="02070309020205020404" pitchFamily="49" charset="0"/>
+                <a:ea typeface="+mn-ea"/>
+                <a:cs typeface="Courier New" panose="02070309020205020404" pitchFamily="49" charset="0"/>
+              </a:rPr>
+              <a:t>], requests.[</a:t>
+            </a:r>
+            <a:r>
+              <a:rPr lang="en-US" sz="1200" kern="1200" dirty="0" err="1" smtClean="0">
+                <a:solidFill>
+                  <a:schemeClr val="tx1"/>
+                </a:solidFill>
+                <a:latin typeface="Courier New" panose="02070309020205020404" pitchFamily="49" charset="0"/>
+                <a:ea typeface="+mn-ea"/>
+                <a:cs typeface="Courier New" panose="02070309020205020404" pitchFamily="49" charset="0"/>
+              </a:rPr>
+              <a:t>start_time</a:t>
+            </a:r>
+            <a:r>
+              <a:rPr lang="en-US" sz="1200" kern="1200" dirty="0" smtClean="0">
+                <a:solidFill>
+                  <a:schemeClr val="tx1"/>
+                </a:solidFill>
+                <a:latin typeface="Courier New" panose="02070309020205020404" pitchFamily="49" charset="0"/>
+                <a:ea typeface="+mn-ea"/>
+                <a:cs typeface="Courier New" panose="02070309020205020404" pitchFamily="49" charset="0"/>
+              </a:rPr>
+              <a:t>], requests.[</a:t>
+            </a:r>
+            <a:r>
+              <a:rPr lang="en-US" sz="1200" kern="1200" dirty="0" err="1" smtClean="0">
+                <a:solidFill>
+                  <a:schemeClr val="tx1"/>
+                </a:solidFill>
+                <a:latin typeface="Courier New" panose="02070309020205020404" pitchFamily="49" charset="0"/>
+                <a:ea typeface="+mn-ea"/>
+                <a:cs typeface="Courier New" panose="02070309020205020404" pitchFamily="49" charset="0"/>
+              </a:rPr>
+              <a:t>end_compile_time</a:t>
+            </a:r>
+            <a:r>
+              <a:rPr lang="en-US" sz="1200" kern="1200" dirty="0" smtClean="0">
+                <a:solidFill>
+                  <a:schemeClr val="tx1"/>
+                </a:solidFill>
+                <a:latin typeface="Courier New" panose="02070309020205020404" pitchFamily="49" charset="0"/>
+                <a:ea typeface="+mn-ea"/>
+                <a:cs typeface="Courier New" panose="02070309020205020404" pitchFamily="49" charset="0"/>
+              </a:rPr>
+              <a:t>], requests.[</a:t>
+            </a:r>
+            <a:r>
+              <a:rPr lang="en-US" sz="1200" kern="1200" dirty="0" err="1" smtClean="0">
+                <a:solidFill>
+                  <a:schemeClr val="tx1"/>
+                </a:solidFill>
+                <a:latin typeface="Courier New" panose="02070309020205020404" pitchFamily="49" charset="0"/>
+                <a:ea typeface="+mn-ea"/>
+                <a:cs typeface="Courier New" panose="02070309020205020404" pitchFamily="49" charset="0"/>
+              </a:rPr>
+              <a:t>end_time</a:t>
+            </a:r>
+            <a:r>
+              <a:rPr lang="en-US" sz="1200" kern="1200" dirty="0" smtClean="0">
+                <a:solidFill>
+                  <a:schemeClr val="tx1"/>
+                </a:solidFill>
+                <a:latin typeface="Courier New" panose="02070309020205020404" pitchFamily="49" charset="0"/>
+                <a:ea typeface="+mn-ea"/>
+                <a:cs typeface="Courier New" panose="02070309020205020404" pitchFamily="49" charset="0"/>
+              </a:rPr>
+              <a:t>]</a:t>
+            </a:r>
+          </a:p>
+          <a:p>
+            <a:r>
+              <a:rPr lang="en-US" sz="1200" kern="1200" dirty="0" smtClean="0">
+                <a:solidFill>
+                  <a:schemeClr val="tx1"/>
+                </a:solidFill>
+                <a:latin typeface="Courier New" panose="02070309020205020404" pitchFamily="49" charset="0"/>
+                <a:ea typeface="+mn-ea"/>
+                <a:cs typeface="Courier New" panose="02070309020205020404" pitchFamily="49" charset="0"/>
+              </a:rPr>
+              <a:t>      ,[</a:t>
+            </a:r>
+            <a:r>
+              <a:rPr lang="en-US" sz="1200" kern="1200" dirty="0" err="1" smtClean="0">
+                <a:solidFill>
+                  <a:schemeClr val="tx1"/>
+                </a:solidFill>
+                <a:latin typeface="Courier New" panose="02070309020205020404" pitchFamily="49" charset="0"/>
+                <a:ea typeface="+mn-ea"/>
+                <a:cs typeface="Courier New" panose="02070309020205020404" pitchFamily="49" charset="0"/>
+              </a:rPr>
+              <a:t>total_elapsed_time</a:t>
+            </a:r>
+            <a:r>
+              <a:rPr lang="en-US" sz="1200" kern="1200" dirty="0" smtClean="0">
+                <a:solidFill>
+                  <a:schemeClr val="tx1"/>
+                </a:solidFill>
+                <a:latin typeface="Courier New" panose="02070309020205020404" pitchFamily="49" charset="0"/>
+                <a:ea typeface="+mn-ea"/>
+                <a:cs typeface="Courier New" panose="02070309020205020404" pitchFamily="49" charset="0"/>
+              </a:rPr>
+              <a:t>] --,[</a:t>
+            </a:r>
+            <a:r>
+              <a:rPr lang="en-US" sz="1200" kern="1200" dirty="0" err="1" smtClean="0">
+                <a:solidFill>
+                  <a:schemeClr val="tx1"/>
+                </a:solidFill>
+                <a:latin typeface="Courier New" panose="02070309020205020404" pitchFamily="49" charset="0"/>
+                <a:ea typeface="+mn-ea"/>
+                <a:cs typeface="Courier New" panose="02070309020205020404" pitchFamily="49" charset="0"/>
+              </a:rPr>
+              <a:t>total_elapsed_time</a:t>
+            </a:r>
+            <a:r>
+              <a:rPr lang="en-US" sz="1200" kern="1200" dirty="0" smtClean="0">
+                <a:solidFill>
+                  <a:schemeClr val="tx1"/>
+                </a:solidFill>
+                <a:latin typeface="Courier New" panose="02070309020205020404" pitchFamily="49" charset="0"/>
+                <a:ea typeface="+mn-ea"/>
+                <a:cs typeface="Courier New" panose="02070309020205020404" pitchFamily="49" charset="0"/>
+              </a:rPr>
+              <a:t>]/1000 as [Seconds]</a:t>
+            </a:r>
+          </a:p>
+          <a:p>
+            <a:r>
+              <a:rPr lang="en-US" sz="1200" kern="1200" dirty="0" smtClean="0">
+                <a:solidFill>
+                  <a:schemeClr val="tx1"/>
+                </a:solidFill>
+                <a:latin typeface="Courier New" panose="02070309020205020404" pitchFamily="49" charset="0"/>
+                <a:ea typeface="+mn-ea"/>
+                <a:cs typeface="Courier New" panose="02070309020205020404" pitchFamily="49" charset="0"/>
+              </a:rPr>
+              <a:t>      ,[</a:t>
+            </a:r>
+            <a:r>
+              <a:rPr lang="en-US" sz="1200" kern="1200" dirty="0" err="1" smtClean="0">
+                <a:solidFill>
+                  <a:schemeClr val="tx1"/>
+                </a:solidFill>
+                <a:latin typeface="Courier New" panose="02070309020205020404" pitchFamily="49" charset="0"/>
+                <a:ea typeface="+mn-ea"/>
+                <a:cs typeface="Courier New" panose="02070309020205020404" pitchFamily="49" charset="0"/>
+              </a:rPr>
+              <a:t>total_elapsed_time</a:t>
+            </a:r>
+            <a:r>
+              <a:rPr lang="en-US" sz="1200" kern="1200" dirty="0" smtClean="0">
+                <a:solidFill>
+                  <a:schemeClr val="tx1"/>
+                </a:solidFill>
+                <a:latin typeface="Courier New" panose="02070309020205020404" pitchFamily="49" charset="0"/>
+                <a:ea typeface="+mn-ea"/>
+                <a:cs typeface="Courier New" panose="02070309020205020404" pitchFamily="49" charset="0"/>
+              </a:rPr>
+              <a:t>]/1000/60 as [Minutes]</a:t>
+            </a:r>
+          </a:p>
+          <a:p>
+            <a:r>
+              <a:rPr lang="en-US" sz="1200" kern="1200" dirty="0" smtClean="0">
+                <a:solidFill>
+                  <a:schemeClr val="tx1"/>
+                </a:solidFill>
+                <a:latin typeface="Courier New" panose="02070309020205020404" pitchFamily="49" charset="0"/>
+                <a:ea typeface="+mn-ea"/>
+                <a:cs typeface="Courier New" panose="02070309020205020404" pitchFamily="49" charset="0"/>
+              </a:rPr>
+              <a:t>      ,[label], [</a:t>
+            </a:r>
+            <a:r>
+              <a:rPr lang="en-US" sz="1200" kern="1200" dirty="0" err="1" smtClean="0">
+                <a:solidFill>
+                  <a:schemeClr val="tx1"/>
+                </a:solidFill>
+                <a:latin typeface="Courier New" panose="02070309020205020404" pitchFamily="49" charset="0"/>
+                <a:ea typeface="+mn-ea"/>
+                <a:cs typeface="Courier New" panose="02070309020205020404" pitchFamily="49" charset="0"/>
+              </a:rPr>
+              <a:t>error_id</a:t>
+            </a:r>
+            <a:r>
+              <a:rPr lang="en-US" sz="1200" kern="1200" dirty="0" smtClean="0">
+                <a:solidFill>
+                  <a:schemeClr val="tx1"/>
+                </a:solidFill>
+                <a:latin typeface="Courier New" panose="02070309020205020404" pitchFamily="49" charset="0"/>
+                <a:ea typeface="+mn-ea"/>
+                <a:cs typeface="Courier New" panose="02070309020205020404" pitchFamily="49" charset="0"/>
+              </a:rPr>
+              <a:t>], [</a:t>
+            </a:r>
+            <a:r>
+              <a:rPr lang="en-US" sz="1200" kern="1200" dirty="0" err="1" smtClean="0">
+                <a:solidFill>
+                  <a:schemeClr val="tx1"/>
+                </a:solidFill>
+                <a:latin typeface="Courier New" panose="02070309020205020404" pitchFamily="49" charset="0"/>
+                <a:ea typeface="+mn-ea"/>
+                <a:cs typeface="Courier New" panose="02070309020205020404" pitchFamily="49" charset="0"/>
+              </a:rPr>
+              <a:t>database_id</a:t>
+            </a:r>
+            <a:r>
+              <a:rPr lang="en-US" sz="1200" kern="1200" dirty="0" smtClean="0">
+                <a:solidFill>
+                  <a:schemeClr val="tx1"/>
+                </a:solidFill>
+                <a:latin typeface="Courier New" panose="02070309020205020404" pitchFamily="49" charset="0"/>
+                <a:ea typeface="+mn-ea"/>
+                <a:cs typeface="Courier New" panose="02070309020205020404" pitchFamily="49" charset="0"/>
+              </a:rPr>
+              <a:t>], [command], [</a:t>
+            </a:r>
+            <a:r>
+              <a:rPr lang="en-US" sz="1200" kern="1200" dirty="0" err="1" smtClean="0">
+                <a:solidFill>
+                  <a:schemeClr val="tx1"/>
+                </a:solidFill>
+                <a:latin typeface="Courier New" panose="02070309020205020404" pitchFamily="49" charset="0"/>
+                <a:ea typeface="+mn-ea"/>
+                <a:cs typeface="Courier New" panose="02070309020205020404" pitchFamily="49" charset="0"/>
+              </a:rPr>
+              <a:t>resource_class</a:t>
+            </a:r>
+            <a:r>
+              <a:rPr lang="en-US" sz="1200" kern="1200" dirty="0" smtClean="0">
+                <a:solidFill>
+                  <a:schemeClr val="tx1"/>
+                </a:solidFill>
+                <a:latin typeface="Courier New" panose="02070309020205020404" pitchFamily="49" charset="0"/>
+                <a:ea typeface="+mn-ea"/>
+                <a:cs typeface="Courier New" panose="02070309020205020404" pitchFamily="49" charset="0"/>
+              </a:rPr>
+              <a:t>], </a:t>
+            </a:r>
+            <a:r>
+              <a:rPr lang="en-US" sz="1200" kern="1200" dirty="0" err="1" smtClean="0">
+                <a:solidFill>
+                  <a:schemeClr val="tx1"/>
+                </a:solidFill>
+                <a:latin typeface="Courier New" panose="02070309020205020404" pitchFamily="49" charset="0"/>
+                <a:ea typeface="+mn-ea"/>
+                <a:cs typeface="Courier New" panose="02070309020205020404" pitchFamily="49" charset="0"/>
+              </a:rPr>
+              <a:t>jsessions.status</a:t>
+            </a:r>
+            <a:r>
+              <a:rPr lang="en-US" sz="1200" kern="1200" dirty="0" smtClean="0">
+                <a:solidFill>
+                  <a:schemeClr val="tx1"/>
+                </a:solidFill>
+                <a:latin typeface="Courier New" panose="02070309020205020404" pitchFamily="49" charset="0"/>
+                <a:ea typeface="+mn-ea"/>
+                <a:cs typeface="Courier New" panose="02070309020205020404" pitchFamily="49" charset="0"/>
+              </a:rPr>
+              <a:t> </a:t>
+            </a:r>
+            <a:r>
+              <a:rPr lang="en-US" sz="1200" kern="1200" dirty="0" err="1" smtClean="0">
+                <a:solidFill>
+                  <a:schemeClr val="tx1"/>
+                </a:solidFill>
+                <a:latin typeface="Courier New" panose="02070309020205020404" pitchFamily="49" charset="0"/>
+                <a:ea typeface="+mn-ea"/>
+                <a:cs typeface="Courier New" panose="02070309020205020404" pitchFamily="49" charset="0"/>
+              </a:rPr>
+              <a:t>sess_status</a:t>
+            </a:r>
+            <a:r>
+              <a:rPr lang="en-US" sz="1200" kern="1200" dirty="0" smtClean="0">
+                <a:solidFill>
+                  <a:schemeClr val="tx1"/>
+                </a:solidFill>
+                <a:latin typeface="Courier New" panose="02070309020205020404" pitchFamily="49" charset="0"/>
+                <a:ea typeface="+mn-ea"/>
+                <a:cs typeface="Courier New" panose="02070309020205020404" pitchFamily="49" charset="0"/>
+              </a:rPr>
+              <a:t>, </a:t>
+            </a:r>
+            <a:r>
+              <a:rPr lang="en-US" sz="1200" kern="1200" dirty="0" err="1" smtClean="0">
+                <a:solidFill>
+                  <a:schemeClr val="tx1"/>
+                </a:solidFill>
+                <a:latin typeface="Courier New" panose="02070309020205020404" pitchFamily="49" charset="0"/>
+                <a:ea typeface="+mn-ea"/>
+                <a:cs typeface="Courier New" panose="02070309020205020404" pitchFamily="49" charset="0"/>
+              </a:rPr>
+              <a:t>jsessions.login_name</a:t>
+            </a:r>
+            <a:endParaRPr lang="en-US" sz="1200" kern="1200" dirty="0" smtClean="0">
+              <a:solidFill>
+                <a:schemeClr val="tx1"/>
+              </a:solidFill>
+              <a:latin typeface="Courier New" panose="02070309020205020404" pitchFamily="49" charset="0"/>
+              <a:ea typeface="+mn-ea"/>
+              <a:cs typeface="Courier New" panose="02070309020205020404" pitchFamily="49" charset="0"/>
+            </a:endParaRPr>
+          </a:p>
+          <a:p>
+            <a:r>
+              <a:rPr lang="en-US" sz="1200" kern="1200" smtClean="0">
+                <a:solidFill>
+                  <a:schemeClr val="tx1"/>
+                </a:solidFill>
+                <a:latin typeface="Courier New" panose="02070309020205020404" pitchFamily="49" charset="0"/>
+                <a:ea typeface="+mn-ea"/>
+                <a:cs typeface="Courier New" panose="02070309020205020404" pitchFamily="49" charset="0"/>
+              </a:rPr>
+              <a:t>      ,</a:t>
+            </a:r>
+            <a:r>
+              <a:rPr lang="en-US" sz="1200" kern="1200" dirty="0" err="1" smtClean="0">
+                <a:solidFill>
+                  <a:schemeClr val="tx1"/>
+                </a:solidFill>
+                <a:latin typeface="Courier New" panose="02070309020205020404" pitchFamily="49" charset="0"/>
+                <a:ea typeface="+mn-ea"/>
+                <a:cs typeface="Courier New" panose="02070309020205020404" pitchFamily="49" charset="0"/>
+              </a:rPr>
+              <a:t>jsessions.login_time</a:t>
+            </a:r>
+            <a:r>
+              <a:rPr lang="en-US" sz="1200" kern="1200" dirty="0" smtClean="0">
+                <a:solidFill>
+                  <a:schemeClr val="tx1"/>
+                </a:solidFill>
+                <a:latin typeface="Courier New" panose="02070309020205020404" pitchFamily="49" charset="0"/>
+                <a:ea typeface="+mn-ea"/>
+                <a:cs typeface="Courier New" panose="02070309020205020404" pitchFamily="49" charset="0"/>
+              </a:rPr>
+              <a:t>, </a:t>
+            </a:r>
+            <a:r>
+              <a:rPr lang="en-US" sz="1200" kern="1200" dirty="0" err="1" smtClean="0">
+                <a:solidFill>
+                  <a:schemeClr val="tx1"/>
+                </a:solidFill>
+                <a:latin typeface="Courier New" panose="02070309020205020404" pitchFamily="49" charset="0"/>
+                <a:ea typeface="+mn-ea"/>
+                <a:cs typeface="Courier New" panose="02070309020205020404" pitchFamily="49" charset="0"/>
+              </a:rPr>
+              <a:t>jsessions.Query_count</a:t>
+            </a:r>
+            <a:r>
+              <a:rPr lang="en-US" sz="1200" kern="1200" dirty="0" smtClean="0">
+                <a:solidFill>
+                  <a:schemeClr val="tx1"/>
+                </a:solidFill>
+                <a:latin typeface="Courier New" panose="02070309020205020404" pitchFamily="49" charset="0"/>
+                <a:ea typeface="+mn-ea"/>
+                <a:cs typeface="Courier New" panose="02070309020205020404" pitchFamily="49" charset="0"/>
+              </a:rPr>
+              <a:t>, </a:t>
+            </a:r>
+            <a:r>
+              <a:rPr lang="en-US" sz="1200" kern="1200" dirty="0" err="1" smtClean="0">
+                <a:solidFill>
+                  <a:schemeClr val="tx1"/>
+                </a:solidFill>
+                <a:latin typeface="Courier New" panose="02070309020205020404" pitchFamily="49" charset="0"/>
+                <a:ea typeface="+mn-ea"/>
+                <a:cs typeface="Courier New" panose="02070309020205020404" pitchFamily="49" charset="0"/>
+              </a:rPr>
+              <a:t>jsessions.client_id</a:t>
+            </a:r>
+            <a:r>
+              <a:rPr lang="en-US" sz="1200" kern="1200" dirty="0" smtClean="0">
+                <a:solidFill>
+                  <a:schemeClr val="tx1"/>
+                </a:solidFill>
+                <a:latin typeface="Courier New" panose="02070309020205020404" pitchFamily="49" charset="0"/>
+                <a:ea typeface="+mn-ea"/>
+                <a:cs typeface="Courier New" panose="02070309020205020404" pitchFamily="49" charset="0"/>
+              </a:rPr>
+              <a:t>, </a:t>
+            </a:r>
+            <a:r>
+              <a:rPr lang="en-US" sz="1200" kern="1200" dirty="0" err="1" smtClean="0">
+                <a:solidFill>
+                  <a:schemeClr val="tx1"/>
+                </a:solidFill>
+                <a:latin typeface="Courier New" panose="02070309020205020404" pitchFamily="49" charset="0"/>
+                <a:ea typeface="+mn-ea"/>
+                <a:cs typeface="Courier New" panose="02070309020205020404" pitchFamily="49" charset="0"/>
+              </a:rPr>
+              <a:t>jsessions</a:t>
+            </a:r>
+            <a:r>
+              <a:rPr lang="en-US" sz="1200" kern="1200" dirty="0" smtClean="0">
+                <a:solidFill>
+                  <a:schemeClr val="tx1"/>
+                </a:solidFill>
+                <a:latin typeface="Courier New" panose="02070309020205020404" pitchFamily="49" charset="0"/>
+                <a:ea typeface="+mn-ea"/>
+                <a:cs typeface="Courier New" panose="02070309020205020404" pitchFamily="49" charset="0"/>
+              </a:rPr>
+              <a:t>.[</a:t>
+            </a:r>
+            <a:r>
+              <a:rPr lang="en-US" sz="1200" kern="1200" dirty="0" err="1" smtClean="0">
+                <a:solidFill>
+                  <a:schemeClr val="tx1"/>
+                </a:solidFill>
+                <a:latin typeface="Courier New" panose="02070309020205020404" pitchFamily="49" charset="0"/>
+                <a:ea typeface="+mn-ea"/>
+                <a:cs typeface="Courier New" panose="02070309020205020404" pitchFamily="49" charset="0"/>
+              </a:rPr>
+              <a:t>app_name</a:t>
+            </a:r>
+            <a:r>
+              <a:rPr lang="en-US" sz="1200" kern="1200" dirty="0" smtClean="0">
+                <a:solidFill>
+                  <a:schemeClr val="tx1"/>
+                </a:solidFill>
+                <a:latin typeface="Courier New" panose="02070309020205020404" pitchFamily="49" charset="0"/>
+                <a:ea typeface="+mn-ea"/>
+                <a:cs typeface="Courier New" panose="02070309020205020404" pitchFamily="49" charset="0"/>
+              </a:rPr>
+              <a:t>], </a:t>
+            </a:r>
+            <a:r>
+              <a:rPr lang="en-US" sz="1200" kern="1200" dirty="0" err="1" smtClean="0">
+                <a:solidFill>
+                  <a:schemeClr val="tx1"/>
+                </a:solidFill>
+                <a:latin typeface="Courier New" panose="02070309020205020404" pitchFamily="49" charset="0"/>
+                <a:ea typeface="+mn-ea"/>
+                <a:cs typeface="Courier New" panose="02070309020205020404" pitchFamily="49" charset="0"/>
+              </a:rPr>
+              <a:t>jsessions.sql_spid</a:t>
+            </a:r>
+            <a:endParaRPr lang="en-US" sz="1200" kern="1200" dirty="0" smtClean="0">
+              <a:solidFill>
+                <a:schemeClr val="tx1"/>
+              </a:solidFill>
+              <a:latin typeface="Courier New" panose="02070309020205020404" pitchFamily="49" charset="0"/>
+              <a:ea typeface="+mn-ea"/>
+              <a:cs typeface="Courier New" panose="02070309020205020404" pitchFamily="49" charset="0"/>
+            </a:endParaRPr>
+          </a:p>
+          <a:p>
+            <a:r>
+              <a:rPr lang="en-US" sz="1200" kern="1200" dirty="0" smtClean="0">
+                <a:solidFill>
+                  <a:schemeClr val="tx1"/>
+                </a:solidFill>
+                <a:latin typeface="Courier New" panose="02070309020205020404" pitchFamily="49" charset="0"/>
+                <a:ea typeface="+mn-ea"/>
+                <a:cs typeface="Courier New" panose="02070309020205020404" pitchFamily="49" charset="0"/>
+              </a:rPr>
+              <a:t>FROM </a:t>
+            </a:r>
+            <a:r>
+              <a:rPr lang="en-US" sz="1200" kern="1200" dirty="0" err="1" smtClean="0">
+                <a:solidFill>
+                  <a:schemeClr val="tx1"/>
+                </a:solidFill>
+                <a:latin typeface="Courier New" panose="02070309020205020404" pitchFamily="49" charset="0"/>
+                <a:ea typeface="+mn-ea"/>
+                <a:cs typeface="Courier New" panose="02070309020205020404" pitchFamily="49" charset="0"/>
+              </a:rPr>
+              <a:t>sys.dm_pdw_exec_requests</a:t>
+            </a:r>
+            <a:r>
+              <a:rPr lang="en-US" sz="1200" kern="1200" dirty="0" smtClean="0">
+                <a:solidFill>
+                  <a:schemeClr val="tx1"/>
+                </a:solidFill>
+                <a:latin typeface="Courier New" panose="02070309020205020404" pitchFamily="49" charset="0"/>
+                <a:ea typeface="+mn-ea"/>
+                <a:cs typeface="Courier New" panose="02070309020205020404" pitchFamily="49" charset="0"/>
+              </a:rPr>
+              <a:t> requests</a:t>
+            </a:r>
+          </a:p>
+          <a:p>
+            <a:r>
+              <a:rPr lang="en-US" sz="1200" kern="1200" dirty="0" smtClean="0">
+                <a:solidFill>
+                  <a:schemeClr val="tx1"/>
+                </a:solidFill>
+                <a:latin typeface="Courier New" panose="02070309020205020404" pitchFamily="49" charset="0"/>
+                <a:ea typeface="+mn-ea"/>
+                <a:cs typeface="Courier New" panose="02070309020205020404" pitchFamily="49" charset="0"/>
+              </a:rPr>
+              <a:t>Join </a:t>
+            </a:r>
+            <a:r>
+              <a:rPr lang="en-US" sz="1200" kern="1200" dirty="0" err="1" smtClean="0">
+                <a:solidFill>
+                  <a:schemeClr val="tx1"/>
+                </a:solidFill>
+                <a:latin typeface="Courier New" panose="02070309020205020404" pitchFamily="49" charset="0"/>
+                <a:ea typeface="+mn-ea"/>
+                <a:cs typeface="Courier New" panose="02070309020205020404" pitchFamily="49" charset="0"/>
+              </a:rPr>
+              <a:t>sys.dm_pdw_exec_sessions</a:t>
+            </a:r>
+            <a:r>
+              <a:rPr lang="en-US" sz="1200" kern="1200" dirty="0" smtClean="0">
+                <a:solidFill>
+                  <a:schemeClr val="tx1"/>
+                </a:solidFill>
+                <a:latin typeface="Courier New" panose="02070309020205020404" pitchFamily="49" charset="0"/>
+                <a:ea typeface="+mn-ea"/>
+                <a:cs typeface="Courier New" panose="02070309020205020404" pitchFamily="49" charset="0"/>
+              </a:rPr>
+              <a:t> </a:t>
+            </a:r>
+            <a:r>
+              <a:rPr lang="en-US" sz="1200" kern="1200" dirty="0" err="1" smtClean="0">
+                <a:solidFill>
+                  <a:schemeClr val="tx1"/>
+                </a:solidFill>
+                <a:latin typeface="Courier New" panose="02070309020205020404" pitchFamily="49" charset="0"/>
+                <a:ea typeface="+mn-ea"/>
+                <a:cs typeface="Courier New" panose="02070309020205020404" pitchFamily="49" charset="0"/>
+              </a:rPr>
+              <a:t>jsessions</a:t>
+            </a:r>
+            <a:r>
+              <a:rPr lang="en-US" sz="1200" kern="1200" dirty="0" smtClean="0">
+                <a:solidFill>
+                  <a:schemeClr val="tx1"/>
+                </a:solidFill>
+                <a:latin typeface="Courier New" panose="02070309020205020404" pitchFamily="49" charset="0"/>
+                <a:ea typeface="+mn-ea"/>
+                <a:cs typeface="Courier New" panose="02070309020205020404" pitchFamily="49" charset="0"/>
+              </a:rPr>
+              <a:t> on </a:t>
+            </a:r>
+            <a:r>
+              <a:rPr lang="en-US" sz="1200" kern="1200" dirty="0" err="1" smtClean="0">
+                <a:solidFill>
+                  <a:schemeClr val="tx1"/>
+                </a:solidFill>
+                <a:latin typeface="Courier New" panose="02070309020205020404" pitchFamily="49" charset="0"/>
+                <a:ea typeface="+mn-ea"/>
+                <a:cs typeface="Courier New" panose="02070309020205020404" pitchFamily="49" charset="0"/>
+              </a:rPr>
+              <a:t>jsessions.session_id</a:t>
+            </a:r>
+            <a:r>
+              <a:rPr lang="en-US" sz="1200" kern="1200" dirty="0" smtClean="0">
+                <a:solidFill>
+                  <a:schemeClr val="tx1"/>
+                </a:solidFill>
+                <a:latin typeface="Courier New" panose="02070309020205020404" pitchFamily="49" charset="0"/>
+                <a:ea typeface="+mn-ea"/>
+                <a:cs typeface="Courier New" panose="02070309020205020404" pitchFamily="49" charset="0"/>
+              </a:rPr>
+              <a:t> = </a:t>
+            </a:r>
+            <a:r>
+              <a:rPr lang="en-US" sz="1200" kern="1200" dirty="0" err="1" smtClean="0">
+                <a:solidFill>
+                  <a:schemeClr val="tx1"/>
+                </a:solidFill>
+                <a:latin typeface="Courier New" panose="02070309020205020404" pitchFamily="49" charset="0"/>
+                <a:ea typeface="+mn-ea"/>
+                <a:cs typeface="Courier New" panose="02070309020205020404" pitchFamily="49" charset="0"/>
+              </a:rPr>
+              <a:t>requests.session_id</a:t>
+            </a:r>
+            <a:endParaRPr lang="en-US" sz="1200" kern="1200" dirty="0" smtClean="0">
+              <a:solidFill>
+                <a:schemeClr val="tx1"/>
+              </a:solidFill>
+              <a:latin typeface="Courier New" panose="02070309020205020404" pitchFamily="49" charset="0"/>
+              <a:ea typeface="+mn-ea"/>
+              <a:cs typeface="Courier New" panose="02070309020205020404" pitchFamily="49" charset="0"/>
+            </a:endParaRPr>
+          </a:p>
+          <a:p>
+            <a:r>
+              <a:rPr lang="en-US" sz="1200" kern="1200" dirty="0" smtClean="0">
+                <a:solidFill>
+                  <a:schemeClr val="tx1"/>
+                </a:solidFill>
+                <a:latin typeface="Courier New" panose="02070309020205020404" pitchFamily="49" charset="0"/>
+                <a:ea typeface="+mn-ea"/>
+                <a:cs typeface="Courier New" panose="02070309020205020404" pitchFamily="49" charset="0"/>
+              </a:rPr>
+              <a:t>WHERE 1=1 --</a:t>
+            </a:r>
+            <a:r>
+              <a:rPr lang="en-US" sz="1200" kern="1200" dirty="0" err="1" smtClean="0">
+                <a:solidFill>
+                  <a:schemeClr val="tx1"/>
+                </a:solidFill>
+                <a:latin typeface="Courier New" panose="02070309020205020404" pitchFamily="49" charset="0"/>
+                <a:ea typeface="+mn-ea"/>
+                <a:cs typeface="Courier New" panose="02070309020205020404" pitchFamily="49" charset="0"/>
+              </a:rPr>
+              <a:t>requests.status</a:t>
+            </a:r>
+            <a:r>
+              <a:rPr lang="en-US" sz="1200" kern="1200" dirty="0" smtClean="0">
+                <a:solidFill>
+                  <a:schemeClr val="tx1"/>
+                </a:solidFill>
+                <a:latin typeface="Courier New" panose="02070309020205020404" pitchFamily="49" charset="0"/>
+                <a:ea typeface="+mn-ea"/>
+                <a:cs typeface="Courier New" panose="02070309020205020404" pitchFamily="49" charset="0"/>
+              </a:rPr>
+              <a:t> not in ('</a:t>
+            </a:r>
+            <a:r>
+              <a:rPr lang="en-US" sz="1200" kern="1200" dirty="0" err="1" smtClean="0">
+                <a:solidFill>
+                  <a:schemeClr val="tx1"/>
+                </a:solidFill>
+                <a:latin typeface="Courier New" panose="02070309020205020404" pitchFamily="49" charset="0"/>
+                <a:ea typeface="+mn-ea"/>
+                <a:cs typeface="Courier New" panose="02070309020205020404" pitchFamily="49" charset="0"/>
+              </a:rPr>
+              <a:t>Completed','Failed','Cancelled</a:t>
+            </a:r>
+            <a:r>
+              <a:rPr lang="en-US" sz="1200" kern="1200" dirty="0" smtClean="0">
+                <a:solidFill>
+                  <a:schemeClr val="tx1"/>
+                </a:solidFill>
+                <a:latin typeface="Courier New" panose="02070309020205020404" pitchFamily="49" charset="0"/>
+                <a:ea typeface="+mn-ea"/>
+                <a:cs typeface="Courier New" panose="02070309020205020404" pitchFamily="49" charset="0"/>
+              </a:rPr>
+              <a:t>')</a:t>
+            </a:r>
+          </a:p>
+          <a:p>
+            <a:r>
+              <a:rPr lang="en-US" sz="1200" kern="1200" dirty="0" smtClean="0">
+                <a:solidFill>
+                  <a:schemeClr val="tx1"/>
+                </a:solidFill>
+                <a:latin typeface="Courier New" panose="02070309020205020404" pitchFamily="49" charset="0"/>
+                <a:ea typeface="+mn-ea"/>
+                <a:cs typeface="Courier New" panose="02070309020205020404" pitchFamily="49" charset="0"/>
+              </a:rPr>
+              <a:t>  AND </a:t>
+            </a:r>
+            <a:r>
+              <a:rPr lang="en-US" sz="1200" kern="1200" dirty="0" err="1" smtClean="0">
+                <a:solidFill>
+                  <a:schemeClr val="tx1"/>
+                </a:solidFill>
+                <a:latin typeface="Courier New" panose="02070309020205020404" pitchFamily="49" charset="0"/>
+                <a:ea typeface="+mn-ea"/>
+                <a:cs typeface="Courier New" panose="02070309020205020404" pitchFamily="49" charset="0"/>
+              </a:rPr>
+              <a:t>requests.session_id</a:t>
+            </a:r>
+            <a:r>
+              <a:rPr lang="en-US" sz="1200" kern="1200" dirty="0" smtClean="0">
+                <a:solidFill>
+                  <a:schemeClr val="tx1"/>
+                </a:solidFill>
+                <a:latin typeface="Courier New" panose="02070309020205020404" pitchFamily="49" charset="0"/>
+                <a:ea typeface="+mn-ea"/>
+                <a:cs typeface="Courier New" panose="02070309020205020404" pitchFamily="49" charset="0"/>
+              </a:rPr>
+              <a:t> &lt;&gt; </a:t>
+            </a:r>
+            <a:r>
+              <a:rPr lang="en-US" sz="1200" kern="1200" dirty="0" err="1" smtClean="0">
+                <a:solidFill>
+                  <a:schemeClr val="tx1"/>
+                </a:solidFill>
+                <a:latin typeface="Courier New" panose="02070309020205020404" pitchFamily="49" charset="0"/>
+                <a:ea typeface="+mn-ea"/>
+                <a:cs typeface="Courier New" panose="02070309020205020404" pitchFamily="49" charset="0"/>
+              </a:rPr>
+              <a:t>session_id</a:t>
+            </a:r>
+            <a:r>
+              <a:rPr lang="en-US" sz="1200" kern="1200" dirty="0" smtClean="0">
+                <a:solidFill>
+                  <a:schemeClr val="tx1"/>
+                </a:solidFill>
+                <a:latin typeface="Courier New" panose="02070309020205020404" pitchFamily="49" charset="0"/>
+                <a:ea typeface="+mn-ea"/>
+                <a:cs typeface="Courier New" panose="02070309020205020404" pitchFamily="49" charset="0"/>
+              </a:rPr>
+              <a:t>()</a:t>
+            </a:r>
+          </a:p>
+          <a:p>
+            <a:r>
+              <a:rPr lang="en-US" sz="1200" kern="1200" dirty="0" smtClean="0">
+                <a:solidFill>
+                  <a:schemeClr val="tx1"/>
+                </a:solidFill>
+                <a:latin typeface="Courier New" panose="02070309020205020404" pitchFamily="49" charset="0"/>
+                <a:ea typeface="+mn-ea"/>
+                <a:cs typeface="Courier New" panose="02070309020205020404" pitchFamily="49" charset="0"/>
+              </a:rPr>
+              <a:t>  and </a:t>
+            </a:r>
+            <a:r>
+              <a:rPr lang="en-US" sz="1200" kern="1200" dirty="0" err="1" smtClean="0">
+                <a:solidFill>
+                  <a:schemeClr val="tx1"/>
+                </a:solidFill>
+                <a:latin typeface="Courier New" panose="02070309020205020404" pitchFamily="49" charset="0"/>
+                <a:ea typeface="+mn-ea"/>
+                <a:cs typeface="Courier New" panose="02070309020205020404" pitchFamily="49" charset="0"/>
+              </a:rPr>
+              <a:t>jsessions.sql_spid</a:t>
+            </a:r>
+            <a:r>
+              <a:rPr lang="en-US" sz="1200" kern="1200" dirty="0" smtClean="0">
+                <a:solidFill>
+                  <a:schemeClr val="tx1"/>
+                </a:solidFill>
+                <a:latin typeface="Courier New" panose="02070309020205020404" pitchFamily="49" charset="0"/>
+                <a:ea typeface="+mn-ea"/>
+                <a:cs typeface="Courier New" panose="02070309020205020404" pitchFamily="49" charset="0"/>
+              </a:rPr>
+              <a:t>=237</a:t>
+            </a:r>
+          </a:p>
+          <a:p>
+            <a:r>
+              <a:rPr lang="en-US" sz="1200" kern="1200" dirty="0" smtClean="0">
+                <a:solidFill>
+                  <a:schemeClr val="tx1"/>
+                </a:solidFill>
+                <a:latin typeface="Courier New" panose="02070309020205020404" pitchFamily="49" charset="0"/>
+                <a:ea typeface="+mn-ea"/>
+                <a:cs typeface="Courier New" panose="02070309020205020404" pitchFamily="49" charset="0"/>
+              </a:rPr>
+              <a:t>  and </a:t>
+            </a:r>
+            <a:r>
+              <a:rPr lang="en-US" sz="1200" kern="1200" dirty="0" err="1" smtClean="0">
+                <a:solidFill>
+                  <a:schemeClr val="tx1"/>
+                </a:solidFill>
+                <a:latin typeface="Courier New" panose="02070309020205020404" pitchFamily="49" charset="0"/>
+                <a:ea typeface="+mn-ea"/>
+                <a:cs typeface="Courier New" panose="02070309020205020404" pitchFamily="49" charset="0"/>
+              </a:rPr>
+              <a:t>submit_time</a:t>
+            </a:r>
+            <a:r>
+              <a:rPr lang="en-US" sz="1200" kern="1200" dirty="0" smtClean="0">
+                <a:solidFill>
+                  <a:schemeClr val="tx1"/>
+                </a:solidFill>
+                <a:latin typeface="Courier New" panose="02070309020205020404" pitchFamily="49" charset="0"/>
+                <a:ea typeface="+mn-ea"/>
+                <a:cs typeface="Courier New" panose="02070309020205020404" pitchFamily="49" charset="0"/>
+              </a:rPr>
+              <a:t> &gt; </a:t>
+            </a:r>
+            <a:r>
+              <a:rPr lang="en-US" sz="1200" kern="1200" dirty="0" err="1" smtClean="0">
+                <a:solidFill>
+                  <a:schemeClr val="tx1"/>
+                </a:solidFill>
+                <a:latin typeface="Courier New" panose="02070309020205020404" pitchFamily="49" charset="0"/>
+                <a:ea typeface="+mn-ea"/>
+                <a:cs typeface="Courier New" panose="02070309020205020404" pitchFamily="49" charset="0"/>
+              </a:rPr>
+              <a:t>getdate</a:t>
+            </a:r>
+            <a:r>
+              <a:rPr lang="en-US" sz="1200" kern="1200" dirty="0" smtClean="0">
+                <a:solidFill>
+                  <a:schemeClr val="tx1"/>
+                </a:solidFill>
+                <a:latin typeface="Courier New" panose="02070309020205020404" pitchFamily="49" charset="0"/>
+                <a:ea typeface="+mn-ea"/>
+                <a:cs typeface="Courier New" panose="02070309020205020404" pitchFamily="49" charset="0"/>
+              </a:rPr>
+              <a:t>() -.25</a:t>
+            </a:r>
+          </a:p>
+          <a:p>
+            <a:r>
+              <a:rPr lang="en-US" sz="1200" kern="1200" dirty="0" smtClean="0">
+                <a:solidFill>
+                  <a:schemeClr val="tx1"/>
+                </a:solidFill>
+                <a:latin typeface="Courier New" panose="02070309020205020404" pitchFamily="49" charset="0"/>
+                <a:ea typeface="+mn-ea"/>
+                <a:cs typeface="Courier New" panose="02070309020205020404" pitchFamily="49" charset="0"/>
+              </a:rPr>
+              <a:t>ORDER BY </a:t>
+            </a:r>
+            <a:r>
+              <a:rPr lang="en-US" sz="1200" kern="1200" dirty="0" err="1" smtClean="0">
+                <a:solidFill>
+                  <a:schemeClr val="tx1"/>
+                </a:solidFill>
+                <a:latin typeface="Courier New" panose="02070309020205020404" pitchFamily="49" charset="0"/>
+                <a:ea typeface="+mn-ea"/>
+                <a:cs typeface="Courier New" panose="02070309020205020404" pitchFamily="49" charset="0"/>
+              </a:rPr>
+              <a:t>submit_time</a:t>
+            </a:r>
+            <a:r>
+              <a:rPr lang="en-US" sz="1200" kern="1200" dirty="0" smtClean="0">
+                <a:solidFill>
+                  <a:schemeClr val="tx1"/>
+                </a:solidFill>
+                <a:latin typeface="Courier New" panose="02070309020205020404" pitchFamily="49" charset="0"/>
+                <a:ea typeface="+mn-ea"/>
+                <a:cs typeface="Courier New" panose="02070309020205020404" pitchFamily="49" charset="0"/>
+              </a:rPr>
+              <a:t> DESC</a:t>
+            </a:r>
+            <a:endParaRPr lang="en-US" dirty="0" smtClean="0">
+              <a:latin typeface="Courier New" panose="02070309020205020404" pitchFamily="49" charset="0"/>
+              <a:cs typeface="Courier New" panose="02070309020205020404" pitchFamily="49" charset="0"/>
+            </a:endParaRPr>
           </a:p>
         </p:txBody>
       </p:sp>
@@ -4317,13 +7229,8 @@
             </a:pPr>
             <a:r>
               <a:rPr lang="en-US" sz="1200" dirty="0" smtClean="0"/>
-              <a:t>Email:	</a:t>
-            </a:r>
-            <a:r>
-              <a:rPr lang="en-US" sz="1200" dirty="0" smtClean="0"/>
-              <a:t>Beth.Wolfset@insight.com</a:t>
-            </a:r>
-            <a:endParaRPr lang="en-US" sz="1200" dirty="0" smtClean="0"/>
+              <a:t>Email:	Beth.Wolfset@insight.com</a:t>
+            </a:r>
           </a:p>
           <a:p>
             <a:pPr>
@@ -4342,7 +7249,43 @@
               <a:rPr lang="en-US" sz="1200" dirty="0" smtClean="0"/>
               <a:t>bswolfset@gmail.com </a:t>
             </a:r>
-            <a:endParaRPr lang="en-US" sz="1200" dirty="0" smtClean="0"/>
+          </a:p>
+        </p:txBody>
+      </p:sp>
+      <p:sp>
+        <p:nvSpPr>
+          <p:cNvPr id="5" name="Rectangle 4"/>
+          <p:cNvSpPr/>
+          <p:nvPr/>
+        </p:nvSpPr>
+        <p:spPr>
+          <a:xfrm>
+            <a:off x="5172954" y="4788611"/>
+            <a:ext cx="4060920" cy="300082"/>
+          </a:xfrm>
+          <a:prstGeom prst="rect">
+            <a:avLst/>
+          </a:prstGeom>
+        </p:spPr>
+        <p:txBody>
+          <a:bodyPr wrap="none">
+            <a:spAutoFit/>
+          </a:bodyPr>
+          <a:lstStyle/>
+          <a:p>
+            <a:r>
+              <a:rPr lang="en-US" dirty="0">
+                <a:hlinkClick r:id=""/>
+              </a:rPr>
+              <a:t>https</a:t>
+            </a:r>
+            <a:r>
+              <a:rPr lang="en-US" dirty="0">
+                <a:hlinkClick r:id="rId3"/>
+              </a:rPr>
+              <a:t>://github.com/BSWolfset/PresentationSlidedecks</a:t>
+            </a:r>
+            <a:endParaRPr lang="en-US" dirty="0"/>
           </a:p>
         </p:txBody>
       </p:sp>
@@ -5843,11 +8786,7 @@
             <a:pPr algn="ctr"/>
             <a:r>
               <a:rPr lang="en-US" dirty="0" smtClean="0"/>
-              <a:t>Azure </a:t>
-            </a:r>
-            <a:r>
-              <a:rPr lang="en-US" dirty="0" smtClean="0"/>
-              <a:t>Data Warehouse</a:t>
+              <a:t>Azure Data Warehouse</a:t>
             </a:r>
             <a:endParaRPr lang="en-US" dirty="0"/>
           </a:p>
@@ -8691,11 +11630,7 @@
             <a:p>
               <a:r>
                 <a:rPr lang="en-US" dirty="0"/>
-                <a:t>11012</a:t>
-              </a:r>
-              <a:r>
-                <a:rPr lang="en-US" dirty="0"/>
-                <a:t>	</a:t>
+                <a:t>11012	</a:t>
               </a:r>
               <a:r>
                 <a:rPr lang="en-US" dirty="0" smtClean="0"/>
@@ -9309,11 +12244,7 @@
           <a:p>
             <a:r>
               <a:rPr lang="en-US" dirty="0" smtClean="0"/>
-              <a:t>ADW Tables: </a:t>
-            </a:r>
-            <a:r>
-              <a:rPr lang="en-US" dirty="0" smtClean="0"/>
-              <a:t>Distribution &amp; Storage</a:t>
+              <a:t>ADW Tables: Distribution &amp; Storage</a:t>
             </a:r>
             <a:endParaRPr lang="en-US" dirty="0"/>
           </a:p>
@@ -9931,15 +12862,7 @@
                       </a:r>
                       <a:r>
                         <a:rPr lang="en-US" sz="1400" baseline="0" dirty="0" smtClean="0"/>
-                        <a:t> based on quality and health.  Rebuild CCI </a:t>
-                      </a:r>
-                      <a:r>
-                        <a:rPr lang="en-US" sz="1400" baseline="0" dirty="0" smtClean="0"/>
-                        <a:t>with extra </a:t>
-                      </a:r>
-                      <a:r>
-                        <a:rPr lang="en-US" sz="1400" baseline="0" dirty="0" smtClean="0"/>
-                        <a:t>large resource class</a:t>
+                        <a:t> based on quality and health.  Rebuild CCI with extra large resource class</a:t>
                       </a:r>
                     </a:p>
                     <a:p>
@@ -10205,8 +13128,8 @@
         </p:nvSpPr>
         <p:spPr>
           <a:xfrm>
-            <a:off x="2301499" y="1174755"/>
-            <a:ext cx="4807598" cy="1169551"/>
+            <a:off x="64006" y="1252246"/>
+            <a:ext cx="8452314" cy="2677656"/>
           </a:xfrm>
           <a:prstGeom prst="rect">
             <a:avLst/>
@@ -10214,94 +13137,94 @@
           <a:noFill/>
         </p:spPr>
         <p:txBody>
-          <a:bodyPr wrap="none" rtlCol="0">
+          <a:bodyPr wrap="square" rtlCol="0">
             <a:spAutoFit/>
           </a:bodyPr>
           <a:lstStyle/>
           <a:p>
             <a:r>
-              <a:rPr lang="en-US" sz="1400" dirty="0"/>
+              <a:rPr lang="en-US" sz="2800" dirty="0"/>
               <a:t>Every day I’m </a:t>
             </a:r>
             <a:r>
-              <a:rPr lang="en-US" sz="1400" dirty="0" err="1" smtClean="0"/>
+              <a:rPr lang="en-US" sz="2800" dirty="0" err="1" smtClean="0"/>
               <a:t>shufflin</a:t>
             </a:r>
             <a:r>
-              <a:rPr lang="en-US" sz="1400" dirty="0" smtClean="0"/>
+              <a:rPr lang="en-US" sz="2800" dirty="0" smtClean="0"/>
               <a:t>‘, </a:t>
             </a:r>
           </a:p>
           <a:p>
             <a:r>
-              <a:rPr lang="en-US" sz="1400" dirty="0" err="1" smtClean="0"/>
+              <a:rPr lang="en-US" sz="2800" dirty="0" err="1" smtClean="0"/>
               <a:t>Shufflin</a:t>
             </a:r>
             <a:r>
-              <a:rPr lang="en-US" sz="1400" dirty="0"/>
+              <a:rPr lang="en-US" sz="2800" dirty="0"/>
               <a:t>', </a:t>
             </a:r>
             <a:r>
-              <a:rPr lang="en-US" sz="1400" dirty="0" err="1"/>
+              <a:rPr lang="en-US" sz="2800" dirty="0" err="1"/>
               <a:t>shufflin</a:t>
             </a:r>
             <a:r>
-              <a:rPr lang="en-US" sz="1400" dirty="0"/>
+              <a:rPr lang="en-US" sz="2800" dirty="0"/>
               <a:t>'</a:t>
             </a:r>
           </a:p>
           <a:p>
             <a:r>
-              <a:rPr lang="en-US" sz="1400" dirty="0"/>
+              <a:rPr lang="en-US" sz="2800" dirty="0"/>
               <a:t>Step up fast and be the first </a:t>
             </a:r>
             <a:r>
-              <a:rPr lang="en-US" sz="1400" dirty="0" smtClean="0"/>
+              <a:rPr lang="en-US" sz="2800" dirty="0" smtClean="0"/>
               <a:t>query </a:t>
             </a:r>
             <a:r>
-              <a:rPr lang="en-US" sz="1400" dirty="0"/>
+              <a:rPr lang="en-US" sz="2800" dirty="0"/>
               <a:t>to make me throw this </a:t>
             </a:r>
             <a:r>
-              <a:rPr lang="en-US" sz="1400" dirty="0" smtClean="0"/>
+              <a:rPr lang="en-US" sz="2800" dirty="0" smtClean="0"/>
               <a:t>cache</a:t>
             </a:r>
             <a:r>
-              <a:rPr lang="en-US" sz="1400" dirty="0"/>
+              <a:rPr lang="en-US" sz="2800" dirty="0"/>
               <a:t/>
             </a:r>
             <a:br>
-              <a:rPr lang="en-US" sz="1400" dirty="0"/>
+              <a:rPr lang="en-US" sz="2800" dirty="0"/>
             </a:br>
             <a:r>
-              <a:rPr lang="en-US" sz="1400" dirty="0"/>
+              <a:rPr lang="en-US" sz="2800" dirty="0"/>
               <a:t>We get </a:t>
             </a:r>
             <a:r>
-              <a:rPr lang="en-US" sz="1400" dirty="0" smtClean="0"/>
+              <a:rPr lang="en-US" sz="2800" dirty="0" smtClean="0"/>
               <a:t>memory </a:t>
             </a:r>
             <a:r>
-              <a:rPr lang="en-US" sz="1400" dirty="0"/>
+              <a:rPr lang="en-US" sz="2800" dirty="0"/>
               <a:t>don’t be mad, now stop</a:t>
             </a:r>
             <a:br>
-              <a:rPr lang="en-US" sz="1400" dirty="0"/>
+              <a:rPr lang="en-US" sz="2800" dirty="0"/>
             </a:br>
             <a:r>
-              <a:rPr lang="en-US" sz="1400" dirty="0" smtClean="0"/>
+              <a:rPr lang="en-US" sz="2800" dirty="0" smtClean="0"/>
               <a:t>Data Movement </a:t>
             </a:r>
             <a:r>
-              <a:rPr lang="en-US" sz="1400" dirty="0"/>
+              <a:rPr lang="en-US" sz="2800" dirty="0"/>
               <a:t>is </a:t>
             </a:r>
             <a:r>
-              <a:rPr lang="en-US" sz="1400" dirty="0" smtClean="0"/>
+              <a:rPr lang="en-US" sz="2800" dirty="0" smtClean="0"/>
               <a:t>bad</a:t>
             </a:r>
-            <a:endParaRPr lang="en-US" sz="1400" dirty="0"/>
+            <a:endParaRPr lang="en-US" sz="2800" dirty="0"/>
           </a:p>
         </p:txBody>
       </p:sp>
@@ -10507,11 +13430,7 @@
                       </a:r>
                       <a:r>
                         <a:rPr lang="en-US" sz="1400" baseline="0" dirty="0" smtClean="0"/>
-                        <a:t> </a:t>
-                      </a:r>
-                      <a:r>
-                        <a:rPr lang="en-US" sz="1400" baseline="0" dirty="0" smtClean="0"/>
-                        <a:t>Hash Algorithm </a:t>
+                        <a:t> Hash Algorithm </a:t>
                       </a:r>
                       <a:r>
                         <a:rPr lang="en-US" sz="1400" baseline="0" dirty="0" smtClean="0">
@@ -10521,11 +13440,7 @@
                       </a:r>
                       <a:r>
                         <a:rPr lang="en-US" sz="1400" baseline="0" dirty="0" smtClean="0"/>
-                        <a:t> </a:t>
-                      </a:r>
-                      <a:r>
-                        <a:rPr lang="en-US" sz="1400" baseline="0" dirty="0" smtClean="0"/>
-                        <a:t>New Distribution</a:t>
+                        <a:t> New Distribution</a:t>
                       </a:r>
                     </a:p>
                     <a:p>
@@ -10588,11 +13503,7 @@
                       </a:r>
                       <a:r>
                         <a:rPr lang="en-US" sz="1400" baseline="0" dirty="0" smtClean="0"/>
-                        <a:t> </a:t>
-                      </a:r>
-                      <a:r>
-                        <a:rPr lang="en-US" sz="1400" baseline="0" dirty="0" smtClean="0"/>
-                        <a:t>Replicated (copy to all compute nodes)</a:t>
+                        <a:t> Replicated (copy to all compute nodes)</a:t>
                       </a:r>
                       <a:endParaRPr lang="en-US" sz="1400" dirty="0"/>
                     </a:p>
@@ -10645,11 +13556,7 @@
                       </a:r>
                       <a:r>
                         <a:rPr lang="en-US" sz="1400" dirty="0" smtClean="0"/>
-                        <a:t> </a:t>
-                      </a:r>
-                      <a:r>
-                        <a:rPr lang="en-US" sz="1400" dirty="0" smtClean="0"/>
-                        <a:t>Control Node</a:t>
+                        <a:t> Control Node</a:t>
                       </a:r>
                     </a:p>
                     <a:p>
@@ -10716,11 +13623,7 @@
                       </a:r>
                       <a:r>
                         <a:rPr lang="en-US" sz="1400" baseline="0" dirty="0" smtClean="0"/>
-                        <a:t> </a:t>
-                      </a:r>
-                      <a:r>
-                        <a:rPr lang="en-US" sz="1400" baseline="0" dirty="0" smtClean="0"/>
-                        <a:t>Hash Algorithm </a:t>
+                        <a:t> Hash Algorithm </a:t>
                       </a:r>
                       <a:r>
                         <a:rPr lang="en-US" sz="1400" baseline="0" dirty="0" smtClean="0">
@@ -10730,11 +13633,7 @@
                       </a:r>
                       <a:r>
                         <a:rPr lang="en-US" sz="1400" baseline="0" dirty="0" smtClean="0"/>
-                        <a:t> </a:t>
-                      </a:r>
-                      <a:r>
-                        <a:rPr lang="en-US" sz="1400" baseline="0" dirty="0" smtClean="0"/>
-                        <a:t>New Distribution</a:t>
+                        <a:t> New Distribution</a:t>
                       </a:r>
                     </a:p>
                     <a:p>
@@ -10792,11 +13691,7 @@
                       </a:r>
                       <a:r>
                         <a:rPr lang="en-US" sz="1400" dirty="0" smtClean="0"/>
-                        <a:t> </a:t>
-                      </a:r>
-                      <a:r>
-                        <a:rPr lang="en-US" sz="1400" dirty="0" smtClean="0"/>
-                        <a:t>Round Robin Algorithm </a:t>
+                        <a:t> Round Robin Algorithm </a:t>
                       </a:r>
                       <a:r>
                         <a:rPr lang="en-US" sz="1400" dirty="0" smtClean="0">
@@ -10806,11 +13701,7 @@
                       </a:r>
                       <a:r>
                         <a:rPr lang="en-US" sz="1400" dirty="0" smtClean="0"/>
-                        <a:t> </a:t>
-                      </a:r>
-                      <a:r>
-                        <a:rPr lang="en-US" sz="1400" dirty="0" smtClean="0"/>
-                        <a:t>Round Robin</a:t>
+                        <a:t> Round Robin</a:t>
                       </a:r>
                       <a:r>
                         <a:rPr lang="en-US" sz="1400" baseline="0" dirty="0" smtClean="0"/>
@@ -10871,11 +13762,7 @@
                       </a:r>
                       <a:r>
                         <a:rPr lang="en-US" sz="1400" baseline="0" dirty="0" smtClean="0"/>
-                        <a:t> </a:t>
-                      </a:r>
-                      <a:r>
-                        <a:rPr lang="en-US" sz="1400" baseline="0" dirty="0" smtClean="0"/>
-                        <a:t>Replicated</a:t>
+                        <a:t> Replicated</a:t>
                       </a:r>
                     </a:p>
                     <a:p>
@@ -12542,9 +15429,12 @@
 </file>
 
 <file path=customXml/item1.xml><?xml version="1.0" encoding="utf-8"?>
-<p:properties xmlns:p="http://schemas.microsoft.com/office/2006/metadata/properties" xmlns:xsi="http://www.w3.org/2001/XMLSchema-instance" xmlns:pc="http://schemas.microsoft.com/office/infopath/2007/PartnerControls">
-  <documentManagement/>
-</p:properties>
+<?mso-contentType ?>
+<FormTemplates xmlns="http://schemas.microsoft.com/sharepoint/v3/contenttype/forms">
+  <Display>DocumentLibraryForm</Display>
+  <Edit>DocumentLibraryForm</Edit>
+  <New>DocumentLibraryForm</New>
+</FormTemplates>
 </file>
 
 <file path=customXml/item2.xml><?xml version="1.0" encoding="utf-8"?>
@@ -12747,27 +15637,15 @@
 </file>
 
 <file path=customXml/item3.xml><?xml version="1.0" encoding="utf-8"?>
-<?mso-contentType ?>
-<FormTemplates xmlns="http://schemas.microsoft.com/sharepoint/v3/contenttype/forms">
-  <Display>DocumentLibraryForm</Display>
-  <Edit>DocumentLibraryForm</Edit>
-  <New>DocumentLibraryForm</New>
-</FormTemplates>
+<p:properties xmlns:p="http://schemas.microsoft.com/office/2006/metadata/properties" xmlns:xsi="http://www.w3.org/2001/XMLSchema-instance" xmlns:pc="http://schemas.microsoft.com/office/infopath/2007/PartnerControls">
+  <documentManagement/>
+</p:properties>
 </file>
 
 <file path=customXml/itemProps1.xml><?xml version="1.0" encoding="utf-8"?>
-<ds:datastoreItem xmlns:ds="http://schemas.openxmlformats.org/officeDocument/2006/customXml" ds:itemID="{E714266F-2521-4BD1-B40E-70FEF353EEC2}">
+<ds:datastoreItem xmlns:ds="http://schemas.openxmlformats.org/officeDocument/2006/customXml" ds:itemID="{3A734002-4F6D-49CF-AA2C-43521C1FC708}">
   <ds:schemaRefs>
-    <ds:schemaRef ds:uri="http://purl.org/dc/elements/1.1/"/>
-    <ds:schemaRef ds:uri="http://schemas.microsoft.com/office/2006/metadata/properties"/>
-    <ds:schemaRef ds:uri="68201248-332f-4b19-a564-5b53df1aa731"/>
-    <ds:schemaRef ds:uri="http://purl.org/dc/terms/"/>
-    <ds:schemaRef ds:uri="http://schemas.openxmlformats.org/package/2006/metadata/core-properties"/>
-    <ds:schemaRef ds:uri="http://schemas.microsoft.com/office/2006/documentManagement/types"/>
-    <ds:schemaRef ds:uri="http://schemas.microsoft.com/office/infopath/2007/PartnerControls"/>
-    <ds:schemaRef ds:uri="2c4b7055-2425-4510-9a7f-db214c51849b"/>
-    <ds:schemaRef ds:uri="http://www.w3.org/XML/1998/namespace"/>
-    <ds:schemaRef ds:uri="http://purl.org/dc/dcmitype/"/>
+    <ds:schemaRef ds:uri="http://schemas.microsoft.com/sharepoint/v3/contenttype/forms"/>
   </ds:schemaRefs>
 </ds:datastoreItem>
 </file>
@@ -12792,9 +15670,18 @@
 </file>
 
 <file path=customXml/itemProps3.xml><?xml version="1.0" encoding="utf-8"?>
-<ds:datastoreItem xmlns:ds="http://schemas.openxmlformats.org/officeDocument/2006/customXml" ds:itemID="{3A734002-4F6D-49CF-AA2C-43521C1FC708}">
+<ds:datastoreItem xmlns:ds="http://schemas.openxmlformats.org/officeDocument/2006/customXml" ds:itemID="{E714266F-2521-4BD1-B40E-70FEF353EEC2}">
   <ds:schemaRefs>
-    <ds:schemaRef ds:uri="http://schemas.microsoft.com/sharepoint/v3/contenttype/forms"/>
+    <ds:schemaRef ds:uri="http://purl.org/dc/elements/1.1/"/>
+    <ds:schemaRef ds:uri="http://schemas.microsoft.com/office/2006/metadata/properties"/>
+    <ds:schemaRef ds:uri="68201248-332f-4b19-a564-5b53df1aa731"/>
+    <ds:schemaRef ds:uri="http://purl.org/dc/terms/"/>
+    <ds:schemaRef ds:uri="http://schemas.openxmlformats.org/package/2006/metadata/core-properties"/>
+    <ds:schemaRef ds:uri="http://schemas.microsoft.com/office/2006/documentManagement/types"/>
+    <ds:schemaRef ds:uri="http://schemas.microsoft.com/office/infopath/2007/PartnerControls"/>
+    <ds:schemaRef ds:uri="2c4b7055-2425-4510-9a7f-db214c51849b"/>
+    <ds:schemaRef ds:uri="http://www.w3.org/XML/1998/namespace"/>
+    <ds:schemaRef ds:uri="http://purl.org/dc/dcmitype/"/>
   </ds:schemaRefs>
 </ds:datastoreItem>
 </file>
--- a/DesigningForADWPerformance.pptx
+++ b/DesigningForADWPerformance.pptx
@@ -209,7 +209,7 @@
           <a:p>
             <a:fld id="{C32C5C26-E110-0243-8E14-F778A7F15B4B}" type="datetimeFigureOut">
               <a:rPr lang="en-US" smtClean="0"/>
-              <a:t>4/26/2019</a:t>
+              <a:t>7/21/2019</a:t>
             </a:fld>
             <a:endParaRPr lang="en-US"/>
           </a:p>
@@ -521,80 +521,66 @@
           <a:lstStyle/>
           <a:p>
             <a:r>
-              <a:rPr lang="en-US" dirty="0" smtClean="0"/>
+              <a:rPr lang="en-US" dirty="0"/>
               <a:t>Azure Data Fest – </a:t>
             </a:r>
             <a:r>
-              <a:rPr lang="en-US" i="1" dirty="0" smtClean="0"/>
+              <a:rPr lang="en-US" i="1" dirty="0"/>
               <a:t>Designing</a:t>
             </a:r>
             <a:r>
-              <a:rPr lang="en-US" i="1" baseline="0" dirty="0" smtClean="0"/>
+              <a:rPr lang="en-US" i="1" baseline="0" dirty="0"/>
               <a:t> for Azure Data Warehouse Performance </a:t>
             </a:r>
             <a:r>
-              <a:rPr lang="en-US" baseline="0" dirty="0" smtClean="0"/>
+              <a:rPr lang="en-US" baseline="0" dirty="0"/>
               <a:t>- </a:t>
             </a:r>
             <a:r>
-              <a:rPr lang="en-US" dirty="0" smtClean="0"/>
+              <a:rPr lang="en-US" dirty="0"/>
               <a:t>Jan</a:t>
             </a:r>
             <a:r>
-              <a:rPr lang="en-US" baseline="0" dirty="0" smtClean="0"/>
-              <a:t> </a:t>
-            </a:r>
-            <a:r>
-              <a:rPr lang="en-US" baseline="0" dirty="0" smtClean="0"/>
-              <a:t>9, 2019</a:t>
-            </a:r>
-          </a:p>
-          <a:p>
-            <a:r>
-              <a:rPr lang="en-US" baseline="0" dirty="0" smtClean="0"/>
+              <a:rPr lang="en-US" baseline="0" dirty="0"/>
+              <a:t> 9, 2019</a:t>
+            </a:r>
+          </a:p>
+          <a:p>
+            <a:r>
+              <a:rPr lang="en-US" baseline="0" dirty="0"/>
               <a:t>SQL Saturday #813 – Boston BI Edition – </a:t>
             </a:r>
             <a:r>
-              <a:rPr lang="en-US" i="1" dirty="0" smtClean="0"/>
+              <a:rPr lang="en-US" i="1" dirty="0"/>
               <a:t>Designing</a:t>
             </a:r>
             <a:r>
-              <a:rPr lang="en-US" i="1" baseline="0" dirty="0" smtClean="0"/>
+              <a:rPr lang="en-US" i="1" baseline="0" dirty="0"/>
               <a:t> for Azure Data Warehouse Performance - </a:t>
             </a:r>
             <a:r>
-              <a:rPr lang="en-US" baseline="0" dirty="0" smtClean="0"/>
-              <a:t>March </a:t>
-            </a:r>
-            <a:r>
-              <a:rPr lang="en-US" baseline="0" dirty="0" smtClean="0"/>
-              <a:t>30, </a:t>
-            </a:r>
-            <a:r>
-              <a:rPr lang="en-US" baseline="0" dirty="0" smtClean="0"/>
-              <a:t>2019</a:t>
-            </a:r>
-          </a:p>
-          <a:p>
-            <a:r>
-              <a:rPr lang="en-US" baseline="0" dirty="0" smtClean="0"/>
-              <a:t>Azure Global </a:t>
-            </a:r>
-            <a:r>
-              <a:rPr lang="en-US" baseline="0" dirty="0" err="1" smtClean="0"/>
-              <a:t>Bootcamp</a:t>
-            </a:r>
-            <a:r>
-              <a:rPr lang="en-US" baseline="0" dirty="0" smtClean="0"/>
-              <a:t> – Burlington – </a:t>
-            </a:r>
-            <a:r>
-              <a:rPr lang="en-US" i="1" baseline="0" dirty="0" smtClean="0"/>
+              <a:rPr lang="en-US" baseline="0" dirty="0"/>
+              <a:t>March 30, 2019</a:t>
+            </a:r>
+          </a:p>
+          <a:p>
+            <a:r>
+              <a:rPr lang="en-US" baseline="0" dirty="0"/>
+              <a:t>Azure Global Bootcamp – Burlington – </a:t>
+            </a:r>
+            <a:r>
+              <a:rPr lang="en-US" i="1" baseline="0" dirty="0"/>
               <a:t>Azure Data Warehouse Primer </a:t>
             </a:r>
             <a:r>
-              <a:rPr lang="en-US" baseline="0" dirty="0" smtClean="0"/>
+              <a:rPr lang="en-US" baseline="0" dirty="0"/>
               <a:t>– April 27, 2019</a:t>
+            </a:r>
+          </a:p>
+          <a:p>
+            <a:r>
+              <a:rPr lang="en-US" baseline="0" dirty="0"/>
+              <a:t>PASS Cloud Virtual Group – August 1, 2019</a:t>
             </a:r>
             <a:endParaRPr lang="en-US" dirty="0"/>
           </a:p>
@@ -681,20 +667,20 @@
           <a:lstStyle/>
           <a:p>
             <a:r>
-              <a:rPr lang="en-US" dirty="0" smtClean="0"/>
+              <a:rPr lang="en-US" dirty="0"/>
               <a:t>SSMS – be on the latest version</a:t>
             </a:r>
           </a:p>
           <a:p>
-            <a:endParaRPr lang="en-US" dirty="0" smtClean="0"/>
-          </a:p>
-          <a:p>
-            <a:r>
-              <a:rPr lang="en-US" dirty="0" err="1" smtClean="0"/>
+            <a:endParaRPr lang="en-US" dirty="0"/>
+          </a:p>
+          <a:p>
+            <a:r>
+              <a:rPr lang="en-US" dirty="0" err="1"/>
               <a:t>AdventureWorks</a:t>
             </a:r>
             <a:r>
-              <a:rPr lang="en-US" dirty="0" smtClean="0"/>
+              <a:rPr lang="en-US" dirty="0"/>
               <a:t> DW</a:t>
             </a:r>
           </a:p>
@@ -704,7 +690,7 @@
               <a:buChar char="•"/>
             </a:pPr>
             <a:r>
-              <a:rPr lang="en-US" dirty="0" smtClean="0"/>
+              <a:rPr lang="en-US" dirty="0"/>
               <a:t>Product Category, Product Sub Category and Product – can be one table	</a:t>
             </a:r>
           </a:p>
@@ -714,7 +700,7 @@
               <a:buChar char="•"/>
             </a:pPr>
             <a:r>
-              <a:rPr lang="en-US" dirty="0" smtClean="0"/>
+              <a:rPr lang="en-US" dirty="0"/>
               <a:t>Reseller and Internet Sales in separate tables – should be one table</a:t>
             </a:r>
           </a:p>
@@ -724,7 +710,7 @@
               <a:buChar char="•"/>
             </a:pPr>
             <a:r>
-              <a:rPr lang="en-US" dirty="0" smtClean="0"/>
+              <a:rPr lang="en-US" dirty="0"/>
               <a:t>Customer – rapidly changing dimension.  Usually can’t be replicated.  How to hash?</a:t>
             </a:r>
           </a:p>
@@ -733,7 +719,7 @@
               <a:buFont typeface="Arial" panose="020B0604020202020204" pitchFamily="34" charset="0"/>
               <a:buChar char="•"/>
             </a:pPr>
-            <a:endParaRPr lang="en-US" dirty="0" smtClean="0"/>
+            <a:endParaRPr lang="en-US" dirty="0"/>
           </a:p>
           <a:p>
             <a:pPr marL="0" indent="0">
@@ -741,13 +727,13 @@
               <a:buNone/>
             </a:pPr>
             <a:r>
-              <a:rPr lang="en-US" dirty="0" smtClean="0"/>
+              <a:rPr lang="en-US" dirty="0"/>
               <a:t>Some Queries</a:t>
             </a:r>
           </a:p>
           <a:p>
             <a:r>
-              <a:rPr lang="en-US" sz="1200" kern="1200" dirty="0" smtClean="0">
+              <a:rPr lang="en-US" sz="1200" kern="1200" dirty="0">
                 <a:solidFill>
                   <a:schemeClr val="tx1"/>
                 </a:solidFill>
@@ -760,7 +746,7 @@
           </a:p>
           <a:p>
             <a:r>
-              <a:rPr lang="en-US" sz="1200" kern="1200" dirty="0" smtClean="0">
+              <a:rPr lang="en-US" sz="1200" kern="1200" dirty="0">
                 <a:solidFill>
                   <a:schemeClr val="tx1"/>
                 </a:solidFill>
@@ -773,7 +759,7 @@
           </a:p>
           <a:p>
             <a:r>
-              <a:rPr lang="en-US" sz="1200" kern="1200" dirty="0" smtClean="0">
+              <a:rPr lang="en-US" sz="1200" kern="1200" dirty="0">
                 <a:solidFill>
                   <a:schemeClr val="tx1"/>
                 </a:solidFill>
@@ -786,7 +772,7 @@
           </a:p>
           <a:p>
             <a:r>
-              <a:rPr lang="en-US" sz="1200" kern="1200" dirty="0" smtClean="0">
+              <a:rPr lang="en-US" sz="1200" kern="1200" dirty="0">
                 <a:solidFill>
                   <a:schemeClr val="tx1"/>
                 </a:solidFill>
@@ -797,7 +783,7 @@
               <a:t>  join AdventureWorks2014.sys.schemas on </a:t>
             </a:r>
             <a:r>
-              <a:rPr lang="en-US" sz="1200" kern="1200" dirty="0" err="1" smtClean="0">
+              <a:rPr lang="en-US" sz="1200" kern="1200" dirty="0" err="1">
                 <a:solidFill>
                   <a:schemeClr val="tx1"/>
                 </a:solidFill>
@@ -808,7 +794,7 @@
               <a:t>schemas.schema_id</a:t>
             </a:r>
             <a:r>
-              <a:rPr lang="en-US" sz="1200" kern="1200" dirty="0" smtClean="0">
+              <a:rPr lang="en-US" sz="1200" kern="1200" dirty="0">
                 <a:solidFill>
                   <a:schemeClr val="tx1"/>
                 </a:solidFill>
@@ -819,7 +805,7 @@
               <a:t>=</a:t>
             </a:r>
             <a:r>
-              <a:rPr lang="en-US" sz="1200" kern="1200" dirty="0" err="1" smtClean="0">
+              <a:rPr lang="en-US" sz="1200" kern="1200" dirty="0" err="1">
                 <a:solidFill>
                   <a:schemeClr val="tx1"/>
                 </a:solidFill>
@@ -829,7 +815,7 @@
               </a:rPr>
               <a:t>tables.schema_id</a:t>
             </a:r>
-            <a:endParaRPr lang="en-US" sz="1200" kern="1200" dirty="0" smtClean="0">
+            <a:endParaRPr lang="en-US" sz="1200" kern="1200" dirty="0">
               <a:solidFill>
                 <a:schemeClr val="tx1"/>
               </a:solidFill>
@@ -840,7 +826,7 @@
           </a:p>
           <a:p>
             <a:r>
-              <a:rPr lang="en-US" sz="1200" kern="1200" dirty="0" smtClean="0">
+              <a:rPr lang="en-US" sz="1200" kern="1200" dirty="0">
                 <a:solidFill>
                   <a:schemeClr val="tx1"/>
                 </a:solidFill>
@@ -851,7 +837,7 @@
               <a:t> where </a:t>
             </a:r>
             <a:r>
-              <a:rPr lang="en-US" sz="1200" kern="1200" dirty="0" err="1" smtClean="0">
+              <a:rPr lang="en-US" sz="1200" kern="1200" dirty="0" err="1">
                 <a:solidFill>
                   <a:schemeClr val="tx1"/>
                 </a:solidFill>
@@ -862,7 +848,7 @@
               <a:t>tables.schema_id</a:t>
             </a:r>
             <a:r>
-              <a:rPr lang="en-US" sz="1200" kern="1200" dirty="0" smtClean="0">
+              <a:rPr lang="en-US" sz="1200" kern="1200" dirty="0">
                 <a:solidFill>
                   <a:schemeClr val="tx1"/>
                 </a:solidFill>
@@ -875,7 +861,7 @@
           </a:p>
           <a:p>
             <a:r>
-              <a:rPr lang="en-US" sz="1200" kern="1200" dirty="0" smtClean="0">
+              <a:rPr lang="en-US" sz="1200" kern="1200" dirty="0">
                 <a:solidFill>
                   <a:schemeClr val="tx1"/>
                 </a:solidFill>
@@ -887,7 +873,7 @@
             </a:r>
           </a:p>
           <a:p>
-            <a:endParaRPr lang="en-US" sz="1200" kern="1200" dirty="0" smtClean="0">
+            <a:endParaRPr lang="en-US" sz="1200" kern="1200" dirty="0">
               <a:solidFill>
                 <a:schemeClr val="tx1"/>
               </a:solidFill>
@@ -898,7 +884,7 @@
           </a:p>
           <a:p>
             <a:r>
-              <a:rPr lang="en-US" sz="1200" kern="1200" dirty="0" smtClean="0">
+              <a:rPr lang="en-US" sz="1200" kern="1200" dirty="0">
                 <a:solidFill>
                   <a:schemeClr val="tx1"/>
                 </a:solidFill>
@@ -911,7 +897,7 @@
           </a:p>
           <a:p>
             <a:r>
-              <a:rPr lang="en-US" sz="1200" kern="1200" dirty="0" smtClean="0">
+              <a:rPr lang="en-US" sz="1200" kern="1200" dirty="0">
                 <a:solidFill>
                   <a:schemeClr val="tx1"/>
                 </a:solidFill>
@@ -922,7 +908,7 @@
               <a:t>  from </a:t>
             </a:r>
             <a:r>
-              <a:rPr lang="en-US" sz="1200" kern="1200" dirty="0" err="1" smtClean="0">
+              <a:rPr lang="en-US" sz="1200" kern="1200" dirty="0" err="1">
                 <a:solidFill>
                   <a:schemeClr val="tx1"/>
                 </a:solidFill>
@@ -932,7 +918,7 @@
               </a:rPr>
               <a:t>AdventureWorksDW.sys.tables</a:t>
             </a:r>
-            <a:endParaRPr lang="en-US" sz="1200" kern="1200" dirty="0" smtClean="0">
+            <a:endParaRPr lang="en-US" sz="1200" kern="1200" dirty="0">
               <a:solidFill>
                 <a:schemeClr val="tx1"/>
               </a:solidFill>
@@ -943,7 +929,7 @@
           </a:p>
           <a:p>
             <a:r>
-              <a:rPr lang="en-US" sz="1200" kern="1200" dirty="0" smtClean="0">
+              <a:rPr lang="en-US" sz="1200" kern="1200" dirty="0">
                 <a:solidFill>
                   <a:schemeClr val="tx1"/>
                 </a:solidFill>
@@ -954,7 +940,7 @@
               <a:t>  join </a:t>
             </a:r>
             <a:r>
-              <a:rPr lang="en-US" sz="1200" kern="1200" dirty="0" err="1" smtClean="0">
+              <a:rPr lang="en-US" sz="1200" kern="1200" dirty="0" err="1">
                 <a:solidFill>
                   <a:schemeClr val="tx1"/>
                 </a:solidFill>
@@ -965,7 +951,7 @@
               <a:t>AdventureWorksDW.sys.schemas</a:t>
             </a:r>
             <a:r>
-              <a:rPr lang="en-US" sz="1200" kern="1200" dirty="0" smtClean="0">
+              <a:rPr lang="en-US" sz="1200" kern="1200" dirty="0">
                 <a:solidFill>
                   <a:schemeClr val="tx1"/>
                 </a:solidFill>
@@ -976,7 +962,7 @@
               <a:t> on </a:t>
             </a:r>
             <a:r>
-              <a:rPr lang="en-US" sz="1200" kern="1200" dirty="0" err="1" smtClean="0">
+              <a:rPr lang="en-US" sz="1200" kern="1200" dirty="0" err="1">
                 <a:solidFill>
                   <a:schemeClr val="tx1"/>
                 </a:solidFill>
@@ -987,7 +973,7 @@
               <a:t>schemas.schema_id</a:t>
             </a:r>
             <a:r>
-              <a:rPr lang="en-US" sz="1200" kern="1200" dirty="0" smtClean="0">
+              <a:rPr lang="en-US" sz="1200" kern="1200" dirty="0">
                 <a:solidFill>
                   <a:schemeClr val="tx1"/>
                 </a:solidFill>
@@ -998,7 +984,7 @@
               <a:t>=</a:t>
             </a:r>
             <a:r>
-              <a:rPr lang="en-US" sz="1200" kern="1200" dirty="0" err="1" smtClean="0">
+              <a:rPr lang="en-US" sz="1200" kern="1200" dirty="0" err="1">
                 <a:solidFill>
                   <a:schemeClr val="tx1"/>
                 </a:solidFill>
@@ -1008,7 +994,7 @@
               </a:rPr>
               <a:t>tables.schema_id</a:t>
             </a:r>
-            <a:endParaRPr lang="en-US" sz="1200" kern="1200" dirty="0" smtClean="0">
+            <a:endParaRPr lang="en-US" sz="1200" kern="1200" dirty="0">
               <a:solidFill>
                 <a:schemeClr val="tx1"/>
               </a:solidFill>
@@ -1019,7 +1005,7 @@
           </a:p>
           <a:p>
             <a:r>
-              <a:rPr lang="en-US" sz="1200" kern="1200" dirty="0" smtClean="0">
+              <a:rPr lang="en-US" sz="1200" kern="1200" dirty="0">
                 <a:solidFill>
                   <a:schemeClr val="tx1"/>
                 </a:solidFill>
@@ -1031,7 +1017,7 @@
             </a:r>
           </a:p>
           <a:p>
-            <a:endParaRPr lang="en-US" sz="1200" kern="1200" dirty="0" smtClean="0">
+            <a:endParaRPr lang="en-US" sz="1200" kern="1200" dirty="0">
               <a:solidFill>
                 <a:schemeClr val="tx1"/>
               </a:solidFill>
@@ -1042,7 +1028,7 @@
           </a:p>
           <a:p>
             <a:r>
-              <a:rPr lang="en-US" sz="1200" kern="1200" dirty="0" smtClean="0">
+              <a:rPr lang="en-US" sz="1200" kern="1200" dirty="0">
                 <a:solidFill>
                   <a:schemeClr val="tx1"/>
                 </a:solidFill>
@@ -1055,7 +1041,7 @@
           </a:p>
           <a:p>
             <a:r>
-              <a:rPr lang="en-US" sz="1200" kern="1200" dirty="0" smtClean="0">
+              <a:rPr lang="en-US" sz="1200" kern="1200" dirty="0">
                 <a:solidFill>
                   <a:schemeClr val="tx1"/>
                 </a:solidFill>
@@ -1068,7 +1054,7 @@
           </a:p>
           <a:p>
             <a:r>
-              <a:rPr lang="en-US" sz="1200" kern="1200" dirty="0" smtClean="0">
+              <a:rPr lang="en-US" sz="1200" kern="1200" dirty="0">
                 <a:solidFill>
                   <a:schemeClr val="tx1"/>
                 </a:solidFill>
@@ -1079,7 +1065,7 @@
               <a:t>FROM [</a:t>
             </a:r>
             <a:r>
-              <a:rPr lang="en-US" sz="1200" kern="1200" dirty="0" err="1" smtClean="0">
+              <a:rPr lang="en-US" sz="1200" kern="1200" dirty="0" err="1">
                 <a:solidFill>
                   <a:schemeClr val="tx1"/>
                 </a:solidFill>
@@ -1090,7 +1076,7 @@
               <a:t>dbo</a:t>
             </a:r>
             <a:r>
-              <a:rPr lang="en-US" sz="1200" kern="1200" dirty="0" smtClean="0">
+              <a:rPr lang="en-US" sz="1200" kern="1200" dirty="0">
                 <a:solidFill>
                   <a:schemeClr val="tx1"/>
                 </a:solidFill>
@@ -1101,7 +1087,7 @@
               <a:t>].[</a:t>
             </a:r>
             <a:r>
-              <a:rPr lang="en-US" sz="1200" kern="1200" dirty="0" err="1" smtClean="0">
+              <a:rPr lang="en-US" sz="1200" kern="1200" dirty="0" err="1">
                 <a:solidFill>
                   <a:schemeClr val="tx1"/>
                 </a:solidFill>
@@ -1112,7 +1098,7 @@
               <a:t>DimProductCategory</a:t>
             </a:r>
             <a:r>
-              <a:rPr lang="en-US" sz="1200" kern="1200" dirty="0" smtClean="0">
+              <a:rPr lang="en-US" sz="1200" kern="1200" dirty="0">
                 <a:solidFill>
                   <a:schemeClr val="tx1"/>
                 </a:solidFill>
@@ -1125,7 +1111,7 @@
           </a:p>
           <a:p>
             <a:r>
-              <a:rPr lang="en-US" sz="1200" kern="1200" dirty="0" smtClean="0">
+              <a:rPr lang="en-US" sz="1200" kern="1200" dirty="0">
                 <a:solidFill>
                   <a:schemeClr val="tx1"/>
                 </a:solidFill>
@@ -1136,7 +1122,7 @@
               <a:t>OPTION (LABEL = 'BSW </a:t>
             </a:r>
             <a:r>
-              <a:rPr lang="en-US" sz="1200" kern="1200" dirty="0" err="1" smtClean="0">
+              <a:rPr lang="en-US" sz="1200" kern="1200" dirty="0" err="1">
                 <a:solidFill>
                   <a:schemeClr val="tx1"/>
                 </a:solidFill>
@@ -1147,7 +1133,7 @@
               <a:t>Qry</a:t>
             </a:r>
             <a:r>
-              <a:rPr lang="en-US" sz="1200" kern="1200" dirty="0" smtClean="0">
+              <a:rPr lang="en-US" sz="1200" kern="1200" dirty="0">
                 <a:solidFill>
                   <a:schemeClr val="tx1"/>
                 </a:solidFill>
@@ -1158,7 +1144,7 @@
               <a:t> </a:t>
             </a:r>
             <a:r>
-              <a:rPr lang="en-US" sz="1200" kern="1200" dirty="0" err="1" smtClean="0">
+              <a:rPr lang="en-US" sz="1200" kern="1200" dirty="0" err="1">
                 <a:solidFill>
                   <a:schemeClr val="tx1"/>
                 </a:solidFill>
@@ -1169,7 +1155,7 @@
               <a:t>ProductCategory</a:t>
             </a:r>
             <a:r>
-              <a:rPr lang="en-US" sz="1200" kern="1200" dirty="0" smtClean="0">
+              <a:rPr lang="en-US" sz="1200" kern="1200" dirty="0">
                 <a:solidFill>
                   <a:schemeClr val="tx1"/>
                 </a:solidFill>
@@ -1181,7 +1167,7 @@
             </a:r>
           </a:p>
           <a:p>
-            <a:endParaRPr lang="en-US" sz="1200" kern="1200" dirty="0" smtClean="0">
+            <a:endParaRPr lang="en-US" sz="1200" kern="1200" dirty="0">
               <a:solidFill>
                 <a:schemeClr val="tx1"/>
               </a:solidFill>
@@ -1192,7 +1178,7 @@
           </a:p>
           <a:p>
             <a:r>
-              <a:rPr lang="en-US" sz="1200" kern="1200" dirty="0" smtClean="0">
+              <a:rPr lang="en-US" sz="1200" kern="1200" dirty="0">
                 <a:solidFill>
                   <a:schemeClr val="tx1"/>
                 </a:solidFill>
@@ -1205,7 +1191,7 @@
           </a:p>
           <a:p>
             <a:r>
-              <a:rPr lang="en-US" sz="1200" kern="1200" dirty="0" smtClean="0">
+              <a:rPr lang="en-US" sz="1200" kern="1200" dirty="0">
                 <a:solidFill>
                   <a:schemeClr val="tx1"/>
                 </a:solidFill>
@@ -1216,7 +1202,7 @@
               <a:t>FROM [</a:t>
             </a:r>
             <a:r>
-              <a:rPr lang="en-US" sz="1200" kern="1200" dirty="0" err="1" smtClean="0">
+              <a:rPr lang="en-US" sz="1200" kern="1200" dirty="0" err="1">
                 <a:solidFill>
                   <a:schemeClr val="tx1"/>
                 </a:solidFill>
@@ -1227,7 +1213,7 @@
               <a:t>dbo</a:t>
             </a:r>
             <a:r>
-              <a:rPr lang="en-US" sz="1200" kern="1200" dirty="0" smtClean="0">
+              <a:rPr lang="en-US" sz="1200" kern="1200" dirty="0">
                 <a:solidFill>
                   <a:schemeClr val="tx1"/>
                 </a:solidFill>
@@ -1238,7 +1224,7 @@
               <a:t>].[</a:t>
             </a:r>
             <a:r>
-              <a:rPr lang="en-US" sz="1200" kern="1200" dirty="0" err="1" smtClean="0">
+              <a:rPr lang="en-US" sz="1200" kern="1200" dirty="0" err="1">
                 <a:solidFill>
                   <a:schemeClr val="tx1"/>
                 </a:solidFill>
@@ -1249,7 +1235,7 @@
               <a:t>DimProductSubCategory</a:t>
             </a:r>
             <a:r>
-              <a:rPr lang="en-US" sz="1200" kern="1200" dirty="0" smtClean="0">
+              <a:rPr lang="en-US" sz="1200" kern="1200" dirty="0">
                 <a:solidFill>
                   <a:schemeClr val="tx1"/>
                 </a:solidFill>
@@ -1262,7 +1248,7 @@
           </a:p>
           <a:p>
             <a:r>
-              <a:rPr lang="en-US" sz="1200" kern="1200" dirty="0" smtClean="0">
+              <a:rPr lang="en-US" sz="1200" kern="1200" dirty="0">
                 <a:solidFill>
                   <a:schemeClr val="tx1"/>
                 </a:solidFill>
@@ -1273,7 +1259,7 @@
               <a:t>OPTION (LABEL = 'BSW </a:t>
             </a:r>
             <a:r>
-              <a:rPr lang="en-US" sz="1200" kern="1200" dirty="0" err="1" smtClean="0">
+              <a:rPr lang="en-US" sz="1200" kern="1200" dirty="0" err="1">
                 <a:solidFill>
                   <a:schemeClr val="tx1"/>
                 </a:solidFill>
@@ -1284,7 +1270,7 @@
               <a:t>Qry</a:t>
             </a:r>
             <a:r>
-              <a:rPr lang="en-US" sz="1200" kern="1200" dirty="0" smtClean="0">
+              <a:rPr lang="en-US" sz="1200" kern="1200" dirty="0">
                 <a:solidFill>
                   <a:schemeClr val="tx1"/>
                 </a:solidFill>
@@ -1295,7 +1281,7 @@
               <a:t> </a:t>
             </a:r>
             <a:r>
-              <a:rPr lang="en-US" sz="1200" kern="1200" dirty="0" err="1" smtClean="0">
+              <a:rPr lang="en-US" sz="1200" kern="1200" dirty="0" err="1">
                 <a:solidFill>
                   <a:schemeClr val="tx1"/>
                 </a:solidFill>
@@ -1306,7 +1292,7 @@
               <a:t>ProductSubCategory</a:t>
             </a:r>
             <a:r>
-              <a:rPr lang="en-US" sz="1200" kern="1200" dirty="0" smtClean="0">
+              <a:rPr lang="en-US" sz="1200" kern="1200" dirty="0">
                 <a:solidFill>
                   <a:schemeClr val="tx1"/>
                 </a:solidFill>
@@ -1318,7 +1304,7 @@
             </a:r>
           </a:p>
           <a:p>
-            <a:endParaRPr lang="en-US" sz="1200" kern="1200" dirty="0" smtClean="0">
+            <a:endParaRPr lang="en-US" sz="1200" kern="1200" dirty="0">
               <a:solidFill>
                 <a:schemeClr val="tx1"/>
               </a:solidFill>
@@ -1329,7 +1315,7 @@
           </a:p>
           <a:p>
             <a:r>
-              <a:rPr lang="en-US" sz="1200" kern="1200" dirty="0" smtClean="0">
+              <a:rPr lang="en-US" sz="1200" kern="1200" dirty="0">
                 <a:solidFill>
                   <a:schemeClr val="tx1"/>
                 </a:solidFill>
@@ -1342,7 +1328,7 @@
           </a:p>
           <a:p>
             <a:r>
-              <a:rPr lang="en-US" sz="1200" kern="1200" dirty="0" smtClean="0">
+              <a:rPr lang="en-US" sz="1200" kern="1200" dirty="0">
                 <a:solidFill>
                   <a:schemeClr val="tx1"/>
                 </a:solidFill>
@@ -1353,7 +1339,7 @@
               <a:t>FROM [</a:t>
             </a:r>
             <a:r>
-              <a:rPr lang="en-US" sz="1200" kern="1200" dirty="0" err="1" smtClean="0">
+              <a:rPr lang="en-US" sz="1200" kern="1200" dirty="0" err="1">
                 <a:solidFill>
                   <a:schemeClr val="tx1"/>
                 </a:solidFill>
@@ -1364,7 +1350,7 @@
               <a:t>dbo</a:t>
             </a:r>
             <a:r>
-              <a:rPr lang="en-US" sz="1200" kern="1200" dirty="0" smtClean="0">
+              <a:rPr lang="en-US" sz="1200" kern="1200" dirty="0">
                 <a:solidFill>
                   <a:schemeClr val="tx1"/>
                 </a:solidFill>
@@ -1375,7 +1361,7 @@
               <a:t>].[</a:t>
             </a:r>
             <a:r>
-              <a:rPr lang="en-US" sz="1200" kern="1200" dirty="0" err="1" smtClean="0">
+              <a:rPr lang="en-US" sz="1200" kern="1200" dirty="0" err="1">
                 <a:solidFill>
                   <a:schemeClr val="tx1"/>
                 </a:solidFill>
@@ -1386,7 +1372,7 @@
               <a:t>DimProduct</a:t>
             </a:r>
             <a:r>
-              <a:rPr lang="en-US" sz="1200" kern="1200" dirty="0" smtClean="0">
+              <a:rPr lang="en-US" sz="1200" kern="1200" dirty="0">
                 <a:solidFill>
                   <a:schemeClr val="tx1"/>
                 </a:solidFill>
@@ -1399,7 +1385,7 @@
           </a:p>
           <a:p>
             <a:r>
-              <a:rPr lang="en-US" sz="1200" kern="1200" dirty="0" smtClean="0">
+              <a:rPr lang="en-US" sz="1200" kern="1200" dirty="0">
                 <a:solidFill>
                   <a:schemeClr val="tx1"/>
                 </a:solidFill>
@@ -1410,7 +1396,7 @@
               <a:t>OPTION (LABEL = 'BSW </a:t>
             </a:r>
             <a:r>
-              <a:rPr lang="en-US" sz="1200" kern="1200" dirty="0" err="1" smtClean="0">
+              <a:rPr lang="en-US" sz="1200" kern="1200" dirty="0" err="1">
                 <a:solidFill>
                   <a:schemeClr val="tx1"/>
                 </a:solidFill>
@@ -1421,7 +1407,7 @@
               <a:t>Qry</a:t>
             </a:r>
             <a:r>
-              <a:rPr lang="en-US" sz="1200" kern="1200" dirty="0" smtClean="0">
+              <a:rPr lang="en-US" sz="1200" kern="1200" dirty="0">
                 <a:solidFill>
                   <a:schemeClr val="tx1"/>
                 </a:solidFill>
@@ -1433,7 +1419,7 @@
             </a:r>
           </a:p>
           <a:p>
-            <a:endParaRPr lang="en-US" sz="1200" kern="1200" dirty="0" smtClean="0">
+            <a:endParaRPr lang="en-US" sz="1200" kern="1200" dirty="0">
               <a:solidFill>
                 <a:schemeClr val="tx1"/>
               </a:solidFill>
@@ -1444,7 +1430,7 @@
           </a:p>
           <a:p>
             <a:r>
-              <a:rPr lang="en-US" sz="1200" kern="1200" dirty="0" smtClean="0">
+              <a:rPr lang="en-US" sz="1200" kern="1200" dirty="0">
                 <a:solidFill>
                   <a:schemeClr val="tx1"/>
                 </a:solidFill>
@@ -1457,7 +1443,7 @@
           </a:p>
           <a:p>
             <a:r>
-              <a:rPr lang="en-US" sz="1200" kern="1200" dirty="0" smtClean="0">
+              <a:rPr lang="en-US" sz="1200" kern="1200" dirty="0">
                 <a:solidFill>
                   <a:schemeClr val="tx1"/>
                 </a:solidFill>
@@ -1470,7 +1456,7 @@
           </a:p>
           <a:p>
             <a:r>
-              <a:rPr lang="en-US" sz="1200" kern="1200" dirty="0" smtClean="0">
+              <a:rPr lang="en-US" sz="1200" kern="1200" dirty="0">
                 <a:solidFill>
                   <a:schemeClr val="tx1"/>
                 </a:solidFill>
@@ -1481,7 +1467,7 @@
               <a:t>FROM [</a:t>
             </a:r>
             <a:r>
-              <a:rPr lang="en-US" sz="1200" kern="1200" dirty="0" err="1" smtClean="0">
+              <a:rPr lang="en-US" sz="1200" kern="1200" dirty="0" err="1">
                 <a:solidFill>
                   <a:schemeClr val="tx1"/>
                 </a:solidFill>
@@ -1492,7 +1478,7 @@
               <a:t>dbo</a:t>
             </a:r>
             <a:r>
-              <a:rPr lang="en-US" sz="1200" kern="1200" dirty="0" smtClean="0">
+              <a:rPr lang="en-US" sz="1200" kern="1200" dirty="0">
                 <a:solidFill>
                   <a:schemeClr val="tx1"/>
                 </a:solidFill>
@@ -1503,7 +1489,7 @@
               <a:t>].[</a:t>
             </a:r>
             <a:r>
-              <a:rPr lang="en-US" sz="1200" kern="1200" dirty="0" err="1" smtClean="0">
+              <a:rPr lang="en-US" sz="1200" kern="1200" dirty="0" err="1">
                 <a:solidFill>
                   <a:schemeClr val="tx1"/>
                 </a:solidFill>
@@ -1514,7 +1500,7 @@
               <a:t>FactInternetSales</a:t>
             </a:r>
             <a:r>
-              <a:rPr lang="en-US" sz="1200" kern="1200" dirty="0" smtClean="0">
+              <a:rPr lang="en-US" sz="1200" kern="1200" dirty="0">
                 <a:solidFill>
                   <a:schemeClr val="tx1"/>
                 </a:solidFill>
@@ -1527,7 +1513,7 @@
           </a:p>
           <a:p>
             <a:r>
-              <a:rPr lang="en-US" sz="1200" kern="1200" dirty="0" smtClean="0">
+              <a:rPr lang="en-US" sz="1200" kern="1200" dirty="0">
                 <a:solidFill>
                   <a:schemeClr val="tx1"/>
                 </a:solidFill>
@@ -1538,7 +1524,7 @@
               <a:t>WHERE </a:t>
             </a:r>
             <a:r>
-              <a:rPr lang="en-US" sz="1200" kern="1200" dirty="0" err="1" smtClean="0">
+              <a:rPr lang="en-US" sz="1200" kern="1200" dirty="0" err="1">
                 <a:solidFill>
                   <a:schemeClr val="tx1"/>
                 </a:solidFill>
@@ -1549,7 +1535,7 @@
               <a:t>SalesOrderNumber</a:t>
             </a:r>
             <a:r>
-              <a:rPr lang="en-US" sz="1200" kern="1200" dirty="0" smtClean="0">
+              <a:rPr lang="en-US" sz="1200" kern="1200" dirty="0">
                 <a:solidFill>
                   <a:schemeClr val="tx1"/>
                 </a:solidFill>
@@ -1562,7 +1548,7 @@
           </a:p>
           <a:p>
             <a:r>
-              <a:rPr lang="en-US" sz="1200" kern="1200" dirty="0" smtClean="0">
+              <a:rPr lang="en-US" sz="1200" kern="1200" dirty="0">
                 <a:solidFill>
                   <a:schemeClr val="tx1"/>
                 </a:solidFill>
@@ -1573,7 +1559,7 @@
               <a:t>OPTION (LABEL = 'BSW </a:t>
             </a:r>
             <a:r>
-              <a:rPr lang="en-US" sz="1200" kern="1200" dirty="0" err="1" smtClean="0">
+              <a:rPr lang="en-US" sz="1200" kern="1200" dirty="0" err="1">
                 <a:solidFill>
                   <a:schemeClr val="tx1"/>
                 </a:solidFill>
@@ -1584,7 +1570,7 @@
               <a:t>Qry</a:t>
             </a:r>
             <a:r>
-              <a:rPr lang="en-US" sz="1200" kern="1200" dirty="0" smtClean="0">
+              <a:rPr lang="en-US" sz="1200" kern="1200" dirty="0">
                 <a:solidFill>
                   <a:schemeClr val="tx1"/>
                 </a:solidFill>
@@ -1595,7 +1581,7 @@
               <a:t> </a:t>
             </a:r>
             <a:r>
-              <a:rPr lang="en-US" sz="1200" kern="1200" dirty="0" err="1" smtClean="0">
+              <a:rPr lang="en-US" sz="1200" kern="1200" dirty="0" err="1">
                 <a:solidFill>
                   <a:schemeClr val="tx1"/>
                 </a:solidFill>
@@ -1606,7 +1592,7 @@
               <a:t>InternetSales</a:t>
             </a:r>
             <a:r>
-              <a:rPr lang="en-US" sz="1200" kern="1200" dirty="0" smtClean="0">
+              <a:rPr lang="en-US" sz="1200" kern="1200" dirty="0">
                 <a:solidFill>
                   <a:schemeClr val="tx1"/>
                 </a:solidFill>
@@ -1618,7 +1604,7 @@
             </a:r>
           </a:p>
           <a:p>
-            <a:endParaRPr lang="en-US" sz="1200" kern="1200" dirty="0" smtClean="0">
+            <a:endParaRPr lang="en-US" sz="1200" kern="1200" dirty="0">
               <a:solidFill>
                 <a:schemeClr val="tx1"/>
               </a:solidFill>
@@ -1629,7 +1615,7 @@
           </a:p>
           <a:p>
             <a:r>
-              <a:rPr lang="en-US" sz="1200" kern="1200" dirty="0" smtClean="0">
+              <a:rPr lang="en-US" sz="1200" kern="1200" dirty="0">
                 <a:solidFill>
                   <a:schemeClr val="tx1"/>
                 </a:solidFill>
@@ -1642,7 +1628,7 @@
           </a:p>
           <a:p>
             <a:r>
-              <a:rPr lang="en-US" sz="1200" kern="1200" dirty="0" smtClean="0">
+              <a:rPr lang="en-US" sz="1200" kern="1200" dirty="0">
                 <a:solidFill>
                   <a:schemeClr val="tx1"/>
                 </a:solidFill>
@@ -1653,7 +1639,7 @@
               <a:t>FROM [</a:t>
             </a:r>
             <a:r>
-              <a:rPr lang="en-US" sz="1200" kern="1200" dirty="0" err="1" smtClean="0">
+              <a:rPr lang="en-US" sz="1200" kern="1200" dirty="0" err="1">
                 <a:solidFill>
                   <a:schemeClr val="tx1"/>
                 </a:solidFill>
@@ -1664,7 +1650,7 @@
               <a:t>dbo</a:t>
             </a:r>
             <a:r>
-              <a:rPr lang="en-US" sz="1200" kern="1200" dirty="0" smtClean="0">
+              <a:rPr lang="en-US" sz="1200" kern="1200" dirty="0">
                 <a:solidFill>
                   <a:schemeClr val="tx1"/>
                 </a:solidFill>
@@ -1675,7 +1661,7 @@
               <a:t>].[</a:t>
             </a:r>
             <a:r>
-              <a:rPr lang="en-US" sz="1200" kern="1200" dirty="0" err="1" smtClean="0">
+              <a:rPr lang="en-US" sz="1200" kern="1200" dirty="0" err="1">
                 <a:solidFill>
                   <a:schemeClr val="tx1"/>
                 </a:solidFill>
@@ -1686,7 +1672,7 @@
               <a:t>FactResellerSales</a:t>
             </a:r>
             <a:r>
-              <a:rPr lang="en-US" sz="1200" kern="1200" dirty="0" smtClean="0">
+              <a:rPr lang="en-US" sz="1200" kern="1200" dirty="0">
                 <a:solidFill>
                   <a:schemeClr val="tx1"/>
                 </a:solidFill>
@@ -1699,7 +1685,7 @@
           </a:p>
           <a:p>
             <a:r>
-              <a:rPr lang="en-US" sz="1200" kern="1200" dirty="0" smtClean="0">
+              <a:rPr lang="en-US" sz="1200" kern="1200" dirty="0">
                 <a:solidFill>
                   <a:schemeClr val="tx1"/>
                 </a:solidFill>
@@ -1710,7 +1696,7 @@
               <a:t>WHERE </a:t>
             </a:r>
             <a:r>
-              <a:rPr lang="en-US" sz="1200" kern="1200" dirty="0" err="1" smtClean="0">
+              <a:rPr lang="en-US" sz="1200" kern="1200" dirty="0" err="1">
                 <a:solidFill>
                   <a:schemeClr val="tx1"/>
                 </a:solidFill>
@@ -1721,7 +1707,7 @@
               <a:t>SalesOrderNumber</a:t>
             </a:r>
             <a:r>
-              <a:rPr lang="en-US" sz="1200" kern="1200" dirty="0" smtClean="0">
+              <a:rPr lang="en-US" sz="1200" kern="1200" dirty="0">
                 <a:solidFill>
                   <a:schemeClr val="tx1"/>
                 </a:solidFill>
@@ -1734,7 +1720,7 @@
           </a:p>
           <a:p>
             <a:r>
-              <a:rPr lang="en-US" sz="1200" kern="1200" dirty="0" smtClean="0">
+              <a:rPr lang="en-US" sz="1200" kern="1200" dirty="0">
                 <a:solidFill>
                   <a:schemeClr val="tx1"/>
                 </a:solidFill>
@@ -1745,7 +1731,7 @@
               <a:t>OPTION (LABEL = 'BSW </a:t>
             </a:r>
             <a:r>
-              <a:rPr lang="en-US" sz="1200" kern="1200" dirty="0" err="1" smtClean="0">
+              <a:rPr lang="en-US" sz="1200" kern="1200" dirty="0" err="1">
                 <a:solidFill>
                   <a:schemeClr val="tx1"/>
                 </a:solidFill>
@@ -1756,7 +1742,7 @@
               <a:t>Qry</a:t>
             </a:r>
             <a:r>
-              <a:rPr lang="en-US" sz="1200" kern="1200" dirty="0" smtClean="0">
+              <a:rPr lang="en-US" sz="1200" kern="1200" dirty="0">
                 <a:solidFill>
                   <a:schemeClr val="tx1"/>
                 </a:solidFill>
@@ -1767,7 +1753,7 @@
               <a:t> </a:t>
             </a:r>
             <a:r>
-              <a:rPr lang="en-US" sz="1200" kern="1200" dirty="0" err="1" smtClean="0">
+              <a:rPr lang="en-US" sz="1200" kern="1200" dirty="0" err="1">
                 <a:solidFill>
                   <a:schemeClr val="tx1"/>
                 </a:solidFill>
@@ -1778,7 +1764,7 @@
               <a:t>ResellerSales</a:t>
             </a:r>
             <a:r>
-              <a:rPr lang="en-US" sz="1200" kern="1200" dirty="0" smtClean="0">
+              <a:rPr lang="en-US" sz="1200" kern="1200" dirty="0">
                 <a:solidFill>
                   <a:schemeClr val="tx1"/>
                 </a:solidFill>
@@ -1790,7 +1776,7 @@
             </a:r>
           </a:p>
           <a:p>
-            <a:endParaRPr lang="en-US" sz="1200" kern="1200" dirty="0" smtClean="0">
+            <a:endParaRPr lang="en-US" sz="1200" kern="1200" dirty="0">
               <a:solidFill>
                 <a:schemeClr val="tx1"/>
               </a:solidFill>
@@ -1801,7 +1787,7 @@
           </a:p>
           <a:p>
             <a:r>
-              <a:rPr lang="en-US" sz="1200" kern="1200" dirty="0" smtClean="0">
+              <a:rPr lang="en-US" sz="1200" kern="1200" dirty="0">
                 <a:solidFill>
                   <a:schemeClr val="tx1"/>
                 </a:solidFill>
@@ -1814,7 +1800,7 @@
           </a:p>
           <a:p>
             <a:r>
-              <a:rPr lang="en-US" sz="1200" kern="1200" dirty="0" smtClean="0">
+              <a:rPr lang="en-US" sz="1200" kern="1200" dirty="0">
                 <a:solidFill>
                   <a:schemeClr val="tx1"/>
                 </a:solidFill>
@@ -1825,7 +1811,7 @@
               <a:t>FROM [</a:t>
             </a:r>
             <a:r>
-              <a:rPr lang="en-US" sz="1200" kern="1200" dirty="0" err="1" smtClean="0">
+              <a:rPr lang="en-US" sz="1200" kern="1200" dirty="0" err="1">
                 <a:solidFill>
                   <a:schemeClr val="tx1"/>
                 </a:solidFill>
@@ -1836,7 +1822,7 @@
               <a:t>dbo</a:t>
             </a:r>
             <a:r>
-              <a:rPr lang="en-US" sz="1200" kern="1200" dirty="0" smtClean="0">
+              <a:rPr lang="en-US" sz="1200" kern="1200" dirty="0">
                 <a:solidFill>
                   <a:schemeClr val="tx1"/>
                 </a:solidFill>
@@ -1847,7 +1833,7 @@
               <a:t>].[</a:t>
             </a:r>
             <a:r>
-              <a:rPr lang="en-US" sz="1200" kern="1200" dirty="0" err="1" smtClean="0">
+              <a:rPr lang="en-US" sz="1200" kern="1200" dirty="0" err="1">
                 <a:solidFill>
                   <a:schemeClr val="tx1"/>
                 </a:solidFill>
@@ -1858,7 +1844,7 @@
               <a:t>FactInternetSalesReason</a:t>
             </a:r>
             <a:r>
-              <a:rPr lang="en-US" sz="1200" kern="1200" dirty="0" smtClean="0">
+              <a:rPr lang="en-US" sz="1200" kern="1200" dirty="0">
                 <a:solidFill>
                   <a:schemeClr val="tx1"/>
                 </a:solidFill>
@@ -1871,7 +1857,7 @@
           </a:p>
           <a:p>
             <a:r>
-              <a:rPr lang="en-US" sz="1200" kern="1200" dirty="0" smtClean="0">
+              <a:rPr lang="en-US" sz="1200" kern="1200" dirty="0">
                 <a:solidFill>
                   <a:schemeClr val="tx1"/>
                 </a:solidFill>
@@ -1882,7 +1868,7 @@
               <a:t>WHERE </a:t>
             </a:r>
             <a:r>
-              <a:rPr lang="en-US" sz="1200" kern="1200" dirty="0" err="1" smtClean="0">
+              <a:rPr lang="en-US" sz="1200" kern="1200" dirty="0" err="1">
                 <a:solidFill>
                   <a:schemeClr val="tx1"/>
                 </a:solidFill>
@@ -1893,7 +1879,7 @@
               <a:t>SalesOrderNumber</a:t>
             </a:r>
             <a:r>
-              <a:rPr lang="en-US" sz="1200" kern="1200" dirty="0" smtClean="0">
+              <a:rPr lang="en-US" sz="1200" kern="1200" dirty="0">
                 <a:solidFill>
                   <a:schemeClr val="tx1"/>
                 </a:solidFill>
@@ -1906,7 +1892,7 @@
           </a:p>
           <a:p>
             <a:r>
-              <a:rPr lang="en-US" sz="1200" kern="1200" dirty="0" smtClean="0">
+              <a:rPr lang="en-US" sz="1200" kern="1200" dirty="0">
                 <a:solidFill>
                   <a:schemeClr val="tx1"/>
                 </a:solidFill>
@@ -1917,7 +1903,7 @@
               <a:t>OPTION (LABEL = 'BSW </a:t>
             </a:r>
             <a:r>
-              <a:rPr lang="en-US" sz="1200" kern="1200" dirty="0" err="1" smtClean="0">
+              <a:rPr lang="en-US" sz="1200" kern="1200" dirty="0" err="1">
                 <a:solidFill>
                   <a:schemeClr val="tx1"/>
                 </a:solidFill>
@@ -1928,7 +1914,7 @@
               <a:t>Qry</a:t>
             </a:r>
             <a:r>
-              <a:rPr lang="en-US" sz="1200" kern="1200" dirty="0" smtClean="0">
+              <a:rPr lang="en-US" sz="1200" kern="1200" dirty="0">
                 <a:solidFill>
                   <a:schemeClr val="tx1"/>
                 </a:solidFill>
@@ -1939,7 +1925,7 @@
               <a:t> </a:t>
             </a:r>
             <a:r>
-              <a:rPr lang="en-US" sz="1200" kern="1200" dirty="0" err="1" smtClean="0">
+              <a:rPr lang="en-US" sz="1200" kern="1200" dirty="0" err="1">
                 <a:solidFill>
                   <a:schemeClr val="tx1"/>
                 </a:solidFill>
@@ -1950,7 +1936,7 @@
               <a:t>InternetSalesReason</a:t>
             </a:r>
             <a:r>
-              <a:rPr lang="en-US" sz="1200" kern="1200" dirty="0" smtClean="0">
+              <a:rPr lang="en-US" sz="1200" kern="1200" dirty="0">
                 <a:solidFill>
                   <a:schemeClr val="tx1"/>
                 </a:solidFill>
@@ -1962,7 +1948,7 @@
             </a:r>
           </a:p>
           <a:p>
-            <a:endParaRPr lang="en-US" sz="1200" kern="1200" dirty="0" smtClean="0">
+            <a:endParaRPr lang="en-US" sz="1200" kern="1200" dirty="0">
               <a:solidFill>
                 <a:schemeClr val="tx1"/>
               </a:solidFill>
@@ -1973,7 +1959,7 @@
           </a:p>
           <a:p>
             <a:r>
-              <a:rPr lang="en-US" sz="1200" kern="1200" dirty="0" smtClean="0">
+              <a:rPr lang="en-US" sz="1200" kern="1200" dirty="0">
                 <a:solidFill>
                   <a:schemeClr val="tx1"/>
                 </a:solidFill>
@@ -1986,7 +1972,7 @@
           </a:p>
           <a:p>
             <a:r>
-              <a:rPr lang="en-US" sz="1200" kern="1200" dirty="0" smtClean="0">
+              <a:rPr lang="en-US" sz="1200" kern="1200" dirty="0">
                 <a:solidFill>
                   <a:schemeClr val="tx1"/>
                 </a:solidFill>
@@ -1997,7 +1983,7 @@
               <a:t>FROM [</a:t>
             </a:r>
             <a:r>
-              <a:rPr lang="en-US" sz="1200" kern="1200" dirty="0" err="1" smtClean="0">
+              <a:rPr lang="en-US" sz="1200" kern="1200" dirty="0" err="1">
                 <a:solidFill>
                   <a:schemeClr val="tx1"/>
                 </a:solidFill>
@@ -2008,7 +1994,7 @@
               <a:t>dbo</a:t>
             </a:r>
             <a:r>
-              <a:rPr lang="en-US" sz="1200" kern="1200" dirty="0" smtClean="0">
+              <a:rPr lang="en-US" sz="1200" kern="1200" dirty="0">
                 <a:solidFill>
                   <a:schemeClr val="tx1"/>
                 </a:solidFill>
@@ -2019,7 +2005,7 @@
               <a:t>].[</a:t>
             </a:r>
             <a:r>
-              <a:rPr lang="en-US" sz="1200" kern="1200" dirty="0" err="1" smtClean="0">
+              <a:rPr lang="en-US" sz="1200" kern="1200" dirty="0" err="1">
                 <a:solidFill>
                   <a:schemeClr val="tx1"/>
                 </a:solidFill>
@@ -2030,7 +2016,7 @@
               <a:t>FactSalesQuota</a:t>
             </a:r>
             <a:r>
-              <a:rPr lang="en-US" sz="1200" kern="1200" dirty="0" smtClean="0">
+              <a:rPr lang="en-US" sz="1200" kern="1200" dirty="0">
                 <a:solidFill>
                   <a:schemeClr val="tx1"/>
                 </a:solidFill>
@@ -2043,7 +2029,7 @@
           </a:p>
           <a:p>
             <a:r>
-              <a:rPr lang="en-US" sz="1200" kern="1200" dirty="0" smtClean="0">
+              <a:rPr lang="en-US" sz="1200" kern="1200" dirty="0">
                 <a:solidFill>
                   <a:schemeClr val="tx1"/>
                 </a:solidFill>
@@ -2054,7 +2040,7 @@
               <a:t>OPTION (LABEL = 'BSW </a:t>
             </a:r>
             <a:r>
-              <a:rPr lang="en-US" sz="1200" kern="1200" dirty="0" err="1" smtClean="0">
+              <a:rPr lang="en-US" sz="1200" kern="1200" dirty="0" err="1">
                 <a:solidFill>
                   <a:schemeClr val="tx1"/>
                 </a:solidFill>
@@ -2065,7 +2051,7 @@
               <a:t>Qry</a:t>
             </a:r>
             <a:r>
-              <a:rPr lang="en-US" sz="1200" kern="1200" dirty="0" smtClean="0">
+              <a:rPr lang="en-US" sz="1200" kern="1200" dirty="0">
                 <a:solidFill>
                   <a:schemeClr val="tx1"/>
                 </a:solidFill>
@@ -2076,7 +2062,7 @@
               <a:t> </a:t>
             </a:r>
             <a:r>
-              <a:rPr lang="en-US" sz="1200" kern="1200" dirty="0" err="1" smtClean="0">
+              <a:rPr lang="en-US" sz="1200" kern="1200" dirty="0" err="1">
                 <a:solidFill>
                   <a:schemeClr val="tx1"/>
                 </a:solidFill>
@@ -2087,7 +2073,7 @@
               <a:t>SalesQuota</a:t>
             </a:r>
             <a:r>
-              <a:rPr lang="en-US" sz="1200" kern="1200" dirty="0" smtClean="0">
+              <a:rPr lang="en-US" sz="1200" kern="1200" dirty="0">
                 <a:solidFill>
                   <a:schemeClr val="tx1"/>
                 </a:solidFill>
@@ -2099,7 +2085,7 @@
             </a:r>
           </a:p>
           <a:p>
-            <a:endParaRPr lang="en-US" sz="1200" kern="1200" dirty="0" smtClean="0">
+            <a:endParaRPr lang="en-US" sz="1200" kern="1200" dirty="0">
               <a:solidFill>
                 <a:schemeClr val="tx1"/>
               </a:solidFill>
@@ -2110,7 +2096,7 @@
           </a:p>
           <a:p>
             <a:r>
-              <a:rPr lang="en-US" sz="1200" kern="1200" dirty="0" smtClean="0">
+              <a:rPr lang="en-US" sz="1200" kern="1200" dirty="0">
                 <a:solidFill>
                   <a:schemeClr val="tx1"/>
                 </a:solidFill>
@@ -2123,7 +2109,7 @@
           </a:p>
           <a:p>
             <a:r>
-              <a:rPr lang="en-US" sz="1200" kern="1200" dirty="0" smtClean="0">
+              <a:rPr lang="en-US" sz="1200" kern="1200" dirty="0">
                 <a:solidFill>
                   <a:schemeClr val="tx1"/>
                 </a:solidFill>
@@ -2134,7 +2120,7 @@
               <a:t>FROM [</a:t>
             </a:r>
             <a:r>
-              <a:rPr lang="en-US" sz="1200" kern="1200" dirty="0" err="1" smtClean="0">
+              <a:rPr lang="en-US" sz="1200" kern="1200" dirty="0" err="1">
                 <a:solidFill>
                   <a:schemeClr val="tx1"/>
                 </a:solidFill>
@@ -2145,7 +2131,7 @@
               <a:t>dbo</a:t>
             </a:r>
             <a:r>
-              <a:rPr lang="en-US" sz="1200" kern="1200" dirty="0" smtClean="0">
+              <a:rPr lang="en-US" sz="1200" kern="1200" dirty="0">
                 <a:solidFill>
                   <a:schemeClr val="tx1"/>
                 </a:solidFill>
@@ -2156,7 +2142,7 @@
               <a:t>].[</a:t>
             </a:r>
             <a:r>
-              <a:rPr lang="en-US" sz="1200" kern="1200" dirty="0" err="1" smtClean="0">
+              <a:rPr lang="en-US" sz="1200" kern="1200" dirty="0" err="1">
                 <a:solidFill>
                   <a:schemeClr val="tx1"/>
                 </a:solidFill>
@@ -2167,7 +2153,7 @@
               <a:t>FactSurveyResponse</a:t>
             </a:r>
             <a:r>
-              <a:rPr lang="en-US" sz="1200" kern="1200" dirty="0" smtClean="0">
+              <a:rPr lang="en-US" sz="1200" kern="1200" dirty="0">
                 <a:solidFill>
                   <a:schemeClr val="tx1"/>
                 </a:solidFill>
@@ -2179,7 +2165,7 @@
             </a:r>
           </a:p>
           <a:p>
-            <a:endParaRPr lang="en-US" sz="1200" kern="1200" dirty="0" smtClean="0">
+            <a:endParaRPr lang="en-US" sz="1200" kern="1200" dirty="0">
               <a:solidFill>
                 <a:schemeClr val="tx1"/>
               </a:solidFill>
@@ -2190,7 +2176,7 @@
           </a:p>
           <a:p>
             <a:r>
-              <a:rPr lang="en-US" sz="1200" kern="1200" dirty="0" smtClean="0">
+              <a:rPr lang="en-US" sz="1200" kern="1200" dirty="0">
                 <a:solidFill>
                   <a:schemeClr val="tx1"/>
                 </a:solidFill>
@@ -2203,7 +2189,7 @@
           </a:p>
           <a:p>
             <a:r>
-              <a:rPr lang="en-US" sz="1200" kern="1200" dirty="0" smtClean="0">
+              <a:rPr lang="en-US" sz="1200" kern="1200" dirty="0">
                 <a:solidFill>
                   <a:schemeClr val="tx1"/>
                 </a:solidFill>
@@ -2216,7 +2202,7 @@
           </a:p>
           <a:p>
             <a:r>
-              <a:rPr lang="en-US" sz="1200" kern="1200" dirty="0" smtClean="0">
+              <a:rPr lang="en-US" sz="1200" kern="1200" dirty="0">
                 <a:solidFill>
                   <a:schemeClr val="tx1"/>
                 </a:solidFill>
@@ -2227,7 +2213,7 @@
               <a:t>FROM [</a:t>
             </a:r>
             <a:r>
-              <a:rPr lang="en-US" sz="1200" kern="1200" dirty="0" err="1" smtClean="0">
+              <a:rPr lang="en-US" sz="1200" kern="1200" dirty="0" err="1">
                 <a:solidFill>
                   <a:schemeClr val="tx1"/>
                 </a:solidFill>
@@ -2238,7 +2224,7 @@
               <a:t>dbo</a:t>
             </a:r>
             <a:r>
-              <a:rPr lang="en-US" sz="1200" kern="1200" dirty="0" smtClean="0">
+              <a:rPr lang="en-US" sz="1200" kern="1200" dirty="0">
                 <a:solidFill>
                   <a:schemeClr val="tx1"/>
                 </a:solidFill>
@@ -2249,7 +2235,7 @@
               <a:t>].[</a:t>
             </a:r>
             <a:r>
-              <a:rPr lang="en-US" sz="1200" kern="1200" dirty="0" err="1" smtClean="0">
+              <a:rPr lang="en-US" sz="1200" kern="1200" dirty="0" err="1">
                 <a:solidFill>
                   <a:schemeClr val="tx1"/>
                 </a:solidFill>
@@ -2260,7 +2246,7 @@
               <a:t>DimReseller</a:t>
             </a:r>
             <a:r>
-              <a:rPr lang="en-US" sz="1200" kern="1200" dirty="0" smtClean="0">
+              <a:rPr lang="en-US" sz="1200" kern="1200" dirty="0">
                 <a:solidFill>
                   <a:schemeClr val="tx1"/>
                 </a:solidFill>
@@ -2273,7 +2259,7 @@
           </a:p>
           <a:p>
             <a:r>
-              <a:rPr lang="en-US" sz="1200" kern="1200" dirty="0" smtClean="0">
+              <a:rPr lang="en-US" sz="1200" kern="1200" dirty="0">
                 <a:solidFill>
                   <a:schemeClr val="tx1"/>
                 </a:solidFill>
@@ -2284,7 +2270,7 @@
               <a:t>OPTION (LABEL = 'BSW </a:t>
             </a:r>
             <a:r>
-              <a:rPr lang="en-US" sz="1200" kern="1200" dirty="0" err="1" smtClean="0">
+              <a:rPr lang="en-US" sz="1200" kern="1200" dirty="0" err="1">
                 <a:solidFill>
                   <a:schemeClr val="tx1"/>
                 </a:solidFill>
@@ -2295,7 +2281,7 @@
               <a:t>Qry</a:t>
             </a:r>
             <a:r>
-              <a:rPr lang="en-US" sz="1200" kern="1200" dirty="0" smtClean="0">
+              <a:rPr lang="en-US" sz="1200" kern="1200" dirty="0">
                 <a:solidFill>
                   <a:schemeClr val="tx1"/>
                 </a:solidFill>
@@ -2306,7 +2292,7 @@
               <a:t> </a:t>
             </a:r>
             <a:r>
-              <a:rPr lang="en-US" sz="1200" kern="1200" dirty="0" err="1" smtClean="0">
+              <a:rPr lang="en-US" sz="1200" kern="1200" dirty="0" err="1">
                 <a:solidFill>
                   <a:schemeClr val="tx1"/>
                 </a:solidFill>
@@ -2317,7 +2303,7 @@
               <a:t>Store_Reseller</a:t>
             </a:r>
             <a:r>
-              <a:rPr lang="en-US" sz="1200" kern="1200" dirty="0" smtClean="0">
+              <a:rPr lang="en-US" sz="1200" kern="1200" dirty="0">
                 <a:solidFill>
                   <a:schemeClr val="tx1"/>
                 </a:solidFill>
@@ -2329,7 +2315,7 @@
             </a:r>
           </a:p>
           <a:p>
-            <a:endParaRPr lang="en-US" sz="1200" kern="1200" dirty="0" smtClean="0">
+            <a:endParaRPr lang="en-US" sz="1200" kern="1200" dirty="0">
               <a:solidFill>
                 <a:schemeClr val="tx1"/>
               </a:solidFill>
@@ -2340,7 +2326,7 @@
           </a:p>
           <a:p>
             <a:r>
-              <a:rPr lang="en-US" sz="1200" kern="1200" dirty="0" smtClean="0">
+              <a:rPr lang="en-US" sz="1200" kern="1200" dirty="0">
                 <a:solidFill>
                   <a:schemeClr val="tx1"/>
                 </a:solidFill>
@@ -2353,7 +2339,7 @@
           </a:p>
           <a:p>
             <a:r>
-              <a:rPr lang="en-US" sz="1200" kern="1200" dirty="0" smtClean="0">
+              <a:rPr lang="en-US" sz="1200" kern="1200" dirty="0">
                 <a:solidFill>
                   <a:schemeClr val="tx1"/>
                 </a:solidFill>
@@ -2364,7 +2350,7 @@
               <a:t>FROM [</a:t>
             </a:r>
             <a:r>
-              <a:rPr lang="en-US" sz="1200" kern="1200" dirty="0" err="1" smtClean="0">
+              <a:rPr lang="en-US" sz="1200" kern="1200" dirty="0" err="1">
                 <a:solidFill>
                   <a:schemeClr val="tx1"/>
                 </a:solidFill>
@@ -2375,7 +2361,7 @@
               <a:t>dbo</a:t>
             </a:r>
             <a:r>
-              <a:rPr lang="en-US" sz="1200" kern="1200" dirty="0" smtClean="0">
+              <a:rPr lang="en-US" sz="1200" kern="1200" dirty="0">
                 <a:solidFill>
                   <a:schemeClr val="tx1"/>
                 </a:solidFill>
@@ -2386,7 +2372,7 @@
               <a:t>].[</a:t>
             </a:r>
             <a:r>
-              <a:rPr lang="en-US" sz="1200" kern="1200" dirty="0" err="1" smtClean="0">
+              <a:rPr lang="en-US" sz="1200" kern="1200" dirty="0" err="1">
                 <a:solidFill>
                   <a:schemeClr val="tx1"/>
                 </a:solidFill>
@@ -2397,7 +2383,7 @@
               <a:t>DimCustomer</a:t>
             </a:r>
             <a:r>
-              <a:rPr lang="en-US" sz="1200" kern="1200" dirty="0" smtClean="0">
+              <a:rPr lang="en-US" sz="1200" kern="1200" dirty="0">
                 <a:solidFill>
                   <a:schemeClr val="tx1"/>
                 </a:solidFill>
@@ -2410,7 +2396,7 @@
           </a:p>
           <a:p>
             <a:r>
-              <a:rPr lang="en-US" sz="1200" kern="1200" dirty="0" smtClean="0">
+              <a:rPr lang="en-US" sz="1200" kern="1200" dirty="0">
                 <a:solidFill>
                   <a:schemeClr val="tx1"/>
                 </a:solidFill>
@@ -2421,7 +2407,7 @@
               <a:t>OPTION (LABEL = 'BSW </a:t>
             </a:r>
             <a:r>
-              <a:rPr lang="en-US" sz="1200" kern="1200" dirty="0" err="1" smtClean="0">
+              <a:rPr lang="en-US" sz="1200" kern="1200" dirty="0" err="1">
                 <a:solidFill>
                   <a:schemeClr val="tx1"/>
                 </a:solidFill>
@@ -2432,7 +2418,7 @@
               <a:t>Qry</a:t>
             </a:r>
             <a:r>
-              <a:rPr lang="en-US" sz="1200" kern="1200" dirty="0" smtClean="0">
+              <a:rPr lang="en-US" sz="1200" kern="1200" dirty="0">
                 <a:solidFill>
                   <a:schemeClr val="tx1"/>
                 </a:solidFill>
@@ -2444,7 +2430,7 @@
             </a:r>
           </a:p>
           <a:p>
-            <a:endParaRPr lang="en-US" sz="1200" kern="1200" dirty="0" smtClean="0">
+            <a:endParaRPr lang="en-US" sz="1200" kern="1200" dirty="0">
               <a:solidFill>
                 <a:schemeClr val="tx1"/>
               </a:solidFill>
@@ -2455,7 +2441,7 @@
           </a:p>
           <a:p>
             <a:r>
-              <a:rPr lang="en-US" sz="1200" kern="1200" dirty="0" smtClean="0">
+              <a:rPr lang="en-US" sz="1200" kern="1200" dirty="0">
                 <a:solidFill>
                   <a:schemeClr val="tx1"/>
                 </a:solidFill>
@@ -2468,7 +2454,7 @@
           </a:p>
           <a:p>
             <a:r>
-              <a:rPr lang="en-US" sz="1200" kern="1200" dirty="0" smtClean="0">
+              <a:rPr lang="en-US" sz="1200" kern="1200" dirty="0">
                 <a:solidFill>
                   <a:schemeClr val="tx1"/>
                 </a:solidFill>
@@ -2481,7 +2467,7 @@
           </a:p>
           <a:p>
             <a:r>
-              <a:rPr lang="en-US" sz="1200" kern="1200" dirty="0" smtClean="0">
+              <a:rPr lang="en-US" sz="1200" kern="1200" dirty="0">
                 <a:solidFill>
                   <a:schemeClr val="tx1"/>
                 </a:solidFill>
@@ -2492,7 +2478,7 @@
               <a:t>FROM [</a:t>
             </a:r>
             <a:r>
-              <a:rPr lang="en-US" sz="1200" kern="1200" dirty="0" err="1" smtClean="0">
+              <a:rPr lang="en-US" sz="1200" kern="1200" dirty="0" err="1">
                 <a:solidFill>
                   <a:schemeClr val="tx1"/>
                 </a:solidFill>
@@ -2503,7 +2489,7 @@
               <a:t>dbo</a:t>
             </a:r>
             <a:r>
-              <a:rPr lang="en-US" sz="1200" kern="1200" dirty="0" smtClean="0">
+              <a:rPr lang="en-US" sz="1200" kern="1200" dirty="0">
                 <a:solidFill>
                   <a:schemeClr val="tx1"/>
                 </a:solidFill>
@@ -2514,7 +2500,7 @@
               <a:t>].[</a:t>
             </a:r>
             <a:r>
-              <a:rPr lang="en-US" sz="1200" kern="1200" dirty="0" err="1" smtClean="0">
+              <a:rPr lang="en-US" sz="1200" kern="1200" dirty="0" err="1">
                 <a:solidFill>
                   <a:schemeClr val="tx1"/>
                 </a:solidFill>
@@ -2525,7 +2511,7 @@
               <a:t>FactCallCenter</a:t>
             </a:r>
             <a:r>
-              <a:rPr lang="en-US" sz="1200" kern="1200" dirty="0" smtClean="0">
+              <a:rPr lang="en-US" sz="1200" kern="1200" dirty="0">
                 <a:solidFill>
                   <a:schemeClr val="tx1"/>
                 </a:solidFill>
@@ -2537,7 +2523,7 @@
             </a:r>
           </a:p>
           <a:p>
-            <a:endParaRPr lang="en-US" sz="1200" kern="1200" dirty="0" smtClean="0">
+            <a:endParaRPr lang="en-US" sz="1200" kern="1200" dirty="0">
               <a:solidFill>
                 <a:schemeClr val="tx1"/>
               </a:solidFill>
@@ -2548,7 +2534,7 @@
           </a:p>
           <a:p>
             <a:r>
-              <a:rPr lang="en-US" sz="1200" kern="1200" dirty="0" smtClean="0">
+              <a:rPr lang="en-US" sz="1200" kern="1200" dirty="0">
                 <a:solidFill>
                   <a:schemeClr val="tx1"/>
                 </a:solidFill>
@@ -2561,7 +2547,7 @@
           </a:p>
           <a:p>
             <a:r>
-              <a:rPr lang="en-US" sz="1200" kern="1200" dirty="0" smtClean="0">
+              <a:rPr lang="en-US" sz="1200" kern="1200" dirty="0">
                 <a:solidFill>
                   <a:schemeClr val="tx1"/>
                 </a:solidFill>
@@ -2572,7 +2558,7 @@
               <a:t>FROM [</a:t>
             </a:r>
             <a:r>
-              <a:rPr lang="en-US" sz="1200" kern="1200" dirty="0" err="1" smtClean="0">
+              <a:rPr lang="en-US" sz="1200" kern="1200" dirty="0" err="1">
                 <a:solidFill>
                   <a:schemeClr val="tx1"/>
                 </a:solidFill>
@@ -2583,7 +2569,7 @@
               <a:t>dbo</a:t>
             </a:r>
             <a:r>
-              <a:rPr lang="en-US" sz="1200" kern="1200" dirty="0" smtClean="0">
+              <a:rPr lang="en-US" sz="1200" kern="1200" dirty="0">
                 <a:solidFill>
                   <a:schemeClr val="tx1"/>
                 </a:solidFill>
@@ -2594,7 +2580,7 @@
               <a:t>].[</a:t>
             </a:r>
             <a:r>
-              <a:rPr lang="en-US" sz="1200" kern="1200" dirty="0" err="1" smtClean="0">
+              <a:rPr lang="en-US" sz="1200" kern="1200" dirty="0" err="1">
                 <a:solidFill>
                   <a:schemeClr val="tx1"/>
                 </a:solidFill>
@@ -2605,7 +2591,7 @@
               <a:t>FactCurrencyRate</a:t>
             </a:r>
             <a:r>
-              <a:rPr lang="en-US" sz="1200" kern="1200" dirty="0" smtClean="0">
+              <a:rPr lang="en-US" sz="1200" kern="1200" dirty="0">
                 <a:solidFill>
                   <a:schemeClr val="tx1"/>
                 </a:solidFill>
@@ -2617,7 +2603,7 @@
             </a:r>
           </a:p>
           <a:p>
-            <a:endParaRPr lang="en-US" sz="1200" kern="1200" dirty="0" smtClean="0">
+            <a:endParaRPr lang="en-US" sz="1200" kern="1200" dirty="0">
               <a:solidFill>
                 <a:schemeClr val="tx1"/>
               </a:solidFill>
@@ -2628,7 +2614,7 @@
           </a:p>
           <a:p>
             <a:r>
-              <a:rPr lang="en-US" sz="1200" kern="1200" dirty="0" smtClean="0">
+              <a:rPr lang="en-US" sz="1200" kern="1200" dirty="0">
                 <a:solidFill>
                   <a:schemeClr val="tx1"/>
                 </a:solidFill>
@@ -2641,7 +2627,7 @@
           </a:p>
           <a:p>
             <a:r>
-              <a:rPr lang="en-US" sz="1200" kern="1200" dirty="0" smtClean="0">
+              <a:rPr lang="en-US" sz="1200" kern="1200" dirty="0">
                 <a:solidFill>
                   <a:schemeClr val="tx1"/>
                 </a:solidFill>
@@ -2652,7 +2638,7 @@
               <a:t>SELECT </a:t>
             </a:r>
             <a:r>
-              <a:rPr lang="en-US" sz="1200" kern="1200" dirty="0" err="1" smtClean="0">
+              <a:rPr lang="en-US" sz="1200" kern="1200" dirty="0" err="1">
                 <a:solidFill>
                   <a:schemeClr val="tx1"/>
                 </a:solidFill>
@@ -2663,7 +2649,7 @@
               <a:t>requests.request_id</a:t>
             </a:r>
             <a:r>
-              <a:rPr lang="en-US" sz="1200" kern="1200" dirty="0" smtClean="0">
+              <a:rPr lang="en-US" sz="1200" kern="1200" dirty="0">
                 <a:solidFill>
                   <a:schemeClr val="tx1"/>
                 </a:solidFill>
@@ -2674,7 +2660,7 @@
               <a:t> </a:t>
             </a:r>
             <a:r>
-              <a:rPr lang="en-US" sz="1200" kern="1200" dirty="0" err="1" smtClean="0">
+              <a:rPr lang="en-US" sz="1200" kern="1200" dirty="0" err="1">
                 <a:solidFill>
                   <a:schemeClr val="tx1"/>
                 </a:solidFill>
@@ -2685,7 +2671,7 @@
               <a:t>req_request_id</a:t>
             </a:r>
             <a:r>
-              <a:rPr lang="en-US" sz="1200" kern="1200" dirty="0" smtClean="0">
+              <a:rPr lang="en-US" sz="1200" kern="1200" dirty="0">
                 <a:solidFill>
                   <a:schemeClr val="tx1"/>
                 </a:solidFill>
@@ -2696,7 +2682,7 @@
               <a:t>, </a:t>
             </a:r>
             <a:r>
-              <a:rPr lang="en-US" sz="1200" kern="1200" dirty="0" err="1" smtClean="0">
+              <a:rPr lang="en-US" sz="1200" kern="1200" dirty="0" err="1">
                 <a:solidFill>
                   <a:schemeClr val="tx1"/>
                 </a:solidFill>
@@ -2707,7 +2693,7 @@
               <a:t>jsessions.request_id</a:t>
             </a:r>
             <a:r>
-              <a:rPr lang="en-US" sz="1200" kern="1200" dirty="0" smtClean="0">
+              <a:rPr lang="en-US" sz="1200" kern="1200" dirty="0">
                 <a:solidFill>
                   <a:schemeClr val="tx1"/>
                 </a:solidFill>
@@ -2718,7 +2704,7 @@
               <a:t> </a:t>
             </a:r>
             <a:r>
-              <a:rPr lang="en-US" sz="1200" kern="1200" dirty="0" err="1" smtClean="0">
+              <a:rPr lang="en-US" sz="1200" kern="1200" dirty="0" err="1">
                 <a:solidFill>
                   <a:schemeClr val="tx1"/>
                 </a:solidFill>
@@ -2729,7 +2715,7 @@
               <a:t>sess_request_id</a:t>
             </a:r>
             <a:r>
-              <a:rPr lang="en-US" sz="1200" kern="1200" dirty="0" smtClean="0">
+              <a:rPr lang="en-US" sz="1200" kern="1200" dirty="0">
                 <a:solidFill>
                   <a:schemeClr val="tx1"/>
                 </a:solidFill>
@@ -2740,7 +2726,7 @@
               <a:t>, </a:t>
             </a:r>
             <a:r>
-              <a:rPr lang="en-US" sz="1200" kern="1200" dirty="0" err="1" smtClean="0">
+              <a:rPr lang="en-US" sz="1200" kern="1200" dirty="0" err="1">
                 <a:solidFill>
                   <a:schemeClr val="tx1"/>
                 </a:solidFill>
@@ -2751,7 +2737,7 @@
               <a:t>requests.session_id</a:t>
             </a:r>
             <a:r>
-              <a:rPr lang="en-US" sz="1200" kern="1200" dirty="0" smtClean="0">
+              <a:rPr lang="en-US" sz="1200" kern="1200" dirty="0">
                 <a:solidFill>
                   <a:schemeClr val="tx1"/>
                 </a:solidFill>
@@ -2762,7 +2748,7 @@
               <a:t>, requests.[status] </a:t>
             </a:r>
             <a:r>
-              <a:rPr lang="en-US" sz="1200" kern="1200" dirty="0" err="1" smtClean="0">
+              <a:rPr lang="en-US" sz="1200" kern="1200" dirty="0" err="1">
                 <a:solidFill>
                   <a:schemeClr val="tx1"/>
                 </a:solidFill>
@@ -2772,7 +2758,7 @@
               </a:rPr>
               <a:t>req_status</a:t>
             </a:r>
-            <a:endParaRPr lang="en-US" sz="1200" kern="1200" dirty="0" smtClean="0">
+            <a:endParaRPr lang="en-US" sz="1200" kern="1200" dirty="0">
               <a:solidFill>
                 <a:schemeClr val="tx1"/>
               </a:solidFill>
@@ -2783,7 +2769,7 @@
           </a:p>
           <a:p>
             <a:r>
-              <a:rPr lang="en-US" sz="1200" kern="1200" dirty="0" smtClean="0">
+              <a:rPr lang="en-US" sz="1200" kern="1200" dirty="0">
                 <a:solidFill>
                   <a:schemeClr val="tx1"/>
                 </a:solidFill>
@@ -2794,7 +2780,7 @@
               <a:t>      ,requests.[</a:t>
             </a:r>
             <a:r>
-              <a:rPr lang="en-US" sz="1200" kern="1200" dirty="0" err="1" smtClean="0">
+              <a:rPr lang="en-US" sz="1200" kern="1200" dirty="0" err="1">
                 <a:solidFill>
                   <a:schemeClr val="tx1"/>
                 </a:solidFill>
@@ -2805,7 +2791,7 @@
               <a:t>submit_time</a:t>
             </a:r>
             <a:r>
-              <a:rPr lang="en-US" sz="1200" kern="1200" dirty="0" smtClean="0">
+              <a:rPr lang="en-US" sz="1200" kern="1200" dirty="0">
                 <a:solidFill>
                   <a:schemeClr val="tx1"/>
                 </a:solidFill>
@@ -2816,7 +2802,7 @@
               <a:t>], requests.[</a:t>
             </a:r>
             <a:r>
-              <a:rPr lang="en-US" sz="1200" kern="1200" dirty="0" err="1" smtClean="0">
+              <a:rPr lang="en-US" sz="1200" kern="1200" dirty="0" err="1">
                 <a:solidFill>
                   <a:schemeClr val="tx1"/>
                 </a:solidFill>
@@ -2827,7 +2813,7 @@
               <a:t>start_time</a:t>
             </a:r>
             <a:r>
-              <a:rPr lang="en-US" sz="1200" kern="1200" dirty="0" smtClean="0">
+              <a:rPr lang="en-US" sz="1200" kern="1200" dirty="0">
                 <a:solidFill>
                   <a:schemeClr val="tx1"/>
                 </a:solidFill>
@@ -2838,7 +2824,7 @@
               <a:t>], requests.[</a:t>
             </a:r>
             <a:r>
-              <a:rPr lang="en-US" sz="1200" kern="1200" dirty="0" err="1" smtClean="0">
+              <a:rPr lang="en-US" sz="1200" kern="1200" dirty="0" err="1">
                 <a:solidFill>
                   <a:schemeClr val="tx1"/>
                 </a:solidFill>
@@ -2849,7 +2835,7 @@
               <a:t>end_compile_time</a:t>
             </a:r>
             <a:r>
-              <a:rPr lang="en-US" sz="1200" kern="1200" dirty="0" smtClean="0">
+              <a:rPr lang="en-US" sz="1200" kern="1200" dirty="0">
                 <a:solidFill>
                   <a:schemeClr val="tx1"/>
                 </a:solidFill>
@@ -2860,7 +2846,7 @@
               <a:t>], requests.[</a:t>
             </a:r>
             <a:r>
-              <a:rPr lang="en-US" sz="1200" kern="1200" dirty="0" err="1" smtClean="0">
+              <a:rPr lang="en-US" sz="1200" kern="1200" dirty="0" err="1">
                 <a:solidFill>
                   <a:schemeClr val="tx1"/>
                 </a:solidFill>
@@ -2871,7 +2857,7 @@
               <a:t>end_time</a:t>
             </a:r>
             <a:r>
-              <a:rPr lang="en-US" sz="1200" kern="1200" dirty="0" smtClean="0">
+              <a:rPr lang="en-US" sz="1200" kern="1200" dirty="0">
                 <a:solidFill>
                   <a:schemeClr val="tx1"/>
                 </a:solidFill>
@@ -2884,7 +2870,7 @@
           </a:p>
           <a:p>
             <a:r>
-              <a:rPr lang="en-US" sz="1200" kern="1200" dirty="0" smtClean="0">
+              <a:rPr lang="en-US" sz="1200" kern="1200" dirty="0">
                 <a:solidFill>
                   <a:schemeClr val="tx1"/>
                 </a:solidFill>
@@ -2895,7 +2881,7 @@
               <a:t>      ,[</a:t>
             </a:r>
             <a:r>
-              <a:rPr lang="en-US" sz="1200" kern="1200" dirty="0" err="1" smtClean="0">
+              <a:rPr lang="en-US" sz="1200" kern="1200" dirty="0" err="1">
                 <a:solidFill>
                   <a:schemeClr val="tx1"/>
                 </a:solidFill>
@@ -2906,7 +2892,7 @@
               <a:t>total_elapsed_time</a:t>
             </a:r>
             <a:r>
-              <a:rPr lang="en-US" sz="1200" kern="1200" dirty="0" smtClean="0">
+              <a:rPr lang="en-US" sz="1200" kern="1200" dirty="0">
                 <a:solidFill>
                   <a:schemeClr val="tx1"/>
                 </a:solidFill>
@@ -2917,7 +2903,7 @@
               <a:t>] --,[</a:t>
             </a:r>
             <a:r>
-              <a:rPr lang="en-US" sz="1200" kern="1200" dirty="0" err="1" smtClean="0">
+              <a:rPr lang="en-US" sz="1200" kern="1200" dirty="0" err="1">
                 <a:solidFill>
                   <a:schemeClr val="tx1"/>
                 </a:solidFill>
@@ -2928,7 +2914,7 @@
               <a:t>total_elapsed_time</a:t>
             </a:r>
             <a:r>
-              <a:rPr lang="en-US" sz="1200" kern="1200" dirty="0" smtClean="0">
+              <a:rPr lang="en-US" sz="1200" kern="1200" dirty="0">
                 <a:solidFill>
                   <a:schemeClr val="tx1"/>
                 </a:solidFill>
@@ -2941,7 +2927,7 @@
           </a:p>
           <a:p>
             <a:r>
-              <a:rPr lang="en-US" sz="1200" kern="1200" dirty="0" smtClean="0">
+              <a:rPr lang="en-US" sz="1200" kern="1200" dirty="0">
                 <a:solidFill>
                   <a:schemeClr val="tx1"/>
                 </a:solidFill>
@@ -2952,7 +2938,7 @@
               <a:t>      ,[</a:t>
             </a:r>
             <a:r>
-              <a:rPr lang="en-US" sz="1200" kern="1200" dirty="0" err="1" smtClean="0">
+              <a:rPr lang="en-US" sz="1200" kern="1200" dirty="0" err="1">
                 <a:solidFill>
                   <a:schemeClr val="tx1"/>
                 </a:solidFill>
@@ -2963,7 +2949,7 @@
               <a:t>total_elapsed_time</a:t>
             </a:r>
             <a:r>
-              <a:rPr lang="en-US" sz="1200" kern="1200" dirty="0" smtClean="0">
+              <a:rPr lang="en-US" sz="1200" kern="1200" dirty="0">
                 <a:solidFill>
                   <a:schemeClr val="tx1"/>
                 </a:solidFill>
@@ -2976,7 +2962,7 @@
           </a:p>
           <a:p>
             <a:r>
-              <a:rPr lang="en-US" sz="1200" kern="1200" dirty="0" smtClean="0">
+              <a:rPr lang="en-US" sz="1200" kern="1200" dirty="0">
                 <a:solidFill>
                   <a:schemeClr val="tx1"/>
                 </a:solidFill>
@@ -2987,7 +2973,7 @@
               <a:t>      ,[label], [</a:t>
             </a:r>
             <a:r>
-              <a:rPr lang="en-US" sz="1200" kern="1200" dirty="0" err="1" smtClean="0">
+              <a:rPr lang="en-US" sz="1200" kern="1200" dirty="0" err="1">
                 <a:solidFill>
                   <a:schemeClr val="tx1"/>
                 </a:solidFill>
@@ -2998,7 +2984,7 @@
               <a:t>error_id</a:t>
             </a:r>
             <a:r>
-              <a:rPr lang="en-US" sz="1200" kern="1200" dirty="0" smtClean="0">
+              <a:rPr lang="en-US" sz="1200" kern="1200" dirty="0">
                 <a:solidFill>
                   <a:schemeClr val="tx1"/>
                 </a:solidFill>
@@ -3009,7 +2995,7 @@
               <a:t>], [</a:t>
             </a:r>
             <a:r>
-              <a:rPr lang="en-US" sz="1200" kern="1200" dirty="0" err="1" smtClean="0">
+              <a:rPr lang="en-US" sz="1200" kern="1200" dirty="0" err="1">
                 <a:solidFill>
                   <a:schemeClr val="tx1"/>
                 </a:solidFill>
@@ -3020,7 +3006,7 @@
               <a:t>database_id</a:t>
             </a:r>
             <a:r>
-              <a:rPr lang="en-US" sz="1200" kern="1200" dirty="0" smtClean="0">
+              <a:rPr lang="en-US" sz="1200" kern="1200" dirty="0">
                 <a:solidFill>
                   <a:schemeClr val="tx1"/>
                 </a:solidFill>
@@ -3031,7 +3017,7 @@
               <a:t>], [command], [</a:t>
             </a:r>
             <a:r>
-              <a:rPr lang="en-US" sz="1200" kern="1200" dirty="0" err="1" smtClean="0">
+              <a:rPr lang="en-US" sz="1200" kern="1200" dirty="0" err="1">
                 <a:solidFill>
                   <a:schemeClr val="tx1"/>
                 </a:solidFill>
@@ -3042,7 +3028,7 @@
               <a:t>resource_class</a:t>
             </a:r>
             <a:r>
-              <a:rPr lang="en-US" sz="1200" kern="1200" dirty="0" smtClean="0">
+              <a:rPr lang="en-US" sz="1200" kern="1200" dirty="0">
                 <a:solidFill>
                   <a:schemeClr val="tx1"/>
                 </a:solidFill>
@@ -3053,7 +3039,7 @@
               <a:t>], </a:t>
             </a:r>
             <a:r>
-              <a:rPr lang="en-US" sz="1200" kern="1200" dirty="0" err="1" smtClean="0">
+              <a:rPr lang="en-US" sz="1200" kern="1200" dirty="0" err="1">
                 <a:solidFill>
                   <a:schemeClr val="tx1"/>
                 </a:solidFill>
@@ -3064,7 +3050,7 @@
               <a:t>jsessions.status</a:t>
             </a:r>
             <a:r>
-              <a:rPr lang="en-US" sz="1200" kern="1200" dirty="0" smtClean="0">
+              <a:rPr lang="en-US" sz="1200" kern="1200" dirty="0">
                 <a:solidFill>
                   <a:schemeClr val="tx1"/>
                 </a:solidFill>
@@ -3075,7 +3061,7 @@
               <a:t> </a:t>
             </a:r>
             <a:r>
-              <a:rPr lang="en-US" sz="1200" kern="1200" dirty="0" err="1" smtClean="0">
+              <a:rPr lang="en-US" sz="1200" kern="1200" dirty="0" err="1">
                 <a:solidFill>
                   <a:schemeClr val="tx1"/>
                 </a:solidFill>
@@ -3086,7 +3072,7 @@
               <a:t>sess_status</a:t>
             </a:r>
             <a:r>
-              <a:rPr lang="en-US" sz="1200" kern="1200" dirty="0" smtClean="0">
+              <a:rPr lang="en-US" sz="1200" kern="1200" dirty="0">
                 <a:solidFill>
                   <a:schemeClr val="tx1"/>
                 </a:solidFill>
@@ -3097,7 +3083,7 @@
               <a:t>, </a:t>
             </a:r>
             <a:r>
-              <a:rPr lang="en-US" sz="1200" kern="1200" dirty="0" err="1" smtClean="0">
+              <a:rPr lang="en-US" sz="1200" kern="1200" dirty="0" err="1">
                 <a:solidFill>
                   <a:schemeClr val="tx1"/>
                 </a:solidFill>
@@ -3107,7 +3093,7 @@
               </a:rPr>
               <a:t>jsessions.login_name</a:t>
             </a:r>
-            <a:endParaRPr lang="en-US" sz="1200" kern="1200" dirty="0" smtClean="0">
+            <a:endParaRPr lang="en-US" sz="1200" kern="1200" dirty="0">
               <a:solidFill>
                 <a:schemeClr val="tx1"/>
               </a:solidFill>
@@ -3118,7 +3104,7 @@
           </a:p>
           <a:p>
             <a:r>
-              <a:rPr lang="en-US" sz="1200" kern="1200" dirty="0" smtClean="0">
+              <a:rPr lang="en-US" sz="1200" kern="1200" dirty="0">
                 <a:solidFill>
                   <a:schemeClr val="tx1"/>
                 </a:solidFill>
@@ -3129,7 +3115,7 @@
               <a:t>      ,</a:t>
             </a:r>
             <a:r>
-              <a:rPr lang="en-US" sz="1200" kern="1200" dirty="0" err="1" smtClean="0">
+              <a:rPr lang="en-US" sz="1200" kern="1200" dirty="0" err="1">
                 <a:solidFill>
                   <a:schemeClr val="tx1"/>
                 </a:solidFill>
@@ -3140,7 +3126,7 @@
               <a:t>jsessions.login_time</a:t>
             </a:r>
             <a:r>
-              <a:rPr lang="en-US" sz="1200" kern="1200" dirty="0" smtClean="0">
+              <a:rPr lang="en-US" sz="1200" kern="1200" dirty="0">
                 <a:solidFill>
                   <a:schemeClr val="tx1"/>
                 </a:solidFill>
@@ -3151,7 +3137,7 @@
               <a:t>, </a:t>
             </a:r>
             <a:r>
-              <a:rPr lang="en-US" sz="1200" kern="1200" dirty="0" err="1" smtClean="0">
+              <a:rPr lang="en-US" sz="1200" kern="1200" dirty="0" err="1">
                 <a:solidFill>
                   <a:schemeClr val="tx1"/>
                 </a:solidFill>
@@ -3162,7 +3148,7 @@
               <a:t>jsessions.Query_count</a:t>
             </a:r>
             <a:r>
-              <a:rPr lang="en-US" sz="1200" kern="1200" dirty="0" smtClean="0">
+              <a:rPr lang="en-US" sz="1200" kern="1200" dirty="0">
                 <a:solidFill>
                   <a:schemeClr val="tx1"/>
                 </a:solidFill>
@@ -3173,7 +3159,7 @@
               <a:t>, </a:t>
             </a:r>
             <a:r>
-              <a:rPr lang="en-US" sz="1200" kern="1200" dirty="0" err="1" smtClean="0">
+              <a:rPr lang="en-US" sz="1200" kern="1200" dirty="0" err="1">
                 <a:solidFill>
                   <a:schemeClr val="tx1"/>
                 </a:solidFill>
@@ -3184,7 +3170,7 @@
               <a:t>jsessions.client_id</a:t>
             </a:r>
             <a:r>
-              <a:rPr lang="en-US" sz="1200" kern="1200" dirty="0" smtClean="0">
+              <a:rPr lang="en-US" sz="1200" kern="1200" dirty="0">
                 <a:solidFill>
                   <a:schemeClr val="tx1"/>
                 </a:solidFill>
@@ -3195,7 +3181,7 @@
               <a:t>, </a:t>
             </a:r>
             <a:r>
-              <a:rPr lang="en-US" sz="1200" kern="1200" dirty="0" err="1" smtClean="0">
+              <a:rPr lang="en-US" sz="1200" kern="1200" dirty="0" err="1">
                 <a:solidFill>
                   <a:schemeClr val="tx1"/>
                 </a:solidFill>
@@ -3206,7 +3192,7 @@
               <a:t>jsessions</a:t>
             </a:r>
             <a:r>
-              <a:rPr lang="en-US" sz="1200" kern="1200" dirty="0" smtClean="0">
+              <a:rPr lang="en-US" sz="1200" kern="1200" dirty="0">
                 <a:solidFill>
                   <a:schemeClr val="tx1"/>
                 </a:solidFill>
@@ -3217,7 +3203,7 @@
               <a:t>.[</a:t>
             </a:r>
             <a:r>
-              <a:rPr lang="en-US" sz="1200" kern="1200" dirty="0" err="1" smtClean="0">
+              <a:rPr lang="en-US" sz="1200" kern="1200" dirty="0" err="1">
                 <a:solidFill>
                   <a:schemeClr val="tx1"/>
                 </a:solidFill>
@@ -3228,7 +3214,7 @@
               <a:t>app_name</a:t>
             </a:r>
             <a:r>
-              <a:rPr lang="en-US" sz="1200" kern="1200" dirty="0" smtClean="0">
+              <a:rPr lang="en-US" sz="1200" kern="1200" dirty="0">
                 <a:solidFill>
                   <a:schemeClr val="tx1"/>
                 </a:solidFill>
@@ -3239,7 +3225,7 @@
               <a:t>], </a:t>
             </a:r>
             <a:r>
-              <a:rPr lang="en-US" sz="1200" kern="1200" dirty="0" err="1" smtClean="0">
+              <a:rPr lang="en-US" sz="1200" kern="1200" dirty="0" err="1">
                 <a:solidFill>
                   <a:schemeClr val="tx1"/>
                 </a:solidFill>
@@ -3249,7 +3235,7 @@
               </a:rPr>
               <a:t>jsessions.sql_spid</a:t>
             </a:r>
-            <a:endParaRPr lang="en-US" sz="1200" kern="1200" dirty="0" smtClean="0">
+            <a:endParaRPr lang="en-US" sz="1200" kern="1200" dirty="0">
               <a:solidFill>
                 <a:schemeClr val="tx1"/>
               </a:solidFill>
@@ -3260,7 +3246,7 @@
           </a:p>
           <a:p>
             <a:r>
-              <a:rPr lang="en-US" sz="1200" kern="1200" dirty="0" smtClean="0">
+              <a:rPr lang="en-US" sz="1200" kern="1200" dirty="0">
                 <a:solidFill>
                   <a:schemeClr val="tx1"/>
                 </a:solidFill>
@@ -3271,7 +3257,7 @@
               <a:t>FROM </a:t>
             </a:r>
             <a:r>
-              <a:rPr lang="en-US" sz="1200" kern="1200" dirty="0" err="1" smtClean="0">
+              <a:rPr lang="en-US" sz="1200" kern="1200" dirty="0" err="1">
                 <a:solidFill>
                   <a:schemeClr val="tx1"/>
                 </a:solidFill>
@@ -3282,7 +3268,7 @@
               <a:t>sys.dm_pdw_exec_requests</a:t>
             </a:r>
             <a:r>
-              <a:rPr lang="en-US" sz="1200" kern="1200" dirty="0" smtClean="0">
+              <a:rPr lang="en-US" sz="1200" kern="1200" dirty="0">
                 <a:solidFill>
                   <a:schemeClr val="tx1"/>
                 </a:solidFill>
@@ -3295,7 +3281,7 @@
           </a:p>
           <a:p>
             <a:r>
-              <a:rPr lang="en-US" sz="1200" kern="1200" dirty="0" smtClean="0">
+              <a:rPr lang="en-US" sz="1200" kern="1200" dirty="0">
                 <a:solidFill>
                   <a:schemeClr val="tx1"/>
                 </a:solidFill>
@@ -3306,7 +3292,7 @@
               <a:t>Join </a:t>
             </a:r>
             <a:r>
-              <a:rPr lang="en-US" sz="1200" kern="1200" dirty="0" err="1" smtClean="0">
+              <a:rPr lang="en-US" sz="1200" kern="1200" dirty="0" err="1">
                 <a:solidFill>
                   <a:schemeClr val="tx1"/>
                 </a:solidFill>
@@ -3317,7 +3303,7 @@
               <a:t>sys.dm_pdw_exec_sessions</a:t>
             </a:r>
             <a:r>
-              <a:rPr lang="en-US" sz="1200" kern="1200" dirty="0" smtClean="0">
+              <a:rPr lang="en-US" sz="1200" kern="1200" dirty="0">
                 <a:solidFill>
                   <a:schemeClr val="tx1"/>
                 </a:solidFill>
@@ -3328,7 +3314,7 @@
               <a:t> </a:t>
             </a:r>
             <a:r>
-              <a:rPr lang="en-US" sz="1200" kern="1200" dirty="0" err="1" smtClean="0">
+              <a:rPr lang="en-US" sz="1200" kern="1200" dirty="0" err="1">
                 <a:solidFill>
                   <a:schemeClr val="tx1"/>
                 </a:solidFill>
@@ -3339,7 +3325,7 @@
               <a:t>jsessions</a:t>
             </a:r>
             <a:r>
-              <a:rPr lang="en-US" sz="1200" kern="1200" dirty="0" smtClean="0">
+              <a:rPr lang="en-US" sz="1200" kern="1200" dirty="0">
                 <a:solidFill>
                   <a:schemeClr val="tx1"/>
                 </a:solidFill>
@@ -3350,7 +3336,7 @@
               <a:t> on </a:t>
             </a:r>
             <a:r>
-              <a:rPr lang="en-US" sz="1200" kern="1200" dirty="0" err="1" smtClean="0">
+              <a:rPr lang="en-US" sz="1200" kern="1200" dirty="0" err="1">
                 <a:solidFill>
                   <a:schemeClr val="tx1"/>
                 </a:solidFill>
@@ -3361,7 +3347,7 @@
               <a:t>jsessions.session_id</a:t>
             </a:r>
             <a:r>
-              <a:rPr lang="en-US" sz="1200" kern="1200" dirty="0" smtClean="0">
+              <a:rPr lang="en-US" sz="1200" kern="1200" dirty="0">
                 <a:solidFill>
                   <a:schemeClr val="tx1"/>
                 </a:solidFill>
@@ -3372,7 +3358,7 @@
               <a:t> = </a:t>
             </a:r>
             <a:r>
-              <a:rPr lang="en-US" sz="1200" kern="1200" dirty="0" err="1" smtClean="0">
+              <a:rPr lang="en-US" sz="1200" kern="1200" dirty="0" err="1">
                 <a:solidFill>
                   <a:schemeClr val="tx1"/>
                 </a:solidFill>
@@ -3382,7 +3368,7 @@
               </a:rPr>
               <a:t>requests.session_id</a:t>
             </a:r>
-            <a:endParaRPr lang="en-US" sz="1200" kern="1200" dirty="0" smtClean="0">
+            <a:endParaRPr lang="en-US" sz="1200" kern="1200" dirty="0">
               <a:solidFill>
                 <a:schemeClr val="tx1"/>
               </a:solidFill>
@@ -3393,7 +3379,7 @@
           </a:p>
           <a:p>
             <a:r>
-              <a:rPr lang="en-US" sz="1200" kern="1200" dirty="0" smtClean="0">
+              <a:rPr lang="en-US" sz="1200" kern="1200" dirty="0">
                 <a:solidFill>
                   <a:schemeClr val="tx1"/>
                 </a:solidFill>
@@ -3404,7 +3390,7 @@
               <a:t>WHERE 1=1 --</a:t>
             </a:r>
             <a:r>
-              <a:rPr lang="en-US" sz="1200" kern="1200" dirty="0" err="1" smtClean="0">
+              <a:rPr lang="en-US" sz="1200" kern="1200" dirty="0" err="1">
                 <a:solidFill>
                   <a:schemeClr val="tx1"/>
                 </a:solidFill>
@@ -3415,7 +3401,7 @@
               <a:t>requests.status</a:t>
             </a:r>
             <a:r>
-              <a:rPr lang="en-US" sz="1200" kern="1200" dirty="0" smtClean="0">
+              <a:rPr lang="en-US" sz="1200" kern="1200" dirty="0">
                 <a:solidFill>
                   <a:schemeClr val="tx1"/>
                 </a:solidFill>
@@ -3426,7 +3412,7 @@
               <a:t> not in ('</a:t>
             </a:r>
             <a:r>
-              <a:rPr lang="en-US" sz="1200" kern="1200" dirty="0" err="1" smtClean="0">
+              <a:rPr lang="en-US" sz="1200" kern="1200" dirty="0" err="1">
                 <a:solidFill>
                   <a:schemeClr val="tx1"/>
                 </a:solidFill>
@@ -3437,7 +3423,7 @@
               <a:t>Completed','Failed','Cancelled</a:t>
             </a:r>
             <a:r>
-              <a:rPr lang="en-US" sz="1200" kern="1200" dirty="0" smtClean="0">
+              <a:rPr lang="en-US" sz="1200" kern="1200" dirty="0">
                 <a:solidFill>
                   <a:schemeClr val="tx1"/>
                 </a:solidFill>
@@ -3450,7 +3436,7 @@
           </a:p>
           <a:p>
             <a:r>
-              <a:rPr lang="en-US" sz="1200" kern="1200" dirty="0" smtClean="0">
+              <a:rPr lang="en-US" sz="1200" kern="1200" dirty="0">
                 <a:solidFill>
                   <a:schemeClr val="tx1"/>
                 </a:solidFill>
@@ -3461,7 +3447,7 @@
               <a:t>  AND </a:t>
             </a:r>
             <a:r>
-              <a:rPr lang="en-US" sz="1200" kern="1200" dirty="0" err="1" smtClean="0">
+              <a:rPr lang="en-US" sz="1200" kern="1200" dirty="0" err="1">
                 <a:solidFill>
                   <a:schemeClr val="tx1"/>
                 </a:solidFill>
@@ -3472,7 +3458,7 @@
               <a:t>requests.session_id</a:t>
             </a:r>
             <a:r>
-              <a:rPr lang="en-US" sz="1200" kern="1200" dirty="0" smtClean="0">
+              <a:rPr lang="en-US" sz="1200" kern="1200" dirty="0">
                 <a:solidFill>
                   <a:schemeClr val="tx1"/>
                 </a:solidFill>
@@ -3483,7 +3469,7 @@
               <a:t> &lt;&gt; </a:t>
             </a:r>
             <a:r>
-              <a:rPr lang="en-US" sz="1200" kern="1200" dirty="0" err="1" smtClean="0">
+              <a:rPr lang="en-US" sz="1200" kern="1200" dirty="0" err="1">
                 <a:solidFill>
                   <a:schemeClr val="tx1"/>
                 </a:solidFill>
@@ -3494,7 +3480,7 @@
               <a:t>session_id</a:t>
             </a:r>
             <a:r>
-              <a:rPr lang="en-US" sz="1200" kern="1200" dirty="0" smtClean="0">
+              <a:rPr lang="en-US" sz="1200" kern="1200" dirty="0">
                 <a:solidFill>
                   <a:schemeClr val="tx1"/>
                 </a:solidFill>
@@ -3507,7 +3493,7 @@
           </a:p>
           <a:p>
             <a:r>
-              <a:rPr lang="en-US" sz="1200" kern="1200" dirty="0" smtClean="0">
+              <a:rPr lang="en-US" sz="1200" kern="1200" dirty="0">
                 <a:solidFill>
                   <a:schemeClr val="tx1"/>
                 </a:solidFill>
@@ -3518,7 +3504,7 @@
               <a:t>  and </a:t>
             </a:r>
             <a:r>
-              <a:rPr lang="en-US" sz="1200" kern="1200" dirty="0" err="1" smtClean="0">
+              <a:rPr lang="en-US" sz="1200" kern="1200" dirty="0" err="1">
                 <a:solidFill>
                   <a:schemeClr val="tx1"/>
                 </a:solidFill>
@@ -3529,7 +3515,7 @@
               <a:t>jsessions.sql_spid</a:t>
             </a:r>
             <a:r>
-              <a:rPr lang="en-US" sz="1200" kern="1200" dirty="0" smtClean="0">
+              <a:rPr lang="en-US" sz="1200" kern="1200" dirty="0">
                 <a:solidFill>
                   <a:schemeClr val="tx1"/>
                 </a:solidFill>
@@ -3542,7 +3528,7 @@
           </a:p>
           <a:p>
             <a:r>
-              <a:rPr lang="en-US" sz="1200" kern="1200" dirty="0" smtClean="0">
+              <a:rPr lang="en-US" sz="1200" kern="1200" dirty="0">
                 <a:solidFill>
                   <a:schemeClr val="tx1"/>
                 </a:solidFill>
@@ -3553,7 +3539,7 @@
               <a:t>  and </a:t>
             </a:r>
             <a:r>
-              <a:rPr lang="en-US" sz="1200" kern="1200" dirty="0" err="1" smtClean="0">
+              <a:rPr lang="en-US" sz="1200" kern="1200" dirty="0" err="1">
                 <a:solidFill>
                   <a:schemeClr val="tx1"/>
                 </a:solidFill>
@@ -3564,7 +3550,7 @@
               <a:t>submit_time</a:t>
             </a:r>
             <a:r>
-              <a:rPr lang="en-US" sz="1200" kern="1200" dirty="0" smtClean="0">
+              <a:rPr lang="en-US" sz="1200" kern="1200" dirty="0">
                 <a:solidFill>
                   <a:schemeClr val="tx1"/>
                 </a:solidFill>
@@ -3575,7 +3561,7 @@
               <a:t> &gt; </a:t>
             </a:r>
             <a:r>
-              <a:rPr lang="en-US" sz="1200" kern="1200" dirty="0" err="1" smtClean="0">
+              <a:rPr lang="en-US" sz="1200" kern="1200" dirty="0" err="1">
                 <a:solidFill>
                   <a:schemeClr val="tx1"/>
                 </a:solidFill>
@@ -3586,7 +3572,7 @@
               <a:t>getdate</a:t>
             </a:r>
             <a:r>
-              <a:rPr lang="en-US" sz="1200" kern="1200" dirty="0" smtClean="0">
+              <a:rPr lang="en-US" sz="1200" kern="1200" dirty="0">
                 <a:solidFill>
                   <a:schemeClr val="tx1"/>
                 </a:solidFill>
@@ -3599,7 +3585,7 @@
           </a:p>
           <a:p>
             <a:r>
-              <a:rPr lang="en-US" sz="1200" kern="1200" dirty="0" smtClean="0">
+              <a:rPr lang="en-US" sz="1200" kern="1200" dirty="0">
                 <a:solidFill>
                   <a:schemeClr val="tx1"/>
                 </a:solidFill>
@@ -3610,7 +3596,7 @@
               <a:t>ORDER BY </a:t>
             </a:r>
             <a:r>
-              <a:rPr lang="en-US" sz="1200" kern="1200" dirty="0" err="1" smtClean="0">
+              <a:rPr lang="en-US" sz="1200" kern="1200" dirty="0" err="1">
                 <a:solidFill>
                   <a:schemeClr val="tx1"/>
                 </a:solidFill>
@@ -3621,7 +3607,7 @@
               <a:t>submit_time</a:t>
             </a:r>
             <a:r>
-              <a:rPr lang="en-US" sz="1200" kern="1200" dirty="0" smtClean="0">
+              <a:rPr lang="en-US" sz="1200" kern="1200" dirty="0">
                 <a:solidFill>
                   <a:schemeClr val="tx1"/>
                 </a:solidFill>
@@ -3631,7 +3617,7 @@
               </a:rPr>
               <a:t> DESC</a:t>
             </a:r>
-            <a:endParaRPr lang="en-US" dirty="0" smtClean="0">
+            <a:endParaRPr lang="en-US" dirty="0">
               <a:latin typeface="Courier New" panose="02070309020205020404" pitchFamily="49" charset="0"/>
               <a:cs typeface="Courier New" panose="02070309020205020404" pitchFamily="49" charset="0"/>
             </a:endParaRPr>
@@ -3820,26 +3806,26 @@
               <a:defRPr/>
             </a:pPr>
             <a:r>
-              <a:rPr lang="en-US" dirty="0" smtClean="0"/>
+              <a:rPr lang="en-US" dirty="0"/>
               <a:t>Originally,</a:t>
             </a:r>
             <a:r>
-              <a:rPr lang="en-US" baseline="0" dirty="0" smtClean="0"/>
+              <a:rPr lang="en-US" baseline="0" dirty="0"/>
               <a:t> Google Translate indicated the Spanish work for ‘performance’ was </a:t>
             </a:r>
             <a:r>
-              <a:rPr lang="es-ES" dirty="0" smtClean="0"/>
+              <a:rPr lang="es-ES" dirty="0"/>
               <a:t>rendimiento</a:t>
             </a:r>
             <a:r>
-              <a:rPr lang="en-US" dirty="0" smtClean="0"/>
+              <a:rPr lang="en-US" dirty="0"/>
               <a:t>.</a:t>
             </a:r>
             <a:r>
-              <a:rPr lang="en-US" baseline="0" dirty="0" smtClean="0"/>
+              <a:rPr lang="en-US" baseline="0" dirty="0"/>
               <a:t>  My Spanish speaking colleague let me know that was the wrong connotation of performance.  This is another example of how trying to apply the relational database principles to Azure DW may yield a working product, but not the best implementation for that platform.</a:t>
             </a:r>
-            <a:endParaRPr lang="en-US" dirty="0" smtClean="0"/>
+            <a:endParaRPr lang="en-US" dirty="0"/>
           </a:p>
         </p:txBody>
       </p:sp>
@@ -4008,11 +3994,11 @@
           <a:lstStyle/>
           <a:p>
             <a:r>
-              <a:rPr lang="en-US" dirty="0" smtClean="0"/>
+              <a:rPr lang="en-US" dirty="0"/>
               <a:t>Distributed</a:t>
             </a:r>
             <a:r>
-              <a:rPr lang="en-US" baseline="0" dirty="0" smtClean="0"/>
+              <a:rPr lang="en-US" baseline="0" dirty="0"/>
               <a:t> queries have worked this way for more than 20 years.  Please note that my paper ‘Ode to the Data Warehouse Load’ discussed the method of tuning distributed queries by limiting the data brought across the network.  This paper was written and presented in 1996.</a:t>
             </a:r>
             <a:endParaRPr lang="en-US" dirty="0"/>
@@ -4285,11 +4271,11 @@
               <a:defRPr/>
             </a:pPr>
             <a:r>
-              <a:rPr lang="en-US" dirty="0" smtClean="0"/>
+              <a:rPr lang="en-US" dirty="0"/>
               <a:t>Original</a:t>
             </a:r>
             <a:r>
-              <a:rPr lang="en-US" baseline="0" dirty="0" smtClean="0"/>
+              <a:rPr lang="en-US" baseline="0" dirty="0"/>
               <a:t> song: Party Rock Anthem (Everyday I’m Shuffling)</a:t>
             </a:r>
           </a:p>
@@ -4312,10 +4298,10 @@
               <a:defRPr/>
             </a:pPr>
             <a:r>
-              <a:rPr lang="en-US" baseline="0" dirty="0" smtClean="0"/>
+              <a:rPr lang="en-US" baseline="0" dirty="0"/>
               <a:t>Artist: LMFAO</a:t>
             </a:r>
-            <a:endParaRPr lang="en-US" dirty="0" smtClean="0"/>
+            <a:endParaRPr lang="en-US" dirty="0"/>
           </a:p>
           <a:p>
             <a:endParaRPr lang="en-US" dirty="0"/>
@@ -4420,20 +4406,20 @@
               <a:defRPr/>
             </a:pPr>
             <a:r>
-              <a:rPr lang="en-US" dirty="0" smtClean="0"/>
+              <a:rPr lang="en-US" dirty="0"/>
               <a:t>Chart</a:t>
             </a:r>
             <a:r>
-              <a:rPr lang="en-US" baseline="0" dirty="0" smtClean="0"/>
+              <a:rPr lang="en-US" baseline="0" dirty="0"/>
               <a:t> by Robin Lester </a:t>
             </a:r>
             <a:r>
-              <a:rPr lang="en-US" dirty="0" smtClean="0">
+              <a:rPr lang="en-US" dirty="0">
                 <a:hlinkClick r:id="rId3"/>
               </a:rPr>
               <a:t>https://sqlbits.com/Downloads/595/Robin%20Lester_SQLAzureDataWarehouseSQLBits.pdf</a:t>
             </a:r>
-            <a:endParaRPr lang="en-US" dirty="0" smtClean="0"/>
+            <a:endParaRPr lang="en-US" dirty="0"/>
           </a:p>
           <a:p>
             <a:pPr marL="0" marR="0" lvl="0" indent="0" algn="l" defTabSz="914400" rtl="0" eaLnBrk="1" fontAlgn="auto" latinLnBrk="0" hangingPunct="1">
@@ -4453,7 +4439,7 @@
               <a:tabLst/>
               <a:defRPr/>
             </a:pPr>
-            <a:endParaRPr lang="en-US" dirty="0" smtClean="0"/>
+            <a:endParaRPr lang="en-US" dirty="0"/>
           </a:p>
           <a:p>
             <a:endParaRPr lang="en-US" dirty="0"/>
@@ -4541,7 +4527,7 @@
           <a:lstStyle/>
           <a:p>
             <a:r>
-              <a:rPr lang="en-US" dirty="0" smtClean="0"/>
+              <a:rPr lang="en-US" dirty="0"/>
               <a:t>Query Improvements</a:t>
             </a:r>
           </a:p>
@@ -4551,7 +4537,7 @@
               <a:buChar char="•"/>
             </a:pPr>
             <a:r>
-              <a:rPr lang="en-US" dirty="0" smtClean="0"/>
+              <a:rPr lang="en-US" dirty="0"/>
               <a:t>Including the hash key in the query is like putting a hint </a:t>
             </a:r>
           </a:p>
@@ -4561,19 +4547,19 @@
               <a:buChar char="•"/>
             </a:pPr>
             <a:r>
-              <a:rPr lang="en-US" dirty="0" smtClean="0"/>
+              <a:rPr lang="en-US" dirty="0"/>
               <a:t>Views and CTEs do things</a:t>
             </a:r>
             <a:r>
-              <a:rPr lang="en-US" baseline="0" dirty="0" smtClean="0"/>
+              <a:rPr lang="en-US" baseline="0" dirty="0"/>
               <a:t> in memory that may cause </a:t>
             </a:r>
             <a:r>
-              <a:rPr lang="en-US" baseline="0" dirty="0" err="1" smtClean="0"/>
+              <a:rPr lang="en-US" baseline="0" dirty="0" err="1"/>
               <a:t>DataMovement</a:t>
             </a:r>
             <a:r>
-              <a:rPr lang="en-US" baseline="0" dirty="0" smtClean="0"/>
+              <a:rPr lang="en-US" baseline="0" dirty="0"/>
               <a:t>.  Try using temporary tables that are hashed instead.</a:t>
             </a:r>
           </a:p>
@@ -4583,7 +4569,7 @@
               <a:buChar char="•"/>
             </a:pPr>
             <a:r>
-              <a:rPr lang="en-US" baseline="0" dirty="0" smtClean="0"/>
+              <a:rPr lang="en-US" baseline="0" dirty="0"/>
               <a:t>Functions could cause the system to evaluate data row by row (min, max)</a:t>
             </a:r>
           </a:p>
@@ -4593,7 +4579,7 @@
               <a:buChar char="•"/>
             </a:pPr>
             <a:r>
-              <a:rPr lang="en-US" baseline="0" dirty="0" smtClean="0"/>
+              <a:rPr lang="en-US" baseline="0" dirty="0"/>
               <a:t>Aggregations can cause data to be joined across nodes</a:t>
             </a:r>
           </a:p>
@@ -5032,13 +5018,6 @@
   <p:clrMapOvr>
     <a:masterClrMapping/>
   </p:clrMapOvr>
-  <p:timing>
-    <p:tnLst>
-      <p:par>
-        <p:cTn id="1" dur="indefinite" restart="never" nodeType="tmRoot"/>
-      </p:par>
-    </p:tnLst>
-  </p:timing>
 </p:sldLayout>
 </file>
 
@@ -5314,13 +5293,6 @@
   <p:clrMapOvr>
     <a:masterClrMapping/>
   </p:clrMapOvr>
-  <p:timing>
-    <p:tnLst>
-      <p:par>
-        <p:cTn id="1" dur="indefinite" restart="never" nodeType="tmRoot"/>
-      </p:par>
-    </p:tnLst>
-  </p:timing>
 </p:sldLayout>
 </file>
 
@@ -5596,13 +5568,6 @@
   <p:clrMapOvr>
     <a:masterClrMapping/>
   </p:clrMapOvr>
-  <p:timing>
-    <p:tnLst>
-      <p:par>
-        <p:cTn id="1" dur="indefinite" restart="never" nodeType="tmRoot"/>
-      </p:par>
-    </p:tnLst>
-  </p:timing>
 </p:sldLayout>
 </file>
 
@@ -5877,13 +5842,6 @@
   <p:clrMapOvr>
     <a:masterClrMapping/>
   </p:clrMapOvr>
-  <p:timing>
-    <p:tnLst>
-      <p:par>
-        <p:cTn id="1" dur="indefinite" restart="never" nodeType="tmRoot"/>
-      </p:par>
-    </p:tnLst>
-  </p:timing>
 </p:sldLayout>
 </file>
 
@@ -7111,7 +7069,7 @@
       </p:grpSpPr>
       <p:sp>
         <p:nvSpPr>
-          <p:cNvPr id="2" name="Title 1"/>
+          <p:cNvPr id="2" name="Title Design"/>
           <p:cNvSpPr>
             <a:spLocks noGrp="1"/>
           </p:cNvSpPr>
@@ -7121,7 +7079,7 @@
         </p:nvSpPr>
         <p:spPr>
           <a:xfrm>
-            <a:off x="327862" y="3420696"/>
+            <a:off x="46908" y="3425673"/>
             <a:ext cx="6971572" cy="701450"/>
           </a:xfrm>
         </p:spPr>
@@ -7130,17 +7088,16 @@
           <a:lstStyle/>
           <a:p>
             <a:r>
-              <a:rPr lang="en-US" dirty="0" smtClean="0"/>
+              <a:rPr lang="en-US" dirty="0"/>
               <a:t>Designing for</a:t>
             </a:r>
             <a:br>
-              <a:rPr lang="en-US" dirty="0" smtClean="0"/>
+              <a:rPr lang="en-US" dirty="0"/>
             </a:br>
             <a:r>
-              <a:rPr lang="en-US" dirty="0" smtClean="0"/>
+              <a:rPr lang="en-US" dirty="0"/>
               <a:t>Azure Data Warehouse Performance</a:t>
             </a:r>
-            <a:endParaRPr lang="en-US" dirty="0"/>
           </a:p>
         </p:txBody>
       </p:sp>
@@ -7154,13 +7111,18 @@
             <p:ph type="subTitle" idx="1"/>
           </p:nvPr>
         </p:nvSpPr>
-        <p:spPr/>
+        <p:spPr>
+          <a:xfrm>
+            <a:off x="461056" y="4332053"/>
+            <a:ext cx="6143277" cy="536622"/>
+          </a:xfrm>
+        </p:spPr>
         <p:txBody>
           <a:bodyPr/>
           <a:lstStyle/>
           <a:p>
             <a:r>
-              <a:rPr lang="en-US" dirty="0" smtClean="0"/>
+              <a:rPr lang="en-US" dirty="0"/>
               <a:t>Beth Wolfset, Senior Data Architect</a:t>
             </a:r>
           </a:p>
@@ -7377,7 +7339,7 @@
               </a:spcBef>
             </a:pPr>
             <a:r>
-              <a:rPr lang="en-US" sz="1200" dirty="0" smtClean="0"/>
+              <a:rPr lang="en-US" sz="1200" dirty="0"/>
               <a:t>Email:	Beth.Wolfset@insight.com</a:t>
             </a:r>
           </a:p>
@@ -7392,11 +7354,7 @@
             </a:pPr>
             <a:r>
               <a:rPr lang="en-US" sz="1200" dirty="0"/>
-              <a:t>	</a:t>
-            </a:r>
-            <a:r>
-              <a:rPr lang="en-US" sz="1200" dirty="0" smtClean="0"/>
-              <a:t>bswolfset@gmail.com </a:t>
+              <a:t>	bswolfset@gmail.com </a:t>
             </a:r>
           </a:p>
         </p:txBody>
@@ -7424,7 +7382,7 @@
           <a:p>
             <a:r>
               <a:rPr lang="en-US" dirty="0">
-                <a:hlinkClick r:id=""/>
+                <a:hlinkClick r:id="" action="ppaction://noaction"/>
               </a:rPr>
               <a:t>https</a:t>
             </a:r>
@@ -7440,7 +7398,7 @@
       </p:sp>
       <p:sp>
         <p:nvSpPr>
-          <p:cNvPr id="6" name="Title 1"/>
+          <p:cNvPr id="6" name="Title Primer"/>
           <p:cNvSpPr txBox="1">
             <a:spLocks/>
           </p:cNvSpPr>
@@ -7448,8 +7406,8 @@
         </p:nvSpPr>
         <p:spPr>
           <a:xfrm>
-            <a:off x="325667" y="3415979"/>
-            <a:ext cx="6024448" cy="701450"/>
+            <a:off x="46908" y="3740612"/>
+            <a:ext cx="9010186" cy="701450"/>
           </a:xfrm>
           <a:prstGeom prst="rect">
             <a:avLst/>
@@ -7479,18 +7437,21 @@
             </a:lvl1pPr>
           </a:lstStyle>
           <a:p>
-            <a:r>
-              <a:rPr lang="en-US" dirty="0" smtClean="0"/>
-              <a:t/>
-            </a:r>
             <a:br>
-              <a:rPr lang="en-US" dirty="0" smtClean="0"/>
+              <a:rPr lang="en-US" dirty="0"/>
             </a:br>
             <a:r>
-              <a:rPr lang="en-US" dirty="0" smtClean="0"/>
+              <a:rPr lang="en-US" sz="2400" dirty="0">
+                <a:solidFill>
+                  <a:schemeClr val="tx1"/>
+                </a:solidFill>
+              </a:rPr>
+              <a:t>Alternate: </a:t>
+            </a:r>
+            <a:r>
+              <a:rPr lang="en-US" sz="2400" dirty="0"/>
               <a:t>Azure Data Warehouse Primer</a:t>
             </a:r>
-            <a:endParaRPr lang="en-US" dirty="0"/>
           </a:p>
         </p:txBody>
       </p:sp>
@@ -7516,6 +7477,9 @@
                     <p:cTn id="3" fill="hold">
                       <p:stCondLst>
                         <p:cond delay="indefinite"/>
+                        <p:cond evt="onBegin" delay="0">
+                          <p:tn val="2"/>
+                        </p:cond>
                       </p:stCondLst>
                       <p:childTnLst>
                         <p:par>
@@ -7525,7 +7489,7 @@
                             </p:stCondLst>
                             <p:childTnLst>
                               <p:par>
-                                <p:cTn id="5" presetID="1" presetClass="entr" presetSubtype="0" fill="hold" grpId="0" nodeType="clickEffect">
+                                <p:cTn id="5" presetID="10" presetClass="entr" presetSubtype="0" fill="hold" grpId="0" nodeType="withEffect">
                                   <p:stCondLst>
                                     <p:cond delay="0"/>
                                   </p:stCondLst>
@@ -7548,18 +7512,44 @@
                                         <p:strVal val="visible"/>
                                       </p:to>
                                     </p:set>
+                                    <p:animEffect transition="in" filter="fade">
+                                      <p:cBhvr>
+                                        <p:cTn id="7" dur="500"/>
+                                        <p:tgtEl>
+                                          <p:spTgt spid="2"/>
+                                        </p:tgtEl>
+                                      </p:cBhvr>
+                                    </p:animEffect>
                                   </p:childTnLst>
                                 </p:cTn>
                               </p:par>
+                            </p:childTnLst>
+                          </p:cTn>
+                        </p:par>
+                      </p:childTnLst>
+                    </p:cTn>
+                  </p:par>
+                  <p:par>
+                    <p:cTn id="8" fill="hold">
+                      <p:stCondLst>
+                        <p:cond delay="indefinite"/>
+                      </p:stCondLst>
+                      <p:childTnLst>
+                        <p:par>
+                          <p:cTn id="9" fill="hold">
+                            <p:stCondLst>
+                              <p:cond delay="0"/>
+                            </p:stCondLst>
+                            <p:childTnLst>
                               <p:par>
-                                <p:cTn id="7" presetID="1" presetClass="exit" presetSubtype="0" fill="hold" grpId="0" nodeType="withEffect">
+                                <p:cTn id="10" presetID="1" presetClass="entr" presetSubtype="0" fill="hold" grpId="0" nodeType="clickEffect">
                                   <p:stCondLst>
                                     <p:cond delay="0"/>
                                   </p:stCondLst>
                                   <p:childTnLst>
                                     <p:set>
                                       <p:cBhvr>
-                                        <p:cTn id="8" dur="1" fill="hold">
+                                        <p:cTn id="11" dur="1" fill="hold">
                                           <p:stCondLst>
                                             <p:cond delay="0"/>
                                           </p:stCondLst>
@@ -7572,7 +7562,7 @@
                                         </p:attrNameLst>
                                       </p:cBhvr>
                                       <p:to>
-                                        <p:strVal val="hidden"/>
+                                        <p:strVal val="visible"/>
                                       </p:to>
                                     </p:set>
                                   </p:childTnLst>
@@ -7677,10 +7667,9 @@
                     <a:lstStyle/>
                     <a:p>
                       <a:r>
-                        <a:rPr lang="en-US" sz="1400" dirty="0" smtClean="0"/>
+                        <a:rPr lang="en-US" sz="1400" dirty="0"/>
                         <a:t>Operation</a:t>
                       </a:r>
-                      <a:endParaRPr lang="en-US" sz="1400" dirty="0"/>
                     </a:p>
                   </a:txBody>
                   <a:tcPr>
@@ -7695,10 +7684,9 @@
                     <a:lstStyle/>
                     <a:p>
                       <a:r>
-                        <a:rPr lang="en-US" sz="1400" dirty="0" smtClean="0"/>
+                        <a:rPr lang="en-US" sz="1400" dirty="0"/>
                         <a:t>Description</a:t>
                       </a:r>
-                      <a:endParaRPr lang="en-US" sz="1400" dirty="0"/>
                     </a:p>
                   </a:txBody>
                   <a:tcPr>
@@ -7720,10 +7708,9 @@
                     <a:lstStyle/>
                     <a:p>
                       <a:r>
-                        <a:rPr lang="en-US" sz="1400" dirty="0" smtClean="0"/>
+                        <a:rPr lang="en-US" sz="1400" dirty="0"/>
                         <a:t>Shuffle</a:t>
                       </a:r>
-                      <a:endParaRPr lang="en-US" sz="1400" dirty="0"/>
                     </a:p>
                   </a:txBody>
                   <a:tcPr>
@@ -7738,37 +7725,37 @@
                     <a:lstStyle/>
                     <a:p>
                       <a:r>
-                        <a:rPr lang="en-US" sz="1400" dirty="0" smtClean="0"/>
+                        <a:rPr lang="en-US" sz="1400" dirty="0"/>
                         <a:t>Distribution</a:t>
                       </a:r>
                       <a:r>
-                        <a:rPr lang="en-US" sz="1400" baseline="0" dirty="0" smtClean="0"/>
+                        <a:rPr lang="en-US" sz="1400" baseline="0" dirty="0"/>
                         <a:t> </a:t>
                       </a:r>
                       <a:r>
-                        <a:rPr lang="en-US" sz="1400" baseline="0" dirty="0" smtClean="0">
+                        <a:rPr lang="en-US" sz="1400" baseline="0" dirty="0">
                           <a:sym typeface="Wingdings" panose="05000000000000000000" pitchFamily="2" charset="2"/>
                         </a:rPr>
                         <a:t></a:t>
                       </a:r>
                       <a:r>
-                        <a:rPr lang="en-US" sz="1400" baseline="0" dirty="0" smtClean="0"/>
+                        <a:rPr lang="en-US" sz="1400" baseline="0" dirty="0"/>
                         <a:t> Hash Algorithm </a:t>
                       </a:r>
                       <a:r>
-                        <a:rPr lang="en-US" sz="1400" baseline="0" dirty="0" smtClean="0">
+                        <a:rPr lang="en-US" sz="1400" baseline="0" dirty="0">
                           <a:sym typeface="Wingdings" panose="05000000000000000000" pitchFamily="2" charset="2"/>
                         </a:rPr>
                         <a:t></a:t>
                       </a:r>
                       <a:r>
-                        <a:rPr lang="en-US" sz="1400" baseline="0" dirty="0" smtClean="0"/>
+                        <a:rPr lang="en-US" sz="1400" baseline="0" dirty="0"/>
                         <a:t> New Distribution</a:t>
                       </a:r>
                     </a:p>
                     <a:p>
                       <a:r>
-                        <a:rPr lang="en-US" sz="1400" baseline="0" dirty="0" smtClean="0"/>
+                        <a:rPr lang="en-US" sz="1400" baseline="0" dirty="0"/>
                         <a:t>Changing the distribution column in preparation for joins</a:t>
                       </a:r>
                       <a:endParaRPr lang="en-US" sz="1400" dirty="0"/>
@@ -7793,10 +7780,9 @@
                     <a:lstStyle/>
                     <a:p>
                       <a:r>
-                        <a:rPr lang="en-US" sz="1400" dirty="0" smtClean="0"/>
+                        <a:rPr lang="en-US" sz="1400" dirty="0"/>
                         <a:t>Broadcast</a:t>
                       </a:r>
-                      <a:endParaRPr lang="en-US" sz="1400" dirty="0"/>
                     </a:p>
                   </a:txBody>
                   <a:tcPr>
@@ -7811,21 +7797,21 @@
                     <a:lstStyle/>
                     <a:p>
                       <a:r>
-                        <a:rPr lang="en-US" sz="1400" dirty="0" smtClean="0"/>
+                        <a:rPr lang="en-US" sz="1400" dirty="0"/>
                         <a:t>Distribution</a:t>
                       </a:r>
                       <a:r>
-                        <a:rPr lang="en-US" sz="1400" baseline="0" dirty="0" smtClean="0"/>
+                        <a:rPr lang="en-US" sz="1400" baseline="0" dirty="0"/>
                         <a:t> </a:t>
                       </a:r>
                       <a:r>
-                        <a:rPr lang="en-US" sz="1400" baseline="0" dirty="0" smtClean="0">
+                        <a:rPr lang="en-US" sz="1400" baseline="0" dirty="0">
                           <a:sym typeface="Wingdings" panose="05000000000000000000" pitchFamily="2" charset="2"/>
                         </a:rPr>
                         <a:t></a:t>
                       </a:r>
                       <a:r>
-                        <a:rPr lang="en-US" sz="1400" baseline="0" dirty="0" smtClean="0"/>
+                        <a:rPr lang="en-US" sz="1400" baseline="0" dirty="0"/>
                         <a:t> Replicated (copy to all compute nodes)</a:t>
                       </a:r>
                       <a:endParaRPr lang="en-US" sz="1400" dirty="0"/>
@@ -7850,10 +7836,9 @@
                     <a:lstStyle/>
                     <a:p>
                       <a:r>
-                        <a:rPr lang="en-US" sz="1400" dirty="0" smtClean="0"/>
+                        <a:rPr lang="en-US" sz="1400" dirty="0"/>
                         <a:t>Partition</a:t>
                       </a:r>
-                      <a:endParaRPr lang="en-US" sz="1400" dirty="0"/>
                     </a:p>
                   </a:txBody>
                   <a:tcPr>
@@ -7868,27 +7853,27 @@
                     <a:lstStyle/>
                     <a:p>
                       <a:r>
-                        <a:rPr lang="en-US" sz="1400" dirty="0" smtClean="0"/>
+                        <a:rPr lang="en-US" sz="1400" dirty="0"/>
                         <a:t>Distribution </a:t>
                       </a:r>
                       <a:r>
-                        <a:rPr lang="en-US" sz="1400" dirty="0" smtClean="0">
+                        <a:rPr lang="en-US" sz="1400" dirty="0">
                           <a:sym typeface="Wingdings" panose="05000000000000000000" pitchFamily="2" charset="2"/>
                         </a:rPr>
                         <a:t></a:t>
                       </a:r>
                       <a:r>
-                        <a:rPr lang="en-US" sz="1400" dirty="0" smtClean="0"/>
+                        <a:rPr lang="en-US" sz="1400" dirty="0"/>
                         <a:t> Control Node</a:t>
                       </a:r>
                     </a:p>
                     <a:p>
                       <a:r>
-                        <a:rPr lang="en-US" sz="1400" dirty="0" smtClean="0"/>
+                        <a:rPr lang="en-US" sz="1400" dirty="0"/>
                         <a:t>Aggregations</a:t>
                       </a:r>
                       <a:r>
-                        <a:rPr lang="en-US" sz="1400" baseline="0" dirty="0" smtClean="0"/>
+                        <a:rPr lang="en-US" sz="1400" baseline="0" dirty="0"/>
                         <a:t> – count(*) is count on nodes, sum of count</a:t>
                       </a:r>
                       <a:endParaRPr lang="en-US" sz="1400" dirty="0"/>
@@ -7913,10 +7898,9 @@
                     <a:lstStyle/>
                     <a:p>
                       <a:r>
-                        <a:rPr lang="en-US" sz="1400" dirty="0" smtClean="0"/>
+                        <a:rPr lang="en-US" sz="1400" dirty="0"/>
                         <a:t>Trim</a:t>
                       </a:r>
-                      <a:endParaRPr lang="en-US" sz="1400" dirty="0"/>
                     </a:p>
                   </a:txBody>
                   <a:tcPr>
@@ -7931,37 +7915,37 @@
                     <a:lstStyle/>
                     <a:p>
                       <a:r>
-                        <a:rPr lang="en-US" sz="1400" dirty="0" smtClean="0"/>
+                        <a:rPr lang="en-US" sz="1400" dirty="0"/>
                         <a:t>Replicated</a:t>
                       </a:r>
                       <a:r>
-                        <a:rPr lang="en-US" sz="1400" baseline="0" dirty="0" smtClean="0"/>
+                        <a:rPr lang="en-US" sz="1400" baseline="0" dirty="0"/>
                         <a:t> </a:t>
                       </a:r>
                       <a:r>
-                        <a:rPr lang="en-US" sz="1400" baseline="0" dirty="0" smtClean="0">
+                        <a:rPr lang="en-US" sz="1400" baseline="0" dirty="0">
                           <a:sym typeface="Wingdings" panose="05000000000000000000" pitchFamily="2" charset="2"/>
                         </a:rPr>
                         <a:t></a:t>
                       </a:r>
                       <a:r>
-                        <a:rPr lang="en-US" sz="1400" baseline="0" dirty="0" smtClean="0"/>
+                        <a:rPr lang="en-US" sz="1400" baseline="0" dirty="0"/>
                         <a:t> Hash Algorithm </a:t>
                       </a:r>
                       <a:r>
-                        <a:rPr lang="en-US" sz="1400" baseline="0" dirty="0" smtClean="0">
+                        <a:rPr lang="en-US" sz="1400" baseline="0" dirty="0">
                           <a:sym typeface="Wingdings" panose="05000000000000000000" pitchFamily="2" charset="2"/>
                         </a:rPr>
                         <a:t></a:t>
                       </a:r>
                       <a:r>
-                        <a:rPr lang="en-US" sz="1400" baseline="0" dirty="0" smtClean="0"/>
+                        <a:rPr lang="en-US" sz="1400" baseline="0" dirty="0"/>
                         <a:t> New Distribution</a:t>
                       </a:r>
                     </a:p>
                     <a:p>
                       <a:r>
-                        <a:rPr lang="en-US" sz="1400" baseline="0" dirty="0" smtClean="0"/>
+                        <a:rPr lang="en-US" sz="1400" baseline="0" dirty="0"/>
                         <a:t>A replicated may be converted to distributed for outer joins</a:t>
                       </a:r>
                     </a:p>
@@ -7985,10 +7969,9 @@
                     <a:lstStyle/>
                     <a:p>
                       <a:r>
-                        <a:rPr lang="en-US" sz="1400" dirty="0" smtClean="0"/>
+                        <a:rPr lang="en-US" sz="1400" dirty="0"/>
                         <a:t>Round Robin</a:t>
                       </a:r>
-                      <a:endParaRPr lang="en-US" sz="1400" dirty="0"/>
                     </a:p>
                   </a:txBody>
                   <a:tcPr>
@@ -8003,31 +7986,31 @@
                     <a:lstStyle/>
                     <a:p>
                       <a:r>
-                        <a:rPr lang="en-US" sz="1400" dirty="0" smtClean="0"/>
+                        <a:rPr lang="en-US" sz="1400" dirty="0"/>
                         <a:t>Source </a:t>
                       </a:r>
                       <a:r>
-                        <a:rPr lang="en-US" sz="1400" dirty="0" smtClean="0">
+                        <a:rPr lang="en-US" sz="1400" dirty="0">
                           <a:sym typeface="Wingdings" panose="05000000000000000000" pitchFamily="2" charset="2"/>
                         </a:rPr>
                         <a:t></a:t>
                       </a:r>
                       <a:r>
-                        <a:rPr lang="en-US" sz="1400" dirty="0" smtClean="0"/>
+                        <a:rPr lang="en-US" sz="1400" dirty="0"/>
                         <a:t> Round Robin Algorithm </a:t>
                       </a:r>
                       <a:r>
-                        <a:rPr lang="en-US" sz="1400" dirty="0" smtClean="0">
+                        <a:rPr lang="en-US" sz="1400" dirty="0">
                           <a:sym typeface="Wingdings" panose="05000000000000000000" pitchFamily="2" charset="2"/>
                         </a:rPr>
                         <a:t></a:t>
                       </a:r>
                       <a:r>
-                        <a:rPr lang="en-US" sz="1400" dirty="0" smtClean="0"/>
+                        <a:rPr lang="en-US" sz="1400" dirty="0"/>
                         <a:t> Round Robin</a:t>
                       </a:r>
                       <a:r>
-                        <a:rPr lang="en-US" sz="1400" baseline="0" dirty="0" smtClean="0"/>
+                        <a:rPr lang="en-US" sz="1400" baseline="0" dirty="0"/>
                         <a:t> Distribution</a:t>
                       </a:r>
                       <a:endParaRPr lang="en-US" sz="1400" dirty="0"/>
@@ -8052,10 +8035,9 @@
                     <a:lstStyle/>
                     <a:p>
                       <a:r>
-                        <a:rPr lang="en-US" sz="1400" dirty="0" smtClean="0"/>
+                        <a:rPr lang="en-US" sz="1400" dirty="0"/>
                         <a:t>Move</a:t>
                       </a:r>
-                      <a:endParaRPr lang="en-US" sz="1400" dirty="0"/>
                     </a:p>
                   </a:txBody>
                   <a:tcPr>
@@ -8070,27 +8052,27 @@
                     <a:lstStyle/>
                     <a:p>
                       <a:r>
-                        <a:rPr lang="en-US" sz="1400" dirty="0" smtClean="0"/>
+                        <a:rPr lang="en-US" sz="1400" dirty="0"/>
                         <a:t>Control</a:t>
                       </a:r>
                       <a:r>
-                        <a:rPr lang="en-US" sz="1400" baseline="0" dirty="0" smtClean="0"/>
+                        <a:rPr lang="en-US" sz="1400" baseline="0" dirty="0"/>
                         <a:t> Node </a:t>
                       </a:r>
                       <a:r>
-                        <a:rPr lang="en-US" sz="1400" baseline="0" dirty="0" smtClean="0">
+                        <a:rPr lang="en-US" sz="1400" baseline="0" dirty="0">
                           <a:sym typeface="Wingdings" panose="05000000000000000000" pitchFamily="2" charset="2"/>
                         </a:rPr>
                         <a:t></a:t>
                       </a:r>
                       <a:r>
-                        <a:rPr lang="en-US" sz="1400" baseline="0" dirty="0" smtClean="0"/>
+                        <a:rPr lang="en-US" sz="1400" baseline="0" dirty="0"/>
                         <a:t> Replicated</a:t>
                       </a:r>
                     </a:p>
                     <a:p>
                       <a:r>
-                        <a:rPr lang="en-US" sz="1400" baseline="0" dirty="0" smtClean="0"/>
+                        <a:rPr lang="en-US" sz="1400" baseline="0" dirty="0"/>
                         <a:t>Data moved from Control Node to Compute Nodes</a:t>
                       </a:r>
                       <a:endParaRPr lang="en-US" sz="1400" dirty="0"/>
@@ -8133,10 +8115,9 @@
           <a:lstStyle/>
           <a:p>
             <a:r>
-              <a:rPr lang="en-US" dirty="0" smtClean="0"/>
+              <a:rPr lang="en-US" dirty="0"/>
               <a:t>Data Movement</a:t>
             </a:r>
-            <a:endParaRPr lang="en-US" dirty="0"/>
           </a:p>
         </p:txBody>
       </p:sp>
@@ -8287,10 +8268,9 @@
             <a:p>
               <a:pPr algn="ctr"/>
               <a:r>
-                <a:rPr lang="en-US" dirty="0" smtClean="0"/>
+                <a:rPr lang="en-US" dirty="0"/>
                 <a:t>Compute Node B</a:t>
               </a:r>
-              <a:endParaRPr lang="en-US" dirty="0"/>
             </a:p>
           </p:txBody>
         </p:sp>
@@ -8339,18 +8319,13 @@
             <a:p>
               <a:pPr algn="ctr"/>
               <a:r>
-                <a:rPr lang="en-US" dirty="0" smtClean="0">
+                <a:rPr lang="en-US" dirty="0">
                   <a:solidFill>
                     <a:srgbClr val="C13089"/>
                   </a:solidFill>
                 </a:rPr>
                 <a:t>1</a:t>
               </a:r>
-              <a:endParaRPr lang="en-US" dirty="0">
-                <a:solidFill>
-                  <a:srgbClr val="C13089"/>
-                </a:solidFill>
-              </a:endParaRPr>
             </a:p>
           </p:txBody>
         </p:sp>
@@ -8399,18 +8374,13 @@
             <a:p>
               <a:pPr algn="ctr"/>
               <a:r>
-                <a:rPr lang="en-US" dirty="0" smtClean="0">
+                <a:rPr lang="en-US" dirty="0">
                   <a:solidFill>
                     <a:srgbClr val="C13089"/>
                   </a:solidFill>
                 </a:rPr>
                 <a:t>2</a:t>
               </a:r>
-              <a:endParaRPr lang="en-US" dirty="0">
-                <a:solidFill>
-                  <a:srgbClr val="C13089"/>
-                </a:solidFill>
-              </a:endParaRPr>
             </a:p>
           </p:txBody>
         </p:sp>
@@ -8459,18 +8429,13 @@
             <a:p>
               <a:pPr algn="ctr"/>
               <a:r>
-                <a:rPr lang="en-US" dirty="0" smtClean="0">
+                <a:rPr lang="en-US" dirty="0">
                   <a:solidFill>
                     <a:srgbClr val="C13089"/>
                   </a:solidFill>
                 </a:rPr>
                 <a:t>3</a:t>
               </a:r>
-              <a:endParaRPr lang="en-US" dirty="0">
-                <a:solidFill>
-                  <a:srgbClr val="C13089"/>
-                </a:solidFill>
-              </a:endParaRPr>
             </a:p>
           </p:txBody>
         </p:sp>
@@ -8519,18 +8484,13 @@
             <a:p>
               <a:pPr algn="ctr"/>
               <a:r>
-                <a:rPr lang="en-US" dirty="0" smtClean="0">
+                <a:rPr lang="en-US" dirty="0">
                   <a:solidFill>
                     <a:srgbClr val="C13089"/>
                   </a:solidFill>
                 </a:rPr>
                 <a:t>5</a:t>
               </a:r>
-              <a:endParaRPr lang="en-US" dirty="0">
-                <a:solidFill>
-                  <a:srgbClr val="C13089"/>
-                </a:solidFill>
-              </a:endParaRPr>
             </a:p>
           </p:txBody>
         </p:sp>
@@ -8579,18 +8539,13 @@
             <a:p>
               <a:pPr algn="ctr"/>
               <a:r>
-                <a:rPr lang="en-US" dirty="0" smtClean="0">
+                <a:rPr lang="en-US" dirty="0">
                   <a:solidFill>
                     <a:srgbClr val="C13089"/>
                   </a:solidFill>
                 </a:rPr>
                 <a:t>4</a:t>
               </a:r>
-              <a:endParaRPr lang="en-US" dirty="0">
-                <a:solidFill>
-                  <a:srgbClr val="C13089"/>
-                </a:solidFill>
-              </a:endParaRPr>
             </a:p>
           </p:txBody>
         </p:sp>
@@ -8639,18 +8594,13 @@
             <a:p>
               <a:pPr algn="ctr"/>
               <a:r>
-                <a:rPr lang="en-US" dirty="0" smtClean="0">
+                <a:rPr lang="en-US" dirty="0">
                   <a:solidFill>
                     <a:srgbClr val="C13089"/>
                   </a:solidFill>
                 </a:rPr>
                 <a:t>6</a:t>
               </a:r>
-              <a:endParaRPr lang="en-US" dirty="0">
-                <a:solidFill>
-                  <a:srgbClr val="C13089"/>
-                </a:solidFill>
-              </a:endParaRPr>
             </a:p>
           </p:txBody>
         </p:sp>
@@ -8920,10 +8870,9 @@
             <a:p>
               <a:pPr algn="ctr"/>
               <a:r>
-                <a:rPr lang="en-US" dirty="0" smtClean="0"/>
+                <a:rPr lang="en-US" dirty="0"/>
                 <a:t>Compute Node A</a:t>
               </a:r>
-              <a:endParaRPr lang="en-US" dirty="0"/>
             </a:p>
           </p:txBody>
         </p:sp>
@@ -9270,10 +9219,9 @@
           <a:lstStyle/>
           <a:p>
             <a:r>
-              <a:rPr lang="en-US" dirty="0" smtClean="0"/>
+              <a:rPr lang="en-US" dirty="0"/>
               <a:t>Considerations</a:t>
             </a:r>
-            <a:endParaRPr lang="en-US" dirty="0"/>
           </a:p>
         </p:txBody>
       </p:sp>
@@ -9310,7 +9258,7 @@
               <a:buChar char="•"/>
             </a:pPr>
             <a:r>
-              <a:rPr lang="en-US" sz="2400" dirty="0" smtClean="0">
+              <a:rPr lang="en-US" sz="2400" dirty="0">
                 <a:solidFill>
                   <a:srgbClr val="D30C55"/>
                 </a:solidFill>
@@ -9326,7 +9274,7 @@
               <a:buChar char="•"/>
             </a:pPr>
             <a:r>
-              <a:rPr lang="en-US" sz="1400" dirty="0" smtClean="0">
+              <a:rPr lang="en-US" sz="1400" dirty="0">
                 <a:solidFill>
                   <a:srgbClr val="554741"/>
                 </a:solidFill>
@@ -9342,7 +9290,7 @@
               <a:buChar char="•"/>
             </a:pPr>
             <a:r>
-              <a:rPr lang="en-US" sz="1400" dirty="0" smtClean="0">
+              <a:rPr lang="en-US" sz="1400" dirty="0">
                 <a:solidFill>
                   <a:srgbClr val="554741"/>
                 </a:solidFill>
@@ -9358,7 +9306,7 @@
               <a:buChar char="•"/>
             </a:pPr>
             <a:r>
-              <a:rPr lang="en-US" sz="1400" dirty="0" smtClean="0">
+              <a:rPr lang="en-US" sz="1400" dirty="0">
                 <a:solidFill>
                   <a:srgbClr val="554741"/>
                 </a:solidFill>
@@ -9374,7 +9322,7 @@
               <a:buChar char="•"/>
             </a:pPr>
             <a:r>
-              <a:rPr lang="en-US" sz="1400" dirty="0" smtClean="0">
+              <a:rPr lang="en-US" sz="1400" dirty="0">
                 <a:solidFill>
                   <a:srgbClr val="554741"/>
                 </a:solidFill>
@@ -9390,7 +9338,7 @@
               <a:buChar char="•"/>
             </a:pPr>
             <a:r>
-              <a:rPr lang="en-US" sz="1400" dirty="0" smtClean="0">
+              <a:rPr lang="en-US" sz="1400" dirty="0">
                 <a:solidFill>
                   <a:srgbClr val="554741"/>
                 </a:solidFill>
@@ -9406,7 +9354,7 @@
               <a:buChar char="•"/>
             </a:pPr>
             <a:r>
-              <a:rPr lang="en-US" sz="1400" dirty="0" smtClean="0">
+              <a:rPr lang="en-US" sz="1400" dirty="0">
                 <a:solidFill>
                   <a:srgbClr val="554741"/>
                 </a:solidFill>
@@ -9415,20 +9363,13 @@
               </a:rPr>
               <a:t>Skew</a:t>
             </a:r>
-            <a:r>
-              <a:rPr lang="en-US" sz="1100" dirty="0" smtClean="0">
+            <a:br>
+              <a:rPr lang="en-US" sz="1100" dirty="0">
                 <a:latin typeface="Verdana" panose="020B0604030504040204" pitchFamily="34" charset="0"/>
                 <a:ea typeface="Verdana" panose="020B0604030504040204" pitchFamily="34" charset="0"/>
               </a:rPr>
-              <a:t/>
-            </a:r>
-            <a:br>
-              <a:rPr lang="en-US" sz="1100" dirty="0" smtClean="0">
-                <a:latin typeface="Verdana" panose="020B0604030504040204" pitchFamily="34" charset="0"/>
-                <a:ea typeface="Verdana" panose="020B0604030504040204" pitchFamily="34" charset="0"/>
-              </a:rPr>
             </a:br>
-            <a:endParaRPr lang="en-US" sz="1100" dirty="0" smtClean="0">
+            <a:endParaRPr lang="en-US" sz="1100" dirty="0">
               <a:solidFill>
                 <a:srgbClr val="D30C55"/>
               </a:solidFill>
@@ -9442,7 +9383,7 @@
               <a:buChar char="•"/>
             </a:pPr>
             <a:r>
-              <a:rPr lang="en-US" sz="2400" dirty="0" smtClean="0">
+              <a:rPr lang="en-US" sz="2400" dirty="0">
                 <a:solidFill>
                   <a:srgbClr val="D40E8C"/>
                 </a:solidFill>
@@ -9451,7 +9392,7 @@
               </a:rPr>
               <a:t>Performance</a:t>
             </a:r>
-            <a:endParaRPr lang="en-US" sz="2400" dirty="0" smtClean="0">
+            <a:endParaRPr lang="en-US" sz="2400" dirty="0">
               <a:solidFill>
                 <a:srgbClr val="D30C55"/>
               </a:solidFill>
@@ -9465,7 +9406,7 @@
               <a:buChar char="•"/>
             </a:pPr>
             <a:r>
-              <a:rPr lang="en-US" sz="1400" dirty="0" smtClean="0">
+              <a:rPr lang="en-US" sz="1400" dirty="0">
                 <a:solidFill>
                   <a:srgbClr val="554741"/>
                 </a:solidFill>
@@ -9481,7 +9422,7 @@
               <a:buChar char="•"/>
             </a:pPr>
             <a:r>
-              <a:rPr lang="en-US" sz="1400" dirty="0" smtClean="0">
+              <a:rPr lang="en-US" sz="1400" dirty="0">
                 <a:solidFill>
                   <a:srgbClr val="554741"/>
                 </a:solidFill>
@@ -9497,7 +9438,7 @@
               <a:buChar char="•"/>
             </a:pPr>
             <a:r>
-              <a:rPr lang="en-US" sz="1400" dirty="0" smtClean="0">
+              <a:rPr lang="en-US" sz="1400" dirty="0">
                 <a:solidFill>
                   <a:srgbClr val="554741"/>
                 </a:solidFill>
@@ -9513,7 +9454,7 @@
               <a:buChar char="•"/>
             </a:pPr>
             <a:r>
-              <a:rPr lang="en-US" sz="1400" dirty="0" smtClean="0">
+              <a:rPr lang="en-US" sz="1400" dirty="0">
                 <a:solidFill>
                   <a:srgbClr val="554741"/>
                 </a:solidFill>
@@ -9529,7 +9470,7 @@
               <a:buChar char="•"/>
             </a:pPr>
             <a:r>
-              <a:rPr lang="en-US" sz="1400" dirty="0" smtClean="0">
+              <a:rPr lang="en-US" sz="1400" dirty="0">
                 <a:solidFill>
                   <a:srgbClr val="554741"/>
                 </a:solidFill>
@@ -9539,7 +9480,7 @@
               <a:t>Include </a:t>
             </a:r>
             <a:r>
-              <a:rPr lang="en-US" sz="1400" dirty="0" err="1" smtClean="0">
+              <a:rPr lang="en-US" sz="1400" dirty="0" err="1">
                 <a:solidFill>
                   <a:srgbClr val="554741"/>
                 </a:solidFill>
@@ -9549,7 +9490,7 @@
               <a:t>HashKey</a:t>
             </a:r>
             <a:r>
-              <a:rPr lang="en-US" sz="1400" dirty="0" smtClean="0">
+              <a:rPr lang="en-US" sz="1400" dirty="0">
                 <a:solidFill>
                   <a:srgbClr val="554741"/>
                 </a:solidFill>
@@ -9565,7 +9506,7 @@
               <a:buChar char="•"/>
             </a:pPr>
             <a:r>
-              <a:rPr lang="en-US" sz="1400" dirty="0" smtClean="0">
+              <a:rPr lang="en-US" sz="1400" dirty="0">
                 <a:solidFill>
                   <a:srgbClr val="554741"/>
                 </a:solidFill>
@@ -9780,16 +9721,8 @@
           </a:lstStyle>
           <a:p>
             <a:r>
-              <a:rPr lang="en-US" sz="2800" dirty="0" smtClean="0"/>
-              <a:t>Paralyzed </a:t>
-            </a:r>
-            <a:r>
               <a:rPr lang="en-US" sz="2800" dirty="0"/>
-              <a:t>or </a:t>
-            </a:r>
-            <a:r>
-              <a:rPr lang="en-US" sz="2800" dirty="0" smtClean="0"/>
-              <a:t>Parallelized?</a:t>
+              <a:t>Paralyzed or Parallelized?</a:t>
             </a:r>
           </a:p>
         </p:txBody>
@@ -9816,13 +9749,6 @@
       </p:transition>
     </mc:Fallback>
   </mc:AlternateContent>
-  <p:timing>
-    <p:tnLst>
-      <p:par>
-        <p:cTn id="1" dur="indefinite" restart="never" nodeType="tmRoot"/>
-      </p:par>
-    </p:tnLst>
-  </p:timing>
 </p:sld>
 </file>
 
@@ -9859,10 +9785,9 @@
           <a:lstStyle/>
           <a:p>
             <a:r>
-              <a:rPr lang="en-US" dirty="0" smtClean="0"/>
+              <a:rPr lang="en-US" dirty="0"/>
               <a:t>Let’s Look at the Tables</a:t>
             </a:r>
-            <a:endParaRPr lang="en-US" dirty="0"/>
           </a:p>
         </p:txBody>
       </p:sp>
@@ -9876,13 +9801,6 @@
   <p:clrMapOvr>
     <a:masterClrMapping/>
   </p:clrMapOvr>
-  <p:timing>
-    <p:tnLst>
-      <p:par>
-        <p:cTn id="1" dur="indefinite" restart="never" nodeType="tmRoot"/>
-      </p:par>
-    </p:tnLst>
-  </p:timing>
 </p:sld>
 </file>
 
@@ -10150,7 +10068,7 @@
               <a:buNone/>
             </a:pPr>
             <a:r>
-              <a:rPr lang="en-US" sz="2000" dirty="0" smtClean="0">
+              <a:rPr lang="en-US" sz="2000" dirty="0">
                 <a:solidFill>
                   <a:srgbClr val="C0167A"/>
                 </a:solidFill>
@@ -10161,7 +10079,7 @@
               <a:t>Email:	</a:t>
             </a:r>
             <a:r>
-              <a:rPr lang="en-US" sz="2000" dirty="0" smtClean="0">
+              <a:rPr lang="en-US" sz="2000" dirty="0">
                 <a:solidFill>
                   <a:srgbClr val="C0167A"/>
                 </a:solidFill>
@@ -10173,7 +10091,7 @@
               <a:t>beth.wolfset@insight.com</a:t>
             </a:r>
             <a:r>
-              <a:rPr lang="en-US" sz="2000" dirty="0" smtClean="0">
+              <a:rPr lang="en-US" sz="2000" dirty="0">
                 <a:solidFill>
                   <a:srgbClr val="C0167A"/>
                 </a:solidFill>
@@ -10182,6 +10100,78 @@
                 <a:cs typeface="Verdana" panose="020B0604030504040204" pitchFamily="34" charset="0"/>
               </a:rPr>
               <a:t>  </a:t>
+            </a:r>
+          </a:p>
+          <a:p>
+            <a:pPr marL="0" indent="0" defTabSz="969963">
+              <a:spcBef>
+                <a:spcPct val="0"/>
+              </a:spcBef>
+              <a:buNone/>
+            </a:pPr>
+            <a:r>
+              <a:rPr lang="en-US" sz="2000" dirty="0">
+                <a:solidFill>
+                  <a:srgbClr val="C0167A"/>
+                </a:solidFill>
+                <a:latin typeface="Verdana" panose="020B0604030504040204" pitchFamily="34" charset="0"/>
+                <a:ea typeface="Verdana" panose="020B0604030504040204" pitchFamily="34" charset="0"/>
+                <a:cs typeface="Verdana" panose="020B0604030504040204" pitchFamily="34" charset="0"/>
+              </a:rPr>
+              <a:t>	</a:t>
+            </a:r>
+            <a:r>
+              <a:rPr lang="en-US" sz="2000" dirty="0">
+                <a:solidFill>
+                  <a:srgbClr val="C0167A"/>
+                </a:solidFill>
+                <a:latin typeface="Verdana" panose="020B0604030504040204" pitchFamily="34" charset="0"/>
+                <a:ea typeface="Verdana" panose="020B0604030504040204" pitchFamily="34" charset="0"/>
+                <a:cs typeface="Verdana" panose="020B0604030504040204" pitchFamily="34" charset="0"/>
+                <a:hlinkClick r:id="rId4"/>
+              </a:rPr>
+              <a:t>bswolfset@gmail.com</a:t>
+            </a:r>
+            <a:r>
+              <a:rPr lang="en-US" sz="2000" dirty="0">
+                <a:solidFill>
+                  <a:srgbClr val="C0167A"/>
+                </a:solidFill>
+                <a:latin typeface="Verdana" panose="020B0604030504040204" pitchFamily="34" charset="0"/>
+                <a:ea typeface="Verdana" panose="020B0604030504040204" pitchFamily="34" charset="0"/>
+                <a:cs typeface="Verdana" panose="020B0604030504040204" pitchFamily="34" charset="0"/>
+              </a:rPr>
+              <a:t>  </a:t>
+            </a:r>
+          </a:p>
+          <a:p>
+            <a:pPr marL="0" indent="0" defTabSz="969963">
+              <a:spcBef>
+                <a:spcPct val="0"/>
+              </a:spcBef>
+              <a:buNone/>
+            </a:pPr>
+            <a:r>
+              <a:rPr lang="en-US" sz="2000" dirty="0">
+                <a:solidFill>
+                  <a:srgbClr val="C0167A"/>
+                </a:solidFill>
+                <a:latin typeface="Verdana" panose="020B0604030504040204" pitchFamily="34" charset="0"/>
+                <a:ea typeface="Verdana" panose="020B0604030504040204" pitchFamily="34" charset="0"/>
+                <a:cs typeface="Verdana" panose="020B0604030504040204" pitchFamily="34" charset="0"/>
+              </a:rPr>
+              <a:t>Twitter: @</a:t>
+            </a:r>
+            <a:r>
+              <a:rPr lang="en-US" sz="2000" dirty="0" err="1">
+                <a:solidFill>
+                  <a:srgbClr val="C0167A"/>
+                </a:solidFill>
+                <a:latin typeface="Verdana" panose="020B0604030504040204" pitchFamily="34" charset="0"/>
+                <a:ea typeface="Verdana" panose="020B0604030504040204" pitchFamily="34" charset="0"/>
+                <a:cs typeface="Verdana" panose="020B0604030504040204" pitchFamily="34" charset="0"/>
+              </a:rPr>
+              <a:t>beth_wolfset</a:t>
             </a:r>
             <a:endParaRPr lang="en-US" sz="2000" dirty="0">
               <a:solidFill>
@@ -10192,92 +10182,54 @@
               <a:cs typeface="Verdana" panose="020B0604030504040204" pitchFamily="34" charset="0"/>
             </a:endParaRPr>
           </a:p>
-          <a:p>
-            <a:pPr marL="0" indent="0" defTabSz="969963">
-              <a:spcBef>
-                <a:spcPct val="0"/>
-              </a:spcBef>
-              <a:buNone/>
-            </a:pPr>
+        </p:txBody>
+      </p:sp>
+      <p:sp>
+        <p:nvSpPr>
+          <p:cNvPr id="4" name="Rectangle 3">
+            <a:extLst>
+              <a:ext uri="{FF2B5EF4-FFF2-40B4-BE49-F238E27FC236}">
+                <a16:creationId xmlns:a16="http://schemas.microsoft.com/office/drawing/2014/main" id="{0F7E07DD-8976-43EE-8F84-B0A8864692AD}"/>
+              </a:ext>
+            </a:extLst>
+          </p:cNvPr>
+          <p:cNvSpPr/>
+          <p:nvPr/>
+        </p:nvSpPr>
+        <p:spPr>
+          <a:xfrm>
+            <a:off x="2006557" y="4705485"/>
+            <a:ext cx="7131504" cy="400110"/>
+          </a:xfrm>
+          <a:prstGeom prst="rect">
+            <a:avLst/>
+          </a:prstGeom>
+        </p:spPr>
+        <p:txBody>
+          <a:bodyPr wrap="none">
+            <a:spAutoFit/>
+          </a:bodyPr>
+          <a:lstStyle/>
+          <a:p>
             <a:r>
               <a:rPr lang="en-US" sz="2000" dirty="0">
-                <a:solidFill>
-                  <a:srgbClr val="C0167A"/>
-                </a:solidFill>
                 <a:latin typeface="Verdana" panose="020B0604030504040204" pitchFamily="34" charset="0"/>
                 <a:ea typeface="Verdana" panose="020B0604030504040204" pitchFamily="34" charset="0"/>
-                <a:cs typeface="Verdana" panose="020B0604030504040204" pitchFamily="34" charset="0"/>
-              </a:rPr>
-              <a:t>	</a:t>
-            </a:r>
-            <a:r>
-              <a:rPr lang="en-US" sz="2000" dirty="0" smtClean="0">
-                <a:solidFill>
-                  <a:srgbClr val="C0167A"/>
-                </a:solidFill>
+                <a:hlinkClick r:id="" action="ppaction://noaction"/>
+              </a:rPr>
+              <a:t>https</a:t>
+            </a:r>
+            <a:r>
+              <a:rPr lang="en-US" sz="2000" dirty="0">
                 <a:latin typeface="Verdana" panose="020B0604030504040204" pitchFamily="34" charset="0"/>
                 <a:ea typeface="Verdana" panose="020B0604030504040204" pitchFamily="34" charset="0"/>
-                <a:cs typeface="Verdana" panose="020B0604030504040204" pitchFamily="34" charset="0"/>
-                <a:hlinkClick r:id="rId4"/>
-              </a:rPr>
-              <a:t>bswolfset@gmail.com</a:t>
-            </a:r>
-            <a:r>
-              <a:rPr lang="en-US" sz="2000" dirty="0" smtClean="0">
-                <a:solidFill>
-                  <a:srgbClr val="C0167A"/>
-                </a:solidFill>
-                <a:latin typeface="Verdana" panose="020B0604030504040204" pitchFamily="34" charset="0"/>
-                <a:ea typeface="Verdana" panose="020B0604030504040204" pitchFamily="34" charset="0"/>
-                <a:cs typeface="Verdana" panose="020B0604030504040204" pitchFamily="34" charset="0"/>
-              </a:rPr>
-              <a:t>  </a:t>
+                <a:hlinkClick r:id="rId5"/>
+              </a:rPr>
+              <a:t>://github.com/BSWolfset/PresentationSlidedecks</a:t>
             </a:r>
             <a:endParaRPr lang="en-US" sz="2000" dirty="0">
-              <a:solidFill>
-                <a:srgbClr val="C0167A"/>
-              </a:solidFill>
               <a:latin typeface="Verdana" panose="020B0604030504040204" pitchFamily="34" charset="0"/>
               <a:ea typeface="Verdana" panose="020B0604030504040204" pitchFamily="34" charset="0"/>
-              <a:cs typeface="Verdana" panose="020B0604030504040204" pitchFamily="34" charset="0"/>
-            </a:endParaRPr>
-          </a:p>
-          <a:p>
-            <a:pPr marL="0" indent="0" defTabSz="969963">
-              <a:spcBef>
-                <a:spcPct val="0"/>
-              </a:spcBef>
-              <a:buNone/>
-            </a:pPr>
-            <a:r>
-              <a:rPr lang="en-US" sz="2000" dirty="0">
-                <a:solidFill>
-                  <a:srgbClr val="C0167A"/>
-                </a:solidFill>
-                <a:latin typeface="Verdana" panose="020B0604030504040204" pitchFamily="34" charset="0"/>
-                <a:ea typeface="Verdana" panose="020B0604030504040204" pitchFamily="34" charset="0"/>
-                <a:cs typeface="Verdana" panose="020B0604030504040204" pitchFamily="34" charset="0"/>
-              </a:rPr>
-              <a:t>Twitter: @</a:t>
-            </a:r>
-            <a:r>
-              <a:rPr lang="en-US" sz="2000" dirty="0" err="1" smtClean="0">
-                <a:solidFill>
-                  <a:srgbClr val="C0167A"/>
-                </a:solidFill>
-                <a:latin typeface="Verdana" panose="020B0604030504040204" pitchFamily="34" charset="0"/>
-                <a:ea typeface="Verdana" panose="020B0604030504040204" pitchFamily="34" charset="0"/>
-                <a:cs typeface="Verdana" panose="020B0604030504040204" pitchFamily="34" charset="0"/>
-              </a:rPr>
-              <a:t>beth_Wolfset</a:t>
-            </a:r>
-            <a:endParaRPr lang="en-US" sz="2000" dirty="0">
-              <a:solidFill>
-                <a:srgbClr val="C0167A"/>
-              </a:solidFill>
-              <a:latin typeface="Verdana" panose="020B0604030504040204" pitchFamily="34" charset="0"/>
-              <a:ea typeface="Verdana" panose="020B0604030504040204" pitchFamily="34" charset="0"/>
-              <a:cs typeface="Verdana" panose="020B0604030504040204" pitchFamily="34" charset="0"/>
             </a:endParaRPr>
           </a:p>
         </p:txBody>
@@ -10295,13 +10247,6 @@
   <p:transition spd="slow">
     <p:push dir="u"/>
   </p:transition>
-  <p:timing>
-    <p:tnLst>
-      <p:par>
-        <p:cTn id="1" dur="indefinite" restart="never" nodeType="tmRoot"/>
-      </p:par>
-    </p:tnLst>
-  </p:timing>
 </p:sld>
 </file>
 
@@ -10338,10 +10283,9 @@
           <a:lstStyle/>
           <a:p>
             <a:r>
-              <a:rPr lang="en-US" dirty="0" smtClean="0"/>
+              <a:rPr lang="en-US" dirty="0"/>
               <a:t>Alphabet vs Language</a:t>
             </a:r>
-            <a:endParaRPr lang="en-US" dirty="0"/>
           </a:p>
         </p:txBody>
       </p:sp>
@@ -10369,14 +10313,14 @@
           <a:p>
             <a:pPr algn="ctr"/>
             <a:r>
-              <a:rPr lang="en-US" dirty="0" smtClean="0"/>
+              <a:rPr lang="en-US" dirty="0"/>
               <a:t>ABCDEFGHIJKLMNOPQRSTUVWXYZ</a:t>
             </a:r>
           </a:p>
           <a:p>
             <a:pPr algn="ctr"/>
             <a:r>
-              <a:rPr lang="en-US" dirty="0" smtClean="0"/>
+              <a:rPr lang="en-US" dirty="0"/>
               <a:t>Latin Alphabet</a:t>
             </a:r>
           </a:p>
@@ -10419,10 +10363,9 @@
           <a:p>
             <a:pPr algn="ctr"/>
             <a:r>
-              <a:rPr lang="en-US" dirty="0" smtClean="0"/>
+              <a:rPr lang="en-US" dirty="0"/>
               <a:t>Spanish</a:t>
             </a:r>
-            <a:endParaRPr lang="en-US" dirty="0"/>
           </a:p>
         </p:txBody>
       </p:sp>
@@ -10463,10 +10406,9 @@
           <a:p>
             <a:pPr algn="ctr"/>
             <a:r>
-              <a:rPr lang="en-US" dirty="0" err="1" smtClean="0"/>
-              <a:t>Portugese</a:t>
-            </a:r>
-            <a:endParaRPr lang="en-US" dirty="0"/>
+              <a:rPr lang="en-US" dirty="0"/>
+              <a:t>Portuguese</a:t>
+            </a:r>
           </a:p>
         </p:txBody>
       </p:sp>
@@ -10493,18 +10435,9 @@
           <a:lstStyle/>
           <a:p>
             <a:r>
-              <a:rPr lang="es-ES" dirty="0" smtClean="0"/>
-              <a:t>El </a:t>
-            </a:r>
-            <a:r>
               <a:rPr lang="es-ES" dirty="0"/>
-              <a:t>diseño de la tabla de la base de datos tiene un impacto en </a:t>
-            </a:r>
-            <a:r>
-              <a:rPr lang="es-ES" dirty="0" smtClean="0"/>
-              <a:t>su desempeño</a:t>
-            </a:r>
-            <a:endParaRPr lang="es-ES" dirty="0"/>
+              <a:t>El diseño de la tabla de la base de datos tiene un impacto en su desempeño</a:t>
+            </a:r>
           </a:p>
         </p:txBody>
       </p:sp>
@@ -10545,10 +10478,9 @@
           <a:p>
             <a:pPr algn="ctr"/>
             <a:r>
-              <a:rPr lang="en-US" dirty="0" smtClean="0"/>
+              <a:rPr lang="en-US" dirty="0"/>
               <a:t>Italian</a:t>
             </a:r>
-            <a:endParaRPr lang="en-US" dirty="0"/>
           </a:p>
         </p:txBody>
       </p:sp>
@@ -10589,10 +10521,9 @@
           <a:p>
             <a:pPr algn="ctr"/>
             <a:r>
-              <a:rPr lang="en-US" dirty="0" smtClean="0"/>
+              <a:rPr lang="en-US" dirty="0"/>
               <a:t>English</a:t>
             </a:r>
-            <a:endParaRPr lang="en-US" dirty="0"/>
           </a:p>
         </p:txBody>
       </p:sp>
@@ -10619,71 +10550,71 @@
           <a:lstStyle/>
           <a:p>
             <a:r>
-              <a:rPr lang="es-ES" dirty="0" smtClean="0"/>
+              <a:rPr lang="es-ES" dirty="0"/>
               <a:t>The </a:t>
             </a:r>
             <a:r>
-              <a:rPr lang="es-ES" dirty="0" err="1" smtClean="0"/>
+              <a:rPr lang="es-ES" dirty="0" err="1"/>
               <a:t>design</a:t>
             </a:r>
             <a:r>
-              <a:rPr lang="es-ES" dirty="0" smtClean="0"/>
+              <a:rPr lang="es-ES" dirty="0"/>
               <a:t> of </a:t>
             </a:r>
             <a:r>
-              <a:rPr lang="es-ES" dirty="0" err="1" smtClean="0"/>
+              <a:rPr lang="es-ES" dirty="0" err="1"/>
               <a:t>the</a:t>
             </a:r>
             <a:r>
-              <a:rPr lang="es-ES" dirty="0" smtClean="0"/>
+              <a:rPr lang="es-ES" dirty="0"/>
               <a:t> </a:t>
             </a:r>
             <a:r>
-              <a:rPr lang="es-ES" dirty="0" err="1" smtClean="0"/>
+              <a:rPr lang="es-ES" dirty="0" err="1"/>
               <a:t>table</a:t>
             </a:r>
             <a:r>
-              <a:rPr lang="es-ES" dirty="0" smtClean="0"/>
+              <a:rPr lang="es-ES" dirty="0"/>
               <a:t> of </a:t>
             </a:r>
             <a:r>
-              <a:rPr lang="es-ES" dirty="0" err="1" smtClean="0"/>
+              <a:rPr lang="es-ES" dirty="0" err="1"/>
               <a:t>the</a:t>
             </a:r>
             <a:r>
-              <a:rPr lang="es-ES" dirty="0" smtClean="0"/>
+              <a:rPr lang="es-ES" dirty="0"/>
               <a:t> base of data has </a:t>
             </a:r>
             <a:r>
-              <a:rPr lang="es-ES" dirty="0" err="1" smtClean="0"/>
+              <a:rPr lang="es-ES" dirty="0" err="1"/>
               <a:t>an</a:t>
             </a:r>
             <a:r>
-              <a:rPr lang="es-ES" dirty="0" smtClean="0"/>
+              <a:rPr lang="es-ES" dirty="0"/>
               <a:t> </a:t>
             </a:r>
             <a:r>
-              <a:rPr lang="es-ES" dirty="0" err="1" smtClean="0"/>
+              <a:rPr lang="es-ES" dirty="0" err="1"/>
               <a:t>impact</a:t>
             </a:r>
             <a:r>
-              <a:rPr lang="es-ES" dirty="0" smtClean="0"/>
+              <a:rPr lang="es-ES" dirty="0"/>
               <a:t> </a:t>
             </a:r>
             <a:r>
-              <a:rPr lang="es-ES" dirty="0" err="1" smtClean="0"/>
+              <a:rPr lang="es-ES" dirty="0" err="1"/>
               <a:t>on</a:t>
             </a:r>
             <a:r>
-              <a:rPr lang="es-ES" dirty="0" smtClean="0"/>
+              <a:rPr lang="es-ES" dirty="0"/>
               <a:t> </a:t>
             </a:r>
             <a:r>
-              <a:rPr lang="es-ES" dirty="0" err="1" smtClean="0"/>
+              <a:rPr lang="es-ES" dirty="0" err="1"/>
               <a:t>the</a:t>
             </a:r>
             <a:r>
-              <a:rPr lang="es-ES" dirty="0" smtClean="0"/>
+              <a:rPr lang="es-ES" dirty="0"/>
               <a:t> performance</a:t>
             </a:r>
             <a:endParaRPr lang="en-US" dirty="0"/>
@@ -10713,12 +10644,8 @@
           <a:lstStyle/>
           <a:p>
             <a:r>
-              <a:rPr lang="en-US" dirty="0" smtClean="0"/>
-              <a:t>The database </a:t>
-            </a:r>
-            <a:r>
               <a:rPr lang="en-US" dirty="0"/>
-              <a:t>table design has an impact on performance</a:t>
+              <a:t>The database table design has an impact on performance</a:t>
             </a:r>
           </a:p>
         </p:txBody>
@@ -10747,7 +10674,7 @@
           <a:p>
             <a:pPr algn="ctr"/>
             <a:r>
-              <a:rPr lang="en-US" dirty="0" smtClean="0"/>
+              <a:rPr lang="en-US" dirty="0"/>
               <a:t>SQL</a:t>
             </a:r>
           </a:p>
@@ -10790,10 +10717,9 @@
           <a:p>
             <a:pPr algn="ctr"/>
             <a:r>
-              <a:rPr lang="en-US" dirty="0" smtClean="0"/>
+              <a:rPr lang="en-US" dirty="0"/>
               <a:t>Azure SQL Database</a:t>
             </a:r>
-            <a:endParaRPr lang="en-US" dirty="0"/>
           </a:p>
         </p:txBody>
       </p:sp>
@@ -10834,10 +10760,9 @@
           <a:p>
             <a:pPr algn="ctr"/>
             <a:r>
-              <a:rPr lang="en-US" dirty="0" smtClean="0"/>
+              <a:rPr lang="en-US" dirty="0"/>
               <a:t>SQL Server</a:t>
             </a:r>
-            <a:endParaRPr lang="en-US" dirty="0"/>
           </a:p>
         </p:txBody>
       </p:sp>
@@ -10878,10 +10803,9 @@
           <a:p>
             <a:pPr algn="ctr"/>
             <a:r>
-              <a:rPr lang="en-US" dirty="0" smtClean="0"/>
+              <a:rPr lang="en-US" dirty="0"/>
               <a:t>MS Access</a:t>
             </a:r>
-            <a:endParaRPr lang="en-US" dirty="0"/>
           </a:p>
         </p:txBody>
       </p:sp>
@@ -10922,10 +10846,9 @@
           <a:p>
             <a:pPr algn="ctr"/>
             <a:r>
-              <a:rPr lang="en-US" dirty="0" smtClean="0"/>
+              <a:rPr lang="en-US" dirty="0"/>
               <a:t>Azure Data Warehouse</a:t>
             </a:r>
-            <a:endParaRPr lang="en-US" dirty="0"/>
           </a:p>
         </p:txBody>
       </p:sp>
@@ -11181,13 +11104,6 @@
   <p:clrMapOvr>
     <a:masterClrMapping/>
   </p:clrMapOvr>
-  <p:timing>
-    <p:tnLst>
-      <p:par>
-        <p:cTn id="1" dur="indefinite" restart="never" nodeType="tmRoot"/>
-      </p:par>
-    </p:tnLst>
-  </p:timing>
 </p:sld>
 </file>
 
@@ -11224,10 +11140,9 @@
           <a:lstStyle/>
           <a:p>
             <a:r>
-              <a:rPr lang="en-US" dirty="0" smtClean="0"/>
+              <a:rPr lang="en-US" dirty="0"/>
               <a:t>Resources</a:t>
             </a:r>
-            <a:endParaRPr lang="en-US" dirty="0"/>
           </a:p>
         </p:txBody>
       </p:sp>
@@ -11254,21 +11169,21 @@
           <a:lstStyle/>
           <a:p>
             <a:r>
-              <a:rPr lang="en-US" b="1" dirty="0" smtClean="0"/>
+              <a:rPr lang="en-US" b="1" dirty="0"/>
               <a:t>Designing for Azure Data Warehouse Performance </a:t>
             </a:r>
             <a:r>
-              <a:rPr lang="en-US" dirty="0" smtClean="0">
+              <a:rPr lang="en-US" dirty="0">
                 <a:hlinkClick r:id="rId2"/>
               </a:rPr>
               <a:t>–</a:t>
             </a:r>
             <a:r>
-              <a:rPr lang="en-US" dirty="0" smtClean="0"/>
+              <a:rPr lang="en-US" dirty="0"/>
               <a:t> Beth Wolfset (other papers and slide decks)</a:t>
             </a:r>
-            <a:endParaRPr lang="en-US" dirty="0" smtClean="0">
-              <a:hlinkClick r:id=""/>
+            <a:endParaRPr lang="en-US" dirty="0">
+              <a:hlinkClick r:id="" action="ppaction://noaction"/>
             </a:endParaRPr>
           </a:p>
           <a:p>
@@ -11277,8 +11192,8 @@
               <a:buChar char="•"/>
             </a:pPr>
             <a:r>
-              <a:rPr lang="en-US" dirty="0" smtClean="0">
-                <a:hlinkClick r:id=""/>
+              <a:rPr lang="en-US" dirty="0">
+                <a:hlinkClick r:id="" action="ppaction://noaction"/>
               </a:rPr>
               <a:t>https</a:t>
             </a:r>
@@ -11292,19 +11207,11 @@
           </a:p>
           <a:p>
             <a:r>
-              <a:rPr lang="en-US" b="1" dirty="0" smtClean="0"/>
-              <a:t>Azure </a:t>
-            </a:r>
-            <a:r>
               <a:rPr lang="en-US" b="1" dirty="0"/>
-              <a:t>Data Warehouse </a:t>
-            </a:r>
-            <a:r>
-              <a:rPr lang="en-US" b="1" dirty="0" smtClean="0"/>
-              <a:t>Microsoft Documentation</a:t>
-            </a:r>
-            <a:endParaRPr lang="en-US" dirty="0" smtClean="0">
-              <a:hlinkClick r:id=""/>
+              <a:t>Azure Data Warehouse Microsoft Documentation</a:t>
+            </a:r>
+            <a:endParaRPr lang="en-US" dirty="0">
+              <a:hlinkClick r:id="" action="ppaction://noaction"/>
             </a:endParaRPr>
           </a:p>
           <a:p>
@@ -11313,8 +11220,8 @@
               <a:buChar char="•"/>
             </a:pPr>
             <a:r>
-              <a:rPr lang="en-US" dirty="0" smtClean="0">
-                <a:hlinkClick r:id=""/>
+              <a:rPr lang="en-US" dirty="0">
+                <a:hlinkClick r:id="" action="ppaction://noaction"/>
               </a:rPr>
               <a:t>https</a:t>
             </a:r>
@@ -11322,40 +11229,18 @@
               <a:rPr lang="en-US" dirty="0">
                 <a:hlinkClick r:id="rId3"/>
               </a:rPr>
-              <a:t>://</a:t>
-            </a:r>
-            <a:r>
-              <a:rPr lang="en-US" dirty="0" smtClean="0">
-                <a:hlinkClick r:id="rId3"/>
-              </a:rPr>
-              <a:t>docs.microsoft.com/en-us/azure/sql-data-warehouse/sql-data-warehouse-overview-what-is</a:t>
-            </a:r>
-            <a:endParaRPr lang="en-US" dirty="0" smtClean="0"/>
-          </a:p>
-          <a:p>
-            <a:r>
-              <a:rPr lang="en-US" b="1" dirty="0" smtClean="0"/>
-              <a:t>What </a:t>
-            </a:r>
+              <a:t>://docs.microsoft.com/en-us/azure/sql-data-warehouse/sql-data-warehouse-overview-what-is</a:t>
+            </a:r>
+            <a:endParaRPr lang="en-US" dirty="0"/>
+          </a:p>
+          <a:p>
             <a:r>
               <a:rPr lang="en-US" b="1" dirty="0"/>
-              <a:t>is </a:t>
-            </a:r>
-            <a:r>
-              <a:rPr lang="en-US" b="1" dirty="0" smtClean="0"/>
-              <a:t>supported</a:t>
-            </a:r>
-            <a:r>
-              <a:rPr lang="en-US" dirty="0" smtClean="0"/>
-              <a:t> - Migrate </a:t>
+              <a:t>What is supported</a:t>
             </a:r>
             <a:r>
               <a:rPr lang="en-US" dirty="0"/>
-              <a:t>your SQL code to SQL Data </a:t>
-            </a:r>
-            <a:r>
-              <a:rPr lang="en-US" dirty="0" smtClean="0"/>
-              <a:t>Warehouse</a:t>
+              <a:t> - Migrate your SQL code to SQL Data Warehouse</a:t>
             </a:r>
           </a:p>
           <a:p>
@@ -11364,25 +11249,19 @@
               <a:buChar char="•"/>
             </a:pPr>
             <a:r>
-              <a:rPr lang="en-US" dirty="0" smtClean="0">
-                <a:hlinkClick r:id="rId4"/>
-              </a:rPr>
-              <a:t>https</a:t>
-            </a:r>
-            <a:r>
               <a:rPr lang="en-US" dirty="0">
                 <a:hlinkClick r:id="rId4"/>
               </a:rPr>
-              <a:t>://docs.microsoft.com/en-us/azure/sql-data-warehouse/sql-data-warehouse-migrate-code</a:t>
+              <a:t>https://docs.microsoft.com/en-us/azure/sql-data-warehouse/sql-data-warehouse-migrate-code</a:t>
             </a:r>
             <a:endParaRPr lang="en-US" dirty="0"/>
           </a:p>
           <a:p>
             <a:r>
-              <a:rPr lang="en-US" b="1" dirty="0" smtClean="0"/>
+              <a:rPr lang="en-US" b="1" dirty="0"/>
               <a:t>Introduction to Azure SQL Data Warehouse</a:t>
             </a:r>
-            <a:endParaRPr lang="en-US" dirty="0" smtClean="0"/>
+            <a:endParaRPr lang="en-US" dirty="0"/>
           </a:p>
           <a:p>
             <a:pPr marL="285750" indent="-285750">
@@ -11393,23 +11272,12 @@
               <a:rPr lang="en-US" dirty="0">
                 <a:hlinkClick r:id="rId5"/>
               </a:rPr>
-              <a:t>https://</a:t>
-            </a:r>
-            <a:r>
-              <a:rPr lang="en-US" dirty="0" smtClean="0">
-                <a:hlinkClick r:id="rId5"/>
-              </a:rPr>
-              <a:t>www.sqlsaturday.com/716/Sessions/Details.aspx?sid=72535</a:t>
-            </a:r>
-            <a:r>
-              <a:rPr lang="en-US" dirty="0" smtClean="0"/>
-              <a:t> </a:t>
+              <a:t>https://www.sqlsaturday.com/716/Sessions/Details.aspx?sid=72535</a:t>
             </a:r>
             <a:r>
               <a:rPr lang="en-US" dirty="0"/>
-              <a:t>– Derik Hammer</a:t>
-            </a:r>
-            <a:endParaRPr lang="en-US" dirty="0" smtClean="0"/>
+              <a:t> – Derik Hammer</a:t>
+            </a:r>
           </a:p>
           <a:p>
             <a:pPr marL="285750" indent="-285750">
@@ -11420,47 +11288,21 @@
               <a:rPr lang="en-US" dirty="0">
                 <a:hlinkClick r:id="rId6"/>
               </a:rPr>
-              <a:t>https://</a:t>
-            </a:r>
-            <a:r>
-              <a:rPr lang="en-US" dirty="0" smtClean="0">
-                <a:hlinkClick r:id="rId6"/>
-              </a:rPr>
-              <a:t>sqlbits.com/Downloads/595/Robin%20Lester_SQLAzureDataWarehouseSQLBits.pdf</a:t>
-            </a:r>
-            <a:r>
-              <a:rPr lang="en-US" dirty="0" smtClean="0"/>
-              <a:t> </a:t>
+              <a:t>https://sqlbits.com/Downloads/595/Robin%20Lester_SQLAzureDataWarehouseSQLBits.pdf</a:t>
             </a:r>
             <a:r>
               <a:rPr lang="en-US" dirty="0"/>
-              <a:t>– </a:t>
-            </a:r>
-            <a:r>
-              <a:rPr lang="en-US" dirty="0" smtClean="0"/>
-              <a:t>Robin Lester</a:t>
-            </a:r>
-          </a:p>
-          <a:p>
-            <a:r>
-              <a:rPr lang="en-US" b="1" dirty="0" smtClean="0"/>
-              <a:t>Azure </a:t>
-            </a:r>
+              <a:t> – Robin Lester</a:t>
+            </a:r>
+          </a:p>
+          <a:p>
             <a:r>
               <a:rPr lang="en-US" b="1" dirty="0"/>
-              <a:t>Data Warehouse Performance Tuning </a:t>
-            </a:r>
-            <a:r>
-              <a:rPr lang="en-US" b="1" dirty="0" smtClean="0"/>
-              <a:t>-- </a:t>
-            </a:r>
-            <a:r>
-              <a:rPr lang="en-US" dirty="0" smtClean="0"/>
-              <a:t>Simon </a:t>
+              <a:t>Azure Data Warehouse Performance Tuning -- </a:t>
             </a:r>
             <a:r>
               <a:rPr lang="en-US" dirty="0"/>
-              <a:t>Facer</a:t>
+              <a:t>Simon Facer</a:t>
             </a:r>
           </a:p>
           <a:p>
@@ -11472,37 +11314,22 @@
               <a:rPr lang="en-US" dirty="0">
                 <a:hlinkClick r:id="rId7"/>
               </a:rPr>
-              <a:t>https://</a:t>
-            </a:r>
-            <a:r>
-              <a:rPr lang="en-US" dirty="0" smtClean="0">
-                <a:hlinkClick r:id="rId7"/>
-              </a:rPr>
-              <a:t>www.sqlsaturday.com/716/Sessions/Details.aspx?sid=74668</a:t>
-            </a:r>
-            <a:r>
-              <a:rPr lang="en-US" dirty="0" smtClean="0"/>
+              <a:t>https://www.sqlsaturday.com/716/Sessions/Details.aspx?sid=74668</a:t>
+            </a:r>
+            <a:r>
+              <a:rPr lang="en-US" dirty="0"/>
               <a:t> </a:t>
             </a:r>
           </a:p>
           <a:p>
             <a:r>
-              <a:rPr lang="en-US" b="1" dirty="0" smtClean="0"/>
-              <a:t>Azure </a:t>
-            </a:r>
-            <a:r>
               <a:rPr lang="en-US" b="1" dirty="0"/>
-              <a:t>Data Warehouse Query Tuning</a:t>
+              <a:t>Azure Data Warehouse Query Tuning</a:t>
             </a:r>
             <a:r>
               <a:rPr lang="en-US" dirty="0"/>
-              <a:t> </a:t>
-            </a:r>
-            <a:r>
-              <a:rPr lang="en-US" dirty="0" smtClean="0"/>
-              <a:t>-- James Rowland-Jones</a:t>
-            </a:r>
-            <a:endParaRPr lang="en-US" dirty="0"/>
+              <a:t> -- James Rowland-Jones</a:t>
+            </a:r>
           </a:p>
           <a:p>
             <a:pPr marL="285750" indent="-285750">
@@ -11513,34 +11340,19 @@
               <a:rPr lang="en-US" dirty="0">
                 <a:hlinkClick r:id="rId8"/>
               </a:rPr>
-              <a:t>https://</a:t>
-            </a:r>
-            <a:r>
-              <a:rPr lang="en-US" dirty="0" smtClean="0">
-                <a:hlinkClick r:id="rId8"/>
-              </a:rPr>
-              <a:t>sqlbits.com/Sessions/Event15/Advanced_Topics_for_Azure_SQL_Data_Warehouse</a:t>
+              <a:t>https://sqlbits.com/Sessions/Event15/Advanced_Topics_for_Azure_SQL_Data_Warehouse</a:t>
             </a:r>
             <a:endParaRPr lang="en-US" dirty="0"/>
           </a:p>
           <a:p>
             <a:r>
-              <a:rPr lang="en-US" b="1" dirty="0" smtClean="0"/>
-              <a:t>How </a:t>
-            </a:r>
-            <a:r>
               <a:rPr lang="en-US" b="1" dirty="0"/>
-              <a:t>to shoot yourself in the foot with Azure SQL Data </a:t>
-            </a:r>
-            <a:r>
-              <a:rPr lang="en-US" b="1" dirty="0" smtClean="0"/>
-              <a:t>Warehouse</a:t>
-            </a:r>
-            <a:r>
-              <a:rPr lang="en-US" dirty="0" smtClean="0"/>
+              <a:t>How to shoot yourself in the foot with Azure SQL Data Warehouse</a:t>
+            </a:r>
+            <a:r>
+              <a:rPr lang="en-US" dirty="0"/>
               <a:t> – Greg Galloway</a:t>
             </a:r>
-            <a:endParaRPr lang="en-US" dirty="0"/>
           </a:p>
           <a:p>
             <a:pPr marL="285750" indent="-285750">
@@ -11551,22 +11363,15 @@
               <a:rPr lang="en-US" dirty="0">
                 <a:hlinkClick r:id="rId9"/>
               </a:rPr>
-              <a:t>https://</a:t>
-            </a:r>
-            <a:r>
-              <a:rPr lang="en-US" dirty="0" smtClean="0">
-                <a:hlinkClick r:id="rId9"/>
-              </a:rPr>
-              <a:t>myignite.techcommunity.microsoft.com/sessions/66194</a:t>
-            </a:r>
-            <a:endParaRPr lang="en-US" dirty="0" smtClean="0"/>
-          </a:p>
-          <a:p>
-            <a:r>
-              <a:rPr lang="en-US" b="1" dirty="0" smtClean="0"/>
+              <a:t>https://myignite.techcommunity.microsoft.com/sessions/66194</a:t>
+            </a:r>
+            <a:endParaRPr lang="en-US" dirty="0"/>
+          </a:p>
+          <a:p>
+            <a:r>
+              <a:rPr lang="en-US" b="1" dirty="0"/>
               <a:t>Data Movement/Shuffling</a:t>
             </a:r>
-            <a:endParaRPr lang="en-US" b="1" dirty="0"/>
           </a:p>
           <a:p>
             <a:pPr marL="285750" indent="-285750">
@@ -11577,16 +11382,10 @@
               <a:rPr lang="en-US" dirty="0">
                 <a:hlinkClick r:id="rId10"/>
               </a:rPr>
-              <a:t>https://blobeater.blog/2018/04/12/azure-sql-dw-lets-shuffle</a:t>
-            </a:r>
-            <a:r>
-              <a:rPr lang="en-US" dirty="0" smtClean="0">
-                <a:hlinkClick r:id="rId10"/>
-              </a:rPr>
-              <a:t>/</a:t>
-            </a:r>
-            <a:r>
-              <a:rPr lang="en-US" dirty="0" smtClean="0"/>
+              <a:t>https://blobeater.blog/2018/04/12/azure-sql-dw-lets-shuffle/</a:t>
+            </a:r>
+            <a:r>
+              <a:rPr lang="en-US" dirty="0"/>
               <a:t> </a:t>
             </a:r>
           </a:p>
@@ -11599,19 +11398,12 @@
               <a:rPr lang="en-US" dirty="0">
                 <a:hlinkClick r:id="rId11"/>
               </a:rPr>
-              <a:t>https://azure.microsoft.com/en-us/blog/lightning-fast-query-performance-with-azure-sql-data-warehouse</a:t>
-            </a:r>
-            <a:r>
-              <a:rPr lang="en-US" dirty="0" smtClean="0">
-                <a:hlinkClick r:id="rId11"/>
-              </a:rPr>
-              <a:t>/</a:t>
-            </a:r>
-            <a:r>
-              <a:rPr lang="en-US" dirty="0" smtClean="0"/>
+              <a:t>https://azure.microsoft.com/en-us/blog/lightning-fast-query-performance-with-azure-sql-data-warehouse/</a:t>
+            </a:r>
+            <a:r>
+              <a:rPr lang="en-US" dirty="0"/>
               <a:t> </a:t>
             </a:r>
-            <a:endParaRPr lang="en-US" dirty="0"/>
           </a:p>
         </p:txBody>
       </p:sp>
@@ -11625,13 +11417,6 @@
   <p:clrMapOvr>
     <a:masterClrMapping/>
   </p:clrMapOvr>
-  <p:timing>
-    <p:tnLst>
-      <p:par>
-        <p:cTn id="1" dur="indefinite" restart="never" nodeType="tmRoot"/>
-      </p:par>
-    </p:tnLst>
-  </p:timing>
 </p:sld>
 </file>
 
@@ -11668,10 +11453,9 @@
           <a:lstStyle/>
           <a:p>
             <a:r>
-              <a:rPr lang="en-US" dirty="0" smtClean="0"/>
+              <a:rPr lang="en-US" dirty="0"/>
               <a:t>ADW Architecture</a:t>
             </a:r>
-            <a:endParaRPr lang="en-US" dirty="0"/>
           </a:p>
         </p:txBody>
       </p:sp>
@@ -11710,10 +11494,9 @@
           <a:p>
             <a:pPr algn="ctr"/>
             <a:r>
-              <a:rPr lang="en-US" dirty="0" smtClean="0"/>
+              <a:rPr lang="en-US" dirty="0"/>
               <a:t>Control Node</a:t>
             </a:r>
-            <a:endParaRPr lang="en-US" dirty="0"/>
           </a:p>
         </p:txBody>
       </p:sp>
@@ -11754,10 +11537,9 @@
           <a:p>
             <a:pPr algn="ctr"/>
             <a:r>
-              <a:rPr lang="en-US" dirty="0" smtClean="0"/>
+              <a:rPr lang="en-US" dirty="0"/>
               <a:t>Compute Node</a:t>
             </a:r>
-            <a:endParaRPr lang="en-US" dirty="0"/>
           </a:p>
         </p:txBody>
       </p:sp>
@@ -11798,10 +11580,9 @@
           <a:p>
             <a:pPr algn="ctr"/>
             <a:r>
-              <a:rPr lang="en-US" dirty="0" smtClean="0"/>
+              <a:rPr lang="en-US" dirty="0"/>
               <a:t>Compute Node</a:t>
             </a:r>
-            <a:endParaRPr lang="en-US" dirty="0"/>
           </a:p>
         </p:txBody>
       </p:sp>
@@ -11842,10 +11623,9 @@
           <a:p>
             <a:pPr algn="ctr"/>
             <a:r>
-              <a:rPr lang="en-US" dirty="0" smtClean="0"/>
+              <a:rPr lang="en-US" dirty="0"/>
               <a:t>Storage</a:t>
             </a:r>
-            <a:endParaRPr lang="en-US" dirty="0"/>
           </a:p>
         </p:txBody>
       </p:sp>
@@ -12046,10 +11826,9 @@
           <a:p>
             <a:pPr algn="ctr"/>
             <a:r>
-              <a:rPr lang="en-US" dirty="0" smtClean="0"/>
+              <a:rPr lang="en-US" dirty="0"/>
               <a:t>Storage</a:t>
             </a:r>
-            <a:endParaRPr lang="en-US" dirty="0"/>
           </a:p>
         </p:txBody>
       </p:sp>
@@ -12250,10 +12029,9 @@
           <a:p>
             <a:pPr algn="ctr"/>
             <a:r>
-              <a:rPr lang="en-US" dirty="0" smtClean="0"/>
+              <a:rPr lang="en-US" dirty="0"/>
               <a:t>Storage</a:t>
             </a:r>
-            <a:endParaRPr lang="en-US" dirty="0"/>
           </a:p>
         </p:txBody>
       </p:sp>
@@ -12454,10 +12232,9 @@
           <a:p>
             <a:pPr algn="ctr"/>
             <a:r>
-              <a:rPr lang="en-US" dirty="0" smtClean="0"/>
+              <a:rPr lang="en-US" dirty="0"/>
               <a:t>Storage</a:t>
             </a:r>
-            <a:endParaRPr lang="en-US" dirty="0"/>
           </a:p>
         </p:txBody>
       </p:sp>
@@ -12658,10 +12435,9 @@
           <a:p>
             <a:pPr algn="ctr"/>
             <a:r>
-              <a:rPr lang="en-US" dirty="0" smtClean="0"/>
+              <a:rPr lang="en-US" dirty="0"/>
               <a:t>Storage</a:t>
             </a:r>
-            <a:endParaRPr lang="en-US" dirty="0"/>
           </a:p>
         </p:txBody>
       </p:sp>
@@ -12862,10 +12638,9 @@
           <a:p>
             <a:pPr algn="ctr"/>
             <a:r>
-              <a:rPr lang="en-US" dirty="0" smtClean="0"/>
+              <a:rPr lang="en-US" dirty="0"/>
               <a:t>Storage</a:t>
             </a:r>
-            <a:endParaRPr lang="en-US" dirty="0"/>
           </a:p>
         </p:txBody>
       </p:sp>
@@ -13066,10 +12841,9 @@
           <a:p>
             <a:pPr algn="ctr"/>
             <a:r>
-              <a:rPr lang="en-US" dirty="0" smtClean="0"/>
+              <a:rPr lang="en-US" dirty="0"/>
               <a:t>Storage</a:t>
             </a:r>
-            <a:endParaRPr lang="en-US" dirty="0"/>
           </a:p>
         </p:txBody>
       </p:sp>
@@ -13270,10 +13044,9 @@
           <a:p>
             <a:pPr algn="ctr"/>
             <a:r>
-              <a:rPr lang="en-US" dirty="0" smtClean="0"/>
+              <a:rPr lang="en-US" dirty="0"/>
               <a:t>Storage</a:t>
             </a:r>
-            <a:endParaRPr lang="en-US" dirty="0"/>
           </a:p>
         </p:txBody>
       </p:sp>
@@ -13554,10 +13327,9 @@
           <a:p>
             <a:pPr algn="ctr"/>
             <a:r>
-              <a:rPr lang="en-US" dirty="0" smtClean="0"/>
+              <a:rPr lang="en-US" dirty="0"/>
               <a:t>Storage</a:t>
             </a:r>
-            <a:endParaRPr lang="en-US" dirty="0"/>
           </a:p>
         </p:txBody>
       </p:sp>
@@ -13638,10 +13410,9 @@
           <a:p>
             <a:pPr algn="ctr"/>
             <a:r>
-              <a:rPr lang="en-US" dirty="0" smtClean="0"/>
+              <a:rPr lang="en-US" dirty="0"/>
               <a:t>Storage</a:t>
             </a:r>
-            <a:endParaRPr lang="en-US" dirty="0"/>
           </a:p>
         </p:txBody>
       </p:sp>
@@ -13762,10 +13533,9 @@
           <a:p>
             <a:pPr algn="ctr"/>
             <a:r>
-              <a:rPr lang="en-US" dirty="0" smtClean="0"/>
+              <a:rPr lang="en-US" dirty="0"/>
               <a:t>Storage</a:t>
             </a:r>
-            <a:endParaRPr lang="en-US" dirty="0"/>
           </a:p>
         </p:txBody>
       </p:sp>
@@ -13846,10 +13616,9 @@
           <a:p>
             <a:pPr algn="ctr"/>
             <a:r>
-              <a:rPr lang="en-US" dirty="0" smtClean="0"/>
+              <a:rPr lang="en-US" dirty="0"/>
               <a:t>Storage</a:t>
             </a:r>
-            <a:endParaRPr lang="en-US" dirty="0"/>
           </a:p>
         </p:txBody>
       </p:sp>
@@ -13970,10 +13739,9 @@
           <a:p>
             <a:pPr algn="ctr"/>
             <a:r>
-              <a:rPr lang="en-US" dirty="0" smtClean="0"/>
+              <a:rPr lang="en-US" dirty="0"/>
               <a:t>Storage</a:t>
             </a:r>
-            <a:endParaRPr lang="en-US" dirty="0"/>
           </a:p>
         </p:txBody>
       </p:sp>
@@ -14054,10 +13822,9 @@
           <a:p>
             <a:pPr algn="ctr"/>
             <a:r>
-              <a:rPr lang="en-US" dirty="0" smtClean="0"/>
+              <a:rPr lang="en-US" dirty="0"/>
               <a:t>Storage</a:t>
             </a:r>
-            <a:endParaRPr lang="en-US" dirty="0"/>
           </a:p>
         </p:txBody>
       </p:sp>
@@ -14178,10 +13945,9 @@
           <a:p>
             <a:pPr algn="ctr"/>
             <a:r>
-              <a:rPr lang="en-US" dirty="0" smtClean="0"/>
+              <a:rPr lang="en-US" dirty="0"/>
               <a:t>Storage</a:t>
             </a:r>
-            <a:endParaRPr lang="en-US" dirty="0"/>
           </a:p>
         </p:txBody>
       </p:sp>
@@ -14262,10 +14028,9 @@
           <a:p>
             <a:pPr algn="ctr"/>
             <a:r>
-              <a:rPr lang="en-US" dirty="0" smtClean="0"/>
+              <a:rPr lang="en-US" dirty="0"/>
               <a:t>Storage</a:t>
             </a:r>
-            <a:endParaRPr lang="en-US" dirty="0"/>
           </a:p>
         </p:txBody>
       </p:sp>
@@ -14329,30 +14094,21 @@
                             </p:childTnLst>
                           </p:cTn>
                         </p:par>
-                      </p:childTnLst>
-                    </p:cTn>
-                  </p:par>
-                  <p:par>
-                    <p:cTn id="7" fill="hold">
-                      <p:stCondLst>
-                        <p:cond delay="indefinite"/>
-                      </p:stCondLst>
-                      <p:childTnLst>
                         <p:par>
-                          <p:cTn id="8" fill="hold">
+                          <p:cTn id="7" fill="hold">
                             <p:stCondLst>
                               <p:cond delay="0"/>
                             </p:stCondLst>
                             <p:childTnLst>
                               <p:par>
-                                <p:cTn id="9" presetID="1" presetClass="entr" presetSubtype="0" fill="hold" grpId="0" nodeType="clickEffect">
+                                <p:cTn id="8" presetID="1" presetClass="entr" presetSubtype="0" fill="hold" grpId="0" nodeType="afterEffect">
                                   <p:stCondLst>
-                                    <p:cond delay="0"/>
+                                    <p:cond delay="500"/>
                                   </p:stCondLst>
                                   <p:childTnLst>
                                     <p:set>
                                       <p:cBhvr>
-                                        <p:cTn id="10" dur="1" fill="hold">
+                                        <p:cTn id="9" dur="1" fill="hold">
                                           <p:stCondLst>
                                             <p:cond delay="0"/>
                                           </p:stCondLst>
@@ -14371,10 +14127,19 @@
                                   </p:childTnLst>
                                 </p:cTn>
                               </p:par>
+                            </p:childTnLst>
+                          </p:cTn>
+                        </p:par>
+                        <p:par>
+                          <p:cTn id="10" fill="hold">
+                            <p:stCondLst>
+                              <p:cond delay="500"/>
+                            </p:stCondLst>
+                            <p:childTnLst>
                               <p:par>
-                                <p:cTn id="11" presetID="1" presetClass="entr" presetSubtype="0" fill="hold" grpId="0" nodeType="withEffect">
+                                <p:cTn id="11" presetID="1" presetClass="entr" presetSubtype="0" fill="hold" grpId="0" nodeType="afterEffect">
                                   <p:stCondLst>
-                                    <p:cond delay="0"/>
+                                    <p:cond delay="500"/>
                                   </p:stCondLst>
                                   <p:childTnLst>
                                     <p:set>
@@ -14401,30 +14166,21 @@
                             </p:childTnLst>
                           </p:cTn>
                         </p:par>
-                      </p:childTnLst>
-                    </p:cTn>
-                  </p:par>
-                  <p:par>
-                    <p:cTn id="13" fill="hold">
-                      <p:stCondLst>
-                        <p:cond delay="indefinite"/>
-                      </p:stCondLst>
-                      <p:childTnLst>
                         <p:par>
-                          <p:cTn id="14" fill="hold">
+                          <p:cTn id="13" fill="hold">
                             <p:stCondLst>
-                              <p:cond delay="0"/>
+                              <p:cond delay="1000"/>
                             </p:stCondLst>
                             <p:childTnLst>
                               <p:par>
-                                <p:cTn id="15" presetID="1" presetClass="entr" presetSubtype="0" fill="hold" grpId="0" nodeType="clickEffect">
+                                <p:cTn id="14" presetID="1" presetClass="entr" presetSubtype="0" fill="hold" grpId="0" nodeType="afterEffect">
                                   <p:stCondLst>
-                                    <p:cond delay="0"/>
+                                    <p:cond delay="500"/>
                                   </p:stCondLst>
                                   <p:childTnLst>
                                     <p:set>
                                       <p:cBhvr>
-                                        <p:cTn id="16" dur="1" fill="hold">
+                                        <p:cTn id="15" dur="1" fill="hold">
                                           <p:stCondLst>
                                             <p:cond delay="0"/>
                                           </p:stCondLst>
@@ -14447,20 +14203,20 @@
                           </p:cTn>
                         </p:par>
                         <p:par>
-                          <p:cTn id="17" fill="hold">
+                          <p:cTn id="16" fill="hold">
                             <p:stCondLst>
-                              <p:cond delay="0"/>
+                              <p:cond delay="1500"/>
                             </p:stCondLst>
                             <p:childTnLst>
                               <p:par>
-                                <p:cTn id="18" presetID="1" presetClass="entr" presetSubtype="0" fill="hold" grpId="0" nodeType="afterEffect">
+                                <p:cTn id="17" presetID="1" presetClass="entr" presetSubtype="0" fill="hold" grpId="0" nodeType="afterEffect">
                                   <p:stCondLst>
                                     <p:cond delay="500"/>
                                   </p:stCondLst>
                                   <p:childTnLst>
                                     <p:set>
                                       <p:cBhvr>
-                                        <p:cTn id="19" dur="1" fill="hold">
+                                        <p:cTn id="18" dur="1" fill="hold">
                                           <p:stCondLst>
                                             <p:cond delay="0"/>
                                           </p:stCondLst>
@@ -14483,20 +14239,20 @@
                           </p:cTn>
                         </p:par>
                         <p:par>
-                          <p:cTn id="20" fill="hold">
+                          <p:cTn id="19" fill="hold">
                             <p:stCondLst>
-                              <p:cond delay="500"/>
+                              <p:cond delay="2000"/>
                             </p:stCondLst>
                             <p:childTnLst>
                               <p:par>
-                                <p:cTn id="21" presetID="1" presetClass="entr" presetSubtype="0" fill="hold" grpId="0" nodeType="afterEffect">
+                                <p:cTn id="20" presetID="1" presetClass="entr" presetSubtype="0" fill="hold" grpId="0" nodeType="afterEffect">
                                   <p:stCondLst>
                                     <p:cond delay="500"/>
                                   </p:stCondLst>
                                   <p:childTnLst>
                                     <p:set>
                                       <p:cBhvr>
-                                        <p:cTn id="22" dur="1" fill="hold">
+                                        <p:cTn id="21" dur="1" fill="hold">
                                           <p:stCondLst>
                                             <p:cond delay="0"/>
                                           </p:stCondLst>
@@ -14519,20 +14275,20 @@
                           </p:cTn>
                         </p:par>
                         <p:par>
-                          <p:cTn id="23" fill="hold">
+                          <p:cTn id="22" fill="hold">
                             <p:stCondLst>
-                              <p:cond delay="1000"/>
+                              <p:cond delay="2500"/>
                             </p:stCondLst>
                             <p:childTnLst>
                               <p:par>
-                                <p:cTn id="24" presetID="1" presetClass="entr" presetSubtype="0" fill="hold" grpId="0" nodeType="afterEffect">
+                                <p:cTn id="23" presetID="1" presetClass="entr" presetSubtype="0" fill="hold" grpId="0" nodeType="afterEffect">
                                   <p:stCondLst>
                                     <p:cond delay="500"/>
                                   </p:stCondLst>
                                   <p:childTnLst>
                                     <p:set>
                                       <p:cBhvr>
-                                        <p:cTn id="25" dur="1" fill="hold">
+                                        <p:cTn id="24" dur="1" fill="hold">
                                           <p:stCondLst>
                                             <p:cond delay="0"/>
                                           </p:stCondLst>
@@ -14555,20 +14311,20 @@
                           </p:cTn>
                         </p:par>
                         <p:par>
-                          <p:cTn id="26" fill="hold">
+                          <p:cTn id="25" fill="hold">
                             <p:stCondLst>
-                              <p:cond delay="1500"/>
+                              <p:cond delay="3000"/>
                             </p:stCondLst>
                             <p:childTnLst>
                               <p:par>
-                                <p:cTn id="27" presetID="1" presetClass="entr" presetSubtype="0" fill="hold" grpId="0" nodeType="afterEffect">
+                                <p:cTn id="26" presetID="1" presetClass="entr" presetSubtype="0" fill="hold" grpId="0" nodeType="afterEffect">
                                   <p:stCondLst>
                                     <p:cond delay="500"/>
                                   </p:stCondLst>
                                   <p:childTnLst>
                                     <p:set>
                                       <p:cBhvr>
-                                        <p:cTn id="28" dur="1" fill="hold">
+                                        <p:cTn id="27" dur="1" fill="hold">
                                           <p:stCondLst>
                                             <p:cond delay="0"/>
                                           </p:stCondLst>
@@ -14591,20 +14347,20 @@
                           </p:cTn>
                         </p:par>
                         <p:par>
-                          <p:cTn id="29" fill="hold">
+                          <p:cTn id="28" fill="hold">
                             <p:stCondLst>
-                              <p:cond delay="2000"/>
+                              <p:cond delay="3500"/>
                             </p:stCondLst>
                             <p:childTnLst>
                               <p:par>
-                                <p:cTn id="30" presetID="1" presetClass="entr" presetSubtype="0" fill="hold" grpId="0" nodeType="afterEffect">
+                                <p:cTn id="29" presetID="1" presetClass="entr" presetSubtype="0" fill="hold" grpId="0" nodeType="afterEffect">
                                   <p:stCondLst>
                                     <p:cond delay="500"/>
                                   </p:stCondLst>
                                   <p:childTnLst>
                                     <p:set>
                                       <p:cBhvr>
-                                        <p:cTn id="31" dur="1" fill="hold">
+                                        <p:cTn id="30" dur="1" fill="hold">
                                           <p:stCondLst>
                                             <p:cond delay="0"/>
                                           </p:stCondLst>
@@ -14627,20 +14383,20 @@
                           </p:cTn>
                         </p:par>
                         <p:par>
-                          <p:cTn id="32" fill="hold">
+                          <p:cTn id="31" fill="hold">
                             <p:stCondLst>
-                              <p:cond delay="2500"/>
+                              <p:cond delay="4000"/>
                             </p:stCondLst>
                             <p:childTnLst>
                               <p:par>
-                                <p:cTn id="33" presetID="1" presetClass="entr" presetSubtype="0" fill="hold" grpId="0" nodeType="afterEffect">
+                                <p:cTn id="32" presetID="1" presetClass="entr" presetSubtype="0" fill="hold" grpId="0" nodeType="afterEffect">
                                   <p:stCondLst>
                                     <p:cond delay="500"/>
                                   </p:stCondLst>
                                   <p:childTnLst>
                                     <p:set>
                                       <p:cBhvr>
-                                        <p:cTn id="34" dur="1" fill="hold">
+                                        <p:cTn id="33" dur="1" fill="hold">
                                           <p:stCondLst>
                                             <p:cond delay="0"/>
                                           </p:stCondLst>
@@ -14663,20 +14419,20 @@
                           </p:cTn>
                         </p:par>
                         <p:par>
-                          <p:cTn id="35" fill="hold">
+                          <p:cTn id="34" fill="hold">
                             <p:stCondLst>
-                              <p:cond delay="3000"/>
+                              <p:cond delay="4500"/>
                             </p:stCondLst>
                             <p:childTnLst>
                               <p:par>
-                                <p:cTn id="36" presetID="1" presetClass="entr" presetSubtype="0" fill="hold" grpId="0" nodeType="afterEffect">
+                                <p:cTn id="35" presetID="1" presetClass="entr" presetSubtype="0" fill="hold" grpId="0" nodeType="afterEffect">
                                   <p:stCondLst>
                                     <p:cond delay="500"/>
                                   </p:stCondLst>
                                   <p:childTnLst>
                                     <p:set>
                                       <p:cBhvr>
-                                        <p:cTn id="37" dur="1" fill="hold">
+                                        <p:cTn id="36" dur="1" fill="hold">
                                           <p:stCondLst>
                                             <p:cond delay="0"/>
                                           </p:stCondLst>
@@ -14699,20 +14455,20 @@
                           </p:cTn>
                         </p:par>
                         <p:par>
-                          <p:cTn id="38" fill="hold">
+                          <p:cTn id="37" fill="hold">
                             <p:stCondLst>
-                              <p:cond delay="3500"/>
+                              <p:cond delay="5000"/>
                             </p:stCondLst>
                             <p:childTnLst>
                               <p:par>
-                                <p:cTn id="39" presetID="1" presetClass="entr" presetSubtype="0" fill="hold" grpId="0" nodeType="afterEffect">
+                                <p:cTn id="38" presetID="1" presetClass="entr" presetSubtype="0" fill="hold" grpId="0" nodeType="afterEffect">
                                   <p:stCondLst>
                                     <p:cond delay="500"/>
                                   </p:stCondLst>
                                   <p:childTnLst>
                                     <p:set>
                                       <p:cBhvr>
-                                        <p:cTn id="40" dur="1" fill="hold">
+                                        <p:cTn id="39" dur="1" fill="hold">
                                           <p:stCondLst>
                                             <p:cond delay="0"/>
                                           </p:stCondLst>
@@ -14735,20 +14491,20 @@
                           </p:cTn>
                         </p:par>
                         <p:par>
-                          <p:cTn id="41" fill="hold">
+                          <p:cTn id="40" fill="hold">
                             <p:stCondLst>
-                              <p:cond delay="4000"/>
+                              <p:cond delay="5500"/>
                             </p:stCondLst>
                             <p:childTnLst>
                               <p:par>
-                                <p:cTn id="42" presetID="1" presetClass="entr" presetSubtype="0" fill="hold" grpId="0" nodeType="afterEffect">
+                                <p:cTn id="41" presetID="1" presetClass="entr" presetSubtype="0" fill="hold" grpId="0" nodeType="afterEffect">
                                   <p:stCondLst>
                                     <p:cond delay="500"/>
                                   </p:stCondLst>
                                   <p:childTnLst>
                                     <p:set>
                                       <p:cBhvr>
-                                        <p:cTn id="43" dur="1" fill="hold">
+                                        <p:cTn id="42" dur="1" fill="hold">
                                           <p:stCondLst>
                                             <p:cond delay="0"/>
                                           </p:stCondLst>
@@ -14771,20 +14527,20 @@
                           </p:cTn>
                         </p:par>
                         <p:par>
-                          <p:cTn id="44" fill="hold">
+                          <p:cTn id="43" fill="hold">
                             <p:stCondLst>
-                              <p:cond delay="4500"/>
+                              <p:cond delay="6000"/>
                             </p:stCondLst>
                             <p:childTnLst>
                               <p:par>
-                                <p:cTn id="45" presetID="1" presetClass="entr" presetSubtype="0" fill="hold" grpId="0" nodeType="afterEffect">
+                                <p:cTn id="44" presetID="1" presetClass="entr" presetSubtype="0" fill="hold" grpId="0" nodeType="afterEffect">
                                   <p:stCondLst>
                                     <p:cond delay="500"/>
                                   </p:stCondLst>
                                   <p:childTnLst>
                                     <p:set>
                                       <p:cBhvr>
-                                        <p:cTn id="46" dur="1" fill="hold">
+                                        <p:cTn id="45" dur="1" fill="hold">
                                           <p:stCondLst>
                                             <p:cond delay="0"/>
                                           </p:stCondLst>
@@ -14807,20 +14563,20 @@
                           </p:cTn>
                         </p:par>
                         <p:par>
-                          <p:cTn id="47" fill="hold">
+                          <p:cTn id="46" fill="hold">
                             <p:stCondLst>
-                              <p:cond delay="5000"/>
+                              <p:cond delay="6500"/>
                             </p:stCondLst>
                             <p:childTnLst>
                               <p:par>
-                                <p:cTn id="48" presetID="1" presetClass="entr" presetSubtype="0" fill="hold" grpId="0" nodeType="afterEffect">
+                                <p:cTn id="47" presetID="1" presetClass="entr" presetSubtype="0" fill="hold" grpId="0" nodeType="afterEffect">
                                   <p:stCondLst>
                                     <p:cond delay="500"/>
                                   </p:stCondLst>
                                   <p:childTnLst>
                                     <p:set>
                                       <p:cBhvr>
-                                        <p:cTn id="49" dur="1" fill="hold">
+                                        <p:cTn id="48" dur="1" fill="hold">
                                           <p:stCondLst>
                                             <p:cond delay="0"/>
                                           </p:stCondLst>
@@ -14843,20 +14599,20 @@
                           </p:cTn>
                         </p:par>
                         <p:par>
-                          <p:cTn id="50" fill="hold">
+                          <p:cTn id="49" fill="hold">
                             <p:stCondLst>
-                              <p:cond delay="5500"/>
+                              <p:cond delay="7000"/>
                             </p:stCondLst>
                             <p:childTnLst>
                               <p:par>
-                                <p:cTn id="51" presetID="1" presetClass="entr" presetSubtype="0" fill="hold" grpId="0" nodeType="afterEffect">
+                                <p:cTn id="50" presetID="1" presetClass="entr" presetSubtype="0" fill="hold" grpId="0" nodeType="afterEffect">
                                   <p:stCondLst>
                                     <p:cond delay="500"/>
                                   </p:stCondLst>
                                   <p:childTnLst>
                                     <p:set>
                                       <p:cBhvr>
-                                        <p:cTn id="52" dur="1" fill="hold">
+                                        <p:cTn id="51" dur="1" fill="hold">
                                           <p:stCondLst>
                                             <p:cond delay="0"/>
                                           </p:stCondLst>
@@ -14879,20 +14635,20 @@
                           </p:cTn>
                         </p:par>
                         <p:par>
-                          <p:cTn id="53" fill="hold">
+                          <p:cTn id="52" fill="hold">
                             <p:stCondLst>
-                              <p:cond delay="6000"/>
+                              <p:cond delay="7500"/>
                             </p:stCondLst>
                             <p:childTnLst>
                               <p:par>
-                                <p:cTn id="54" presetID="1" presetClass="entr" presetSubtype="0" fill="hold" grpId="0" nodeType="afterEffect">
+                                <p:cTn id="53" presetID="1" presetClass="entr" presetSubtype="0" fill="hold" grpId="0" nodeType="afterEffect">
                                   <p:stCondLst>
                                     <p:cond delay="500"/>
                                   </p:stCondLst>
                                   <p:childTnLst>
                                     <p:set>
                                       <p:cBhvr>
-                                        <p:cTn id="55" dur="1" fill="hold">
+                                        <p:cTn id="54" dur="1" fill="hold">
                                           <p:stCondLst>
                                             <p:cond delay="0"/>
                                           </p:stCondLst>
@@ -14915,20 +14671,20 @@
                           </p:cTn>
                         </p:par>
                         <p:par>
-                          <p:cTn id="56" fill="hold">
+                          <p:cTn id="55" fill="hold">
                             <p:stCondLst>
-                              <p:cond delay="6500"/>
+                              <p:cond delay="8000"/>
                             </p:stCondLst>
                             <p:childTnLst>
                               <p:par>
-                                <p:cTn id="57" presetID="1" presetClass="entr" presetSubtype="0" fill="hold" grpId="0" nodeType="afterEffect">
+                                <p:cTn id="56" presetID="1" presetClass="entr" presetSubtype="0" fill="hold" grpId="0" nodeType="afterEffect">
                                   <p:stCondLst>
                                     <p:cond delay="500"/>
                                   </p:stCondLst>
                                   <p:childTnLst>
                                     <p:set>
                                       <p:cBhvr>
-                                        <p:cTn id="58" dur="1" fill="hold">
+                                        <p:cTn id="57" dur="1" fill="hold">
                                           <p:stCondLst>
                                             <p:cond delay="0"/>
                                           </p:stCondLst>
@@ -14951,20 +14707,20 @@
                           </p:cTn>
                         </p:par>
                         <p:par>
-                          <p:cTn id="59" fill="hold">
+                          <p:cTn id="58" fill="hold">
                             <p:stCondLst>
-                              <p:cond delay="7000"/>
+                              <p:cond delay="8500"/>
                             </p:stCondLst>
                             <p:childTnLst>
                               <p:par>
-                                <p:cTn id="60" presetID="1" presetClass="entr" presetSubtype="0" fill="hold" grpId="0" nodeType="afterEffect">
+                                <p:cTn id="59" presetID="1" presetClass="entr" presetSubtype="0" fill="hold" grpId="0" nodeType="afterEffect">
                                   <p:stCondLst>
                                     <p:cond delay="500"/>
                                   </p:stCondLst>
                                   <p:childTnLst>
                                     <p:set>
                                       <p:cBhvr>
-                                        <p:cTn id="61" dur="1" fill="hold">
+                                        <p:cTn id="60" dur="1" fill="hold">
                                           <p:stCondLst>
                                             <p:cond delay="0"/>
                                           </p:stCondLst>
@@ -14987,20 +14743,20 @@
                           </p:cTn>
                         </p:par>
                         <p:par>
-                          <p:cTn id="62" fill="hold">
+                          <p:cTn id="61" fill="hold">
                             <p:stCondLst>
-                              <p:cond delay="7500"/>
+                              <p:cond delay="9000"/>
                             </p:stCondLst>
                             <p:childTnLst>
                               <p:par>
-                                <p:cTn id="63" presetID="1" presetClass="entr" presetSubtype="0" fill="hold" grpId="0" nodeType="afterEffect">
+                                <p:cTn id="62" presetID="1" presetClass="entr" presetSubtype="0" fill="hold" grpId="0" nodeType="afterEffect">
                                   <p:stCondLst>
                                     <p:cond delay="500"/>
                                   </p:stCondLst>
                                   <p:childTnLst>
                                     <p:set>
                                       <p:cBhvr>
-                                        <p:cTn id="64" dur="1" fill="hold">
+                                        <p:cTn id="63" dur="1" fill="hold">
                                           <p:stCondLst>
                                             <p:cond delay="0"/>
                                           </p:stCondLst>
@@ -15023,20 +14779,20 @@
                           </p:cTn>
                         </p:par>
                         <p:par>
-                          <p:cTn id="65" fill="hold">
+                          <p:cTn id="64" fill="hold">
                             <p:stCondLst>
-                              <p:cond delay="8000"/>
+                              <p:cond delay="9500"/>
                             </p:stCondLst>
                             <p:childTnLst>
                               <p:par>
-                                <p:cTn id="66" presetID="1" presetClass="entr" presetSubtype="0" fill="hold" grpId="0" nodeType="afterEffect">
+                                <p:cTn id="65" presetID="1" presetClass="entr" presetSubtype="0" fill="hold" grpId="0" nodeType="afterEffect">
                                   <p:stCondLst>
                                     <p:cond delay="500"/>
                                   </p:stCondLst>
                                   <p:childTnLst>
                                     <p:set>
                                       <p:cBhvr>
-                                        <p:cTn id="67" dur="1" fill="hold">
+                                        <p:cTn id="66" dur="1" fill="hold">
                                           <p:stCondLst>
                                             <p:cond delay="0"/>
                                           </p:stCondLst>
@@ -15059,20 +14815,20 @@
                           </p:cTn>
                         </p:par>
                         <p:par>
-                          <p:cTn id="68" fill="hold">
+                          <p:cTn id="67" fill="hold">
                             <p:stCondLst>
-                              <p:cond delay="8500"/>
+                              <p:cond delay="10000"/>
                             </p:stCondLst>
                             <p:childTnLst>
                               <p:par>
-                                <p:cTn id="69" presetID="1" presetClass="entr" presetSubtype="0" fill="hold" grpId="0" nodeType="afterEffect">
+                                <p:cTn id="68" presetID="1" presetClass="entr" presetSubtype="0" fill="hold" grpId="0" nodeType="afterEffect">
                                   <p:stCondLst>
                                     <p:cond delay="500"/>
                                   </p:stCondLst>
                                   <p:childTnLst>
                                     <p:set>
                                       <p:cBhvr>
-                                        <p:cTn id="70" dur="1" fill="hold">
+                                        <p:cTn id="69" dur="1" fill="hold">
                                           <p:stCondLst>
                                             <p:cond delay="0"/>
                                           </p:stCondLst>
@@ -15095,20 +14851,20 @@
                           </p:cTn>
                         </p:par>
                         <p:par>
-                          <p:cTn id="71" fill="hold">
+                          <p:cTn id="70" fill="hold">
                             <p:stCondLst>
-                              <p:cond delay="9000"/>
+                              <p:cond delay="10500"/>
                             </p:stCondLst>
                             <p:childTnLst>
                               <p:par>
-                                <p:cTn id="72" presetID="1" presetClass="entr" presetSubtype="0" fill="hold" grpId="0" nodeType="afterEffect">
+                                <p:cTn id="71" presetID="1" presetClass="entr" presetSubtype="0" fill="hold" grpId="0" nodeType="afterEffect">
                                   <p:stCondLst>
                                     <p:cond delay="500"/>
                                   </p:stCondLst>
                                   <p:childTnLst>
                                     <p:set>
                                       <p:cBhvr>
-                                        <p:cTn id="73" dur="1" fill="hold">
+                                        <p:cTn id="72" dur="1" fill="hold">
                                           <p:stCondLst>
                                             <p:cond delay="0"/>
                                           </p:stCondLst>
@@ -15131,20 +14887,20 @@
                           </p:cTn>
                         </p:par>
                         <p:par>
-                          <p:cTn id="74" fill="hold">
+                          <p:cTn id="73" fill="hold">
                             <p:stCondLst>
-                              <p:cond delay="9500"/>
+                              <p:cond delay="11000"/>
                             </p:stCondLst>
                             <p:childTnLst>
                               <p:par>
-                                <p:cTn id="75" presetID="1" presetClass="entr" presetSubtype="0" fill="hold" grpId="0" nodeType="afterEffect">
+                                <p:cTn id="74" presetID="1" presetClass="entr" presetSubtype="0" fill="hold" grpId="0" nodeType="afterEffect">
                                   <p:stCondLst>
                                     <p:cond delay="500"/>
                                   </p:stCondLst>
                                   <p:childTnLst>
                                     <p:set>
                                       <p:cBhvr>
-                                        <p:cTn id="76" dur="1" fill="hold">
+                                        <p:cTn id="75" dur="1" fill="hold">
                                           <p:stCondLst>
                                             <p:cond delay="0"/>
                                           </p:stCondLst>
@@ -15167,20 +14923,20 @@
                           </p:cTn>
                         </p:par>
                         <p:par>
-                          <p:cTn id="77" fill="hold">
+                          <p:cTn id="76" fill="hold">
                             <p:stCondLst>
-                              <p:cond delay="10000"/>
+                              <p:cond delay="11500"/>
                             </p:stCondLst>
                             <p:childTnLst>
                               <p:par>
-                                <p:cTn id="78" presetID="1" presetClass="entr" presetSubtype="0" fill="hold" grpId="0" nodeType="afterEffect">
+                                <p:cTn id="77" presetID="1" presetClass="entr" presetSubtype="0" fill="hold" grpId="0" nodeType="afterEffect">
                                   <p:stCondLst>
                                     <p:cond delay="500"/>
                                   </p:stCondLst>
                                   <p:childTnLst>
                                     <p:set>
                                       <p:cBhvr>
-                                        <p:cTn id="79" dur="1" fill="hold">
+                                        <p:cTn id="78" dur="1" fill="hold">
                                           <p:stCondLst>
                                             <p:cond delay="0"/>
                                           </p:stCondLst>
@@ -15203,20 +14959,20 @@
                           </p:cTn>
                         </p:par>
                         <p:par>
-                          <p:cTn id="80" fill="hold">
+                          <p:cTn id="79" fill="hold">
                             <p:stCondLst>
-                              <p:cond delay="10500"/>
+                              <p:cond delay="12000"/>
                             </p:stCondLst>
                             <p:childTnLst>
                               <p:par>
-                                <p:cTn id="81" presetID="1" presetClass="entr" presetSubtype="0" fill="hold" grpId="0" nodeType="afterEffect">
+                                <p:cTn id="80" presetID="1" presetClass="entr" presetSubtype="0" fill="hold" grpId="0" nodeType="afterEffect">
                                   <p:stCondLst>
                                     <p:cond delay="500"/>
                                   </p:stCondLst>
                                   <p:childTnLst>
                                     <p:set>
                                       <p:cBhvr>
-                                        <p:cTn id="82" dur="1" fill="hold">
+                                        <p:cTn id="81" dur="1" fill="hold">
                                           <p:stCondLst>
                                             <p:cond delay="0"/>
                                           </p:stCondLst>
@@ -15239,20 +14995,20 @@
                           </p:cTn>
                         </p:par>
                         <p:par>
-                          <p:cTn id="83" fill="hold">
+                          <p:cTn id="82" fill="hold">
                             <p:stCondLst>
-                              <p:cond delay="11000"/>
+                              <p:cond delay="12500"/>
                             </p:stCondLst>
                             <p:childTnLst>
                               <p:par>
-                                <p:cTn id="84" presetID="1" presetClass="entr" presetSubtype="0" fill="hold" grpId="0" nodeType="afterEffect">
+                                <p:cTn id="83" presetID="1" presetClass="entr" presetSubtype="0" fill="hold" grpId="0" nodeType="afterEffect">
                                   <p:stCondLst>
                                     <p:cond delay="500"/>
                                   </p:stCondLst>
                                   <p:childTnLst>
                                     <p:set>
                                       <p:cBhvr>
-                                        <p:cTn id="85" dur="1" fill="hold">
+                                        <p:cTn id="84" dur="1" fill="hold">
                                           <p:stCondLst>
                                             <p:cond delay="0"/>
                                           </p:stCondLst>
@@ -15275,20 +15031,20 @@
                           </p:cTn>
                         </p:par>
                         <p:par>
-                          <p:cTn id="86" fill="hold">
+                          <p:cTn id="85" fill="hold">
                             <p:stCondLst>
-                              <p:cond delay="11500"/>
+                              <p:cond delay="13000"/>
                             </p:stCondLst>
                             <p:childTnLst>
                               <p:par>
-                                <p:cTn id="87" presetID="1" presetClass="entr" presetSubtype="0" fill="hold" grpId="0" nodeType="afterEffect">
+                                <p:cTn id="86" presetID="1" presetClass="entr" presetSubtype="0" fill="hold" grpId="0" nodeType="afterEffect">
                                   <p:stCondLst>
                                     <p:cond delay="500"/>
                                   </p:stCondLst>
                                   <p:childTnLst>
                                     <p:set>
                                       <p:cBhvr>
-                                        <p:cTn id="88" dur="1" fill="hold">
+                                        <p:cTn id="87" dur="1" fill="hold">
                                           <p:stCondLst>
                                             <p:cond delay="0"/>
                                           </p:stCondLst>
@@ -15311,20 +15067,20 @@
                           </p:cTn>
                         </p:par>
                         <p:par>
-                          <p:cTn id="89" fill="hold">
+                          <p:cTn id="88" fill="hold">
                             <p:stCondLst>
-                              <p:cond delay="12000"/>
+                              <p:cond delay="13500"/>
                             </p:stCondLst>
                             <p:childTnLst>
                               <p:par>
-                                <p:cTn id="90" presetID="1" presetClass="entr" presetSubtype="0" fill="hold" grpId="0" nodeType="afterEffect">
+                                <p:cTn id="89" presetID="1" presetClass="entr" presetSubtype="0" fill="hold" grpId="0" nodeType="afterEffect">
                                   <p:stCondLst>
                                     <p:cond delay="500"/>
                                   </p:stCondLst>
                                   <p:childTnLst>
                                     <p:set>
                                       <p:cBhvr>
-                                        <p:cTn id="91" dur="1" fill="hold">
+                                        <p:cTn id="90" dur="1" fill="hold">
                                           <p:stCondLst>
                                             <p:cond delay="0"/>
                                           </p:stCondLst>
@@ -15347,20 +15103,20 @@
                           </p:cTn>
                         </p:par>
                         <p:par>
-                          <p:cTn id="92" fill="hold">
+                          <p:cTn id="91" fill="hold">
                             <p:stCondLst>
-                              <p:cond delay="12500"/>
+                              <p:cond delay="14000"/>
                             </p:stCondLst>
                             <p:childTnLst>
                               <p:par>
-                                <p:cTn id="93" presetID="1" presetClass="entr" presetSubtype="0" fill="hold" grpId="0" nodeType="afterEffect">
+                                <p:cTn id="92" presetID="1" presetClass="entr" presetSubtype="0" fill="hold" grpId="0" nodeType="afterEffect">
                                   <p:stCondLst>
                                     <p:cond delay="500"/>
                                   </p:stCondLst>
                                   <p:childTnLst>
                                     <p:set>
                                       <p:cBhvr>
-                                        <p:cTn id="94" dur="1" fill="hold">
+                                        <p:cTn id="93" dur="1" fill="hold">
                                           <p:stCondLst>
                                             <p:cond delay="0"/>
                                           </p:stCondLst>
@@ -15383,20 +15139,20 @@
                           </p:cTn>
                         </p:par>
                         <p:par>
-                          <p:cTn id="95" fill="hold">
+                          <p:cTn id="94" fill="hold">
                             <p:stCondLst>
-                              <p:cond delay="13000"/>
+                              <p:cond delay="14500"/>
                             </p:stCondLst>
                             <p:childTnLst>
                               <p:par>
-                                <p:cTn id="96" presetID="1" presetClass="entr" presetSubtype="0" fill="hold" grpId="0" nodeType="afterEffect">
+                                <p:cTn id="95" presetID="1" presetClass="entr" presetSubtype="0" fill="hold" grpId="0" nodeType="afterEffect">
                                   <p:stCondLst>
                                     <p:cond delay="500"/>
                                   </p:stCondLst>
                                   <p:childTnLst>
                                     <p:set>
                                       <p:cBhvr>
-                                        <p:cTn id="97" dur="1" fill="hold">
+                                        <p:cTn id="96" dur="1" fill="hold">
                                           <p:stCondLst>
                                             <p:cond delay="0"/>
                                           </p:stCondLst>
@@ -15419,20 +15175,20 @@
                           </p:cTn>
                         </p:par>
                         <p:par>
-                          <p:cTn id="98" fill="hold">
+                          <p:cTn id="97" fill="hold">
                             <p:stCondLst>
-                              <p:cond delay="13500"/>
+                              <p:cond delay="15000"/>
                             </p:stCondLst>
                             <p:childTnLst>
                               <p:par>
-                                <p:cTn id="99" presetID="1" presetClass="entr" presetSubtype="0" fill="hold" grpId="0" nodeType="afterEffect">
+                                <p:cTn id="98" presetID="1" presetClass="entr" presetSubtype="0" fill="hold" grpId="0" nodeType="afterEffect">
                                   <p:stCondLst>
                                     <p:cond delay="500"/>
                                   </p:stCondLst>
                                   <p:childTnLst>
                                     <p:set>
                                       <p:cBhvr>
-                                        <p:cTn id="100" dur="1" fill="hold">
+                                        <p:cTn id="99" dur="1" fill="hold">
                                           <p:stCondLst>
                                             <p:cond delay="0"/>
                                           </p:stCondLst>
@@ -15455,20 +15211,20 @@
                           </p:cTn>
                         </p:par>
                         <p:par>
-                          <p:cTn id="101" fill="hold">
+                          <p:cTn id="100" fill="hold">
                             <p:stCondLst>
-                              <p:cond delay="14000"/>
+                              <p:cond delay="15500"/>
                             </p:stCondLst>
                             <p:childTnLst>
                               <p:par>
-                                <p:cTn id="102" presetID="1" presetClass="entr" presetSubtype="0" fill="hold" grpId="0" nodeType="afterEffect">
+                                <p:cTn id="101" presetID="1" presetClass="entr" presetSubtype="0" fill="hold" grpId="0" nodeType="afterEffect">
                                   <p:stCondLst>
                                     <p:cond delay="500"/>
                                   </p:stCondLst>
                                   <p:childTnLst>
                                     <p:set>
                                       <p:cBhvr>
-                                        <p:cTn id="103" dur="1" fill="hold">
+                                        <p:cTn id="102" dur="1" fill="hold">
                                           <p:stCondLst>
                                             <p:cond delay="0"/>
                                           </p:stCondLst>
@@ -15491,20 +15247,20 @@
                           </p:cTn>
                         </p:par>
                         <p:par>
-                          <p:cTn id="104" fill="hold">
+                          <p:cTn id="103" fill="hold">
                             <p:stCondLst>
-                              <p:cond delay="14500"/>
+                              <p:cond delay="16000"/>
                             </p:stCondLst>
                             <p:childTnLst>
                               <p:par>
-                                <p:cTn id="105" presetID="1" presetClass="entr" presetSubtype="0" fill="hold" grpId="0" nodeType="afterEffect">
+                                <p:cTn id="104" presetID="1" presetClass="entr" presetSubtype="0" fill="hold" grpId="0" nodeType="afterEffect">
                                   <p:stCondLst>
                                     <p:cond delay="500"/>
                                   </p:stCondLst>
                                   <p:childTnLst>
                                     <p:set>
                                       <p:cBhvr>
-                                        <p:cTn id="106" dur="1" fill="hold">
+                                        <p:cTn id="105" dur="1" fill="hold">
                                           <p:stCondLst>
                                             <p:cond delay="0"/>
                                           </p:stCondLst>
@@ -15527,20 +15283,20 @@
                           </p:cTn>
                         </p:par>
                         <p:par>
-                          <p:cTn id="107" fill="hold">
+                          <p:cTn id="106" fill="hold">
                             <p:stCondLst>
-                              <p:cond delay="15000"/>
+                              <p:cond delay="16500"/>
                             </p:stCondLst>
                             <p:childTnLst>
                               <p:par>
-                                <p:cTn id="108" presetID="1" presetClass="entr" presetSubtype="0" fill="hold" grpId="0" nodeType="afterEffect">
+                                <p:cTn id="107" presetID="1" presetClass="entr" presetSubtype="0" fill="hold" grpId="0" nodeType="afterEffect">
                                   <p:stCondLst>
                                     <p:cond delay="500"/>
                                   </p:stCondLst>
                                   <p:childTnLst>
                                     <p:set>
                                       <p:cBhvr>
-                                        <p:cTn id="109" dur="1" fill="hold">
+                                        <p:cTn id="108" dur="1" fill="hold">
                                           <p:stCondLst>
                                             <p:cond delay="0"/>
                                           </p:stCondLst>
@@ -15563,20 +15319,20 @@
                           </p:cTn>
                         </p:par>
                         <p:par>
-                          <p:cTn id="110" fill="hold">
+                          <p:cTn id="109" fill="hold">
                             <p:stCondLst>
-                              <p:cond delay="15500"/>
+                              <p:cond delay="17000"/>
                             </p:stCondLst>
                             <p:childTnLst>
                               <p:par>
-                                <p:cTn id="111" presetID="1" presetClass="entr" presetSubtype="0" fill="hold" grpId="0" nodeType="afterEffect">
+                                <p:cTn id="110" presetID="1" presetClass="entr" presetSubtype="0" fill="hold" grpId="0" nodeType="afterEffect">
                                   <p:stCondLst>
                                     <p:cond delay="500"/>
                                   </p:stCondLst>
                                   <p:childTnLst>
                                     <p:set>
                                       <p:cBhvr>
-                                        <p:cTn id="112" dur="1" fill="hold">
+                                        <p:cTn id="111" dur="1" fill="hold">
                                           <p:stCondLst>
                                             <p:cond delay="0"/>
                                           </p:stCondLst>
@@ -15599,20 +15355,20 @@
                           </p:cTn>
                         </p:par>
                         <p:par>
-                          <p:cTn id="113" fill="hold">
+                          <p:cTn id="112" fill="hold">
                             <p:stCondLst>
-                              <p:cond delay="16000"/>
+                              <p:cond delay="17500"/>
                             </p:stCondLst>
                             <p:childTnLst>
                               <p:par>
-                                <p:cTn id="114" presetID="1" presetClass="entr" presetSubtype="0" fill="hold" grpId="0" nodeType="afterEffect">
+                                <p:cTn id="113" presetID="1" presetClass="entr" presetSubtype="0" fill="hold" grpId="0" nodeType="afterEffect">
                                   <p:stCondLst>
                                     <p:cond delay="500"/>
                                   </p:stCondLst>
                                   <p:childTnLst>
                                     <p:set>
                                       <p:cBhvr>
-                                        <p:cTn id="115" dur="1" fill="hold">
+                                        <p:cTn id="114" dur="1" fill="hold">
                                           <p:stCondLst>
                                             <p:cond delay="0"/>
                                           </p:stCondLst>
@@ -15635,20 +15391,20 @@
                           </p:cTn>
                         </p:par>
                         <p:par>
-                          <p:cTn id="116" fill="hold">
+                          <p:cTn id="115" fill="hold">
                             <p:stCondLst>
-                              <p:cond delay="16500"/>
+                              <p:cond delay="18000"/>
                             </p:stCondLst>
                             <p:childTnLst>
                               <p:par>
-                                <p:cTn id="117" presetID="1" presetClass="entr" presetSubtype="0" fill="hold" grpId="0" nodeType="afterEffect">
+                                <p:cTn id="116" presetID="1" presetClass="entr" presetSubtype="0" fill="hold" grpId="0" nodeType="afterEffect">
                                   <p:stCondLst>
                                     <p:cond delay="500"/>
                                   </p:stCondLst>
                                   <p:childTnLst>
                                     <p:set>
                                       <p:cBhvr>
-                                        <p:cTn id="118" dur="1" fill="hold">
+                                        <p:cTn id="117" dur="1" fill="hold">
                                           <p:stCondLst>
                                             <p:cond delay="0"/>
                                           </p:stCondLst>
@@ -15671,20 +15427,20 @@
                           </p:cTn>
                         </p:par>
                         <p:par>
-                          <p:cTn id="119" fill="hold">
+                          <p:cTn id="118" fill="hold">
                             <p:stCondLst>
-                              <p:cond delay="17000"/>
+                              <p:cond delay="18500"/>
                             </p:stCondLst>
                             <p:childTnLst>
                               <p:par>
-                                <p:cTn id="120" presetID="1" presetClass="entr" presetSubtype="0" fill="hold" grpId="0" nodeType="afterEffect">
+                                <p:cTn id="119" presetID="1" presetClass="entr" presetSubtype="0" fill="hold" grpId="0" nodeType="afterEffect">
                                   <p:stCondLst>
                                     <p:cond delay="500"/>
                                   </p:stCondLst>
                                   <p:childTnLst>
                                     <p:set>
                                       <p:cBhvr>
-                                        <p:cTn id="121" dur="1" fill="hold">
+                                        <p:cTn id="120" dur="1" fill="hold">
                                           <p:stCondLst>
                                             <p:cond delay="0"/>
                                           </p:stCondLst>
@@ -15707,20 +15463,20 @@
                           </p:cTn>
                         </p:par>
                         <p:par>
-                          <p:cTn id="122" fill="hold">
+                          <p:cTn id="121" fill="hold">
                             <p:stCondLst>
-                              <p:cond delay="17500"/>
+                              <p:cond delay="19000"/>
                             </p:stCondLst>
                             <p:childTnLst>
                               <p:par>
-                                <p:cTn id="123" presetID="1" presetClass="entr" presetSubtype="0" fill="hold" grpId="0" nodeType="afterEffect">
+                                <p:cTn id="122" presetID="1" presetClass="entr" presetSubtype="0" fill="hold" grpId="0" nodeType="afterEffect">
                                   <p:stCondLst>
                                     <p:cond delay="500"/>
                                   </p:stCondLst>
                                   <p:childTnLst>
                                     <p:set>
                                       <p:cBhvr>
-                                        <p:cTn id="124" dur="1" fill="hold">
+                                        <p:cTn id="123" dur="1" fill="hold">
                                           <p:stCondLst>
                                             <p:cond delay="0"/>
                                           </p:stCondLst>
@@ -15743,20 +15499,20 @@
                           </p:cTn>
                         </p:par>
                         <p:par>
-                          <p:cTn id="125" fill="hold">
+                          <p:cTn id="124" fill="hold">
                             <p:stCondLst>
-                              <p:cond delay="18000"/>
+                              <p:cond delay="19500"/>
                             </p:stCondLst>
                             <p:childTnLst>
                               <p:par>
-                                <p:cTn id="126" presetID="1" presetClass="entr" presetSubtype="0" fill="hold" grpId="0" nodeType="afterEffect">
+                                <p:cTn id="125" presetID="1" presetClass="entr" presetSubtype="0" fill="hold" grpId="0" nodeType="afterEffect">
                                   <p:stCondLst>
                                     <p:cond delay="500"/>
                                   </p:stCondLst>
                                   <p:childTnLst>
                                     <p:set>
                                       <p:cBhvr>
-                                        <p:cTn id="127" dur="1" fill="hold">
+                                        <p:cTn id="126" dur="1" fill="hold">
                                           <p:stCondLst>
                                             <p:cond delay="0"/>
                                           </p:stCondLst>
@@ -15779,20 +15535,20 @@
                           </p:cTn>
                         </p:par>
                         <p:par>
-                          <p:cTn id="128" fill="hold">
+                          <p:cTn id="127" fill="hold">
                             <p:stCondLst>
-                              <p:cond delay="18500"/>
+                              <p:cond delay="20000"/>
                             </p:stCondLst>
                             <p:childTnLst>
                               <p:par>
-                                <p:cTn id="129" presetID="1" presetClass="entr" presetSubtype="0" fill="hold" grpId="0" nodeType="afterEffect">
+                                <p:cTn id="128" presetID="1" presetClass="entr" presetSubtype="0" fill="hold" grpId="0" nodeType="afterEffect">
                                   <p:stCondLst>
                                     <p:cond delay="500"/>
                                   </p:stCondLst>
                                   <p:childTnLst>
                                     <p:set>
                                       <p:cBhvr>
-                                        <p:cTn id="130" dur="1" fill="hold">
+                                        <p:cTn id="129" dur="1" fill="hold">
                                           <p:stCondLst>
                                             <p:cond delay="0"/>
                                           </p:stCondLst>
@@ -15815,20 +15571,20 @@
                           </p:cTn>
                         </p:par>
                         <p:par>
-                          <p:cTn id="131" fill="hold">
+                          <p:cTn id="130" fill="hold">
                             <p:stCondLst>
-                              <p:cond delay="19000"/>
+                              <p:cond delay="20500"/>
                             </p:stCondLst>
                             <p:childTnLst>
                               <p:par>
-                                <p:cTn id="132" presetID="1" presetClass="entr" presetSubtype="0" fill="hold" grpId="0" nodeType="afterEffect">
+                                <p:cTn id="131" presetID="1" presetClass="entr" presetSubtype="0" fill="hold" grpId="0" nodeType="afterEffect">
                                   <p:stCondLst>
                                     <p:cond delay="500"/>
                                   </p:stCondLst>
                                   <p:childTnLst>
                                     <p:set>
                                       <p:cBhvr>
-                                        <p:cTn id="133" dur="1" fill="hold">
+                                        <p:cTn id="132" dur="1" fill="hold">
                                           <p:stCondLst>
                                             <p:cond delay="0"/>
                                           </p:stCondLst>
@@ -15851,20 +15607,20 @@
                           </p:cTn>
                         </p:par>
                         <p:par>
-                          <p:cTn id="134" fill="hold">
+                          <p:cTn id="133" fill="hold">
                             <p:stCondLst>
-                              <p:cond delay="19500"/>
+                              <p:cond delay="21000"/>
                             </p:stCondLst>
                             <p:childTnLst>
                               <p:par>
-                                <p:cTn id="135" presetID="1" presetClass="entr" presetSubtype="0" fill="hold" grpId="0" nodeType="afterEffect">
+                                <p:cTn id="134" presetID="1" presetClass="entr" presetSubtype="0" fill="hold" grpId="0" nodeType="afterEffect">
                                   <p:stCondLst>
                                     <p:cond delay="500"/>
                                   </p:stCondLst>
                                   <p:childTnLst>
                                     <p:set>
                                       <p:cBhvr>
-                                        <p:cTn id="136" dur="1" fill="hold">
+                                        <p:cTn id="135" dur="1" fill="hold">
                                           <p:stCondLst>
                                             <p:cond delay="0"/>
                                           </p:stCondLst>
@@ -15887,20 +15643,20 @@
                           </p:cTn>
                         </p:par>
                         <p:par>
-                          <p:cTn id="137" fill="hold">
+                          <p:cTn id="136" fill="hold">
                             <p:stCondLst>
-                              <p:cond delay="20000"/>
+                              <p:cond delay="21500"/>
                             </p:stCondLst>
                             <p:childTnLst>
                               <p:par>
-                                <p:cTn id="138" presetID="1" presetClass="entr" presetSubtype="0" fill="hold" grpId="0" nodeType="afterEffect">
+                                <p:cTn id="137" presetID="1" presetClass="entr" presetSubtype="0" fill="hold" grpId="0" nodeType="afterEffect">
                                   <p:stCondLst>
                                     <p:cond delay="500"/>
                                   </p:stCondLst>
                                   <p:childTnLst>
                                     <p:set>
                                       <p:cBhvr>
-                                        <p:cTn id="139" dur="1" fill="hold">
+                                        <p:cTn id="138" dur="1" fill="hold">
                                           <p:stCondLst>
                                             <p:cond delay="0"/>
                                           </p:stCondLst>
@@ -15923,20 +15679,20 @@
                           </p:cTn>
                         </p:par>
                         <p:par>
-                          <p:cTn id="140" fill="hold">
+                          <p:cTn id="139" fill="hold">
                             <p:stCondLst>
-                              <p:cond delay="20500"/>
+                              <p:cond delay="22000"/>
                             </p:stCondLst>
                             <p:childTnLst>
                               <p:par>
-                                <p:cTn id="141" presetID="1" presetClass="entr" presetSubtype="0" fill="hold" grpId="0" nodeType="afterEffect">
+                                <p:cTn id="140" presetID="1" presetClass="entr" presetSubtype="0" fill="hold" grpId="0" nodeType="afterEffect">
                                   <p:stCondLst>
                                     <p:cond delay="500"/>
                                   </p:stCondLst>
                                   <p:childTnLst>
                                     <p:set>
                                       <p:cBhvr>
-                                        <p:cTn id="142" dur="1" fill="hold">
+                                        <p:cTn id="141" dur="1" fill="hold">
                                           <p:stCondLst>
                                             <p:cond delay="0"/>
                                           </p:stCondLst>
@@ -15959,20 +15715,20 @@
                           </p:cTn>
                         </p:par>
                         <p:par>
-                          <p:cTn id="143" fill="hold">
+                          <p:cTn id="142" fill="hold">
                             <p:stCondLst>
-                              <p:cond delay="21000"/>
+                              <p:cond delay="22500"/>
                             </p:stCondLst>
                             <p:childTnLst>
                               <p:par>
-                                <p:cTn id="144" presetID="1" presetClass="entr" presetSubtype="0" fill="hold" grpId="0" nodeType="afterEffect">
+                                <p:cTn id="143" presetID="1" presetClass="entr" presetSubtype="0" fill="hold" grpId="0" nodeType="afterEffect">
                                   <p:stCondLst>
                                     <p:cond delay="500"/>
                                   </p:stCondLst>
                                   <p:childTnLst>
                                     <p:set>
                                       <p:cBhvr>
-                                        <p:cTn id="145" dur="1" fill="hold">
+                                        <p:cTn id="144" dur="1" fill="hold">
                                           <p:stCondLst>
                                             <p:cond delay="0"/>
                                           </p:stCondLst>
@@ -15995,20 +15751,20 @@
                           </p:cTn>
                         </p:par>
                         <p:par>
-                          <p:cTn id="146" fill="hold">
+                          <p:cTn id="145" fill="hold">
                             <p:stCondLst>
-                              <p:cond delay="21500"/>
+                              <p:cond delay="23000"/>
                             </p:stCondLst>
                             <p:childTnLst>
                               <p:par>
-                                <p:cTn id="147" presetID="1" presetClass="entr" presetSubtype="0" fill="hold" grpId="0" nodeType="afterEffect">
+                                <p:cTn id="146" presetID="1" presetClass="entr" presetSubtype="0" fill="hold" grpId="0" nodeType="afterEffect">
                                   <p:stCondLst>
                                     <p:cond delay="500"/>
                                   </p:stCondLst>
                                   <p:childTnLst>
                                     <p:set>
                                       <p:cBhvr>
-                                        <p:cTn id="148" dur="1" fill="hold">
+                                        <p:cTn id="147" dur="1" fill="hold">
                                           <p:stCondLst>
                                             <p:cond delay="0"/>
                                           </p:stCondLst>
@@ -16031,20 +15787,20 @@
                           </p:cTn>
                         </p:par>
                         <p:par>
-                          <p:cTn id="149" fill="hold">
+                          <p:cTn id="148" fill="hold">
                             <p:stCondLst>
-                              <p:cond delay="22000"/>
+                              <p:cond delay="23500"/>
                             </p:stCondLst>
                             <p:childTnLst>
                               <p:par>
-                                <p:cTn id="150" presetID="1" presetClass="entr" presetSubtype="0" fill="hold" grpId="0" nodeType="afterEffect">
+                                <p:cTn id="149" presetID="1" presetClass="entr" presetSubtype="0" fill="hold" grpId="0" nodeType="afterEffect">
                                   <p:stCondLst>
                                     <p:cond delay="500"/>
                                   </p:stCondLst>
                                   <p:childTnLst>
                                     <p:set>
                                       <p:cBhvr>
-                                        <p:cTn id="151" dur="1" fill="hold">
+                                        <p:cTn id="150" dur="1" fill="hold">
                                           <p:stCondLst>
                                             <p:cond delay="0"/>
                                           </p:stCondLst>
@@ -16067,20 +15823,20 @@
                           </p:cTn>
                         </p:par>
                         <p:par>
-                          <p:cTn id="152" fill="hold">
+                          <p:cTn id="151" fill="hold">
                             <p:stCondLst>
-                              <p:cond delay="22500"/>
+                              <p:cond delay="24000"/>
                             </p:stCondLst>
                             <p:childTnLst>
                               <p:par>
-                                <p:cTn id="153" presetID="1" presetClass="entr" presetSubtype="0" fill="hold" grpId="0" nodeType="afterEffect">
+                                <p:cTn id="152" presetID="1" presetClass="entr" presetSubtype="0" fill="hold" grpId="0" nodeType="afterEffect">
                                   <p:stCondLst>
                                     <p:cond delay="500"/>
                                   </p:stCondLst>
                                   <p:childTnLst>
                                     <p:set>
                                       <p:cBhvr>
-                                        <p:cTn id="154" dur="1" fill="hold">
+                                        <p:cTn id="153" dur="1" fill="hold">
                                           <p:stCondLst>
                                             <p:cond delay="0"/>
                                           </p:stCondLst>
@@ -16103,20 +15859,20 @@
                           </p:cTn>
                         </p:par>
                         <p:par>
-                          <p:cTn id="155" fill="hold">
+                          <p:cTn id="154" fill="hold">
                             <p:stCondLst>
-                              <p:cond delay="23000"/>
+                              <p:cond delay="24500"/>
                             </p:stCondLst>
                             <p:childTnLst>
                               <p:par>
-                                <p:cTn id="156" presetID="1" presetClass="entr" presetSubtype="0" fill="hold" grpId="0" nodeType="afterEffect">
+                                <p:cTn id="155" presetID="1" presetClass="entr" presetSubtype="0" fill="hold" grpId="0" nodeType="afterEffect">
                                   <p:stCondLst>
                                     <p:cond delay="500"/>
                                   </p:stCondLst>
                                   <p:childTnLst>
                                     <p:set>
                                       <p:cBhvr>
-                                        <p:cTn id="157" dur="1" fill="hold">
+                                        <p:cTn id="156" dur="1" fill="hold">
                                           <p:stCondLst>
                                             <p:cond delay="0"/>
                                           </p:stCondLst>
@@ -16139,20 +15895,20 @@
                           </p:cTn>
                         </p:par>
                         <p:par>
-                          <p:cTn id="158" fill="hold">
+                          <p:cTn id="157" fill="hold">
                             <p:stCondLst>
-                              <p:cond delay="23500"/>
+                              <p:cond delay="25000"/>
                             </p:stCondLst>
                             <p:childTnLst>
                               <p:par>
-                                <p:cTn id="159" presetID="1" presetClass="entr" presetSubtype="0" fill="hold" grpId="0" nodeType="afterEffect">
+                                <p:cTn id="158" presetID="1" presetClass="entr" presetSubtype="0" fill="hold" grpId="0" nodeType="afterEffect">
                                   <p:stCondLst>
                                     <p:cond delay="500"/>
                                   </p:stCondLst>
                                   <p:childTnLst>
                                     <p:set>
                                       <p:cBhvr>
-                                        <p:cTn id="160" dur="1" fill="hold">
+                                        <p:cTn id="159" dur="1" fill="hold">
                                           <p:stCondLst>
                                             <p:cond delay="0"/>
                                           </p:stCondLst>
@@ -16175,20 +15931,20 @@
                           </p:cTn>
                         </p:par>
                         <p:par>
-                          <p:cTn id="161" fill="hold">
+                          <p:cTn id="160" fill="hold">
                             <p:stCondLst>
-                              <p:cond delay="24000"/>
+                              <p:cond delay="25500"/>
                             </p:stCondLst>
                             <p:childTnLst>
                               <p:par>
-                                <p:cTn id="162" presetID="1" presetClass="entr" presetSubtype="0" fill="hold" grpId="0" nodeType="afterEffect">
+                                <p:cTn id="161" presetID="1" presetClass="entr" presetSubtype="0" fill="hold" grpId="0" nodeType="afterEffect">
                                   <p:stCondLst>
                                     <p:cond delay="500"/>
                                   </p:stCondLst>
                                   <p:childTnLst>
                                     <p:set>
                                       <p:cBhvr>
-                                        <p:cTn id="163" dur="1" fill="hold">
+                                        <p:cTn id="162" dur="1" fill="hold">
                                           <p:stCondLst>
                                             <p:cond delay="0"/>
                                           </p:stCondLst>
@@ -16211,20 +15967,20 @@
                           </p:cTn>
                         </p:par>
                         <p:par>
-                          <p:cTn id="164" fill="hold">
+                          <p:cTn id="163" fill="hold">
                             <p:stCondLst>
-                              <p:cond delay="24500"/>
+                              <p:cond delay="26000"/>
                             </p:stCondLst>
                             <p:childTnLst>
                               <p:par>
-                                <p:cTn id="165" presetID="1" presetClass="entr" presetSubtype="0" fill="hold" grpId="0" nodeType="afterEffect">
+                                <p:cTn id="164" presetID="1" presetClass="entr" presetSubtype="0" fill="hold" grpId="0" nodeType="afterEffect">
                                   <p:stCondLst>
                                     <p:cond delay="500"/>
                                   </p:stCondLst>
                                   <p:childTnLst>
                                     <p:set>
                                       <p:cBhvr>
-                                        <p:cTn id="166" dur="1" fill="hold">
+                                        <p:cTn id="165" dur="1" fill="hold">
                                           <p:stCondLst>
                                             <p:cond delay="0"/>
                                           </p:stCondLst>
@@ -16247,20 +16003,20 @@
                           </p:cTn>
                         </p:par>
                         <p:par>
-                          <p:cTn id="167" fill="hold">
+                          <p:cTn id="166" fill="hold">
                             <p:stCondLst>
-                              <p:cond delay="25000"/>
+                              <p:cond delay="26500"/>
                             </p:stCondLst>
                             <p:childTnLst>
                               <p:par>
-                                <p:cTn id="168" presetID="1" presetClass="entr" presetSubtype="0" fill="hold" grpId="0" nodeType="afterEffect">
+                                <p:cTn id="167" presetID="1" presetClass="entr" presetSubtype="0" fill="hold" grpId="0" nodeType="afterEffect">
                                   <p:stCondLst>
                                     <p:cond delay="500"/>
                                   </p:stCondLst>
                                   <p:childTnLst>
                                     <p:set>
                                       <p:cBhvr>
-                                        <p:cTn id="169" dur="1" fill="hold">
+                                        <p:cTn id="168" dur="1" fill="hold">
                                           <p:stCondLst>
                                             <p:cond delay="0"/>
                                           </p:stCondLst>
@@ -16283,20 +16039,20 @@
                           </p:cTn>
                         </p:par>
                         <p:par>
-                          <p:cTn id="170" fill="hold">
+                          <p:cTn id="169" fill="hold">
                             <p:stCondLst>
-                              <p:cond delay="25500"/>
+                              <p:cond delay="27000"/>
                             </p:stCondLst>
                             <p:childTnLst>
                               <p:par>
-                                <p:cTn id="171" presetID="1" presetClass="entr" presetSubtype="0" fill="hold" grpId="0" nodeType="afterEffect">
+                                <p:cTn id="170" presetID="1" presetClass="entr" presetSubtype="0" fill="hold" grpId="0" nodeType="afterEffect">
                                   <p:stCondLst>
                                     <p:cond delay="500"/>
                                   </p:stCondLst>
                                   <p:childTnLst>
                                     <p:set>
                                       <p:cBhvr>
-                                        <p:cTn id="172" dur="1" fill="hold">
+                                        <p:cTn id="171" dur="1" fill="hold">
                                           <p:stCondLst>
                                             <p:cond delay="0"/>
                                           </p:stCondLst>
@@ -16319,20 +16075,20 @@
                           </p:cTn>
                         </p:par>
                         <p:par>
-                          <p:cTn id="173" fill="hold">
+                          <p:cTn id="172" fill="hold">
                             <p:stCondLst>
-                              <p:cond delay="26000"/>
+                              <p:cond delay="27500"/>
                             </p:stCondLst>
                             <p:childTnLst>
                               <p:par>
-                                <p:cTn id="174" presetID="1" presetClass="entr" presetSubtype="0" fill="hold" grpId="0" nodeType="afterEffect">
+                                <p:cTn id="173" presetID="1" presetClass="entr" presetSubtype="0" fill="hold" grpId="0" nodeType="afterEffect">
                                   <p:stCondLst>
                                     <p:cond delay="500"/>
                                   </p:stCondLst>
                                   <p:childTnLst>
                                     <p:set>
                                       <p:cBhvr>
-                                        <p:cTn id="175" dur="1" fill="hold">
+                                        <p:cTn id="174" dur="1" fill="hold">
                                           <p:stCondLst>
                                             <p:cond delay="0"/>
                                           </p:stCondLst>
@@ -16355,20 +16111,20 @@
                           </p:cTn>
                         </p:par>
                         <p:par>
-                          <p:cTn id="176" fill="hold">
+                          <p:cTn id="175" fill="hold">
                             <p:stCondLst>
-                              <p:cond delay="26500"/>
+                              <p:cond delay="28000"/>
                             </p:stCondLst>
                             <p:childTnLst>
                               <p:par>
-                                <p:cTn id="177" presetID="1" presetClass="entr" presetSubtype="0" fill="hold" grpId="0" nodeType="afterEffect">
+                                <p:cTn id="176" presetID="1" presetClass="entr" presetSubtype="0" fill="hold" grpId="0" nodeType="afterEffect">
                                   <p:stCondLst>
                                     <p:cond delay="500"/>
                                   </p:stCondLst>
                                   <p:childTnLst>
                                     <p:set>
                                       <p:cBhvr>
-                                        <p:cTn id="178" dur="1" fill="hold">
+                                        <p:cTn id="177" dur="1" fill="hold">
                                           <p:stCondLst>
                                             <p:cond delay="0"/>
                                           </p:stCondLst>
@@ -16391,20 +16147,20 @@
                           </p:cTn>
                         </p:par>
                         <p:par>
-                          <p:cTn id="179" fill="hold">
+                          <p:cTn id="178" fill="hold">
                             <p:stCondLst>
-                              <p:cond delay="27000"/>
+                              <p:cond delay="28500"/>
                             </p:stCondLst>
                             <p:childTnLst>
                               <p:par>
-                                <p:cTn id="180" presetID="1" presetClass="entr" presetSubtype="0" fill="hold" grpId="0" nodeType="afterEffect">
+                                <p:cTn id="179" presetID="1" presetClass="entr" presetSubtype="0" fill="hold" grpId="0" nodeType="afterEffect">
                                   <p:stCondLst>
                                     <p:cond delay="500"/>
                                   </p:stCondLst>
                                   <p:childTnLst>
                                     <p:set>
                                       <p:cBhvr>
-                                        <p:cTn id="181" dur="1" fill="hold">
+                                        <p:cTn id="180" dur="1" fill="hold">
                                           <p:stCondLst>
                                             <p:cond delay="0"/>
                                           </p:stCondLst>
@@ -16427,20 +16183,20 @@
                           </p:cTn>
                         </p:par>
                         <p:par>
-                          <p:cTn id="182" fill="hold">
+                          <p:cTn id="181" fill="hold">
                             <p:stCondLst>
-                              <p:cond delay="27500"/>
+                              <p:cond delay="29000"/>
                             </p:stCondLst>
                             <p:childTnLst>
                               <p:par>
-                                <p:cTn id="183" presetID="1" presetClass="entr" presetSubtype="0" fill="hold" grpId="0" nodeType="afterEffect">
+                                <p:cTn id="182" presetID="1" presetClass="entr" presetSubtype="0" fill="hold" grpId="0" nodeType="afterEffect">
                                   <p:stCondLst>
                                     <p:cond delay="500"/>
                                   </p:stCondLst>
                                   <p:childTnLst>
                                     <p:set>
                                       <p:cBhvr>
-                                        <p:cTn id="184" dur="1" fill="hold">
+                                        <p:cTn id="183" dur="1" fill="hold">
                                           <p:stCondLst>
                                             <p:cond delay="0"/>
                                           </p:stCondLst>
@@ -16463,20 +16219,20 @@
                           </p:cTn>
                         </p:par>
                         <p:par>
-                          <p:cTn id="185" fill="hold">
+                          <p:cTn id="184" fill="hold">
                             <p:stCondLst>
-                              <p:cond delay="28000"/>
+                              <p:cond delay="29500"/>
                             </p:stCondLst>
                             <p:childTnLst>
                               <p:par>
-                                <p:cTn id="186" presetID="1" presetClass="entr" presetSubtype="0" fill="hold" grpId="0" nodeType="afterEffect">
+                                <p:cTn id="185" presetID="1" presetClass="entr" presetSubtype="0" fill="hold" grpId="0" nodeType="afterEffect">
                                   <p:stCondLst>
                                     <p:cond delay="500"/>
                                   </p:stCondLst>
                                   <p:childTnLst>
                                     <p:set>
                                       <p:cBhvr>
-                                        <p:cTn id="187" dur="1" fill="hold">
+                                        <p:cTn id="186" dur="1" fill="hold">
                                           <p:stCondLst>
                                             <p:cond delay="0"/>
                                           </p:stCondLst>
@@ -16499,20 +16255,20 @@
                           </p:cTn>
                         </p:par>
                         <p:par>
-                          <p:cTn id="188" fill="hold">
+                          <p:cTn id="187" fill="hold">
                             <p:stCondLst>
-                              <p:cond delay="28500"/>
+                              <p:cond delay="30000"/>
                             </p:stCondLst>
                             <p:childTnLst>
                               <p:par>
-                                <p:cTn id="189" presetID="1" presetClass="entr" presetSubtype="0" fill="hold" grpId="0" nodeType="afterEffect">
+                                <p:cTn id="188" presetID="1" presetClass="entr" presetSubtype="0" fill="hold" grpId="0" nodeType="afterEffect">
                                   <p:stCondLst>
                                     <p:cond delay="500"/>
                                   </p:stCondLst>
                                   <p:childTnLst>
                                     <p:set>
                                       <p:cBhvr>
-                                        <p:cTn id="190" dur="1" fill="hold">
+                                        <p:cTn id="189" dur="1" fill="hold">
                                           <p:stCondLst>
                                             <p:cond delay="0"/>
                                           </p:stCondLst>
@@ -16535,20 +16291,20 @@
                           </p:cTn>
                         </p:par>
                         <p:par>
-                          <p:cTn id="191" fill="hold">
+                          <p:cTn id="190" fill="hold">
                             <p:stCondLst>
-                              <p:cond delay="29000"/>
+                              <p:cond delay="30500"/>
                             </p:stCondLst>
                             <p:childTnLst>
                               <p:par>
-                                <p:cTn id="192" presetID="1" presetClass="entr" presetSubtype="0" fill="hold" grpId="0" nodeType="afterEffect">
+                                <p:cTn id="191" presetID="1" presetClass="entr" presetSubtype="0" fill="hold" grpId="0" nodeType="afterEffect">
                                   <p:stCondLst>
                                     <p:cond delay="500"/>
                                   </p:stCondLst>
                                   <p:childTnLst>
                                     <p:set>
                                       <p:cBhvr>
-                                        <p:cTn id="193" dur="1" fill="hold">
+                                        <p:cTn id="192" dur="1" fill="hold">
                                           <p:stCondLst>
                                             <p:cond delay="0"/>
                                           </p:stCondLst>
@@ -16696,10 +16452,9 @@
           <a:lstStyle/>
           <a:p>
             <a:r>
-              <a:rPr lang="en-US" dirty="0" smtClean="0"/>
+              <a:rPr lang="en-US" dirty="0"/>
               <a:t>Distributed Queries - Who Loves Them?</a:t>
             </a:r>
-            <a:endParaRPr lang="en-US" dirty="0"/>
           </a:p>
         </p:txBody>
       </p:sp>
@@ -16766,28 +16521,15 @@
           <a:lstStyle/>
           <a:p>
             <a:r>
-              <a:rPr lang="en-US" sz="900" dirty="0" smtClean="0"/>
-              <a:t>Linked Server - https</a:t>
-            </a:r>
-            <a:r>
               <a:rPr lang="en-US" sz="900" dirty="0"/>
-              <a:t>://</a:t>
-            </a:r>
-            <a:r>
-              <a:rPr lang="en-US" sz="900" dirty="0" smtClean="0"/>
-              <a:t>docs.microsoft.com/en-us/sql/relational-databases/linked-servers/linked-servers-database-engine?view=sql-server-20177</a:t>
+              <a:t>Linked Server - https://docs.microsoft.com/en-us/sql/relational-databases/linked-servers/linked-servers-database-engine?view=sql-server-20177</a:t>
             </a:r>
           </a:p>
           <a:p>
             <a:r>
               <a:rPr lang="en-US" sz="900" dirty="0"/>
-              <a:t>Azure DW - https://</a:t>
-            </a:r>
-            <a:r>
-              <a:rPr lang="en-US" sz="900" dirty="0" smtClean="0"/>
-              <a:t>docs.microsoft.com/en-us/azure/sql-data-warehouse/massively-parallel-processing-mpp-architecture </a:t>
-            </a:r>
-            <a:endParaRPr lang="en-US" sz="900" dirty="0"/>
+              <a:t>Azure DW - https://docs.microsoft.com/en-us/azure/sql-data-warehouse/massively-parallel-processing-mpp-architecture </a:t>
+            </a:r>
           </a:p>
         </p:txBody>
       </p:sp>
@@ -16855,7 +16597,7 @@
           <a:lstStyle/>
           <a:p>
             <a:r>
-              <a:rPr lang="en-US" sz="1800" b="1" dirty="0" smtClean="0">
+              <a:rPr lang="en-US" sz="1800" b="1" dirty="0">
                 <a:solidFill>
                   <a:schemeClr val="accent1">
                     <a:lumMod val="50000"/>
@@ -16864,13 +16606,6 @@
               </a:rPr>
               <a:t>SQL Server Linked Servers</a:t>
             </a:r>
-            <a:endParaRPr lang="en-US" sz="1800" b="1" dirty="0">
-              <a:solidFill>
-                <a:schemeClr val="accent1">
-                  <a:lumMod val="50000"/>
-                </a:schemeClr>
-              </a:solidFill>
-            </a:endParaRPr>
           </a:p>
         </p:txBody>
       </p:sp>
@@ -16897,7 +16632,7 @@
           <a:lstStyle/>
           <a:p>
             <a:r>
-              <a:rPr lang="en-US" sz="1800" b="1" dirty="0" smtClean="0">
+              <a:rPr lang="en-US" sz="1800" b="1" dirty="0">
                 <a:solidFill>
                   <a:schemeClr val="accent1">
                     <a:lumMod val="50000"/>
@@ -16906,13 +16641,6 @@
               </a:rPr>
               <a:t>ADW MPP Architecture Components</a:t>
             </a:r>
-            <a:endParaRPr lang="en-US" sz="1800" b="1" dirty="0">
-              <a:solidFill>
-                <a:schemeClr val="accent1">
-                  <a:lumMod val="50000"/>
-                </a:schemeClr>
-              </a:solidFill>
-            </a:endParaRPr>
           </a:p>
         </p:txBody>
       </p:sp>
@@ -16939,18 +16667,13 @@
           <a:lstStyle/>
           <a:p>
             <a:r>
-              <a:rPr lang="en-US" sz="1800" b="1" dirty="0" smtClean="0">
+              <a:rPr lang="en-US" sz="1800" b="1" dirty="0">
                 <a:solidFill>
                   <a:srgbClr val="D40E8C"/>
                 </a:solidFill>
               </a:rPr>
               <a:t>Elastic Query</a:t>
             </a:r>
-            <a:endParaRPr lang="en-US" sz="1800" b="1" dirty="0">
-              <a:solidFill>
-                <a:srgbClr val="D40E8C"/>
-              </a:solidFill>
-            </a:endParaRPr>
           </a:p>
         </p:txBody>
       </p:sp>
@@ -17184,10 +16907,9 @@
           <a:lstStyle/>
           <a:p>
             <a:r>
-              <a:rPr lang="en-US" dirty="0" smtClean="0"/>
+              <a:rPr lang="en-US" dirty="0"/>
               <a:t>ADW Tables: Distribution</a:t>
             </a:r>
-            <a:endParaRPr lang="en-US" dirty="0"/>
           </a:p>
         </p:txBody>
       </p:sp>
@@ -17246,10 +16968,9 @@
                     <a:p>
                       <a:pPr algn="ctr"/>
                       <a:r>
-                        <a:rPr lang="en-US" sz="1400" dirty="0" smtClean="0"/>
+                        <a:rPr lang="en-US" sz="1400" dirty="0"/>
                         <a:t>Distributed</a:t>
                       </a:r>
-                      <a:endParaRPr lang="en-US" sz="1400" dirty="0"/>
                     </a:p>
                   </a:txBody>
                   <a:tcPr>
@@ -17279,10 +17000,9 @@
                     <a:p>
                       <a:pPr algn="ctr"/>
                       <a:r>
-                        <a:rPr lang="en-US" sz="1400" dirty="0" smtClean="0"/>
+                        <a:rPr lang="en-US" sz="1400" dirty="0"/>
                         <a:t>Replicated</a:t>
                       </a:r>
-                      <a:endParaRPr lang="en-US" sz="1400" dirty="0"/>
                     </a:p>
                   </a:txBody>
                   <a:tcPr>
@@ -17305,18 +17025,13 @@
                     <a:p>
                       <a:pPr algn="ctr"/>
                       <a:r>
-                        <a:rPr lang="en-US" sz="1400" dirty="0" smtClean="0">
+                        <a:rPr lang="en-US" sz="1400" dirty="0">
                           <a:solidFill>
                             <a:schemeClr val="bg1"/>
                           </a:solidFill>
                         </a:rPr>
                         <a:t>Hash</a:t>
                       </a:r>
-                      <a:endParaRPr lang="en-US" sz="1400" dirty="0">
-                        <a:solidFill>
-                          <a:schemeClr val="bg1"/>
-                        </a:solidFill>
-                      </a:endParaRPr>
                     </a:p>
                   </a:txBody>
                   <a:tcPr>
@@ -17332,18 +17047,13 @@
                     <a:p>
                       <a:pPr algn="ctr"/>
                       <a:r>
-                        <a:rPr lang="en-US" sz="1400" dirty="0" smtClean="0">
+                        <a:rPr lang="en-US" sz="1400" dirty="0">
                           <a:solidFill>
                             <a:schemeClr val="bg1"/>
                           </a:solidFill>
                         </a:rPr>
                         <a:t>Round Robin</a:t>
                       </a:r>
-                      <a:endParaRPr lang="en-US" sz="1400" dirty="0">
-                        <a:solidFill>
-                          <a:schemeClr val="bg1"/>
-                        </a:solidFill>
-                      </a:endParaRPr>
                     </a:p>
                   </a:txBody>
                   <a:tcPr>
@@ -17359,18 +17069,13 @@
                     <a:p>
                       <a:pPr algn="ctr"/>
                       <a:r>
-                        <a:rPr lang="en-US" sz="1400" dirty="0" smtClean="0">
+                        <a:rPr lang="en-US" sz="1400" dirty="0">
                           <a:solidFill>
                             <a:schemeClr val="bg1"/>
                           </a:solidFill>
                         </a:rPr>
                         <a:t>Replicated</a:t>
                       </a:r>
-                      <a:endParaRPr lang="en-US" sz="1400" dirty="0">
-                        <a:solidFill>
-                          <a:schemeClr val="bg1"/>
-                        </a:solidFill>
-                      </a:endParaRPr>
                     </a:p>
                   </a:txBody>
                   <a:tcPr>
@@ -17392,10 +17097,9 @@
                     <a:lstStyle/>
                     <a:p>
                       <a:r>
-                        <a:rPr lang="en-US" sz="1400" dirty="0" smtClean="0"/>
+                        <a:rPr lang="en-US" sz="1400" dirty="0"/>
                         <a:t>Distributed on Hash Key across the 60 nodes</a:t>
                       </a:r>
-                      <a:endParaRPr lang="en-US" sz="1400" dirty="0"/>
                     </a:p>
                   </a:txBody>
                   <a:tcPr>
@@ -17410,10 +17114,9 @@
                     <a:lstStyle/>
                     <a:p>
                       <a:r>
-                        <a:rPr lang="en-US" sz="1400" dirty="0" smtClean="0"/>
+                        <a:rPr lang="en-US" sz="1400" dirty="0"/>
                         <a:t>Randomly distributed across the 60 nodes</a:t>
                       </a:r>
-                      <a:endParaRPr lang="en-US" sz="1400" dirty="0"/>
                     </a:p>
                   </a:txBody>
                   <a:tcPr>
@@ -17428,11 +17131,11 @@
                     <a:lstStyle/>
                     <a:p>
                       <a:r>
-                        <a:rPr lang="en-US" sz="1400" dirty="0" smtClean="0"/>
+                        <a:rPr lang="en-US" sz="1400" dirty="0"/>
                         <a:t>Each</a:t>
                       </a:r>
                       <a:r>
-                        <a:rPr lang="en-US" sz="1400" baseline="0" dirty="0" smtClean="0"/>
+                        <a:rPr lang="en-US" sz="1400" baseline="0" dirty="0"/>
                         <a:t> compute node has a copy of the entire table</a:t>
                       </a:r>
                       <a:endParaRPr lang="en-US" sz="1400" dirty="0"/>
@@ -17457,13 +17160,13 @@
                     <a:lstStyle/>
                     <a:p>
                       <a:r>
-                        <a:rPr lang="en-US" sz="1400" dirty="0" smtClean="0"/>
+                        <a:rPr lang="en-US" sz="1400" dirty="0"/>
                         <a:t>Fact Tables</a:t>
                       </a:r>
                     </a:p>
                     <a:p>
                       <a:r>
-                        <a:rPr lang="en-US" sz="1400" dirty="0" smtClean="0"/>
+                        <a:rPr lang="en-US" sz="1400" dirty="0"/>
                         <a:t>RCD</a:t>
                       </a:r>
                     </a:p>
@@ -17480,10 +17183,9 @@
                     <a:lstStyle/>
                     <a:p>
                       <a:r>
-                        <a:rPr lang="en-US" sz="1400" dirty="0" smtClean="0"/>
+                        <a:rPr lang="en-US" sz="1400" dirty="0"/>
                         <a:t>External Tables</a:t>
                       </a:r>
-                      <a:endParaRPr lang="en-US" sz="1400" dirty="0"/>
                     </a:p>
                   </a:txBody>
                   <a:tcPr>
@@ -17498,10 +17200,9 @@
                     <a:lstStyle/>
                     <a:p>
                       <a:r>
-                        <a:rPr lang="en-US" sz="1400" dirty="0" smtClean="0"/>
+                        <a:rPr lang="en-US" sz="1400" dirty="0"/>
                         <a:t>Dimensions &lt; 2G</a:t>
                       </a:r>
-                      <a:endParaRPr lang="en-US" sz="1400" dirty="0"/>
                     </a:p>
                   </a:txBody>
                   <a:tcPr>
@@ -17543,7 +17244,7 @@
           <a:lstStyle/>
           <a:p>
             <a:r>
-              <a:rPr lang="en-US" b="1" u="sng" dirty="0" smtClean="0">
+              <a:rPr lang="en-US" b="1" u="sng" dirty="0">
                 <a:solidFill>
                   <a:schemeClr val="accent5">
                     <a:lumMod val="50000"/>
@@ -17555,7 +17256,7 @@
           </a:p>
           <a:p>
             <a:r>
-              <a:rPr lang="en-US" dirty="0" smtClean="0">
+              <a:rPr lang="en-US" dirty="0">
                 <a:solidFill>
                   <a:schemeClr val="accent5">
                     <a:lumMod val="75000"/>
@@ -17567,7 +17268,7 @@
           </a:p>
           <a:p>
             <a:r>
-              <a:rPr lang="en-US" dirty="0" smtClean="0">
+              <a:rPr lang="en-US" dirty="0">
                 <a:solidFill>
                   <a:schemeClr val="accent5">
                     <a:lumMod val="75000"/>
@@ -17579,7 +17280,7 @@
           </a:p>
           <a:p>
             <a:r>
-              <a:rPr lang="en-US" dirty="0" smtClean="0">
+              <a:rPr lang="en-US" dirty="0">
                 <a:solidFill>
                   <a:schemeClr val="accent5">
                     <a:lumMod val="75000"/>
@@ -17591,7 +17292,7 @@
           </a:p>
           <a:p>
             <a:r>
-              <a:rPr lang="en-US" dirty="0" smtClean="0">
+              <a:rPr lang="en-US" dirty="0">
                 <a:solidFill>
                   <a:schemeClr val="accent5">
                     <a:lumMod val="75000"/>
@@ -17602,49 +17303,6 @@
             </a:r>
           </a:p>
           <a:p>
-            <a:endParaRPr lang="en-US" dirty="0" smtClean="0">
-              <a:solidFill>
-                <a:schemeClr val="accent5">
-                  <a:lumMod val="75000"/>
-                </a:schemeClr>
-              </a:solidFill>
-            </a:endParaRPr>
-          </a:p>
-          <a:p>
-            <a:r>
-              <a:rPr lang="en-US" dirty="0" smtClean="0">
-                <a:solidFill>
-                  <a:schemeClr val="accent5">
-                    <a:lumMod val="75000"/>
-                  </a:schemeClr>
-                </a:solidFill>
-              </a:rPr>
-              <a:t>Stage</a:t>
-            </a:r>
-          </a:p>
-          <a:p>
-            <a:r>
-              <a:rPr lang="en-US" dirty="0" smtClean="0">
-                <a:solidFill>
-                  <a:schemeClr val="accent5">
-                    <a:lumMod val="75000"/>
-                  </a:schemeClr>
-                </a:solidFill>
-              </a:rPr>
-              <a:t>External</a:t>
-            </a:r>
-          </a:p>
-          <a:p>
-            <a:r>
-              <a:rPr lang="en-US" dirty="0" smtClean="0">
-                <a:solidFill>
-                  <a:schemeClr val="accent5">
-                    <a:lumMod val="75000"/>
-                  </a:schemeClr>
-                </a:solidFill>
-              </a:rPr>
-              <a:t>Temporary</a:t>
-            </a:r>
             <a:endParaRPr lang="en-US" dirty="0">
               <a:solidFill>
                 <a:schemeClr val="accent5">
@@ -17652,6 +17310,42 @@
                 </a:schemeClr>
               </a:solidFill>
             </a:endParaRPr>
+          </a:p>
+          <a:p>
+            <a:r>
+              <a:rPr lang="en-US" dirty="0">
+                <a:solidFill>
+                  <a:schemeClr val="accent5">
+                    <a:lumMod val="75000"/>
+                  </a:schemeClr>
+                </a:solidFill>
+              </a:rPr>
+              <a:t>Stage</a:t>
+            </a:r>
+          </a:p>
+          <a:p>
+            <a:r>
+              <a:rPr lang="en-US" dirty="0">
+                <a:solidFill>
+                  <a:schemeClr val="accent5">
+                    <a:lumMod val="75000"/>
+                  </a:schemeClr>
+                </a:solidFill>
+              </a:rPr>
+              <a:t>External</a:t>
+            </a:r>
+          </a:p>
+          <a:p>
+            <a:r>
+              <a:rPr lang="en-US" dirty="0">
+                <a:solidFill>
+                  <a:schemeClr val="accent5">
+                    <a:lumMod val="75000"/>
+                  </a:schemeClr>
+                </a:solidFill>
+              </a:rPr>
+              <a:t>Temporary</a:t>
+            </a:r>
           </a:p>
         </p:txBody>
       </p:sp>
@@ -17697,10 +17391,9 @@
           </a:lstStyle>
           <a:p>
             <a:r>
-              <a:rPr lang="en-US" dirty="0" smtClean="0"/>
+              <a:rPr lang="en-US" dirty="0"/>
               <a:t>						</a:t>
             </a:r>
-            <a:endParaRPr lang="en-US" dirty="0"/>
           </a:p>
         </p:txBody>
       </p:sp>
@@ -17714,13 +17407,6 @@
   <p:clrMapOvr>
     <a:masterClrMapping/>
   </p:clrMapOvr>
-  <p:timing>
-    <p:tnLst>
-      <p:par>
-        <p:cTn id="1" dur="indefinite" restart="never" nodeType="tmRoot"/>
-      </p:par>
-    </p:tnLst>
-  </p:timing>
 </p:sld>
 </file>
 
@@ -17757,10 +17443,9 @@
           <a:lstStyle/>
           <a:p>
             <a:r>
-              <a:rPr lang="en-US" dirty="0" smtClean="0"/>
+              <a:rPr lang="en-US" dirty="0"/>
               <a:t>Hash Distribution vs Partitioning</a:t>
             </a:r>
-            <a:endParaRPr lang="en-US" dirty="0"/>
           </a:p>
         </p:txBody>
       </p:sp>
@@ -17873,10 +17558,9 @@
             <a:p>
               <a:pPr algn="ctr"/>
               <a:r>
-                <a:rPr lang="en-US" dirty="0" smtClean="0"/>
+                <a:rPr lang="en-US" dirty="0"/>
                 <a:t>Compute Node B</a:t>
               </a:r>
-              <a:endParaRPr lang="en-US" dirty="0"/>
             </a:p>
           </p:txBody>
         </p:sp>
@@ -17925,18 +17609,13 @@
             <a:p>
               <a:pPr algn="ctr"/>
               <a:r>
-                <a:rPr lang="en-US" dirty="0" smtClean="0">
+                <a:rPr lang="en-US" dirty="0">
                   <a:solidFill>
                     <a:srgbClr val="C13089"/>
                   </a:solidFill>
                 </a:rPr>
                 <a:t>1</a:t>
               </a:r>
-              <a:endParaRPr lang="en-US" dirty="0">
-                <a:solidFill>
-                  <a:srgbClr val="C13089"/>
-                </a:solidFill>
-              </a:endParaRPr>
             </a:p>
           </p:txBody>
         </p:sp>
@@ -17985,18 +17664,13 @@
             <a:p>
               <a:pPr algn="ctr"/>
               <a:r>
-                <a:rPr lang="en-US" dirty="0" smtClean="0">
+                <a:rPr lang="en-US" dirty="0">
                   <a:solidFill>
                     <a:srgbClr val="C13089"/>
                   </a:solidFill>
                 </a:rPr>
                 <a:t>2</a:t>
               </a:r>
-              <a:endParaRPr lang="en-US" dirty="0">
-                <a:solidFill>
-                  <a:srgbClr val="C13089"/>
-                </a:solidFill>
-              </a:endParaRPr>
             </a:p>
           </p:txBody>
         </p:sp>
@@ -18045,18 +17719,13 @@
             <a:p>
               <a:pPr algn="ctr"/>
               <a:r>
-                <a:rPr lang="en-US" dirty="0" smtClean="0">
+                <a:rPr lang="en-US" dirty="0">
                   <a:solidFill>
                     <a:srgbClr val="C13089"/>
                   </a:solidFill>
                 </a:rPr>
                 <a:t>3</a:t>
               </a:r>
-              <a:endParaRPr lang="en-US" dirty="0">
-                <a:solidFill>
-                  <a:srgbClr val="C13089"/>
-                </a:solidFill>
-              </a:endParaRPr>
             </a:p>
           </p:txBody>
         </p:sp>
@@ -18105,18 +17774,13 @@
             <a:p>
               <a:pPr algn="ctr"/>
               <a:r>
-                <a:rPr lang="en-US" dirty="0" smtClean="0">
+                <a:rPr lang="en-US" dirty="0">
                   <a:solidFill>
                     <a:srgbClr val="C13089"/>
                   </a:solidFill>
                 </a:rPr>
                 <a:t>5</a:t>
               </a:r>
-              <a:endParaRPr lang="en-US" dirty="0">
-                <a:solidFill>
-                  <a:srgbClr val="C13089"/>
-                </a:solidFill>
-              </a:endParaRPr>
             </a:p>
           </p:txBody>
         </p:sp>
@@ -18165,18 +17829,13 @@
             <a:p>
               <a:pPr algn="ctr"/>
               <a:r>
-                <a:rPr lang="en-US" dirty="0" smtClean="0">
+                <a:rPr lang="en-US" dirty="0">
                   <a:solidFill>
                     <a:srgbClr val="C13089"/>
                   </a:solidFill>
                 </a:rPr>
                 <a:t>4</a:t>
               </a:r>
-              <a:endParaRPr lang="en-US" dirty="0">
-                <a:solidFill>
-                  <a:srgbClr val="C13089"/>
-                </a:solidFill>
-              </a:endParaRPr>
             </a:p>
           </p:txBody>
         </p:sp>
@@ -18225,18 +17884,13 @@
             <a:p>
               <a:pPr algn="ctr"/>
               <a:r>
-                <a:rPr lang="en-US" dirty="0" smtClean="0">
+                <a:rPr lang="en-US" dirty="0">
                   <a:solidFill>
                     <a:srgbClr val="C13089"/>
                   </a:solidFill>
                 </a:rPr>
                 <a:t>6</a:t>
               </a:r>
-              <a:endParaRPr lang="en-US" dirty="0">
-                <a:solidFill>
-                  <a:srgbClr val="C13089"/>
-                </a:solidFill>
-              </a:endParaRPr>
             </a:p>
           </p:txBody>
         </p:sp>
@@ -18509,10 +18163,9 @@
             <a:p>
               <a:pPr algn="ctr"/>
               <a:r>
-                <a:rPr lang="en-US" dirty="0" smtClean="0"/>
+                <a:rPr lang="en-US" dirty="0"/>
                 <a:t>Compute Node A</a:t>
               </a:r>
-              <a:endParaRPr lang="en-US" dirty="0"/>
             </a:p>
           </p:txBody>
         </p:sp>
@@ -18540,143 +18193,84 @@
           <a:lstStyle/>
           <a:p>
             <a:r>
-              <a:rPr lang="en-US" dirty="0" err="1" smtClean="0"/>
+              <a:rPr lang="en-US" dirty="0" err="1"/>
               <a:t>OrderId</a:t>
-            </a:r>
-            <a:r>
-              <a:rPr lang="en-US" dirty="0" smtClean="0"/>
-              <a:t>	</a:t>
-            </a:r>
-            <a:r>
-              <a:rPr lang="en-US" dirty="0" err="1" smtClean="0"/>
-              <a:t>MonthYear</a:t>
-            </a:r>
-            <a:endParaRPr lang="en-US" dirty="0" smtClean="0"/>
-          </a:p>
-          <a:p>
-            <a:r>
-              <a:rPr lang="en-US" dirty="0" smtClean="0"/>
-              <a:t>11011</a:t>
             </a:r>
             <a:r>
               <a:rPr lang="en-US" dirty="0"/>
               <a:t>	</a:t>
             </a:r>
             <a:r>
-              <a:rPr lang="en-US" dirty="0" smtClean="0"/>
-              <a:t>032018</a:t>
-            </a:r>
-          </a:p>
-          <a:p>
-            <a:r>
-              <a:rPr lang="en-US" dirty="0" smtClean="0"/>
+              <a:rPr lang="en-US" dirty="0" err="1"/>
+              <a:t>MonthYear</a:t>
+            </a:r>
+            <a:endParaRPr lang="en-US" dirty="0"/>
+          </a:p>
+          <a:p>
+            <a:r>
+              <a:rPr lang="en-US" dirty="0"/>
+              <a:t>11011	032018</a:t>
+            </a:r>
+          </a:p>
+          <a:p>
+            <a:r>
+              <a:rPr lang="en-US" dirty="0"/>
               <a:t>11012	032018</a:t>
             </a:r>
           </a:p>
           <a:p>
             <a:r>
-              <a:rPr lang="en-US" dirty="0" smtClean="0"/>
-              <a:t>11013</a:t>
-            </a:r>
-            <a:r>
               <a:rPr lang="en-US" dirty="0"/>
-              <a:t>	032018</a:t>
-            </a:r>
-            <a:endParaRPr lang="en-US" dirty="0" smtClean="0"/>
-          </a:p>
-          <a:p>
-            <a:r>
-              <a:rPr lang="en-US" dirty="0" smtClean="0"/>
-              <a:t>11014</a:t>
-            </a:r>
+              <a:t>11013	032018</a:t>
+            </a:r>
+          </a:p>
+          <a:p>
             <a:r>
               <a:rPr lang="en-US" dirty="0"/>
-              <a:t>	032018</a:t>
-            </a:r>
-            <a:endParaRPr lang="en-US" dirty="0" smtClean="0"/>
-          </a:p>
-          <a:p>
-            <a:r>
-              <a:rPr lang="en-US" dirty="0" smtClean="0"/>
-              <a:t>11015</a:t>
-            </a:r>
+              <a:t>11014	032018</a:t>
+            </a:r>
+          </a:p>
+          <a:p>
             <a:r>
               <a:rPr lang="en-US" dirty="0"/>
-              <a:t>	032018</a:t>
-            </a:r>
-            <a:endParaRPr lang="en-US" dirty="0" smtClean="0"/>
-          </a:p>
-          <a:p>
-            <a:r>
-              <a:rPr lang="en-US" dirty="0" smtClean="0"/>
-              <a:t>11016</a:t>
-            </a:r>
+              <a:t>11015	032018</a:t>
+            </a:r>
+          </a:p>
+          <a:p>
             <a:r>
               <a:rPr lang="en-US" dirty="0"/>
-              <a:t>	032018</a:t>
-            </a:r>
-            <a:endParaRPr lang="en-US" dirty="0" smtClean="0"/>
-          </a:p>
-          <a:p>
-            <a:r>
-              <a:rPr lang="en-US" dirty="0" smtClean="0"/>
-              <a:t>22101</a:t>
-            </a:r>
+              <a:t>11016	032018</a:t>
+            </a:r>
+          </a:p>
+          <a:p>
             <a:r>
               <a:rPr lang="en-US" dirty="0"/>
-              <a:t>	</a:t>
-            </a:r>
-            <a:r>
-              <a:rPr lang="en-US" dirty="0" smtClean="0"/>
-              <a:t>042018</a:t>
-            </a:r>
-          </a:p>
-          <a:p>
-            <a:r>
-              <a:rPr lang="en-US" dirty="0" smtClean="0"/>
-              <a:t>22102</a:t>
-            </a:r>
+              <a:t>22101	042018</a:t>
+            </a:r>
+          </a:p>
+          <a:p>
             <a:r>
               <a:rPr lang="en-US" dirty="0"/>
-              <a:t>	</a:t>
-            </a:r>
-            <a:r>
-              <a:rPr lang="en-US" dirty="0" smtClean="0"/>
-              <a:t>042018</a:t>
-            </a:r>
-          </a:p>
-          <a:p>
-            <a:r>
-              <a:rPr lang="en-US" dirty="0" smtClean="0"/>
-              <a:t>22103</a:t>
-            </a:r>
+              <a:t>22102	042018</a:t>
+            </a:r>
+          </a:p>
+          <a:p>
             <a:r>
               <a:rPr lang="en-US" dirty="0"/>
-              <a:t>	042018</a:t>
-            </a:r>
-            <a:endParaRPr lang="en-US" dirty="0" smtClean="0"/>
-          </a:p>
-          <a:p>
-            <a:r>
-              <a:rPr lang="en-US" dirty="0" smtClean="0"/>
-              <a:t>22104</a:t>
-            </a:r>
+              <a:t>22103	042018</a:t>
+            </a:r>
+          </a:p>
+          <a:p>
             <a:r>
               <a:rPr lang="en-US" dirty="0"/>
-              <a:t>	042018</a:t>
-            </a:r>
-            <a:endParaRPr lang="en-US" dirty="0" smtClean="0"/>
-          </a:p>
-          <a:p>
-            <a:r>
-              <a:rPr lang="en-US" dirty="0" smtClean="0"/>
-              <a:t>22105</a:t>
-            </a:r>
+              <a:t>22104	042018</a:t>
+            </a:r>
+          </a:p>
+          <a:p>
             <a:r>
               <a:rPr lang="en-US" dirty="0"/>
-              <a:t>	042018</a:t>
-            </a:r>
-            <a:endParaRPr lang="en-US" dirty="0" smtClean="0"/>
+              <a:t>22105	042018</a:t>
+            </a:r>
           </a:p>
           <a:p>
             <a:pPr marL="342900" indent="-342900">
@@ -18684,11 +18278,7 @@
             </a:pPr>
             <a:r>
               <a:rPr lang="en-US" dirty="0"/>
-              <a:t> </a:t>
-            </a:r>
-            <a:r>
-              <a:rPr lang="en-US" dirty="0" smtClean="0"/>
-              <a:t>	042018</a:t>
+              <a:t> 	042018</a:t>
             </a:r>
           </a:p>
           <a:p>
@@ -18697,11 +18287,7 @@
             </a:pPr>
             <a:r>
               <a:rPr lang="en-US" dirty="0"/>
-              <a:t> </a:t>
-            </a:r>
-            <a:r>
-              <a:rPr lang="en-US" dirty="0" smtClean="0"/>
-              <a:t>	042018</a:t>
+              <a:t> 	042018</a:t>
             </a:r>
           </a:p>
         </p:txBody>
@@ -18743,30 +18329,14 @@
             <a:lstStyle/>
             <a:p>
               <a:r>
-                <a:rPr lang="en-US" dirty="0" smtClean="0"/>
-                <a:t>11011</a:t>
-              </a:r>
-              <a:r>
                 <a:rPr lang="en-US" dirty="0"/>
-                <a:t>	</a:t>
-              </a:r>
-              <a:r>
-                <a:rPr lang="en-US" dirty="0" smtClean="0"/>
-                <a:t>032018</a:t>
+                <a:t>11011	032018</a:t>
               </a:r>
             </a:p>
             <a:p>
               <a:r>
-                <a:rPr lang="en-US" dirty="0" smtClean="0"/>
-                <a:t>22101</a:t>
-              </a:r>
-              <a:r>
                 <a:rPr lang="en-US" dirty="0"/>
-                <a:t>	</a:t>
-              </a:r>
-              <a:r>
-                <a:rPr lang="en-US" dirty="0" smtClean="0"/>
-                <a:t>042018</a:t>
+                <a:t>22101	042018</a:t>
               </a:r>
             </a:p>
           </p:txBody>
@@ -18795,25 +18365,13 @@
             <a:p>
               <a:r>
                 <a:rPr lang="en-US" dirty="0"/>
-                <a:t>11012	</a:t>
-              </a:r>
-              <a:r>
-                <a:rPr lang="en-US" dirty="0" smtClean="0"/>
-                <a:t>032018</a:t>
+                <a:t>11012	032018</a:t>
               </a:r>
             </a:p>
             <a:p>
               <a:r>
-                <a:rPr lang="en-US" dirty="0" smtClean="0"/>
-                <a:t>22102</a:t>
-              </a:r>
-              <a:r>
                 <a:rPr lang="en-US" dirty="0"/>
-                <a:t>	</a:t>
-              </a:r>
-              <a:r>
-                <a:rPr lang="en-US" dirty="0" smtClean="0"/>
-                <a:t>042018</a:t>
+                <a:t>22102	042018</a:t>
               </a:r>
             </a:p>
           </p:txBody>
@@ -18841,16 +18399,8 @@
             <a:lstStyle/>
             <a:p>
               <a:r>
-                <a:rPr lang="en-US" dirty="0" smtClean="0"/>
-                <a:t>11013</a:t>
-              </a:r>
-              <a:r>
                 <a:rPr lang="en-US" dirty="0"/>
-                <a:t>	</a:t>
-              </a:r>
-              <a:r>
-                <a:rPr lang="en-US" dirty="0" smtClean="0"/>
-                <a:t>032018</a:t>
+                <a:t>11013	032018</a:t>
               </a:r>
             </a:p>
             <a:p>
@@ -18858,13 +18408,13 @@
                 <a:buAutoNum type="arabicPlain" startAt="22103"/>
               </a:pPr>
               <a:r>
-                <a:rPr lang="en-US" dirty="0" smtClean="0"/>
+                <a:rPr lang="en-US" dirty="0"/>
                 <a:t> 	042018</a:t>
               </a:r>
             </a:p>
             <a:p>
               <a:r>
-                <a:rPr lang="en-US" dirty="0" smtClean="0"/>
+                <a:rPr lang="en-US" dirty="0"/>
                 <a:t>22107 	042018</a:t>
               </a:r>
             </a:p>
@@ -19408,10 +18958,9 @@
           <a:lstStyle/>
           <a:p>
             <a:r>
-              <a:rPr lang="en-US" dirty="0" smtClean="0"/>
+              <a:rPr lang="en-US" dirty="0"/>
               <a:t>ADW Tables: Distribution &amp; Storage</a:t>
             </a:r>
-            <a:endParaRPr lang="en-US" dirty="0"/>
           </a:p>
         </p:txBody>
       </p:sp>
@@ -19466,10 +19015,9 @@
                     <a:p>
                       <a:pPr algn="ctr"/>
                       <a:r>
-                        <a:rPr lang="en-US" sz="1400" dirty="0" smtClean="0"/>
+                        <a:rPr lang="en-US" sz="1400" dirty="0"/>
                         <a:t>Distributed</a:t>
                       </a:r>
-                      <a:endParaRPr lang="en-US" sz="1400" dirty="0"/>
                     </a:p>
                   </a:txBody>
                   <a:tcPr>
@@ -19499,10 +19047,9 @@
                     <a:p>
                       <a:pPr algn="ctr"/>
                       <a:r>
-                        <a:rPr lang="en-US" sz="1400" dirty="0" smtClean="0"/>
+                        <a:rPr lang="en-US" sz="1400" dirty="0"/>
                         <a:t>Replicated</a:t>
                       </a:r>
-                      <a:endParaRPr lang="en-US" sz="1400" dirty="0"/>
                     </a:p>
                   </a:txBody>
                   <a:tcPr>
@@ -19525,18 +19072,13 @@
                     <a:p>
                       <a:pPr algn="ctr"/>
                       <a:r>
-                        <a:rPr lang="en-US" sz="1400" dirty="0" smtClean="0">
+                        <a:rPr lang="en-US" sz="1400" dirty="0">
                           <a:solidFill>
                             <a:schemeClr val="bg1"/>
                           </a:solidFill>
                         </a:rPr>
                         <a:t>Hash</a:t>
                       </a:r>
-                      <a:endParaRPr lang="en-US" sz="1400" dirty="0">
-                        <a:solidFill>
-                          <a:schemeClr val="bg1"/>
-                        </a:solidFill>
-                      </a:endParaRPr>
                     </a:p>
                   </a:txBody>
                   <a:tcPr>
@@ -19552,18 +19094,13 @@
                     <a:p>
                       <a:pPr algn="ctr"/>
                       <a:r>
-                        <a:rPr lang="en-US" sz="1400" dirty="0" smtClean="0">
+                        <a:rPr lang="en-US" sz="1400" dirty="0">
                           <a:solidFill>
                             <a:schemeClr val="bg1"/>
                           </a:solidFill>
                         </a:rPr>
                         <a:t>Round Robin</a:t>
                       </a:r>
-                      <a:endParaRPr lang="en-US" sz="1400" dirty="0">
-                        <a:solidFill>
-                          <a:schemeClr val="bg1"/>
-                        </a:solidFill>
-                      </a:endParaRPr>
                     </a:p>
                   </a:txBody>
                   <a:tcPr>
@@ -19579,18 +19116,13 @@
                     <a:p>
                       <a:pPr algn="ctr"/>
                       <a:r>
-                        <a:rPr lang="en-US" sz="1400" dirty="0" smtClean="0">
+                        <a:rPr lang="en-US" sz="1400" dirty="0">
                           <a:solidFill>
                             <a:schemeClr val="bg1"/>
                           </a:solidFill>
                         </a:rPr>
                         <a:t>Replicated</a:t>
                       </a:r>
-                      <a:endParaRPr lang="en-US" sz="1400" dirty="0">
-                        <a:solidFill>
-                          <a:schemeClr val="bg1"/>
-                        </a:solidFill>
-                      </a:endParaRPr>
                     </a:p>
                   </a:txBody>
                   <a:tcPr>
@@ -19612,10 +19144,9 @@
                     <a:lstStyle/>
                     <a:p>
                       <a:r>
-                        <a:rPr lang="en-US" sz="1400" dirty="0" smtClean="0"/>
+                        <a:rPr lang="en-US" sz="1400" dirty="0"/>
                         <a:t>Distributed on Hash Key across the 60 nodes</a:t>
                       </a:r>
-                      <a:endParaRPr lang="en-US" sz="1400" dirty="0"/>
                     </a:p>
                   </a:txBody>
                   <a:tcPr>
@@ -19630,10 +19161,9 @@
                     <a:lstStyle/>
                     <a:p>
                       <a:r>
-                        <a:rPr lang="en-US" sz="1400" dirty="0" smtClean="0"/>
+                        <a:rPr lang="en-US" sz="1400" dirty="0"/>
                         <a:t>Randomly distributed across the 60 nodes</a:t>
                       </a:r>
-                      <a:endParaRPr lang="en-US" sz="1400" dirty="0"/>
                     </a:p>
                   </a:txBody>
                   <a:tcPr>
@@ -19648,11 +19178,11 @@
                     <a:lstStyle/>
                     <a:p>
                       <a:r>
-                        <a:rPr lang="en-US" sz="1400" dirty="0" smtClean="0"/>
+                        <a:rPr lang="en-US" sz="1400" dirty="0"/>
                         <a:t>Each</a:t>
                       </a:r>
                       <a:r>
-                        <a:rPr lang="en-US" sz="1400" baseline="0" dirty="0" smtClean="0"/>
+                        <a:rPr lang="en-US" sz="1400" baseline="0" dirty="0"/>
                         <a:t> compute node has a copy of the entire table</a:t>
                       </a:r>
                       <a:endParaRPr lang="en-US" sz="1400" dirty="0"/>
@@ -19677,13 +19207,13 @@
                     <a:lstStyle/>
                     <a:p>
                       <a:r>
-                        <a:rPr lang="en-US" sz="1400" dirty="0" smtClean="0"/>
+                        <a:rPr lang="en-US" sz="1400" dirty="0"/>
                         <a:t>Fact Tables</a:t>
                       </a:r>
                     </a:p>
                     <a:p>
                       <a:r>
-                        <a:rPr lang="en-US" sz="1400" dirty="0" smtClean="0"/>
+                        <a:rPr lang="en-US" sz="1400" dirty="0"/>
                         <a:t>RCD</a:t>
                       </a:r>
                     </a:p>
@@ -19700,10 +19230,9 @@
                     <a:lstStyle/>
                     <a:p>
                       <a:r>
-                        <a:rPr lang="en-US" sz="1400" dirty="0" smtClean="0"/>
+                        <a:rPr lang="en-US" sz="1400" dirty="0"/>
                         <a:t>External Tables</a:t>
                       </a:r>
-                      <a:endParaRPr lang="en-US" sz="1400" dirty="0"/>
                     </a:p>
                   </a:txBody>
                   <a:tcPr>
@@ -19718,10 +19247,9 @@
                     <a:lstStyle/>
                     <a:p>
                       <a:r>
-                        <a:rPr lang="en-US" sz="1400" dirty="0" smtClean="0"/>
+                        <a:rPr lang="en-US" sz="1400" dirty="0"/>
                         <a:t>Dimensions &lt; 2G</a:t>
                       </a:r>
-                      <a:endParaRPr lang="en-US" sz="1400" dirty="0"/>
                     </a:p>
                   </a:txBody>
                   <a:tcPr>
@@ -19795,15 +19323,15 @@
                     <a:p>
                       <a:pPr algn="ctr"/>
                       <a:r>
-                        <a:rPr lang="en-US" sz="1400" dirty="0" smtClean="0"/>
+                        <a:rPr lang="en-US" sz="1400" dirty="0"/>
                         <a:t>Clustered </a:t>
                       </a:r>
                       <a:r>
-                        <a:rPr lang="en-US" sz="1400" dirty="0" err="1" smtClean="0"/>
+                        <a:rPr lang="en-US" sz="1400" dirty="0" err="1"/>
                         <a:t>ColumnStore</a:t>
                       </a:r>
                       <a:r>
-                        <a:rPr lang="en-US" sz="1400" baseline="0" dirty="0" smtClean="0"/>
+                        <a:rPr lang="en-US" sz="1400" baseline="0" dirty="0"/>
                         <a:t> Index</a:t>
                       </a:r>
                       <a:endParaRPr lang="en-US" sz="1400" dirty="0"/>
@@ -19822,11 +19350,11 @@
                     <a:p>
                       <a:pPr algn="ctr"/>
                       <a:r>
-                        <a:rPr lang="en-US" sz="1400" dirty="0" smtClean="0"/>
+                        <a:rPr lang="en-US" sz="1400" dirty="0"/>
                         <a:t>Row</a:t>
                       </a:r>
                       <a:r>
-                        <a:rPr lang="en-US" sz="1400" baseline="0" dirty="0" smtClean="0"/>
+                        <a:rPr lang="en-US" sz="1400" baseline="0" dirty="0"/>
                         <a:t> Store</a:t>
                       </a:r>
                       <a:endParaRPr lang="en-US" sz="1400" dirty="0"/>
@@ -19866,22 +19394,21 @@
                     <a:p>
                       <a:pPr algn="ctr"/>
                       <a:r>
-                        <a:rPr lang="en-US" sz="1400" dirty="0" smtClean="0"/>
+                        <a:rPr lang="en-US" sz="1400" dirty="0"/>
                         <a:t>Clustered </a:t>
                       </a:r>
                       <a:r>
-                        <a:rPr lang="en-US" sz="1400" dirty="0" err="1" smtClean="0"/>
+                        <a:rPr lang="en-US" sz="1400" dirty="0" err="1"/>
                         <a:t>ColumnStore</a:t>
                       </a:r>
                       <a:r>
-                        <a:rPr lang="en-US" sz="1400" baseline="0" dirty="0" smtClean="0"/>
+                        <a:rPr lang="en-US" sz="1400" baseline="0" dirty="0"/>
                         <a:t> </a:t>
                       </a:r>
                       <a:r>
-                        <a:rPr lang="en-US" sz="1400" dirty="0" smtClean="0"/>
+                        <a:rPr lang="en-US" sz="1400" dirty="0"/>
                         <a:t>Index</a:t>
                       </a:r>
-                      <a:endParaRPr lang="en-US" sz="1400" dirty="0"/>
                     </a:p>
                   </a:txBody>
                   <a:tcPr>
@@ -19897,10 +19424,9 @@
                     <a:p>
                       <a:pPr algn="ctr"/>
                       <a:r>
-                        <a:rPr lang="en-US" sz="1400" dirty="0" smtClean="0"/>
+                        <a:rPr lang="en-US" sz="1400" dirty="0"/>
                         <a:t>Heap</a:t>
                       </a:r>
-                      <a:endParaRPr lang="en-US" sz="1400" dirty="0"/>
                     </a:p>
                   </a:txBody>
                   <a:tcPr>
@@ -19916,11 +19442,11 @@
                     <a:p>
                       <a:pPr algn="ctr"/>
                       <a:r>
-                        <a:rPr lang="en-US" sz="1400" dirty="0" smtClean="0"/>
+                        <a:rPr lang="en-US" sz="1400" dirty="0"/>
                         <a:t>Clustered</a:t>
                       </a:r>
                       <a:r>
-                        <a:rPr lang="en-US" sz="1400" baseline="0" dirty="0" smtClean="0"/>
+                        <a:rPr lang="en-US" sz="1400" baseline="0" dirty="0"/>
                         <a:t> Index</a:t>
                       </a:r>
                       <a:endParaRPr lang="en-US" sz="1400" dirty="0"/>
@@ -19945,23 +19471,23 @@
                     <a:lstStyle/>
                     <a:p>
                       <a:r>
-                        <a:rPr lang="en-US" sz="1400" dirty="0" smtClean="0"/>
+                        <a:rPr lang="en-US" sz="1400" dirty="0"/>
                         <a:t>Stores data in columns</a:t>
                       </a:r>
                     </a:p>
                     <a:p>
                       <a:r>
-                        <a:rPr lang="en-US" sz="1400" dirty="0" smtClean="0"/>
+                        <a:rPr lang="en-US" sz="1400" dirty="0"/>
                         <a:t>Highly compressed</a:t>
                       </a:r>
                     </a:p>
                     <a:p>
                       <a:r>
-                        <a:rPr lang="en-US" sz="1400" dirty="0" smtClean="0"/>
+                        <a:rPr lang="en-US" sz="1400" dirty="0"/>
                         <a:t>&gt;</a:t>
                       </a:r>
                       <a:r>
-                        <a:rPr lang="en-US" sz="1400" baseline="0" dirty="0" smtClean="0"/>
+                        <a:rPr lang="en-US" sz="1400" baseline="0" dirty="0"/>
                         <a:t> 600k rows, 60m preferred</a:t>
                       </a:r>
                       <a:endParaRPr lang="en-US" sz="1400" dirty="0"/>
@@ -19979,10 +19505,9 @@
                     <a:lstStyle/>
                     <a:p>
                       <a:r>
-                        <a:rPr lang="en-US" sz="1400" dirty="0" smtClean="0"/>
+                        <a:rPr lang="en-US" sz="1400" dirty="0"/>
                         <a:t>Unordered data</a:t>
                       </a:r>
-                      <a:endParaRPr lang="en-US" sz="1400" dirty="0"/>
                     </a:p>
                   </a:txBody>
                   <a:tcPr>
@@ -19997,10 +19522,9 @@
                     <a:lstStyle/>
                     <a:p>
                       <a:r>
-                        <a:rPr lang="en-US" sz="1400" dirty="0" smtClean="0"/>
+                        <a:rPr lang="en-US" sz="1400" dirty="0"/>
                         <a:t>Index ordered data</a:t>
                       </a:r>
-                      <a:endParaRPr lang="en-US" sz="1400" dirty="0"/>
                     </a:p>
                   </a:txBody>
                   <a:tcPr>
@@ -20022,17 +19546,17 @@
                     <a:lstStyle/>
                     <a:p>
                       <a:r>
-                        <a:rPr lang="en-US" sz="1400" dirty="0" smtClean="0"/>
+                        <a:rPr lang="en-US" sz="1400" dirty="0"/>
                         <a:t>All index efficiency</a:t>
                       </a:r>
                       <a:r>
-                        <a:rPr lang="en-US" sz="1400" baseline="0" dirty="0" smtClean="0"/>
+                        <a:rPr lang="en-US" sz="1400" baseline="0" dirty="0"/>
                         <a:t> based on quality and health.  Rebuild CCI with extra large resource class</a:t>
                       </a:r>
                     </a:p>
                     <a:p>
                       <a:r>
-                        <a:rPr lang="en-US" sz="1400" baseline="0" dirty="0" smtClean="0"/>
+                        <a:rPr lang="en-US" sz="1400" baseline="0" dirty="0"/>
                         <a:t>Updating statistics a MUST</a:t>
                       </a:r>
                       <a:endParaRPr lang="en-US" sz="1400" dirty="0"/>
@@ -20105,7 +19629,7 @@
           <a:lstStyle/>
           <a:p>
             <a:r>
-              <a:rPr lang="en-US" b="1" u="sng" dirty="0" smtClean="0">
+              <a:rPr lang="en-US" b="1" u="sng" dirty="0">
                 <a:solidFill>
                   <a:schemeClr val="accent5">
                     <a:lumMod val="50000"/>
@@ -20117,7 +19641,7 @@
           </a:p>
           <a:p>
             <a:r>
-              <a:rPr lang="en-US" dirty="0" smtClean="0">
+              <a:rPr lang="en-US" dirty="0">
                 <a:solidFill>
                   <a:schemeClr val="accent5">
                     <a:lumMod val="75000"/>
@@ -20129,7 +19653,7 @@
           </a:p>
           <a:p>
             <a:r>
-              <a:rPr lang="en-US" dirty="0" smtClean="0">
+              <a:rPr lang="en-US" dirty="0">
                 <a:solidFill>
                   <a:schemeClr val="accent5">
                     <a:lumMod val="75000"/>
@@ -20141,7 +19665,7 @@
           </a:p>
           <a:p>
             <a:r>
-              <a:rPr lang="en-US" dirty="0" smtClean="0">
+              <a:rPr lang="en-US" dirty="0">
                 <a:solidFill>
                   <a:schemeClr val="accent5">
                     <a:lumMod val="75000"/>
@@ -20153,7 +19677,7 @@
           </a:p>
           <a:p>
             <a:r>
-              <a:rPr lang="en-US" dirty="0" smtClean="0">
+              <a:rPr lang="en-US" dirty="0">
                 <a:solidFill>
                   <a:schemeClr val="accent5">
                     <a:lumMod val="75000"/>
@@ -20164,49 +19688,6 @@
             </a:r>
           </a:p>
           <a:p>
-            <a:endParaRPr lang="en-US" dirty="0" smtClean="0">
-              <a:solidFill>
-                <a:schemeClr val="accent5">
-                  <a:lumMod val="75000"/>
-                </a:schemeClr>
-              </a:solidFill>
-            </a:endParaRPr>
-          </a:p>
-          <a:p>
-            <a:r>
-              <a:rPr lang="en-US" dirty="0" smtClean="0">
-                <a:solidFill>
-                  <a:schemeClr val="accent5">
-                    <a:lumMod val="75000"/>
-                  </a:schemeClr>
-                </a:solidFill>
-              </a:rPr>
-              <a:t>Stage</a:t>
-            </a:r>
-          </a:p>
-          <a:p>
-            <a:r>
-              <a:rPr lang="en-US" dirty="0" smtClean="0">
-                <a:solidFill>
-                  <a:schemeClr val="accent5">
-                    <a:lumMod val="75000"/>
-                  </a:schemeClr>
-                </a:solidFill>
-              </a:rPr>
-              <a:t>External</a:t>
-            </a:r>
-          </a:p>
-          <a:p>
-            <a:r>
-              <a:rPr lang="en-US" dirty="0" smtClean="0">
-                <a:solidFill>
-                  <a:schemeClr val="accent5">
-                    <a:lumMod val="75000"/>
-                  </a:schemeClr>
-                </a:solidFill>
-              </a:rPr>
-              <a:t>Temporary</a:t>
-            </a:r>
             <a:endParaRPr lang="en-US" dirty="0">
               <a:solidFill>
                 <a:schemeClr val="accent5">
@@ -20214,6 +19695,42 @@
                 </a:schemeClr>
               </a:solidFill>
             </a:endParaRPr>
+          </a:p>
+          <a:p>
+            <a:r>
+              <a:rPr lang="en-US" dirty="0">
+                <a:solidFill>
+                  <a:schemeClr val="accent5">
+                    <a:lumMod val="75000"/>
+                  </a:schemeClr>
+                </a:solidFill>
+              </a:rPr>
+              <a:t>Stage</a:t>
+            </a:r>
+          </a:p>
+          <a:p>
+            <a:r>
+              <a:rPr lang="en-US" dirty="0">
+                <a:solidFill>
+                  <a:schemeClr val="accent5">
+                    <a:lumMod val="75000"/>
+                  </a:schemeClr>
+                </a:solidFill>
+              </a:rPr>
+              <a:t>External</a:t>
+            </a:r>
+          </a:p>
+          <a:p>
+            <a:r>
+              <a:rPr lang="en-US" dirty="0">
+                <a:solidFill>
+                  <a:schemeClr val="accent5">
+                    <a:lumMod val="75000"/>
+                  </a:schemeClr>
+                </a:solidFill>
+              </a:rPr>
+              <a:t>Temporary</a:t>
+            </a:r>
           </a:p>
         </p:txBody>
       </p:sp>
@@ -20227,13 +19744,6 @@
   <p:clrMapOvr>
     <a:masterClrMapping/>
   </p:clrMapOvr>
-  <p:timing>
-    <p:tnLst>
-      <p:par>
-        <p:cTn id="1" dur="indefinite" restart="never" nodeType="tmRoot"/>
-      </p:par>
-    </p:tnLst>
-  </p:timing>
 </p:sld>
 </file>
 
@@ -20274,14 +19784,13 @@
               <a:t>Every day I’m </a:t>
             </a:r>
             <a:r>
-              <a:rPr lang="en-US" dirty="0" err="1" smtClean="0"/>
+              <a:rPr lang="en-US" dirty="0" err="1"/>
               <a:t>shufflin</a:t>
             </a:r>
             <a:r>
-              <a:rPr lang="en-US" dirty="0" smtClean="0"/>
+              <a:rPr lang="en-US" dirty="0"/>
               <a:t>’</a:t>
             </a:r>
-            <a:endParaRPr lang="en-US" dirty="0"/>
           </a:p>
         </p:txBody>
       </p:sp>
@@ -20312,17 +19821,17 @@
               <a:t>Every day I’m </a:t>
             </a:r>
             <a:r>
-              <a:rPr lang="en-US" sz="2800" dirty="0" err="1" smtClean="0"/>
+              <a:rPr lang="en-US" sz="2800" dirty="0" err="1"/>
               <a:t>shufflin</a:t>
             </a:r>
             <a:r>
-              <a:rPr lang="en-US" sz="2800" dirty="0" smtClean="0"/>
+              <a:rPr lang="en-US" sz="2800" dirty="0"/>
               <a:t>‘, </a:t>
             </a:r>
           </a:p>
           <a:p>
             <a:r>
-              <a:rPr lang="en-US" sz="2800" dirty="0" err="1" smtClean="0"/>
+              <a:rPr lang="en-US" sz="2800" dirty="0" err="1"/>
               <a:t>Shufflin</a:t>
             </a:r>
             <a:r>
@@ -20341,55 +19850,22 @@
           <a:p>
             <a:r>
               <a:rPr lang="en-US" sz="2800" dirty="0"/>
-              <a:t>Step up fast and be the first </a:t>
-            </a:r>
-            <a:r>
-              <a:rPr lang="en-US" sz="2800" dirty="0" smtClean="0"/>
-              <a:t>query </a:t>
-            </a:r>
-            <a:r>
-              <a:rPr lang="en-US" sz="2800" dirty="0"/>
-              <a:t>to make me throw this </a:t>
-            </a:r>
-            <a:r>
-              <a:rPr lang="en-US" sz="2800" dirty="0" smtClean="0"/>
-              <a:t>cache</a:t>
-            </a:r>
-            <a:r>
-              <a:rPr lang="en-US" sz="2800" dirty="0"/>
-              <a:t/>
+              <a:t>Step up fast and be the first query to make me throw this cache</a:t>
             </a:r>
             <a:br>
               <a:rPr lang="en-US" sz="2800" dirty="0"/>
             </a:br>
             <a:r>
               <a:rPr lang="en-US" sz="2800" dirty="0"/>
-              <a:t>We get </a:t>
-            </a:r>
-            <a:r>
-              <a:rPr lang="en-US" sz="2800" dirty="0" smtClean="0"/>
-              <a:t>memory </a:t>
-            </a:r>
-            <a:r>
-              <a:rPr lang="en-US" sz="2800" dirty="0"/>
-              <a:t>don’t be mad, now stop</a:t>
+              <a:t>We get memory don’t be mad, now stop</a:t>
             </a:r>
             <a:br>
               <a:rPr lang="en-US" sz="2800" dirty="0"/>
             </a:br>
             <a:r>
-              <a:rPr lang="en-US" sz="2800" dirty="0" smtClean="0"/>
-              <a:t>Data Movement </a:t>
-            </a:r>
-            <a:r>
               <a:rPr lang="en-US" sz="2800" dirty="0"/>
-              <a:t>is </a:t>
-            </a:r>
-            <a:r>
-              <a:rPr lang="en-US" sz="2800" dirty="0" smtClean="0"/>
-              <a:t>bad</a:t>
-            </a:r>
-            <a:endParaRPr lang="en-US" sz="2800" dirty="0"/>
+              <a:t>Data Movement is bad</a:t>
+            </a:r>
           </a:p>
         </p:txBody>
       </p:sp>
@@ -20419,19 +19895,12 @@
               <a:rPr lang="en-US" dirty="0">
                 <a:hlinkClick r:id="rId3"/>
               </a:rPr>
-              <a:t>https://</a:t>
-            </a:r>
-            <a:r>
-              <a:rPr lang="en-US" dirty="0" smtClean="0">
-                <a:hlinkClick r:id="rId3"/>
-              </a:rPr>
-              <a:t>www.youtube.com/watch?v=sy-vdb4rIQo</a:t>
-            </a:r>
-            <a:r>
-              <a:rPr lang="en-US" dirty="0" smtClean="0"/>
+              <a:t>https://www.youtube.com/watch?v=sy-vdb4rIQo</a:t>
+            </a:r>
+            <a:r>
+              <a:rPr lang="en-US" dirty="0"/>
               <a:t>  2:13-2:30</a:t>
             </a:r>
-            <a:endParaRPr lang="en-US" dirty="0"/>
           </a:p>
         </p:txBody>
       </p:sp>
@@ -20445,13 +19914,6 @@
   <p:clrMapOvr>
     <a:masterClrMapping/>
   </p:clrMapOvr>
-  <p:timing>
-    <p:tnLst>
-      <p:par>
-        <p:cTn id="1" dur="indefinite" restart="never" nodeType="tmRoot"/>
-      </p:par>
-    </p:tnLst>
-  </p:timing>
 </p:sld>
 </file>
 
@@ -20978,9 +20440,12 @@
 </file>
 
 <file path=customXml/item1.xml><?xml version="1.0" encoding="utf-8"?>
-<p:properties xmlns:p="http://schemas.microsoft.com/office/2006/metadata/properties" xmlns:xsi="http://www.w3.org/2001/XMLSchema-instance" xmlns:pc="http://schemas.microsoft.com/office/infopath/2007/PartnerControls">
-  <documentManagement/>
-</p:properties>
+<?mso-contentType ?>
+<FormTemplates xmlns="http://schemas.microsoft.com/sharepoint/v3/contenttype/forms">
+  <Display>DocumentLibraryForm</Display>
+  <Edit>DocumentLibraryForm</Edit>
+  <New>DocumentLibraryForm</New>
+</FormTemplates>
 </file>
 
 <file path=customXml/item2.xml><?xml version="1.0" encoding="utf-8"?>
@@ -21183,27 +20648,15 @@
 </file>
 
 <file path=customXml/item3.xml><?xml version="1.0" encoding="utf-8"?>
-<?mso-contentType ?>
-<FormTemplates xmlns="http://schemas.microsoft.com/sharepoint/v3/contenttype/forms">
-  <Display>DocumentLibraryForm</Display>
-  <Edit>DocumentLibraryForm</Edit>
-  <New>DocumentLibraryForm</New>
-</FormTemplates>
+<p:properties xmlns:p="http://schemas.microsoft.com/office/2006/metadata/properties" xmlns:xsi="http://www.w3.org/2001/XMLSchema-instance" xmlns:pc="http://schemas.microsoft.com/office/infopath/2007/PartnerControls">
+  <documentManagement/>
+</p:properties>
 </file>
 
 <file path=customXml/itemProps1.xml><?xml version="1.0" encoding="utf-8"?>
-<ds:datastoreItem xmlns:ds="http://schemas.openxmlformats.org/officeDocument/2006/customXml" ds:itemID="{E714266F-2521-4BD1-B40E-70FEF353EEC2}">
+<ds:datastoreItem xmlns:ds="http://schemas.openxmlformats.org/officeDocument/2006/customXml" ds:itemID="{3A734002-4F6D-49CF-AA2C-43521C1FC708}">
   <ds:schemaRefs>
-    <ds:schemaRef ds:uri="http://purl.org/dc/elements/1.1/"/>
-    <ds:schemaRef ds:uri="http://schemas.microsoft.com/office/2006/metadata/properties"/>
-    <ds:schemaRef ds:uri="68201248-332f-4b19-a564-5b53df1aa731"/>
-    <ds:schemaRef ds:uri="http://purl.org/dc/terms/"/>
-    <ds:schemaRef ds:uri="http://schemas.openxmlformats.org/package/2006/metadata/core-properties"/>
-    <ds:schemaRef ds:uri="http://schemas.microsoft.com/office/2006/documentManagement/types"/>
-    <ds:schemaRef ds:uri="http://schemas.microsoft.com/office/infopath/2007/PartnerControls"/>
-    <ds:schemaRef ds:uri="2c4b7055-2425-4510-9a7f-db214c51849b"/>
-    <ds:schemaRef ds:uri="http://www.w3.org/XML/1998/namespace"/>
-    <ds:schemaRef ds:uri="http://purl.org/dc/dcmitype/"/>
+    <ds:schemaRef ds:uri="http://schemas.microsoft.com/sharepoint/v3/contenttype/forms"/>
   </ds:schemaRefs>
 </ds:datastoreItem>
 </file>
@@ -21228,9 +20681,18 @@
 </file>
 
 <file path=customXml/itemProps3.xml><?xml version="1.0" encoding="utf-8"?>
-<ds:datastoreItem xmlns:ds="http://schemas.openxmlformats.org/officeDocument/2006/customXml" ds:itemID="{3A734002-4F6D-49CF-AA2C-43521C1FC708}">
+<ds:datastoreItem xmlns:ds="http://schemas.openxmlformats.org/officeDocument/2006/customXml" ds:itemID="{E714266F-2521-4BD1-B40E-70FEF353EEC2}">
   <ds:schemaRefs>
-    <ds:schemaRef ds:uri="http://schemas.microsoft.com/sharepoint/v3/contenttype/forms"/>
+    <ds:schemaRef ds:uri="http://schemas.microsoft.com/office/2006/documentManagement/types"/>
+    <ds:schemaRef ds:uri="http://www.w3.org/XML/1998/namespace"/>
+    <ds:schemaRef ds:uri="http://purl.org/dc/terms/"/>
+    <ds:schemaRef ds:uri="http://schemas.microsoft.com/office/infopath/2007/PartnerControls"/>
+    <ds:schemaRef ds:uri="http://schemas.openxmlformats.org/package/2006/metadata/core-properties"/>
+    <ds:schemaRef ds:uri="http://purl.org/dc/dcmitype/"/>
+    <ds:schemaRef ds:uri="http://schemas.microsoft.com/office/2006/metadata/properties"/>
+    <ds:schemaRef ds:uri="68201248-332f-4b19-a564-5b53df1aa731"/>
+    <ds:schemaRef ds:uri="2c4b7055-2425-4510-9a7f-db214c51849b"/>
+    <ds:schemaRef ds:uri="http://purl.org/dc/elements/1.1/"/>
   </ds:schemaRefs>
 </ds:datastoreItem>
 </file>
--- a/DesigningForADWPerformance.pptx
+++ b/DesigningForADWPerformance.pptx
@@ -11155,7 +11155,7 @@
         <p:spPr>
           <a:xfrm>
             <a:off x="339318" y="743918"/>
-            <a:ext cx="8520778" cy="3831818"/>
+            <a:ext cx="8520778" cy="4247317"/>
           </a:xfrm>
           <a:prstGeom prst="rect">
             <a:avLst/>
@@ -11169,20 +11169,20 @@
           <a:lstStyle/>
           <a:p>
             <a:r>
-              <a:rPr lang="en-US" b="1" dirty="0"/>
+              <a:rPr lang="en-US" sz="1300" b="1" dirty="0"/>
               <a:t>Designing for Azure Data Warehouse Performance </a:t>
             </a:r>
             <a:r>
-              <a:rPr lang="en-US" dirty="0">
+              <a:rPr lang="en-US" sz="1300" dirty="0">
                 <a:hlinkClick r:id="rId2"/>
               </a:rPr>
               <a:t>–</a:t>
             </a:r>
             <a:r>
-              <a:rPr lang="en-US" dirty="0"/>
+              <a:rPr lang="en-US" sz="1300" dirty="0"/>
               <a:t> Beth Wolfset (other papers and slide decks)</a:t>
             </a:r>
-            <a:endParaRPr lang="en-US" dirty="0">
+            <a:endParaRPr lang="en-US" sz="1300" dirty="0">
               <a:hlinkClick r:id="" action="ppaction://noaction"/>
             </a:endParaRPr>
           </a:p>
@@ -11192,25 +11192,25 @@
               <a:buChar char="•"/>
             </a:pPr>
             <a:r>
-              <a:rPr lang="en-US" dirty="0">
+              <a:rPr lang="en-US" sz="1300" dirty="0">
                 <a:hlinkClick r:id="" action="ppaction://noaction"/>
               </a:rPr>
               <a:t>https</a:t>
             </a:r>
             <a:r>
-              <a:rPr lang="en-US" dirty="0">
+              <a:rPr lang="en-US" sz="1300" dirty="0">
                 <a:hlinkClick r:id="rId2"/>
               </a:rPr>
               <a:t>://github.com/BSWolfset/PresentationSlidedecks</a:t>
             </a:r>
-            <a:endParaRPr lang="en-US" dirty="0"/>
-          </a:p>
-          <a:p>
-            <a:r>
-              <a:rPr lang="en-US" b="1" dirty="0"/>
+            <a:endParaRPr lang="en-US" sz="1300" dirty="0"/>
+          </a:p>
+          <a:p>
+            <a:r>
+              <a:rPr lang="en-US" sz="1300" b="1" dirty="0"/>
               <a:t>Azure Data Warehouse Microsoft Documentation</a:t>
             </a:r>
-            <a:endParaRPr lang="en-US" dirty="0">
+            <a:endParaRPr lang="en-US" sz="1300" dirty="0">
               <a:hlinkClick r:id="" action="ppaction://noaction"/>
             </a:endParaRPr>
           </a:p>
@@ -11220,27 +11220,27 @@
               <a:buChar char="•"/>
             </a:pPr>
             <a:r>
-              <a:rPr lang="en-US" dirty="0">
+              <a:rPr lang="en-US" sz="1300" dirty="0">
                 <a:hlinkClick r:id="" action="ppaction://noaction"/>
               </a:rPr>
               <a:t>https</a:t>
             </a:r>
             <a:r>
-              <a:rPr lang="en-US" dirty="0">
+              <a:rPr lang="en-US" sz="1300" dirty="0">
                 <a:hlinkClick r:id="rId3"/>
               </a:rPr>
               <a:t>://docs.microsoft.com/en-us/azure/sql-data-warehouse/sql-data-warehouse-overview-what-is</a:t>
             </a:r>
-            <a:endParaRPr lang="en-US" dirty="0"/>
-          </a:p>
-          <a:p>
-            <a:r>
-              <a:rPr lang="en-US" b="1" dirty="0"/>
+            <a:endParaRPr lang="en-US" sz="1300" dirty="0"/>
+          </a:p>
+          <a:p>
+            <a:r>
+              <a:rPr lang="en-US" sz="1300" b="1" dirty="0"/>
               <a:t>What is supported</a:t>
             </a:r>
             <a:r>
-              <a:rPr lang="en-US" dirty="0"/>
-              <a:t> - Migrate your SQL code to SQL Data Warehouse</a:t>
+              <a:rPr lang="en-US" sz="1300" dirty="0"/>
+              <a:t> – Design Considerations</a:t>
             </a:r>
           </a:p>
           <a:p>
@@ -11249,19 +11249,12 @@
               <a:buChar char="•"/>
             </a:pPr>
             <a:r>
-              <a:rPr lang="en-US" dirty="0">
+              <a:rPr lang="en-US" sz="1300" dirty="0">
                 <a:hlinkClick r:id="rId4"/>
               </a:rPr>
               <a:t>https://docs.microsoft.com/en-us/azure/sql-data-warehouse/sql-data-warehouse-migrate-code</a:t>
             </a:r>
-            <a:endParaRPr lang="en-US" dirty="0"/>
-          </a:p>
-          <a:p>
-            <a:r>
-              <a:rPr lang="en-US" b="1" dirty="0"/>
-              <a:t>Introduction to Azure SQL Data Warehouse</a:t>
-            </a:r>
-            <a:endParaRPr lang="en-US" dirty="0"/>
+            <a:endParaRPr lang="en-US" sz="1300" dirty="0"/>
           </a:p>
           <a:p>
             <a:pPr marL="285750" indent="-285750">
@@ -11269,15 +11262,19 @@
               <a:buChar char="•"/>
             </a:pPr>
             <a:r>
-              <a:rPr lang="en-US" dirty="0">
+              <a:rPr lang="en-US" sz="1300" dirty="0">
                 <a:hlinkClick r:id="rId5"/>
               </a:rPr>
-              <a:t>https://www.sqlsaturday.com/716/Sessions/Details.aspx?sid=72535</a:t>
-            </a:r>
-            <a:r>
-              <a:rPr lang="en-US" dirty="0"/>
-              <a:t> – Derik Hammer</a:t>
-            </a:r>
+              <a:t>https://docs.microsoft.com/en-us/azure/sql-data-warehouse/sql-data-warehouse-tables-overview#unsupported-table-features</a:t>
+            </a:r>
+            <a:endParaRPr lang="en-US" sz="1300" dirty="0"/>
+          </a:p>
+          <a:p>
+            <a:r>
+              <a:rPr lang="en-US" sz="1300" b="1" dirty="0"/>
+              <a:t>Introduction to Azure SQL Data Warehouse</a:t>
+            </a:r>
+            <a:endParaRPr lang="en-US" sz="1300" dirty="0"/>
           </a:p>
           <a:p>
             <a:pPr marL="285750" indent="-285750">
@@ -11285,24 +11282,14 @@
               <a:buChar char="•"/>
             </a:pPr>
             <a:r>
-              <a:rPr lang="en-US" dirty="0">
+              <a:rPr lang="en-US" sz="1300" dirty="0">
                 <a:hlinkClick r:id="rId6"/>
               </a:rPr>
-              <a:t>https://sqlbits.com/Downloads/595/Robin%20Lester_SQLAzureDataWarehouseSQLBits.pdf</a:t>
-            </a:r>
-            <a:r>
-              <a:rPr lang="en-US" dirty="0"/>
-              <a:t> – Robin Lester</a:t>
-            </a:r>
-          </a:p>
-          <a:p>
-            <a:r>
-              <a:rPr lang="en-US" b="1" dirty="0"/>
-              <a:t>Azure Data Warehouse Performance Tuning -- </a:t>
-            </a:r>
-            <a:r>
-              <a:rPr lang="en-US" dirty="0"/>
-              <a:t>Simon Facer</a:t>
+              <a:t>https://www.sqlsaturday.com/716/Sessions/Details.aspx?sid=72535</a:t>
+            </a:r>
+            <a:r>
+              <a:rPr lang="en-US" sz="1300" dirty="0"/>
+              <a:t> – Derik Hammer</a:t>
             </a:r>
           </a:p>
           <a:p>
@@ -11311,24 +11298,24 @@
               <a:buChar char="•"/>
             </a:pPr>
             <a:r>
-              <a:rPr lang="en-US" dirty="0">
+              <a:rPr lang="en-US" sz="1300" dirty="0">
                 <a:hlinkClick r:id="rId7"/>
               </a:rPr>
-              <a:t>https://www.sqlsaturday.com/716/Sessions/Details.aspx?sid=74668</a:t>
-            </a:r>
-            <a:r>
-              <a:rPr lang="en-US" dirty="0"/>
-              <a:t> </a:t>
-            </a:r>
-          </a:p>
-          <a:p>
-            <a:r>
-              <a:rPr lang="en-US" b="1" dirty="0"/>
-              <a:t>Azure Data Warehouse Query Tuning</a:t>
-            </a:r>
-            <a:r>
-              <a:rPr lang="en-US" dirty="0"/>
-              <a:t> -- James Rowland-Jones</a:t>
+              <a:t>https://sqlbits.com/Downloads/595/Robin%20Lester_SQLAzureDataWarehouseSQLBits.pdf</a:t>
+            </a:r>
+            <a:r>
+              <a:rPr lang="en-US" sz="1300" dirty="0"/>
+              <a:t> – Robin Lester</a:t>
+            </a:r>
+          </a:p>
+          <a:p>
+            <a:r>
+              <a:rPr lang="en-US" sz="1300" b="1" dirty="0"/>
+              <a:t>Azure Data Warehouse Performance Tuning -- </a:t>
+            </a:r>
+            <a:r>
+              <a:rPr lang="en-US" sz="1300" dirty="0"/>
+              <a:t>Simon Facer</a:t>
             </a:r>
           </a:p>
           <a:p>
@@ -11337,21 +11324,24 @@
               <a:buChar char="•"/>
             </a:pPr>
             <a:r>
-              <a:rPr lang="en-US" dirty="0">
+              <a:rPr lang="en-US" sz="1300" dirty="0">
                 <a:hlinkClick r:id="rId8"/>
               </a:rPr>
-              <a:t>https://sqlbits.com/Sessions/Event15/Advanced_Topics_for_Azure_SQL_Data_Warehouse</a:t>
-            </a:r>
-            <a:endParaRPr lang="en-US" dirty="0"/>
-          </a:p>
-          <a:p>
-            <a:r>
-              <a:rPr lang="en-US" b="1" dirty="0"/>
-              <a:t>How to shoot yourself in the foot with Azure SQL Data Warehouse</a:t>
-            </a:r>
-            <a:r>
-              <a:rPr lang="en-US" dirty="0"/>
-              <a:t> – Greg Galloway</a:t>
+              <a:t>https://www.sqlsaturday.com/716/Sessions/Details.aspx?sid=74668</a:t>
+            </a:r>
+            <a:r>
+              <a:rPr lang="en-US" sz="1300" dirty="0"/>
+              <a:t> </a:t>
+            </a:r>
+          </a:p>
+          <a:p>
+            <a:r>
+              <a:rPr lang="en-US" sz="1300" b="1" dirty="0"/>
+              <a:t>Azure Data Warehouse Query Tuning</a:t>
+            </a:r>
+            <a:r>
+              <a:rPr lang="en-US" sz="1300" dirty="0"/>
+              <a:t> -- James Rowland-Jones</a:t>
             </a:r>
           </a:p>
           <a:p>
@@ -11360,17 +11350,21 @@
               <a:buChar char="•"/>
             </a:pPr>
             <a:r>
-              <a:rPr lang="en-US" dirty="0">
+              <a:rPr lang="en-US" sz="1300" dirty="0">
                 <a:hlinkClick r:id="rId9"/>
               </a:rPr>
-              <a:t>https://myignite.techcommunity.microsoft.com/sessions/66194</a:t>
-            </a:r>
-            <a:endParaRPr lang="en-US" dirty="0"/>
-          </a:p>
-          <a:p>
-            <a:r>
-              <a:rPr lang="en-US" b="1" dirty="0"/>
-              <a:t>Data Movement/Shuffling</a:t>
+              <a:t>https://sqlbits.com/Sessions/Event15/Advanced_Topics_for_Azure_SQL_Data_Warehouse</a:t>
+            </a:r>
+            <a:endParaRPr lang="en-US" sz="1300" dirty="0"/>
+          </a:p>
+          <a:p>
+            <a:r>
+              <a:rPr lang="en-US" sz="1300" b="1" dirty="0"/>
+              <a:t>How to shoot yourself in the foot with Azure SQL Data Warehouse</a:t>
+            </a:r>
+            <a:r>
+              <a:rPr lang="en-US" sz="1300" dirty="0"/>
+              <a:t> – Greg Galloway</a:t>
             </a:r>
           </a:p>
           <a:p>
@@ -11379,14 +11373,17 @@
               <a:buChar char="•"/>
             </a:pPr>
             <a:r>
-              <a:rPr lang="en-US" dirty="0">
+              <a:rPr lang="en-US" sz="1300" dirty="0">
                 <a:hlinkClick r:id="rId10"/>
               </a:rPr>
-              <a:t>https://blobeater.blog/2018/04/12/azure-sql-dw-lets-shuffle/</a:t>
-            </a:r>
-            <a:r>
-              <a:rPr lang="en-US" dirty="0"/>
-              <a:t> </a:t>
+              <a:t>https://myignite.techcommunity.microsoft.com/sessions/66194</a:t>
+            </a:r>
+            <a:endParaRPr lang="en-US" sz="1300" dirty="0"/>
+          </a:p>
+          <a:p>
+            <a:r>
+              <a:rPr lang="en-US" sz="1300" b="1" dirty="0"/>
+              <a:t>Data Movement/Shuffling</a:t>
             </a:r>
           </a:p>
           <a:p>
@@ -11395,13 +11392,29 @@
               <a:buChar char="•"/>
             </a:pPr>
             <a:r>
-              <a:rPr lang="en-US" dirty="0">
+              <a:rPr lang="en-US" sz="1300" dirty="0">
                 <a:hlinkClick r:id="rId11"/>
               </a:rPr>
+              <a:t>https://blobeater.blog/2018/04/12/azure-sql-dw-lets-shuffle/</a:t>
+            </a:r>
+            <a:r>
+              <a:rPr lang="en-US" sz="1300" dirty="0"/>
+              <a:t> </a:t>
+            </a:r>
+          </a:p>
+          <a:p>
+            <a:pPr marL="285750" indent="-285750">
+              <a:buFont typeface="Arial" panose="020B0604020202020204" pitchFamily="34" charset="0"/>
+              <a:buChar char="•"/>
+            </a:pPr>
+            <a:r>
+              <a:rPr lang="en-US" sz="1300" dirty="0">
+                <a:hlinkClick r:id="rId12"/>
+              </a:rPr>
               <a:t>https://azure.microsoft.com/en-us/blog/lightning-fast-query-performance-with-azure-sql-data-warehouse/</a:t>
             </a:r>
             <a:r>
-              <a:rPr lang="en-US" dirty="0"/>
+              <a:rPr lang="en-US" sz="1300" dirty="0"/>
               <a:t> </a:t>
             </a:r>
           </a:p>

--- a/DesigningForADWPerformance.pptx
+++ b/DesigningForADWPerformance.pptx
@@ -5,7 +5,7 @@
     <p:sldMasterId id="2147483685" r:id="rId4"/>
   </p:sldMasterIdLst>
   <p:notesMasterIdLst>
-    <p:notesMasterId r:id="rId18"/>
+    <p:notesMasterId r:id="rId19"/>
   </p:notesMasterIdLst>
   <p:sldIdLst>
     <p:sldId id="359" r:id="rId5"/>
@@ -21,6 +21,7 @@
     <p:sldId id="278" r:id="rId15"/>
     <p:sldId id="360" r:id="rId16"/>
     <p:sldId id="358" r:id="rId17"/>
+    <p:sldId id="364" r:id="rId18"/>
   </p:sldIdLst>
   <p:sldSz cx="9144000" cy="5143500" type="screen16x9"/>
   <p:notesSz cx="6858000" cy="9144000"/>
@@ -10247,6 +10248,273 @@
   <p:transition spd="slow">
     <p:push dir="u"/>
   </p:transition>
+</p:sld>
+</file>
+
+<file path=ppt/slides/slide14.xml><?xml version="1.0" encoding="utf-8"?>
+<p:sld xmlns:a="http://schemas.openxmlformats.org/drawingml/2006/main" xmlns:r="http://schemas.openxmlformats.org/officeDocument/2006/relationships" xmlns:p="http://schemas.openxmlformats.org/presentationml/2006/main">
+  <p:cSld>
+    <p:spTree>
+      <p:nvGrpSpPr>
+        <p:cNvPr id="1" name=""/>
+        <p:cNvGrpSpPr/>
+        <p:nvPr/>
+      </p:nvGrpSpPr>
+      <p:grpSpPr>
+        <a:xfrm>
+          <a:off x="0" y="0"/>
+          <a:ext cx="0" cy="0"/>
+          <a:chOff x="0" y="0"/>
+          <a:chExt cx="0" cy="0"/>
+        </a:xfrm>
+      </p:grpSpPr>
+      <p:sp>
+        <p:nvSpPr>
+          <p:cNvPr id="4" name="Title 3">
+            <a:extLst>
+              <a:ext uri="{FF2B5EF4-FFF2-40B4-BE49-F238E27FC236}">
+                <a16:creationId xmlns:a16="http://schemas.microsoft.com/office/drawing/2014/main" id="{071EEC04-F8B3-4271-AB7D-5CA4CF4458BF}"/>
+              </a:ext>
+            </a:extLst>
+          </p:cNvPr>
+          <p:cNvSpPr>
+            <a:spLocks noGrp="1"/>
+          </p:cNvSpPr>
+          <p:nvPr>
+            <p:ph type="title"/>
+          </p:nvPr>
+        </p:nvSpPr>
+        <p:spPr/>
+        <p:txBody>
+          <a:bodyPr/>
+          <a:lstStyle/>
+          <a:p>
+            <a:r>
+              <a:rPr lang="en-US" dirty="0"/>
+              <a:t>Helpful Queries</a:t>
+            </a:r>
+          </a:p>
+        </p:txBody>
+      </p:sp>
+      <p:sp>
+        <p:nvSpPr>
+          <p:cNvPr id="8" name="TextBox 7">
+            <a:extLst>
+              <a:ext uri="{FF2B5EF4-FFF2-40B4-BE49-F238E27FC236}">
+                <a16:creationId xmlns:a16="http://schemas.microsoft.com/office/drawing/2014/main" id="{0E1380CF-E325-49FA-BCDB-13F15E83F652}"/>
+              </a:ext>
+            </a:extLst>
+          </p:cNvPr>
+          <p:cNvSpPr txBox="1"/>
+          <p:nvPr/>
+        </p:nvSpPr>
+        <p:spPr>
+          <a:xfrm>
+            <a:off x="304800" y="873579"/>
+            <a:ext cx="7200900" cy="1754326"/>
+          </a:xfrm>
+          <a:prstGeom prst="rect">
+            <a:avLst/>
+          </a:prstGeom>
+          <a:noFill/>
+        </p:spPr>
+        <p:txBody>
+          <a:bodyPr wrap="square" rtlCol="0">
+            <a:spAutoFit/>
+          </a:bodyPr>
+          <a:lstStyle/>
+          <a:p>
+            <a:r>
+              <a:rPr lang="en-US" dirty="0"/>
+              <a:t>Please note, some are in the notes of slide 11</a:t>
+            </a:r>
+          </a:p>
+          <a:p>
+            <a:endParaRPr lang="en-US" dirty="0"/>
+          </a:p>
+          <a:p>
+            <a:r>
+              <a:rPr lang="en-US" dirty="0" err="1"/>
+              <a:t>ADW_TableDistribution</a:t>
+            </a:r>
+            <a:r>
+              <a:rPr lang="en-US" dirty="0"/>
+              <a:t> is a </a:t>
+            </a:r>
+            <a:r>
+              <a:rPr lang="en-US" dirty="0" err="1"/>
+              <a:t>sql</a:t>
+            </a:r>
+            <a:r>
+              <a:rPr lang="en-US" dirty="0"/>
+              <a:t> file that contains queries to assist with table Size, Distribution and Skew</a:t>
+            </a:r>
+          </a:p>
+          <a:p>
+            <a:endParaRPr lang="en-US" dirty="0"/>
+          </a:p>
+          <a:p>
+            <a:r>
+              <a:rPr lang="en-US" dirty="0" err="1"/>
+              <a:t>ADW_MonitorRequests</a:t>
+            </a:r>
+            <a:r>
+              <a:rPr lang="en-US" dirty="0"/>
+              <a:t> is a </a:t>
+            </a:r>
+            <a:r>
+              <a:rPr lang="en-US" dirty="0" err="1"/>
+              <a:t>sql</a:t>
+            </a:r>
+            <a:r>
+              <a:rPr lang="en-US" dirty="0"/>
+              <a:t> file that contains queries to monitor requests and sessions</a:t>
+            </a:r>
+          </a:p>
+          <a:p>
+            <a:endParaRPr lang="en-US" dirty="0"/>
+          </a:p>
+          <a:p>
+            <a:endParaRPr lang="en-US" dirty="0"/>
+          </a:p>
+        </p:txBody>
+      </p:sp>
+      <p:graphicFrame>
+        <p:nvGraphicFramePr>
+          <p:cNvPr id="9" name="Object 8">
+            <a:extLst>
+              <a:ext uri="{FF2B5EF4-FFF2-40B4-BE49-F238E27FC236}">
+                <a16:creationId xmlns:a16="http://schemas.microsoft.com/office/drawing/2014/main" id="{9BAC4D9F-2DDA-437C-810E-4E2480566393}"/>
+              </a:ext>
+            </a:extLst>
+          </p:cNvPr>
+          <p:cNvGraphicFramePr>
+            <a:graphicFrameLocks noChangeAspect="1"/>
+          </p:cNvGraphicFramePr>
+          <p:nvPr>
+            <p:extLst>
+              <p:ext uri="{D42A27DB-BD31-4B8C-83A1-F6EECF244321}">
+                <p14:modId xmlns:p14="http://schemas.microsoft.com/office/powerpoint/2010/main" val="1975966671"/>
+              </p:ext>
+            </p:extLst>
+          </p:nvPr>
+        </p:nvGraphicFramePr>
+        <p:xfrm>
+          <a:off x="1757226" y="3162300"/>
+          <a:ext cx="1390650" cy="442913"/>
+        </p:xfrm>
+        <a:graphic>
+          <a:graphicData uri="http://schemas.openxmlformats.org/presentationml/2006/ole">
+            <mc:AlternateContent xmlns:mc="http://schemas.openxmlformats.org/markup-compatibility/2006">
+              <mc:Choice xmlns:v="urn:schemas-microsoft-com:vml" Requires="v">
+                <p:oleObj spid="_x0000_s1026" name="Packager Shell Object" showAsIcon="1" r:id="rId3" imgW="1389960" imgH="442800" progId="Package">
+                  <p:embed/>
+                </p:oleObj>
+              </mc:Choice>
+              <mc:Fallback>
+                <p:oleObj name="Packager Shell Object" showAsIcon="1" r:id="rId3" imgW="1389960" imgH="442800" progId="Package">
+                  <p:embed/>
+                  <p:pic>
+                    <p:nvPicPr>
+                      <p:cNvPr id="0" name=""/>
+                      <p:cNvPicPr/>
+                      <p:nvPr/>
+                    </p:nvPicPr>
+                    <p:blipFill>
+                      <a:blip r:embed="rId4"/>
+                      <a:stretch>
+                        <a:fillRect/>
+                      </a:stretch>
+                    </p:blipFill>
+                    <p:spPr>
+                      <a:xfrm>
+                        <a:off x="1757226" y="3162300"/>
+                        <a:ext cx="1390650" cy="442913"/>
+                      </a:xfrm>
+                      <a:prstGeom prst="rect">
+                        <a:avLst/>
+                      </a:prstGeom>
+                    </p:spPr>
+                  </p:pic>
+                </p:oleObj>
+              </mc:Fallback>
+            </mc:AlternateContent>
+          </a:graphicData>
+        </a:graphic>
+      </p:graphicFrame>
+      <p:graphicFrame>
+        <p:nvGraphicFramePr>
+          <p:cNvPr id="10" name="Object 9">
+            <a:extLst>
+              <a:ext uri="{FF2B5EF4-FFF2-40B4-BE49-F238E27FC236}">
+                <a16:creationId xmlns:a16="http://schemas.microsoft.com/office/drawing/2014/main" id="{BB545758-0ECC-487D-A32A-6410828E9DB3}"/>
+              </a:ext>
+            </a:extLst>
+          </p:cNvPr>
+          <p:cNvGraphicFramePr>
+            <a:graphicFrameLocks noChangeAspect="1"/>
+          </p:cNvGraphicFramePr>
+          <p:nvPr>
+            <p:extLst>
+              <p:ext uri="{D42A27DB-BD31-4B8C-83A1-F6EECF244321}">
+                <p14:modId xmlns:p14="http://schemas.microsoft.com/office/powerpoint/2010/main" val="2243340552"/>
+              </p:ext>
+            </p:extLst>
+          </p:nvPr>
+        </p:nvGraphicFramePr>
+        <p:xfrm>
+          <a:off x="4186555" y="3162299"/>
+          <a:ext cx="1403350" cy="442913"/>
+        </p:xfrm>
+        <a:graphic>
+          <a:graphicData uri="http://schemas.openxmlformats.org/presentationml/2006/ole">
+            <mc:AlternateContent xmlns:mc="http://schemas.openxmlformats.org/markup-compatibility/2006">
+              <mc:Choice xmlns:v="urn:schemas-microsoft-com:vml" Requires="v">
+                <p:oleObj spid="_x0000_s1027" name="Packager Shell Object" showAsIcon="1" r:id="rId5" imgW="1402920" imgH="442800" progId="Package">
+                  <p:embed/>
+                </p:oleObj>
+              </mc:Choice>
+              <mc:Fallback>
+                <p:oleObj name="Packager Shell Object" showAsIcon="1" r:id="rId5" imgW="1402920" imgH="442800" progId="Package">
+                  <p:embed/>
+                  <p:pic>
+                    <p:nvPicPr>
+                      <p:cNvPr id="0" name=""/>
+                      <p:cNvPicPr/>
+                      <p:nvPr/>
+                    </p:nvPicPr>
+                    <p:blipFill>
+                      <a:blip r:embed="rId6"/>
+                      <a:stretch>
+                        <a:fillRect/>
+                      </a:stretch>
+                    </p:blipFill>
+                    <p:spPr>
+                      <a:xfrm>
+                        <a:off x="4186555" y="3162299"/>
+                        <a:ext cx="1403350" cy="442913"/>
+                      </a:xfrm>
+                      <a:prstGeom prst="rect">
+                        <a:avLst/>
+                      </a:prstGeom>
+                    </p:spPr>
+                  </p:pic>
+                </p:oleObj>
+              </mc:Fallback>
+            </mc:AlternateContent>
+          </a:graphicData>
+        </a:graphic>
+      </p:graphicFrame>
+    </p:spTree>
+    <p:extLst>
+      <p:ext uri="{BB962C8B-B14F-4D97-AF65-F5344CB8AC3E}">
+        <p14:creationId xmlns:p14="http://schemas.microsoft.com/office/powerpoint/2010/main" val="963468210"/>
+      </p:ext>
+    </p:extLst>
+  </p:cSld>
+  <p:clrMapOvr>
+    <a:masterClrMapping/>
+  </p:clrMapOvr>
 </p:sld>
 </file>
 
